--- a/03 코틀린 기본 문법.pptx
+++ b/03 코틀린 기본 문법.pptx
@@ -7,8 +7,8 @@
   <p:sldIdLst>
     <p:sldId id="256" r:id="rId2"/>
     <p:sldId id="257" r:id="rId3"/>
-    <p:sldId id="258" r:id="rId4"/>
-    <p:sldId id="259" r:id="rId5"/>
+    <p:sldId id="259" r:id="rId4"/>
+    <p:sldId id="258" r:id="rId5"/>
     <p:sldId id="260" r:id="rId6"/>
     <p:sldId id="261" r:id="rId7"/>
     <p:sldId id="262" r:id="rId8"/>
@@ -16,8 +16,20 @@
     <p:sldId id="264" r:id="rId10"/>
     <p:sldId id="265" r:id="rId11"/>
     <p:sldId id="266" r:id="rId12"/>
-    <p:sldId id="267" r:id="rId13"/>
-    <p:sldId id="268" r:id="rId14"/>
+    <p:sldId id="269" r:id="rId13"/>
+    <p:sldId id="270" r:id="rId14"/>
+    <p:sldId id="271" r:id="rId15"/>
+    <p:sldId id="272" r:id="rId16"/>
+    <p:sldId id="273" r:id="rId17"/>
+    <p:sldId id="274" r:id="rId18"/>
+    <p:sldId id="267" r:id="rId19"/>
+    <p:sldId id="268" r:id="rId20"/>
+    <p:sldId id="275" r:id="rId21"/>
+    <p:sldId id="276" r:id="rId22"/>
+    <p:sldId id="277" r:id="rId23"/>
+    <p:sldId id="278" r:id="rId24"/>
+    <p:sldId id="279" r:id="rId25"/>
+    <p:sldId id="280" r:id="rId26"/>
   </p:sldIdLst>
   <p:sldSz cx="12192000" cy="6858000"/>
   <p:notesSz cx="6858000" cy="9144000"/>
@@ -116,6 +128,11 @@
       </a:defRPr>
     </a:lvl9pPr>
   </p:defaultTextStyle>
+  <p:extLst>
+    <p:ext uri="{EFAFB233-063F-42B5-8137-9DF3F51BA10A}">
+      <p15:sldGuideLst xmlns:p15="http://schemas.microsoft.com/office/powerpoint/2012/main"/>
+    </p:ext>
+  </p:extLst>
 </p:presentation>
 </file>
 
@@ -873,7 +890,7 @@
           <a:p>
             <a:fld id="{05C222FE-6AC4-4895-A0F9-3ECEE8BEB2A2}" type="datetimeFigureOut">
               <a:rPr lang="ko-KR" altLang="en-US" smtClean="0"/>
-              <a:t>2024-03-27</a:t>
+              <a:t>2024-04-04</a:t>
             </a:fld>
             <a:endParaRPr lang="ko-KR" altLang="en-US"/>
           </a:p>
@@ -1310,7 +1327,7 @@
           <a:p>
             <a:fld id="{05C222FE-6AC4-4895-A0F9-3ECEE8BEB2A2}" type="datetimeFigureOut">
               <a:rPr lang="ko-KR" altLang="en-US" smtClean="0"/>
-              <a:t>2024-03-27</a:t>
+              <a:t>2024-04-04</a:t>
             </a:fld>
             <a:endParaRPr lang="ko-KR" altLang="en-US"/>
           </a:p>
@@ -2361,7 +2378,7 @@
           <a:p>
             <a:fld id="{05C222FE-6AC4-4895-A0F9-3ECEE8BEB2A2}" type="datetimeFigureOut">
               <a:rPr lang="ko-KR" altLang="en-US" smtClean="0"/>
-              <a:t>2024-03-27</a:t>
+              <a:t>2024-04-04</a:t>
             </a:fld>
             <a:endParaRPr lang="ko-KR" altLang="en-US"/>
           </a:p>
@@ -2551,7 +2568,7 @@
           <a:p>
             <a:fld id="{05C222FE-6AC4-4895-A0F9-3ECEE8BEB2A2}" type="datetimeFigureOut">
               <a:rPr lang="ko-KR" altLang="en-US" smtClean="0"/>
-              <a:t>2024-03-27</a:t>
+              <a:t>2024-04-04</a:t>
             </a:fld>
             <a:endParaRPr lang="ko-KR" altLang="en-US"/>
           </a:p>
@@ -3073,7 +3090,7 @@
           <a:p>
             <a:fld id="{05C222FE-6AC4-4895-A0F9-3ECEE8BEB2A2}" type="datetimeFigureOut">
               <a:rPr lang="ko-KR" altLang="en-US" smtClean="0"/>
-              <a:t>2024-03-27</a:t>
+              <a:t>2024-04-04</a:t>
             </a:fld>
             <a:endParaRPr lang="ko-KR" altLang="en-US"/>
           </a:p>
@@ -3510,7 +3527,7 @@
           <a:p>
             <a:fld id="{05C222FE-6AC4-4895-A0F9-3ECEE8BEB2A2}" type="datetimeFigureOut">
               <a:rPr lang="ko-KR" altLang="en-US" smtClean="0"/>
-              <a:t>2024-03-27</a:t>
+              <a:t>2024-04-04</a:t>
             </a:fld>
             <a:endParaRPr lang="ko-KR" altLang="en-US"/>
           </a:p>
@@ -4204,7 +4221,7 @@
           <a:p>
             <a:fld id="{05C222FE-6AC4-4895-A0F9-3ECEE8BEB2A2}" type="datetimeFigureOut">
               <a:rPr lang="ko-KR" altLang="en-US" smtClean="0"/>
-              <a:t>2024-03-27</a:t>
+              <a:t>2024-04-04</a:t>
             </a:fld>
             <a:endParaRPr lang="ko-KR" altLang="en-US"/>
           </a:p>
@@ -4543,7 +4560,7 @@
           <a:p>
             <a:fld id="{05C222FE-6AC4-4895-A0F9-3ECEE8BEB2A2}" type="datetimeFigureOut">
               <a:rPr lang="ko-KR" altLang="en-US" smtClean="0"/>
-              <a:t>2024-03-27</a:t>
+              <a:t>2024-04-04</a:t>
             </a:fld>
             <a:endParaRPr lang="ko-KR" altLang="en-US"/>
           </a:p>
@@ -4822,7 +4839,7 @@
           <a:p>
             <a:fld id="{05C222FE-6AC4-4895-A0F9-3ECEE8BEB2A2}" type="datetimeFigureOut">
               <a:rPr lang="ko-KR" altLang="en-US" smtClean="0"/>
-              <a:t>2024-03-27</a:t>
+              <a:t>2024-04-04</a:t>
             </a:fld>
             <a:endParaRPr lang="ko-KR" altLang="en-US"/>
           </a:p>
@@ -5474,7 +5491,7 @@
           <a:p>
             <a:fld id="{05C222FE-6AC4-4895-A0F9-3ECEE8BEB2A2}" type="datetimeFigureOut">
               <a:rPr lang="ko-KR" altLang="en-US" smtClean="0"/>
-              <a:t>2024-03-27</a:t>
+              <a:t>2024-04-04</a:t>
             </a:fld>
             <a:endParaRPr lang="ko-KR" altLang="en-US"/>
           </a:p>
@@ -5899,7 +5916,7 @@
           <a:p>
             <a:fld id="{05C222FE-6AC4-4895-A0F9-3ECEE8BEB2A2}" type="datetimeFigureOut">
               <a:rPr lang="ko-KR" altLang="en-US" smtClean="0"/>
-              <a:t>2024-03-27</a:t>
+              <a:t>2024-04-04</a:t>
             </a:fld>
             <a:endParaRPr lang="ko-KR" altLang="en-US"/>
           </a:p>
@@ -10193,7 +10210,7 @@
           <a:p>
             <a:fld id="{05C222FE-6AC4-4895-A0F9-3ECEE8BEB2A2}" type="datetimeFigureOut">
               <a:rPr lang="ko-KR" altLang="en-US" smtClean="0"/>
-              <a:t>2024-03-27</a:t>
+              <a:t>2024-04-04</a:t>
             </a:fld>
             <a:endParaRPr lang="ko-KR" altLang="en-US"/>
           </a:p>
@@ -10798,7 +10815,11 @@
               <a:t>‘</a:t>
             </a:r>
             <a:r>
-              <a:rPr lang="ko-KR" altLang="en-US" dirty="0"/>
+              <a:rPr lang="ko-KR" altLang="en-US" dirty="0">
+                <a:solidFill>
+                  <a:srgbClr val="FF0000"/>
+                </a:solidFill>
+              </a:rPr>
               <a:t>파라미터</a:t>
             </a:r>
             <a:r>
@@ -10806,27 +10827,51 @@
               <a:t>’</a:t>
             </a:r>
             <a:r>
-              <a:rPr lang="ko-KR" altLang="en-US" dirty="0"/>
-              <a:t>없이 사용</a:t>
+              <a:rPr lang="ko-KR" altLang="en-US" dirty="0">
+                <a:solidFill>
+                  <a:srgbClr val="FF0000"/>
+                </a:solidFill>
+              </a:rPr>
+              <a:t>없이</a:t>
+            </a:r>
+            <a:r>
+              <a:rPr lang="ko-KR" altLang="en-US" dirty="0"/>
+              <a:t> 사용</a:t>
             </a:r>
             <a:endParaRPr lang="en-US" altLang="ko-KR" dirty="0"/>
           </a:p>
           <a:p>
             <a:pPr lvl="1"/>
             <a:r>
-              <a:rPr lang="en-US" altLang="ko-KR" dirty="0"/>
+              <a:rPr lang="en-US" altLang="ko-KR" dirty="0">
+                <a:solidFill>
+                  <a:srgbClr val="FF0000"/>
+                </a:solidFill>
+              </a:rPr>
               <a:t>when {</a:t>
             </a:r>
           </a:p>
           <a:p>
             <a:pPr lvl="2"/>
             <a:r>
-              <a:rPr lang="ko-KR" altLang="en-US" dirty="0"/>
+              <a:rPr lang="ko-KR" altLang="en-US" dirty="0">
+                <a:solidFill>
+                  <a:srgbClr val="FF0000"/>
+                </a:solidFill>
+              </a:rPr>
               <a:t>조건</a:t>
             </a:r>
             <a:r>
-              <a:rPr lang="en-US" altLang="ko-KR" dirty="0"/>
-              <a:t>1 -&gt; { </a:t>
+              <a:rPr lang="en-US" altLang="ko-KR" dirty="0">
+                <a:solidFill>
+                  <a:srgbClr val="FF0000"/>
+                </a:solidFill>
+              </a:rPr>
+              <a:t>1</a:t>
+            </a:r>
+            <a:r>
+              <a:rPr lang="en-US" altLang="ko-KR" dirty="0"/>
+              <a:t> -&gt; { </a:t>
             </a:r>
             <a:r>
               <a:rPr lang="ko-KR" altLang="en-US" dirty="0"/>
@@ -10848,12 +10893,24 @@
           <a:p>
             <a:pPr lvl="2"/>
             <a:r>
-              <a:rPr lang="ko-KR" altLang="en-US" dirty="0"/>
+              <a:rPr lang="ko-KR" altLang="en-US" dirty="0">
+                <a:solidFill>
+                  <a:srgbClr val="FF0000"/>
+                </a:solidFill>
+              </a:rPr>
               <a:t>조건</a:t>
             </a:r>
             <a:r>
-              <a:rPr lang="en-US" altLang="ko-KR" dirty="0"/>
-              <a:t>2 -&gt; { </a:t>
+              <a:rPr lang="en-US" altLang="ko-KR" dirty="0">
+                <a:solidFill>
+                  <a:srgbClr val="FF0000"/>
+                </a:solidFill>
+              </a:rPr>
+              <a:t>2</a:t>
+            </a:r>
+            <a:r>
+              <a:rPr lang="en-US" altLang="ko-KR" dirty="0"/>
+              <a:t> -&gt; { </a:t>
             </a:r>
             <a:r>
               <a:rPr lang="ko-KR" altLang="en-US" dirty="0"/>
@@ -10882,8 +10939,16 @@
           <a:p>
             <a:pPr lvl="2"/>
             <a:r>
-              <a:rPr lang="en-US" altLang="ko-KR" dirty="0"/>
-              <a:t>Else { </a:t>
+              <a:rPr lang="en-US" altLang="ko-KR" dirty="0">
+                <a:solidFill>
+                  <a:srgbClr val="FF0000"/>
+                </a:solidFill>
+              </a:rPr>
+              <a:t>else</a:t>
+            </a:r>
+            <a:r>
+              <a:rPr lang="en-US" altLang="ko-KR" dirty="0"/>
+              <a:t> { </a:t>
             </a:r>
             <a:r>
               <a:rPr lang="ko-KR" altLang="en-US" dirty="0"/>
@@ -10992,10 +11057,606 @@
         </p:nvSpPr>
         <p:spPr/>
         <p:txBody>
-          <a:bodyPr/>
+          <a:bodyPr>
+            <a:normAutofit lnSpcReduction="10000"/>
+          </a:bodyPr>
           <a:lstStyle/>
           <a:p>
-            <a:endParaRPr lang="ko-KR" altLang="en-US" dirty="0"/>
+            <a:pPr algn="just"/>
+            <a:r>
+              <a:rPr lang="ko-KR" altLang="en-US" sz="3000" b="0" u="none" strike="noStrike" baseline="0" dirty="0">
+                <a:solidFill>
+                  <a:srgbClr val="211D1E"/>
+                </a:solidFill>
+                <a:latin typeface="?"/>
+              </a:rPr>
+              <a:t>배열 변수 선언 </a:t>
+            </a:r>
+          </a:p>
+          <a:p>
+            <a:pPr lvl="1" algn="just"/>
+            <a:r>
+              <a:rPr lang="en-US" altLang="ko-KR" sz="2600" b="0" u="none" strike="noStrike" baseline="0" dirty="0">
+                <a:solidFill>
+                  <a:srgbClr val="211D1E"/>
+                </a:solidFill>
+                <a:latin typeface="?"/>
+              </a:rPr>
+              <a:t>var </a:t>
+            </a:r>
+            <a:r>
+              <a:rPr lang="ko-KR" altLang="en-US" sz="2600" b="0" u="none" strike="noStrike" baseline="0" dirty="0">
+                <a:solidFill>
+                  <a:srgbClr val="211D1E"/>
+                </a:solidFill>
+                <a:latin typeface="?"/>
+              </a:rPr>
+              <a:t>변수 </a:t>
+            </a:r>
+            <a:r>
+              <a:rPr lang="en-US" altLang="ko-KR" sz="2600" b="0" u="none" strike="noStrike" baseline="0" dirty="0">
+                <a:solidFill>
+                  <a:srgbClr val="211D1E"/>
+                </a:solidFill>
+                <a:latin typeface="?"/>
+              </a:rPr>
+              <a:t>= </a:t>
+            </a:r>
+            <a:r>
+              <a:rPr lang="en-US" altLang="ko-KR" sz="2600" b="0" u="none" strike="noStrike" baseline="0" dirty="0" err="1">
+                <a:solidFill>
+                  <a:srgbClr val="211D1E"/>
+                </a:solidFill>
+                <a:latin typeface="?"/>
+              </a:rPr>
+              <a:t>IntArray</a:t>
+            </a:r>
+            <a:r>
+              <a:rPr lang="en-US" altLang="ko-KR" sz="2600" b="0" u="none" strike="noStrike" baseline="0" dirty="0">
+                <a:solidFill>
+                  <a:srgbClr val="211D1E"/>
+                </a:solidFill>
+                <a:latin typeface="?"/>
+              </a:rPr>
+              <a:t>(</a:t>
+            </a:r>
+            <a:r>
+              <a:rPr lang="ko-KR" altLang="en-US" sz="2600" b="0" u="none" strike="noStrike" baseline="0" dirty="0">
+                <a:solidFill>
+                  <a:srgbClr val="211D1E"/>
+                </a:solidFill>
+                <a:latin typeface="?"/>
+              </a:rPr>
+              <a:t>개수</a:t>
+            </a:r>
+            <a:r>
+              <a:rPr lang="en-US" altLang="ko-KR" sz="2600" b="0" u="none" strike="noStrike" baseline="0" dirty="0">
+                <a:solidFill>
+                  <a:srgbClr val="211D1E"/>
+                </a:solidFill>
+                <a:latin typeface="?"/>
+              </a:rPr>
+              <a:t>) </a:t>
+            </a:r>
+          </a:p>
+          <a:p>
+            <a:pPr lvl="1" algn="just"/>
+            <a:r>
+              <a:rPr lang="ko-KR" altLang="en-US" sz="2600" b="0" u="none" strike="noStrike" baseline="0" dirty="0">
+                <a:solidFill>
+                  <a:srgbClr val="211D1E"/>
+                </a:solidFill>
+                <a:latin typeface="?"/>
+              </a:rPr>
+              <a:t>예</a:t>
+            </a:r>
+            <a:r>
+              <a:rPr lang="en-US" altLang="ko-KR" sz="2600" b="0" u="none" strike="noStrike" baseline="0" dirty="0">
+                <a:solidFill>
+                  <a:srgbClr val="211D1E"/>
+                </a:solidFill>
+                <a:latin typeface="?"/>
+              </a:rPr>
+              <a:t>: var student = </a:t>
+            </a:r>
+            <a:r>
+              <a:rPr lang="en-US" altLang="ko-KR" sz="2600" b="0" u="none" strike="noStrike" baseline="0" dirty="0" err="1">
+                <a:solidFill>
+                  <a:srgbClr val="211D1E"/>
+                </a:solidFill>
+                <a:latin typeface="?"/>
+              </a:rPr>
+              <a:t>IntArray</a:t>
+            </a:r>
+            <a:r>
+              <a:rPr lang="en-US" altLang="ko-KR" sz="2600" b="0" u="none" strike="noStrike" baseline="0" dirty="0">
+                <a:solidFill>
+                  <a:srgbClr val="211D1E"/>
+                </a:solidFill>
+                <a:latin typeface="?"/>
+              </a:rPr>
+              <a:t>(10)    // </a:t>
+            </a:r>
+            <a:r>
+              <a:rPr lang="ko-KR" altLang="en-US" sz="2600" b="0" u="none" strike="noStrike" baseline="0" dirty="0">
+                <a:solidFill>
+                  <a:srgbClr val="211D1E"/>
+                </a:solidFill>
+                <a:latin typeface="?"/>
+              </a:rPr>
+              <a:t>정수 요소 </a:t>
+            </a:r>
+            <a:r>
+              <a:rPr lang="en-US" altLang="ko-KR" sz="2600" b="0" u="none" strike="noStrike" baseline="0" dirty="0">
+                <a:solidFill>
+                  <a:srgbClr val="211D1E"/>
+                </a:solidFill>
+                <a:latin typeface="?"/>
+              </a:rPr>
+              <a:t>10</a:t>
+            </a:r>
+            <a:r>
+              <a:rPr lang="ko-KR" altLang="en-US" sz="2600" b="0" u="none" strike="noStrike" baseline="0" dirty="0">
+                <a:solidFill>
+                  <a:srgbClr val="211D1E"/>
+                </a:solidFill>
+                <a:latin typeface="?"/>
+              </a:rPr>
+              <a:t>개 배열</a:t>
+            </a:r>
+            <a:endParaRPr lang="en-US" altLang="ko-KR" sz="2600" b="0" u="none" strike="noStrike" baseline="0" dirty="0">
+              <a:solidFill>
+                <a:srgbClr val="211D1E"/>
+              </a:solidFill>
+              <a:latin typeface="?"/>
+            </a:endParaRPr>
+          </a:p>
+          <a:p>
+            <a:pPr algn="just"/>
+            <a:r>
+              <a:rPr lang="ko-KR" altLang="en-US" sz="3000" dirty="0">
+                <a:solidFill>
+                  <a:srgbClr val="211D1E"/>
+                </a:solidFill>
+                <a:latin typeface="?"/>
+              </a:rPr>
+              <a:t>배열 변수의 타이</a:t>
+            </a:r>
+            <a:r>
+              <a:rPr lang="en-US" altLang="ko-KR" sz="3000" dirty="0">
+                <a:solidFill>
+                  <a:srgbClr val="211D1E"/>
+                </a:solidFill>
+                <a:latin typeface="?"/>
+              </a:rPr>
+              <a:t>	</a:t>
+            </a:r>
+          </a:p>
+          <a:p>
+            <a:pPr lvl="1" algn="just"/>
+            <a:r>
+              <a:rPr lang="en-US" altLang="ko-KR" sz="2600" b="0" u="none" strike="noStrike" baseline="0" dirty="0" err="1">
+                <a:solidFill>
+                  <a:srgbClr val="211D1E"/>
+                </a:solidFill>
+                <a:latin typeface="?"/>
+              </a:rPr>
+              <a:t>CharArray</a:t>
+            </a:r>
+            <a:r>
+              <a:rPr lang="en-US" altLang="ko-KR" sz="2600" b="0" u="none" strike="noStrike" baseline="0" dirty="0">
+                <a:solidFill>
+                  <a:srgbClr val="211D1E"/>
+                </a:solidFill>
+                <a:latin typeface="?"/>
+              </a:rPr>
+              <a:t>, </a:t>
+            </a:r>
+            <a:r>
+              <a:rPr lang="en-US" altLang="ko-KR" sz="2600" b="0" u="none" strike="noStrike" baseline="0" dirty="0" err="1">
+                <a:solidFill>
+                  <a:srgbClr val="211D1E"/>
+                </a:solidFill>
+                <a:latin typeface="?"/>
+              </a:rPr>
+              <a:t>ByteArray</a:t>
+            </a:r>
+            <a:r>
+              <a:rPr lang="en-US" altLang="ko-KR" sz="2600" b="0" u="none" strike="noStrike" baseline="0" dirty="0">
+                <a:solidFill>
+                  <a:srgbClr val="211D1E"/>
+                </a:solidFill>
+                <a:latin typeface="?"/>
+              </a:rPr>
+              <a:t>, </a:t>
+            </a:r>
+            <a:r>
+              <a:rPr lang="en-US" altLang="ko-KR" sz="2600" b="0" u="none" strike="noStrike" baseline="0" dirty="0" err="1">
+                <a:solidFill>
+                  <a:srgbClr val="211D1E"/>
+                </a:solidFill>
+                <a:latin typeface="?"/>
+              </a:rPr>
+              <a:t>ShortArray</a:t>
+            </a:r>
+            <a:r>
+              <a:rPr lang="en-US" altLang="ko-KR" sz="2600" b="0" u="none" strike="noStrike" baseline="0" dirty="0">
+                <a:solidFill>
+                  <a:srgbClr val="211D1E"/>
+                </a:solidFill>
+                <a:latin typeface="?"/>
+              </a:rPr>
+              <a:t>, </a:t>
+            </a:r>
+            <a:r>
+              <a:rPr lang="en-US" altLang="ko-KR" sz="2600" b="0" u="none" strike="noStrike" baseline="0" dirty="0" err="1">
+                <a:solidFill>
+                  <a:srgbClr val="211D1E"/>
+                </a:solidFill>
+                <a:latin typeface="?"/>
+              </a:rPr>
+              <a:t>IntArray</a:t>
+            </a:r>
+            <a:r>
+              <a:rPr lang="en-US" altLang="ko-KR" sz="2600" b="0" u="none" strike="noStrike" baseline="0" dirty="0">
+                <a:solidFill>
+                  <a:srgbClr val="211D1E"/>
+                </a:solidFill>
+                <a:latin typeface="?"/>
+              </a:rPr>
+              <a:t>, </a:t>
+            </a:r>
+            <a:r>
+              <a:rPr lang="en-US" altLang="ko-KR" sz="2600" b="0" u="none" strike="noStrike" baseline="0" dirty="0" err="1">
+                <a:solidFill>
+                  <a:srgbClr val="211D1E"/>
+                </a:solidFill>
+                <a:latin typeface="?"/>
+              </a:rPr>
+              <a:t>LognArray</a:t>
+            </a:r>
+            <a:endParaRPr lang="en-US" altLang="ko-KR" sz="2600" b="0" u="none" strike="noStrike" baseline="0" dirty="0">
+              <a:solidFill>
+                <a:srgbClr val="211D1E"/>
+              </a:solidFill>
+              <a:latin typeface="?"/>
+            </a:endParaRPr>
+          </a:p>
+          <a:p>
+            <a:pPr lvl="1" algn="just"/>
+            <a:r>
+              <a:rPr lang="en-US" altLang="ko-KR" sz="2600" dirty="0" err="1">
+                <a:solidFill>
+                  <a:srgbClr val="211D1E"/>
+                </a:solidFill>
+                <a:latin typeface="?"/>
+              </a:rPr>
+              <a:t>FloatArray</a:t>
+            </a:r>
+            <a:r>
+              <a:rPr lang="en-US" altLang="ko-KR" sz="2600" dirty="0">
+                <a:solidFill>
+                  <a:srgbClr val="211D1E"/>
+                </a:solidFill>
+                <a:latin typeface="?"/>
+              </a:rPr>
+              <a:t>, </a:t>
+            </a:r>
+            <a:r>
+              <a:rPr lang="en-US" altLang="ko-KR" sz="2600" dirty="0" err="1">
+                <a:solidFill>
+                  <a:srgbClr val="211D1E"/>
+                </a:solidFill>
+                <a:latin typeface="?"/>
+              </a:rPr>
+              <a:t>DoubleArray</a:t>
+            </a:r>
+            <a:r>
+              <a:rPr lang="en-US" altLang="ko-KR" sz="2600" dirty="0">
+                <a:solidFill>
+                  <a:srgbClr val="211D1E"/>
+                </a:solidFill>
+                <a:latin typeface="?"/>
+              </a:rPr>
+              <a:t>, </a:t>
+            </a:r>
+            <a:r>
+              <a:rPr lang="en-US" altLang="ko-KR" sz="2600" dirty="0" err="1">
+                <a:solidFill>
+                  <a:srgbClr val="211D1E"/>
+                </a:solidFill>
+                <a:latin typeface="?"/>
+              </a:rPr>
+              <a:t>BooleanArran</a:t>
+            </a:r>
+            <a:endParaRPr lang="en-US" altLang="ko-KR" sz="2600" dirty="0">
+              <a:solidFill>
+                <a:srgbClr val="211D1E"/>
+              </a:solidFill>
+              <a:latin typeface="?"/>
+            </a:endParaRPr>
+          </a:p>
+          <a:p>
+            <a:pPr algn="just"/>
+            <a:r>
+              <a:rPr lang="ko-KR" altLang="en-US" sz="3000" b="0" u="none" strike="noStrike" baseline="0" dirty="0">
+                <a:solidFill>
+                  <a:srgbClr val="211D1E"/>
+                </a:solidFill>
+                <a:latin typeface="?"/>
+              </a:rPr>
+              <a:t>배열</a:t>
+            </a:r>
+            <a:r>
+              <a:rPr lang="en-US" altLang="ko-KR" sz="3000" b="0" u="none" strike="noStrike" baseline="0" dirty="0">
+                <a:solidFill>
+                  <a:srgbClr val="211D1E"/>
+                </a:solidFill>
+                <a:latin typeface="?"/>
+              </a:rPr>
+              <a:t> </a:t>
+            </a:r>
+            <a:r>
+              <a:rPr lang="ko-KR" altLang="en-US" sz="3000" b="0" u="none" strike="noStrike" baseline="0" dirty="0">
+                <a:solidFill>
+                  <a:srgbClr val="211D1E"/>
+                </a:solidFill>
+                <a:latin typeface="?"/>
+              </a:rPr>
+              <a:t>변수의 선언과 배열 요소에 초기값 할당</a:t>
+            </a:r>
+            <a:endParaRPr lang="en-US" altLang="ko-KR" sz="3000" b="0" u="none" strike="noStrike" baseline="0" dirty="0">
+              <a:solidFill>
+                <a:srgbClr val="211D1E"/>
+              </a:solidFill>
+              <a:latin typeface="?"/>
+            </a:endParaRPr>
+          </a:p>
+          <a:p>
+            <a:pPr lvl="1" algn="just"/>
+            <a:r>
+              <a:rPr lang="en-US" altLang="ko-KR" sz="2600" dirty="0">
+                <a:solidFill>
+                  <a:srgbClr val="211D1E"/>
+                </a:solidFill>
+                <a:latin typeface="?"/>
+              </a:rPr>
+              <a:t>var </a:t>
+            </a:r>
+            <a:r>
+              <a:rPr lang="ko-KR" altLang="en-US" sz="2600" dirty="0">
+                <a:solidFill>
+                  <a:srgbClr val="211D1E"/>
+                </a:solidFill>
+                <a:latin typeface="?"/>
+              </a:rPr>
+              <a:t>변수 </a:t>
+            </a:r>
+            <a:r>
+              <a:rPr lang="en-US" altLang="ko-KR" sz="2600" dirty="0">
+                <a:solidFill>
+                  <a:srgbClr val="211D1E"/>
+                </a:solidFill>
+                <a:latin typeface="?"/>
+              </a:rPr>
+              <a:t>= Array(</a:t>
+            </a:r>
+            <a:r>
+              <a:rPr lang="ko-KR" altLang="en-US" sz="2600" dirty="0">
+                <a:solidFill>
+                  <a:srgbClr val="211D1E"/>
+                </a:solidFill>
+                <a:latin typeface="?"/>
+              </a:rPr>
+              <a:t>개수</a:t>
+            </a:r>
+            <a:r>
+              <a:rPr lang="en-US" altLang="ko-KR" sz="2600" dirty="0">
+                <a:solidFill>
+                  <a:srgbClr val="211D1E"/>
+                </a:solidFill>
+                <a:latin typeface="?"/>
+              </a:rPr>
+              <a:t>, { item-&gt;</a:t>
+            </a:r>
+            <a:r>
+              <a:rPr lang="ko-KR" altLang="en-US" sz="2600" dirty="0">
+                <a:solidFill>
+                  <a:srgbClr val="211D1E"/>
+                </a:solidFill>
+                <a:latin typeface="?"/>
+              </a:rPr>
+              <a:t>값 </a:t>
+            </a:r>
+            <a:r>
+              <a:rPr lang="en-US" altLang="ko-KR" sz="2600" dirty="0">
+                <a:solidFill>
+                  <a:srgbClr val="211D1E"/>
+                </a:solidFill>
+                <a:latin typeface="?"/>
+              </a:rPr>
+              <a:t>})</a:t>
+            </a:r>
+          </a:p>
+          <a:p>
+            <a:pPr lvl="1" algn="just"/>
+            <a:r>
+              <a:rPr lang="ko-KR" altLang="en-US" sz="2600" dirty="0">
+                <a:solidFill>
+                  <a:srgbClr val="211D1E"/>
+                </a:solidFill>
+                <a:latin typeface="?"/>
+              </a:rPr>
+              <a:t>예</a:t>
+            </a:r>
+            <a:r>
+              <a:rPr lang="en-US" altLang="ko-KR" sz="2600" dirty="0">
+                <a:solidFill>
+                  <a:srgbClr val="211D1E"/>
+                </a:solidFill>
+                <a:latin typeface="?"/>
+              </a:rPr>
+              <a:t>: var </a:t>
+            </a:r>
+            <a:r>
+              <a:rPr lang="en-US" altLang="ko-KR" sz="2600" dirty="0" err="1">
+                <a:solidFill>
+                  <a:srgbClr val="211D1E"/>
+                </a:solidFill>
+                <a:latin typeface="?"/>
+              </a:rPr>
+              <a:t>numArray</a:t>
+            </a:r>
+            <a:r>
+              <a:rPr lang="en-US" altLang="ko-KR" sz="2600" dirty="0">
+                <a:solidFill>
+                  <a:srgbClr val="211D1E"/>
+                </a:solidFill>
+                <a:latin typeface="?"/>
+              </a:rPr>
+              <a:t> = Array(5, {item -&gt; 0})    // Int(</a:t>
+            </a:r>
+            <a:r>
+              <a:rPr lang="ko-KR" altLang="en-US" sz="2600" dirty="0">
+                <a:solidFill>
+                  <a:srgbClr val="211D1E"/>
+                </a:solidFill>
+                <a:latin typeface="?"/>
+              </a:rPr>
+              <a:t>정수</a:t>
+            </a:r>
+            <a:r>
+              <a:rPr lang="en-US" altLang="ko-KR" sz="2600" dirty="0">
+                <a:solidFill>
+                  <a:srgbClr val="211D1E"/>
+                </a:solidFill>
+                <a:latin typeface="?"/>
+              </a:rPr>
+              <a:t>) </a:t>
+            </a:r>
+            <a:r>
+              <a:rPr lang="ko-KR" altLang="en-US" sz="2600" dirty="0">
+                <a:solidFill>
+                  <a:srgbClr val="211D1E"/>
+                </a:solidFill>
+                <a:latin typeface="?"/>
+              </a:rPr>
+              <a:t>타입</a:t>
+            </a:r>
+            <a:endParaRPr lang="en-US" altLang="ko-KR" sz="2600" dirty="0">
+              <a:solidFill>
+                <a:srgbClr val="211D1E"/>
+              </a:solidFill>
+              <a:latin typeface="?"/>
+            </a:endParaRPr>
+          </a:p>
+          <a:p>
+            <a:pPr lvl="1" algn="just"/>
+            <a:r>
+              <a:rPr lang="en-US" altLang="ko-KR" sz="2600" b="0" u="none" strike="noStrike" baseline="0" dirty="0">
+                <a:solidFill>
+                  <a:srgbClr val="211D1E"/>
+                </a:solidFill>
+                <a:latin typeface="?"/>
+              </a:rPr>
+              <a:t>     </a:t>
+            </a:r>
+            <a:r>
+              <a:rPr lang="en-US" altLang="ko-KR" sz="2600" dirty="0">
+                <a:solidFill>
+                  <a:srgbClr val="211D1E"/>
+                </a:solidFill>
+                <a:latin typeface="?"/>
+              </a:rPr>
+              <a:t>var</a:t>
+            </a:r>
+            <a:r>
+              <a:rPr lang="ko-KR" altLang="en-US" sz="2600" dirty="0">
+                <a:solidFill>
+                  <a:srgbClr val="211D1E"/>
+                </a:solidFill>
+                <a:latin typeface="?"/>
+              </a:rPr>
+              <a:t> </a:t>
+            </a:r>
+            <a:r>
+              <a:rPr lang="en-US" altLang="ko-KR" sz="2600" dirty="0" err="1">
+                <a:solidFill>
+                  <a:srgbClr val="211D1E"/>
+                </a:solidFill>
+                <a:latin typeface="?"/>
+              </a:rPr>
+              <a:t>stringArray</a:t>
+            </a:r>
+            <a:r>
+              <a:rPr lang="ko-KR" altLang="en-US" sz="2600" dirty="0">
+                <a:solidFill>
+                  <a:srgbClr val="211D1E"/>
+                </a:solidFill>
+                <a:latin typeface="?"/>
+              </a:rPr>
+              <a:t> </a:t>
+            </a:r>
+            <a:r>
+              <a:rPr lang="en-US" altLang="ko-KR" sz="2600" dirty="0">
+                <a:solidFill>
+                  <a:srgbClr val="211D1E"/>
+                </a:solidFill>
+                <a:latin typeface="?"/>
+              </a:rPr>
+              <a:t>=</a:t>
+            </a:r>
+            <a:r>
+              <a:rPr lang="ko-KR" altLang="en-US" sz="2600" dirty="0">
+                <a:solidFill>
+                  <a:srgbClr val="211D1E"/>
+                </a:solidFill>
+                <a:latin typeface="?"/>
+              </a:rPr>
+              <a:t> </a:t>
+            </a:r>
+            <a:r>
+              <a:rPr lang="en-US" altLang="ko-KR" sz="2600" dirty="0">
+                <a:solidFill>
+                  <a:srgbClr val="211D1E"/>
+                </a:solidFill>
+                <a:latin typeface="?"/>
+              </a:rPr>
+              <a:t>Array(5,</a:t>
+            </a:r>
+            <a:r>
+              <a:rPr lang="ko-KR" altLang="en-US" sz="2600" dirty="0">
+                <a:solidFill>
+                  <a:srgbClr val="211D1E"/>
+                </a:solidFill>
+                <a:latin typeface="?"/>
+              </a:rPr>
+              <a:t> </a:t>
+            </a:r>
+            <a:r>
+              <a:rPr lang="en-US" altLang="ko-KR" sz="2600" dirty="0">
+                <a:solidFill>
+                  <a:srgbClr val="211D1E"/>
+                </a:solidFill>
+                <a:latin typeface="?"/>
+              </a:rPr>
+              <a:t>{item -&gt; “”}) // String </a:t>
+            </a:r>
+            <a:r>
+              <a:rPr lang="ko-KR" altLang="en-US" sz="2600" dirty="0">
+                <a:solidFill>
+                  <a:srgbClr val="211D1E"/>
+                </a:solidFill>
+                <a:latin typeface="?"/>
+              </a:rPr>
+              <a:t>타입</a:t>
+            </a:r>
+            <a:endParaRPr lang="en-US" altLang="ko-KR" sz="2600" b="0" u="none" strike="noStrike" baseline="0" dirty="0">
+              <a:solidFill>
+                <a:srgbClr val="211D1E"/>
+              </a:solidFill>
+              <a:latin typeface="?"/>
+            </a:endParaRPr>
           </a:p>
         </p:txBody>
       </p:sp>
@@ -11034,6 +11695,1532 @@
           <p:cNvPr id="2" name="제목 1">
             <a:extLst>
               <a:ext uri="{FF2B5EF4-FFF2-40B4-BE49-F238E27FC236}">
+                <a16:creationId xmlns:a16="http://schemas.microsoft.com/office/drawing/2014/main" id="{FCC16889-49B1-EA95-378D-923E10F5670E}"/>
+              </a:ext>
+            </a:extLst>
+          </p:cNvPr>
+          <p:cNvSpPr>
+            <a:spLocks noGrp="1"/>
+          </p:cNvSpPr>
+          <p:nvPr>
+            <p:ph type="title"/>
+          </p:nvPr>
+        </p:nvSpPr>
+        <p:spPr/>
+        <p:txBody>
+          <a:bodyPr/>
+          <a:lstStyle/>
+          <a:p>
+            <a:endParaRPr lang="ko-KR" altLang="en-US"/>
+          </a:p>
+        </p:txBody>
+      </p:sp>
+      <p:sp>
+        <p:nvSpPr>
+          <p:cNvPr id="3" name="내용 개체 틀 2">
+            <a:extLst>
+              <a:ext uri="{FF2B5EF4-FFF2-40B4-BE49-F238E27FC236}">
+                <a16:creationId xmlns:a16="http://schemas.microsoft.com/office/drawing/2014/main" id="{6E7EC0E9-4E3F-1464-BB5F-019E5B071243}"/>
+              </a:ext>
+            </a:extLst>
+          </p:cNvPr>
+          <p:cNvSpPr>
+            <a:spLocks noGrp="1"/>
+          </p:cNvSpPr>
+          <p:nvPr>
+            <p:ph idx="1"/>
+          </p:nvPr>
+        </p:nvSpPr>
+        <p:spPr/>
+        <p:txBody>
+          <a:bodyPr>
+            <a:normAutofit lnSpcReduction="10000"/>
+          </a:bodyPr>
+          <a:lstStyle/>
+          <a:p>
+            <a:r>
+              <a:rPr lang="ko-KR" altLang="en-US" dirty="0"/>
+              <a:t>값으로 배열 공간 할당하기</a:t>
+            </a:r>
+            <a:endParaRPr lang="en-US" altLang="ko-KR" dirty="0"/>
+          </a:p>
+          <a:p>
+            <a:pPr lvl="1"/>
+            <a:r>
+              <a:rPr lang="ko-KR" altLang="en-US" dirty="0"/>
+              <a:t>예</a:t>
+            </a:r>
+            <a:r>
+              <a:rPr lang="en-US" altLang="ko-KR" dirty="0"/>
+              <a:t>: var </a:t>
+            </a:r>
+            <a:r>
+              <a:rPr lang="en-US" altLang="ko-KR" dirty="0" err="1"/>
+              <a:t>dayArray</a:t>
+            </a:r>
+            <a:r>
+              <a:rPr lang="en-US" altLang="ko-KR" dirty="0"/>
+              <a:t> = </a:t>
+            </a:r>
+          </a:p>
+          <a:p>
+            <a:pPr lvl="2"/>
+            <a:r>
+              <a:rPr lang="en-US" altLang="ko-KR" sz="2800" dirty="0"/>
+              <a:t>arrayOf(“sun”, “</a:t>
+            </a:r>
+            <a:r>
+              <a:rPr lang="en-US" altLang="ko-KR" sz="2800" dirty="0" err="1"/>
+              <a:t>mon</a:t>
+            </a:r>
+            <a:r>
+              <a:rPr lang="en-US" altLang="ko-KR" sz="2800" dirty="0"/>
+              <a:t>”, “</a:t>
+            </a:r>
+            <a:r>
+              <a:rPr lang="en-US" altLang="ko-KR" sz="2800" dirty="0" err="1"/>
+              <a:t>tue</a:t>
+            </a:r>
+            <a:r>
+              <a:rPr lang="en-US" altLang="ko-KR" sz="2800" dirty="0"/>
+              <a:t>”, “wed”, “</a:t>
+            </a:r>
+            <a:r>
+              <a:rPr lang="en-US" altLang="ko-KR" sz="2800" dirty="0" err="1"/>
+              <a:t>thu</a:t>
+            </a:r>
+            <a:r>
+              <a:rPr lang="en-US" altLang="ko-KR" sz="2800" dirty="0"/>
+              <a:t>”, “</a:t>
+            </a:r>
+            <a:r>
+              <a:rPr lang="en-US" altLang="ko-KR" sz="2800" dirty="0" err="1"/>
+              <a:t>fri</a:t>
+            </a:r>
+            <a:r>
+              <a:rPr lang="en-US" altLang="ko-KR" sz="2800" dirty="0"/>
+              <a:t>”, “sat”)</a:t>
+            </a:r>
+          </a:p>
+          <a:p>
+            <a:r>
+              <a:rPr lang="ko-KR" altLang="en-US" dirty="0"/>
+              <a:t>배열</a:t>
+            </a:r>
+            <a:r>
+              <a:rPr lang="en-US" altLang="ko-KR" dirty="0"/>
+              <a:t> </a:t>
+            </a:r>
+            <a:r>
+              <a:rPr lang="ko-KR" altLang="en-US" dirty="0"/>
+              <a:t>요소에 값 할당과 꺼내기</a:t>
+            </a:r>
+            <a:endParaRPr lang="en-US" altLang="ko-KR" dirty="0"/>
+          </a:p>
+          <a:p>
+            <a:pPr lvl="1"/>
+            <a:r>
+              <a:rPr lang="ko-KR" altLang="en-US" dirty="0" err="1"/>
+              <a:t>배열명</a:t>
+            </a:r>
+            <a:r>
+              <a:rPr lang="en-US" altLang="ko-KR" dirty="0"/>
+              <a:t>[</a:t>
+            </a:r>
+            <a:r>
+              <a:rPr lang="ko-KR" altLang="en-US" dirty="0"/>
+              <a:t>인덱스</a:t>
+            </a:r>
+            <a:r>
+              <a:rPr lang="en-US" altLang="ko-KR" dirty="0"/>
+              <a:t>] = </a:t>
+            </a:r>
+            <a:r>
+              <a:rPr lang="ko-KR" altLang="en-US" dirty="0"/>
+              <a:t>값                 변수 </a:t>
+            </a:r>
+            <a:r>
+              <a:rPr lang="en-US" altLang="ko-KR" dirty="0"/>
+              <a:t>= </a:t>
+            </a:r>
+            <a:r>
+              <a:rPr lang="ko-KR" altLang="en-US" dirty="0" err="1"/>
+              <a:t>배열명</a:t>
+            </a:r>
+            <a:r>
+              <a:rPr lang="en-US" altLang="ko-KR" dirty="0"/>
+              <a:t>[</a:t>
+            </a:r>
+            <a:r>
+              <a:rPr lang="ko-KR" altLang="en-US" dirty="0"/>
+              <a:t>인덱스</a:t>
+            </a:r>
+            <a:r>
+              <a:rPr lang="en-US" altLang="ko-KR" dirty="0"/>
+              <a:t>]</a:t>
+            </a:r>
+          </a:p>
+          <a:p>
+            <a:pPr lvl="1"/>
+            <a:r>
+              <a:rPr lang="ko-KR" altLang="en-US" dirty="0" err="1"/>
+              <a:t>배열명</a:t>
+            </a:r>
+            <a:r>
+              <a:rPr lang="en-US" altLang="ko-KR" dirty="0"/>
+              <a:t>.set(</a:t>
+            </a:r>
+            <a:r>
+              <a:rPr lang="ko-KR" altLang="en-US" dirty="0"/>
+              <a:t>인덱스</a:t>
+            </a:r>
+            <a:r>
+              <a:rPr lang="en-US" altLang="ko-KR" dirty="0"/>
+              <a:t>, </a:t>
+            </a:r>
+            <a:r>
+              <a:rPr lang="ko-KR" altLang="en-US" dirty="0"/>
+              <a:t>값</a:t>
+            </a:r>
+            <a:r>
+              <a:rPr lang="en-US" altLang="ko-KR" dirty="0"/>
+              <a:t>)             </a:t>
+            </a:r>
+            <a:r>
+              <a:rPr lang="ko-KR" altLang="en-US" dirty="0"/>
+              <a:t>변수 </a:t>
+            </a:r>
+            <a:r>
+              <a:rPr lang="en-US" altLang="ko-KR" dirty="0"/>
+              <a:t>= </a:t>
+            </a:r>
+            <a:r>
+              <a:rPr lang="ko-KR" altLang="en-US" dirty="0" err="1"/>
+              <a:t>배열명</a:t>
+            </a:r>
+            <a:r>
+              <a:rPr lang="en-US" altLang="ko-KR" dirty="0"/>
+              <a:t>.get(</a:t>
+            </a:r>
+            <a:r>
+              <a:rPr lang="ko-KR" altLang="en-US" dirty="0"/>
+              <a:t>인덱스</a:t>
+            </a:r>
+            <a:r>
+              <a:rPr lang="en-US" altLang="ko-KR" dirty="0"/>
+              <a:t>)</a:t>
+            </a:r>
+          </a:p>
+          <a:p>
+            <a:r>
+              <a:rPr lang="ko-KR" altLang="en-US" dirty="0"/>
+              <a:t>인덱스가 범위를 벗어날 때</a:t>
+            </a:r>
+            <a:endParaRPr lang="en-US" altLang="ko-KR" dirty="0"/>
+          </a:p>
+          <a:p>
+            <a:pPr lvl="1"/>
+            <a:r>
+              <a:rPr lang="ko-KR" altLang="en-US" dirty="0"/>
+              <a:t>예</a:t>
+            </a:r>
+            <a:r>
+              <a:rPr lang="en-US" altLang="ko-KR" dirty="0"/>
+              <a:t>: var </a:t>
+            </a:r>
+            <a:r>
+              <a:rPr lang="en-US" altLang="ko-KR" dirty="0" err="1"/>
+              <a:t>intArray</a:t>
+            </a:r>
+            <a:r>
+              <a:rPr lang="en-US" altLang="ko-KR" dirty="0"/>
+              <a:t> = </a:t>
+            </a:r>
+            <a:r>
+              <a:rPr lang="en-US" altLang="ko-KR" dirty="0" err="1"/>
+              <a:t>IntArray</a:t>
+            </a:r>
+            <a:r>
+              <a:rPr lang="en-US" altLang="ko-KR" dirty="0"/>
+              <a:t>(10)</a:t>
+            </a:r>
+          </a:p>
+          <a:p>
+            <a:pPr lvl="1"/>
+            <a:r>
+              <a:rPr lang="en-US" altLang="ko-KR" dirty="0"/>
+              <a:t>       </a:t>
+            </a:r>
+            <a:r>
+              <a:rPr lang="en-US" altLang="ko-KR" dirty="0" err="1"/>
+              <a:t>intArray</a:t>
+            </a:r>
+            <a:r>
+              <a:rPr lang="en-US" altLang="ko-KR" dirty="0"/>
+              <a:t>[10] = 100    // </a:t>
+            </a:r>
+            <a:r>
+              <a:rPr lang="en-US" altLang="ko-KR" dirty="0">
+                <a:solidFill>
+                  <a:srgbClr val="FF0000"/>
+                </a:solidFill>
+              </a:rPr>
+              <a:t>ArrayIndexOutOfBoundsException</a:t>
+            </a:r>
+            <a:endParaRPr lang="ko-KR" altLang="en-US" dirty="0">
+              <a:solidFill>
+                <a:srgbClr val="FF0000"/>
+              </a:solidFill>
+            </a:endParaRPr>
+          </a:p>
+        </p:txBody>
+      </p:sp>
+    </p:spTree>
+    <p:extLst>
+      <p:ext uri="{BB962C8B-B14F-4D97-AF65-F5344CB8AC3E}">
+        <p14:creationId xmlns:p14="http://schemas.microsoft.com/office/powerpoint/2010/main" val="4153645279"/>
+      </p:ext>
+    </p:extLst>
+  </p:cSld>
+  <p:clrMapOvr>
+    <a:masterClrMapping/>
+  </p:clrMapOvr>
+</p:sld>
+</file>
+
+<file path=ppt/slides/slide13.xml><?xml version="1.0" encoding="utf-8"?>
+<p:sld xmlns:a="http://schemas.openxmlformats.org/drawingml/2006/main" xmlns:r="http://schemas.openxmlformats.org/officeDocument/2006/relationships" xmlns:p="http://schemas.openxmlformats.org/presentationml/2006/main">
+  <p:cSld>
+    <p:spTree>
+      <p:nvGrpSpPr>
+        <p:cNvPr id="1" name=""/>
+        <p:cNvGrpSpPr/>
+        <p:nvPr/>
+      </p:nvGrpSpPr>
+      <p:grpSpPr>
+        <a:xfrm>
+          <a:off x="0" y="0"/>
+          <a:ext cx="0" cy="0"/>
+          <a:chOff x="0" y="0"/>
+          <a:chExt cx="0" cy="0"/>
+        </a:xfrm>
+      </p:grpSpPr>
+      <p:sp>
+        <p:nvSpPr>
+          <p:cNvPr id="2" name="제목 1">
+            <a:extLst>
+              <a:ext uri="{FF2B5EF4-FFF2-40B4-BE49-F238E27FC236}">
+                <a16:creationId xmlns:a16="http://schemas.microsoft.com/office/drawing/2014/main" id="{2856D578-A13D-6D77-0440-D253BFD1F876}"/>
+              </a:ext>
+            </a:extLst>
+          </p:cNvPr>
+          <p:cNvSpPr>
+            <a:spLocks noGrp="1"/>
+          </p:cNvSpPr>
+          <p:nvPr>
+            <p:ph type="title"/>
+          </p:nvPr>
+        </p:nvSpPr>
+        <p:spPr/>
+        <p:txBody>
+          <a:bodyPr/>
+          <a:lstStyle/>
+          <a:p>
+            <a:endParaRPr lang="ko-KR" altLang="en-US"/>
+          </a:p>
+        </p:txBody>
+      </p:sp>
+      <p:sp>
+        <p:nvSpPr>
+          <p:cNvPr id="3" name="내용 개체 틀 2">
+            <a:extLst>
+              <a:ext uri="{FF2B5EF4-FFF2-40B4-BE49-F238E27FC236}">
+                <a16:creationId xmlns:a16="http://schemas.microsoft.com/office/drawing/2014/main" id="{07287A6A-3089-C05A-ED5F-5224741E3EE2}"/>
+              </a:ext>
+            </a:extLst>
+          </p:cNvPr>
+          <p:cNvSpPr>
+            <a:spLocks noGrp="1"/>
+          </p:cNvSpPr>
+          <p:nvPr>
+            <p:ph idx="1"/>
+          </p:nvPr>
+        </p:nvSpPr>
+        <p:spPr/>
+        <p:txBody>
+          <a:bodyPr/>
+          <a:lstStyle/>
+          <a:p>
+            <a:r>
+              <a:rPr lang="ko-KR" altLang="en-US" dirty="0"/>
+              <a:t>컬렉션</a:t>
+            </a:r>
+            <a:endParaRPr lang="en-US" altLang="ko-KR" dirty="0"/>
+          </a:p>
+          <a:p>
+            <a:pPr lvl="1"/>
+            <a:r>
+              <a:rPr lang="ko-KR" altLang="en-US" dirty="0"/>
+              <a:t>배열과 같이 여러 개의 자료를 넣을 수 있는 데이터 집단</a:t>
+            </a:r>
+            <a:endParaRPr lang="en-US" altLang="ko-KR" dirty="0"/>
+          </a:p>
+          <a:p>
+            <a:pPr lvl="1"/>
+            <a:r>
+              <a:rPr lang="ko-KR" altLang="en-US" dirty="0"/>
+              <a:t>동적 배열</a:t>
+            </a:r>
+            <a:endParaRPr lang="en-US" altLang="ko-KR" dirty="0"/>
+          </a:p>
+          <a:p>
+            <a:pPr lvl="2"/>
+            <a:r>
+              <a:rPr lang="ko-KR" altLang="en-US" dirty="0"/>
+              <a:t>고정 크기</a:t>
+            </a:r>
+            <a:r>
+              <a:rPr lang="en-US" altLang="ko-KR" dirty="0"/>
+              <a:t>(</a:t>
+            </a:r>
+            <a:r>
+              <a:rPr lang="ko-KR" altLang="en-US" dirty="0"/>
+              <a:t>배열</a:t>
+            </a:r>
+            <a:r>
+              <a:rPr lang="en-US" altLang="ko-KR" dirty="0"/>
+              <a:t>) vs. </a:t>
+            </a:r>
+            <a:r>
+              <a:rPr lang="ko-KR" altLang="en-US" dirty="0"/>
+              <a:t>가변 크기</a:t>
+            </a:r>
+            <a:r>
+              <a:rPr lang="en-US" altLang="ko-KR" dirty="0"/>
+              <a:t>(</a:t>
+            </a:r>
+            <a:r>
+              <a:rPr lang="ko-KR" altLang="en-US" dirty="0"/>
+              <a:t>컬렉션</a:t>
+            </a:r>
+            <a:r>
+              <a:rPr lang="en-US" altLang="ko-KR" dirty="0"/>
+              <a:t>)</a:t>
+            </a:r>
+          </a:p>
+          <a:p>
+            <a:r>
+              <a:rPr lang="ko-KR" altLang="en-US" dirty="0"/>
+              <a:t>컬렉션의 종류</a:t>
+            </a:r>
+            <a:endParaRPr lang="en-US" altLang="ko-KR" dirty="0"/>
+          </a:p>
+          <a:p>
+            <a:pPr lvl="1"/>
+            <a:r>
+              <a:rPr lang="ko-KR" altLang="en-US" dirty="0"/>
+              <a:t>리스트 </a:t>
+            </a:r>
+            <a:r>
+              <a:rPr lang="en-US" altLang="ko-KR" dirty="0"/>
+              <a:t>	</a:t>
+            </a:r>
+            <a:r>
+              <a:rPr lang="en-US" altLang="ko-KR" dirty="0" err="1"/>
+              <a:t>mutableList</a:t>
+            </a:r>
+            <a:r>
+              <a:rPr lang="en-US" altLang="ko-KR" dirty="0"/>
+              <a:t>		</a:t>
+            </a:r>
+            <a:r>
+              <a:rPr lang="en-US" altLang="ko-KR" dirty="0">
+                <a:solidFill>
+                  <a:srgbClr val="FF0000"/>
+                </a:solidFill>
+              </a:rPr>
+              <a:t>**</a:t>
+            </a:r>
+            <a:r>
+              <a:rPr lang="en-US" altLang="ko-KR" dirty="0"/>
+              <a:t> </a:t>
+            </a:r>
+            <a:r>
+              <a:rPr lang="en-US" altLang="ko-KR" dirty="0">
+                <a:solidFill>
+                  <a:srgbClr val="FF0000"/>
+                </a:solidFill>
+              </a:rPr>
+              <a:t>mutable vs.</a:t>
+            </a:r>
+            <a:r>
+              <a:rPr lang="ko-KR" altLang="en-US" dirty="0">
+                <a:solidFill>
+                  <a:srgbClr val="FF0000"/>
+                </a:solidFill>
+              </a:rPr>
+              <a:t> </a:t>
+            </a:r>
+            <a:r>
+              <a:rPr lang="en-US" altLang="ko-KR" dirty="0">
+                <a:solidFill>
+                  <a:srgbClr val="FF0000"/>
+                </a:solidFill>
+              </a:rPr>
+              <a:t>immutable</a:t>
+            </a:r>
+          </a:p>
+          <a:p>
+            <a:pPr lvl="1"/>
+            <a:r>
+              <a:rPr lang="ko-KR" altLang="en-US" dirty="0"/>
+              <a:t>맵</a:t>
+            </a:r>
+            <a:r>
+              <a:rPr lang="en-US" altLang="ko-KR" dirty="0"/>
+              <a:t>		</a:t>
+            </a:r>
+            <a:r>
+              <a:rPr lang="en-US" altLang="ko-KR" dirty="0" err="1"/>
+              <a:t>mutableMap</a:t>
+            </a:r>
+            <a:endParaRPr lang="en-US" altLang="ko-KR" dirty="0"/>
+          </a:p>
+          <a:p>
+            <a:pPr lvl="1"/>
+            <a:r>
+              <a:rPr lang="ko-KR" altLang="en-US" dirty="0"/>
+              <a:t>셋</a:t>
+            </a:r>
+            <a:r>
+              <a:rPr lang="en-US" altLang="ko-KR" dirty="0"/>
+              <a:t>		</a:t>
+            </a:r>
+            <a:r>
+              <a:rPr lang="en-US" altLang="ko-KR" dirty="0" err="1"/>
+              <a:t>mutableSet</a:t>
+            </a:r>
+            <a:endParaRPr lang="ko-KR" altLang="en-US" dirty="0"/>
+          </a:p>
+        </p:txBody>
+      </p:sp>
+    </p:spTree>
+    <p:extLst>
+      <p:ext uri="{BB962C8B-B14F-4D97-AF65-F5344CB8AC3E}">
+        <p14:creationId xmlns:p14="http://schemas.microsoft.com/office/powerpoint/2010/main" val="1027633722"/>
+      </p:ext>
+    </p:extLst>
+  </p:cSld>
+  <p:clrMapOvr>
+    <a:masterClrMapping/>
+  </p:clrMapOvr>
+</p:sld>
+</file>
+
+<file path=ppt/slides/slide14.xml><?xml version="1.0" encoding="utf-8"?>
+<p:sld xmlns:a="http://schemas.openxmlformats.org/drawingml/2006/main" xmlns:r="http://schemas.openxmlformats.org/officeDocument/2006/relationships" xmlns:p="http://schemas.openxmlformats.org/presentationml/2006/main">
+  <p:cSld>
+    <p:spTree>
+      <p:nvGrpSpPr>
+        <p:cNvPr id="1" name=""/>
+        <p:cNvGrpSpPr/>
+        <p:nvPr/>
+      </p:nvGrpSpPr>
+      <p:grpSpPr>
+        <a:xfrm>
+          <a:off x="0" y="0"/>
+          <a:ext cx="0" cy="0"/>
+          <a:chOff x="0" y="0"/>
+          <a:chExt cx="0" cy="0"/>
+        </a:xfrm>
+      </p:grpSpPr>
+      <p:sp>
+        <p:nvSpPr>
+          <p:cNvPr id="2" name="제목 1">
+            <a:extLst>
+              <a:ext uri="{FF2B5EF4-FFF2-40B4-BE49-F238E27FC236}">
+                <a16:creationId xmlns:a16="http://schemas.microsoft.com/office/drawing/2014/main" id="{5A408BC2-3E9D-ABE8-C349-0349B4ADFFFA}"/>
+              </a:ext>
+            </a:extLst>
+          </p:cNvPr>
+          <p:cNvSpPr>
+            <a:spLocks noGrp="1"/>
+          </p:cNvSpPr>
+          <p:nvPr>
+            <p:ph type="title"/>
+          </p:nvPr>
+        </p:nvSpPr>
+        <p:spPr/>
+        <p:txBody>
+          <a:bodyPr/>
+          <a:lstStyle/>
+          <a:p>
+            <a:endParaRPr lang="ko-KR" altLang="en-US"/>
+          </a:p>
+        </p:txBody>
+      </p:sp>
+      <p:sp>
+        <p:nvSpPr>
+          <p:cNvPr id="3" name="내용 개체 틀 2">
+            <a:extLst>
+              <a:ext uri="{FF2B5EF4-FFF2-40B4-BE49-F238E27FC236}">
+                <a16:creationId xmlns:a16="http://schemas.microsoft.com/office/drawing/2014/main" id="{AD4A56A6-4A24-9B86-EB75-6168AB3C9360}"/>
+              </a:ext>
+            </a:extLst>
+          </p:cNvPr>
+          <p:cNvSpPr>
+            <a:spLocks noGrp="1"/>
+          </p:cNvSpPr>
+          <p:nvPr>
+            <p:ph idx="1"/>
+          </p:nvPr>
+        </p:nvSpPr>
+        <p:spPr/>
+        <p:txBody>
+          <a:bodyPr/>
+          <a:lstStyle/>
+          <a:p>
+            <a:r>
+              <a:rPr lang="en-US" altLang="ko-KR" dirty="0" err="1"/>
+              <a:t>mutableList</a:t>
+            </a:r>
+            <a:r>
+              <a:rPr lang="ko-KR" altLang="en-US" dirty="0"/>
+              <a:t> 생성과 데이터 추가</a:t>
+            </a:r>
+            <a:r>
+              <a:rPr lang="en-US" altLang="ko-KR" dirty="0"/>
+              <a:t>,</a:t>
+            </a:r>
+            <a:r>
+              <a:rPr lang="ko-KR" altLang="en-US" dirty="0"/>
+              <a:t> 삭제</a:t>
+            </a:r>
+            <a:r>
+              <a:rPr lang="en-US" altLang="ko-KR" dirty="0"/>
+              <a:t>, </a:t>
+            </a:r>
+            <a:r>
+              <a:rPr lang="ko-KR" altLang="en-US" dirty="0"/>
+              <a:t>사용</a:t>
+            </a:r>
+            <a:endParaRPr lang="en-US" altLang="ko-KR" dirty="0"/>
+          </a:p>
+          <a:p>
+            <a:pPr lvl="1"/>
+            <a:r>
+              <a:rPr lang="ko-KR" altLang="en-US" dirty="0"/>
+              <a:t>예</a:t>
+            </a:r>
+            <a:r>
+              <a:rPr lang="en-US" altLang="ko-KR" dirty="0"/>
+              <a:t>: var </a:t>
+            </a:r>
+            <a:r>
+              <a:rPr lang="en-US" altLang="ko-KR" dirty="0" err="1"/>
+              <a:t>mutableList</a:t>
+            </a:r>
+            <a:r>
+              <a:rPr lang="en-US" altLang="ko-KR" dirty="0"/>
+              <a:t> = </a:t>
+            </a:r>
+            <a:r>
+              <a:rPr lang="en-US" altLang="ko-KR" dirty="0" err="1">
+                <a:solidFill>
+                  <a:srgbClr val="FF0000"/>
+                </a:solidFill>
+              </a:rPr>
+              <a:t>mutableListOf</a:t>
+            </a:r>
+            <a:r>
+              <a:rPr lang="en-US" altLang="ko-KR" dirty="0">
+                <a:solidFill>
+                  <a:srgbClr val="FF0000"/>
+                </a:solidFill>
+              </a:rPr>
+              <a:t>(“Mon”, “Tue”)  </a:t>
+            </a:r>
+            <a:r>
+              <a:rPr lang="en-US" altLang="ko-KR" dirty="0"/>
+              <a:t>// </a:t>
+            </a:r>
+            <a:r>
+              <a:rPr lang="ko-KR" altLang="en-US" dirty="0"/>
+              <a:t>생성</a:t>
+            </a:r>
+            <a:endParaRPr lang="en-US" altLang="ko-KR" dirty="0"/>
+          </a:p>
+          <a:p>
+            <a:pPr lvl="1"/>
+            <a:r>
+              <a:rPr lang="en-US" altLang="ko-KR" dirty="0"/>
+              <a:t>       </a:t>
+            </a:r>
+            <a:r>
+              <a:rPr lang="en-US" altLang="ko-KR" dirty="0" err="1"/>
+              <a:t>mutableList.</a:t>
+            </a:r>
+            <a:r>
+              <a:rPr lang="en-US" altLang="ko-KR" dirty="0" err="1">
+                <a:solidFill>
+                  <a:srgbClr val="FF0000"/>
+                </a:solidFill>
+              </a:rPr>
+              <a:t>add</a:t>
+            </a:r>
+            <a:r>
+              <a:rPr lang="en-US" altLang="ko-KR" dirty="0">
+                <a:solidFill>
+                  <a:srgbClr val="FF0000"/>
+                </a:solidFill>
+              </a:rPr>
+              <a:t>(“Wed”)   </a:t>
+            </a:r>
+            <a:r>
+              <a:rPr lang="en-US" altLang="ko-KR" dirty="0"/>
+              <a:t>// </a:t>
+            </a:r>
+            <a:r>
+              <a:rPr lang="ko-KR" altLang="en-US" dirty="0"/>
+              <a:t>데이터 추가 </a:t>
+            </a:r>
+            <a:endParaRPr lang="en-US" altLang="ko-KR" dirty="0"/>
+          </a:p>
+          <a:p>
+            <a:pPr lvl="1"/>
+            <a:r>
+              <a:rPr lang="en-US" altLang="ko-KR" dirty="0"/>
+              <a:t>       mutableList.</a:t>
+            </a:r>
+            <a:r>
+              <a:rPr lang="en-US" altLang="ko-KR" dirty="0">
+                <a:solidFill>
+                  <a:srgbClr val="FF0000"/>
+                </a:solidFill>
+              </a:rPr>
+              <a:t>removeAt(0) </a:t>
+            </a:r>
+            <a:r>
+              <a:rPr lang="en-US" altLang="ko-KR" dirty="0"/>
+              <a:t> // 0 </a:t>
+            </a:r>
+            <a:r>
+              <a:rPr lang="ko-KR" altLang="en-US" dirty="0"/>
+              <a:t>번째 항목 삭제</a:t>
+            </a:r>
+            <a:endParaRPr lang="en-US" altLang="ko-KR" dirty="0"/>
+          </a:p>
+          <a:p>
+            <a:pPr lvl="1"/>
+            <a:r>
+              <a:rPr lang="en-US" altLang="ko-KR" dirty="0"/>
+              <a:t>       </a:t>
+            </a:r>
+            <a:r>
+              <a:rPr lang="en-US" altLang="ko-KR" dirty="0" err="1"/>
+              <a:t>Log.d</a:t>
+            </a:r>
+            <a:r>
+              <a:rPr lang="en-US" altLang="ko-KR" dirty="0"/>
+              <a:t>(“check”, “1</a:t>
+            </a:r>
+            <a:r>
+              <a:rPr lang="ko-KR" altLang="en-US" dirty="0"/>
+              <a:t>번째 값은 </a:t>
+            </a:r>
+            <a:r>
+              <a:rPr lang="en-US" altLang="ko-KR" dirty="0"/>
+              <a:t>${</a:t>
+            </a:r>
+            <a:r>
+              <a:rPr lang="en-US" altLang="ko-KR" dirty="0" err="1"/>
+              <a:t>mutableList.</a:t>
+            </a:r>
+            <a:r>
+              <a:rPr lang="en-US" altLang="ko-KR" dirty="0" err="1">
+                <a:solidFill>
+                  <a:srgbClr val="FF0000"/>
+                </a:solidFill>
+              </a:rPr>
+              <a:t>get</a:t>
+            </a:r>
+            <a:r>
+              <a:rPr lang="en-US" altLang="ko-KR" dirty="0">
+                <a:solidFill>
+                  <a:srgbClr val="FF0000"/>
+                </a:solidFill>
+              </a:rPr>
+              <a:t>(1)</a:t>
+            </a:r>
+            <a:r>
+              <a:rPr lang="en-US" altLang="ko-KR" dirty="0"/>
+              <a:t>}</a:t>
+            </a:r>
+            <a:r>
+              <a:rPr lang="ko-KR" altLang="en-US" dirty="0"/>
+              <a:t>이다</a:t>
+            </a:r>
+            <a:r>
+              <a:rPr lang="en-US" altLang="ko-KR" dirty="0"/>
+              <a:t>.”)	</a:t>
+            </a:r>
+          </a:p>
+          <a:p>
+            <a:r>
+              <a:rPr lang="en-US" altLang="ko-KR" dirty="0"/>
+              <a:t>Empty </a:t>
+            </a:r>
+            <a:r>
+              <a:rPr lang="en-US" altLang="ko-KR" dirty="0" err="1"/>
+              <a:t>mutableList</a:t>
+            </a:r>
+            <a:r>
+              <a:rPr lang="en-US" altLang="ko-KR" dirty="0"/>
+              <a:t> </a:t>
+            </a:r>
+          </a:p>
+          <a:p>
+            <a:pPr lvl="1"/>
+            <a:r>
+              <a:rPr lang="ko-KR" altLang="en-US" dirty="0"/>
+              <a:t>예</a:t>
+            </a:r>
+            <a:r>
+              <a:rPr lang="en-US" altLang="ko-KR" dirty="0"/>
+              <a:t>: var </a:t>
+            </a:r>
+            <a:r>
+              <a:rPr lang="en-US" altLang="ko-KR" dirty="0" err="1"/>
+              <a:t>emptyList</a:t>
+            </a:r>
+            <a:r>
+              <a:rPr lang="en-US" altLang="ko-KR" dirty="0"/>
+              <a:t> = </a:t>
+            </a:r>
+            <a:r>
+              <a:rPr lang="en-US" altLang="ko-KR" dirty="0" err="1"/>
+              <a:t>mutableListOf</a:t>
+            </a:r>
+            <a:r>
+              <a:rPr lang="en-US" altLang="ko-KR" dirty="0">
+                <a:solidFill>
+                  <a:srgbClr val="FF0000"/>
+                </a:solidFill>
+              </a:rPr>
+              <a:t>&lt;String&gt;</a:t>
+            </a:r>
+            <a:r>
+              <a:rPr lang="en-US" altLang="ko-KR" dirty="0"/>
+              <a:t>();  </a:t>
+            </a:r>
+          </a:p>
+          <a:p>
+            <a:pPr lvl="1"/>
+            <a:r>
+              <a:rPr lang="en-US" altLang="ko-KR" dirty="0"/>
+              <a:t>       // </a:t>
+            </a:r>
+            <a:r>
+              <a:rPr lang="ko-KR" altLang="en-US" dirty="0"/>
+              <a:t>값이 없어 타입 지정</a:t>
+            </a:r>
+            <a:endParaRPr lang="en-US" altLang="ko-KR" dirty="0"/>
+          </a:p>
+          <a:p>
+            <a:endParaRPr lang="ko-KR" altLang="en-US" dirty="0"/>
+          </a:p>
+        </p:txBody>
+      </p:sp>
+    </p:spTree>
+    <p:extLst>
+      <p:ext uri="{BB962C8B-B14F-4D97-AF65-F5344CB8AC3E}">
+        <p14:creationId xmlns:p14="http://schemas.microsoft.com/office/powerpoint/2010/main" val="970129716"/>
+      </p:ext>
+    </p:extLst>
+  </p:cSld>
+  <p:clrMapOvr>
+    <a:masterClrMapping/>
+  </p:clrMapOvr>
+</p:sld>
+</file>
+
+<file path=ppt/slides/slide15.xml><?xml version="1.0" encoding="utf-8"?>
+<p:sld xmlns:a="http://schemas.openxmlformats.org/drawingml/2006/main" xmlns:r="http://schemas.openxmlformats.org/officeDocument/2006/relationships" xmlns:p="http://schemas.openxmlformats.org/presentationml/2006/main">
+  <p:cSld>
+    <p:spTree>
+      <p:nvGrpSpPr>
+        <p:cNvPr id="1" name=""/>
+        <p:cNvGrpSpPr/>
+        <p:nvPr/>
+      </p:nvGrpSpPr>
+      <p:grpSpPr>
+        <a:xfrm>
+          <a:off x="0" y="0"/>
+          <a:ext cx="0" cy="0"/>
+          <a:chOff x="0" y="0"/>
+          <a:chExt cx="0" cy="0"/>
+        </a:xfrm>
+      </p:grpSpPr>
+      <p:sp>
+        <p:nvSpPr>
+          <p:cNvPr id="2" name="제목 1">
+            <a:extLst>
+              <a:ext uri="{FF2B5EF4-FFF2-40B4-BE49-F238E27FC236}">
+                <a16:creationId xmlns:a16="http://schemas.microsoft.com/office/drawing/2014/main" id="{F70662A1-87E0-5FC3-A8D2-6B73E0DDAFC4}"/>
+              </a:ext>
+            </a:extLst>
+          </p:cNvPr>
+          <p:cNvSpPr>
+            <a:spLocks noGrp="1"/>
+          </p:cNvSpPr>
+          <p:nvPr>
+            <p:ph type="title"/>
+          </p:nvPr>
+        </p:nvSpPr>
+        <p:spPr/>
+        <p:txBody>
+          <a:bodyPr/>
+          <a:lstStyle/>
+          <a:p>
+            <a:endParaRPr lang="ko-KR" altLang="en-US"/>
+          </a:p>
+        </p:txBody>
+      </p:sp>
+      <p:sp>
+        <p:nvSpPr>
+          <p:cNvPr id="3" name="내용 개체 틀 2">
+            <a:extLst>
+              <a:ext uri="{FF2B5EF4-FFF2-40B4-BE49-F238E27FC236}">
+                <a16:creationId xmlns:a16="http://schemas.microsoft.com/office/drawing/2014/main" id="{DFE7A767-3A1A-D23F-9166-7664C35CBF1B}"/>
+              </a:ext>
+            </a:extLst>
+          </p:cNvPr>
+          <p:cNvSpPr>
+            <a:spLocks noGrp="1"/>
+          </p:cNvSpPr>
+          <p:nvPr>
+            <p:ph idx="1"/>
+          </p:nvPr>
+        </p:nvSpPr>
+        <p:spPr/>
+        <p:txBody>
+          <a:bodyPr/>
+          <a:lstStyle/>
+          <a:p>
+            <a:r>
+              <a:rPr lang="en-US" altLang="ko-KR" dirty="0"/>
+              <a:t> </a:t>
+            </a:r>
+            <a:r>
+              <a:rPr lang="en-US" altLang="ko-KR" dirty="0" err="1"/>
+              <a:t>mutableList</a:t>
+            </a:r>
+            <a:r>
+              <a:rPr lang="ko-KR" altLang="en-US" dirty="0"/>
+              <a:t>의 크기 확인</a:t>
+            </a:r>
+            <a:endParaRPr lang="en-US" altLang="ko-KR" dirty="0"/>
+          </a:p>
+          <a:p>
+            <a:pPr lvl="1"/>
+            <a:r>
+              <a:rPr lang="ko-KR" altLang="en-US" dirty="0"/>
+              <a:t>예</a:t>
+            </a:r>
+            <a:r>
+              <a:rPr lang="en-US" altLang="ko-KR" dirty="0"/>
+              <a:t>: </a:t>
+            </a:r>
+            <a:r>
+              <a:rPr lang="en-US" altLang="ko-KR" dirty="0" err="1"/>
+              <a:t>mutableList.</a:t>
+            </a:r>
+            <a:r>
+              <a:rPr lang="en-US" altLang="ko-KR" dirty="0" err="1">
+                <a:solidFill>
+                  <a:srgbClr val="FF0000"/>
+                </a:solidFill>
+              </a:rPr>
+              <a:t>size</a:t>
+            </a:r>
+            <a:endParaRPr lang="en-US" altLang="ko-KR" dirty="0">
+              <a:solidFill>
+                <a:srgbClr val="FF0000"/>
+              </a:solidFill>
+            </a:endParaRPr>
+          </a:p>
+          <a:p>
+            <a:endParaRPr lang="en-US" altLang="ko-KR" dirty="0"/>
+          </a:p>
+          <a:p>
+            <a:r>
+              <a:rPr lang="en-US" altLang="ko-KR" dirty="0" err="1"/>
+              <a:t>mutableSet</a:t>
+            </a:r>
+            <a:endParaRPr lang="en-US" altLang="ko-KR" dirty="0"/>
+          </a:p>
+          <a:p>
+            <a:pPr lvl="1"/>
+            <a:r>
+              <a:rPr lang="ko-KR" altLang="en-US" dirty="0"/>
+              <a:t>데이터</a:t>
+            </a:r>
+            <a:r>
+              <a:rPr lang="en-US" altLang="ko-KR" dirty="0"/>
+              <a:t> </a:t>
+            </a:r>
+            <a:r>
+              <a:rPr lang="ko-KR" altLang="en-US" dirty="0"/>
+              <a:t>중복 허용 안됨</a:t>
+            </a:r>
+            <a:endParaRPr lang="en-US" altLang="ko-KR" dirty="0"/>
+          </a:p>
+          <a:p>
+            <a:pPr lvl="1"/>
+            <a:r>
+              <a:rPr lang="ko-KR" altLang="en-US" dirty="0"/>
+              <a:t>예</a:t>
+            </a:r>
+            <a:r>
+              <a:rPr lang="en-US" altLang="ko-KR" dirty="0"/>
+              <a:t>: var </a:t>
+            </a:r>
+            <a:r>
+              <a:rPr lang="en-US" altLang="ko-KR" dirty="0" err="1"/>
+              <a:t>mutableSet</a:t>
+            </a:r>
+            <a:r>
+              <a:rPr lang="en-US" altLang="ko-KR" dirty="0"/>
+              <a:t> = </a:t>
+            </a:r>
+            <a:r>
+              <a:rPr lang="en-US" altLang="ko-KR" dirty="0" err="1"/>
+              <a:t>mutableSetOf</a:t>
+            </a:r>
+            <a:r>
+              <a:rPr lang="en-US" altLang="ko-KR" dirty="0"/>
+              <a:t>(“Mon”, “Tue”)</a:t>
+            </a:r>
+          </a:p>
+          <a:p>
+            <a:pPr lvl="1"/>
+            <a:r>
+              <a:rPr lang="en-US" altLang="ko-KR" dirty="0"/>
+              <a:t>      var</a:t>
+            </a:r>
+            <a:r>
+              <a:rPr lang="ko-KR" altLang="en-US" dirty="0"/>
+              <a:t> </a:t>
+            </a:r>
+            <a:r>
+              <a:rPr lang="en-US" altLang="ko-KR" dirty="0" err="1"/>
+              <a:t>emptySet</a:t>
+            </a:r>
+            <a:r>
+              <a:rPr lang="ko-KR" altLang="en-US" dirty="0"/>
+              <a:t> </a:t>
+            </a:r>
+            <a:r>
+              <a:rPr lang="en-US" altLang="ko-KR" dirty="0"/>
+              <a:t>=</a:t>
+            </a:r>
+            <a:r>
+              <a:rPr lang="ko-KR" altLang="en-US" dirty="0"/>
+              <a:t> </a:t>
+            </a:r>
+            <a:r>
+              <a:rPr lang="en-US" altLang="ko-KR" dirty="0" err="1"/>
+              <a:t>mutableSetOf</a:t>
+            </a:r>
+            <a:r>
+              <a:rPr lang="en-US" altLang="ko-KR" dirty="0"/>
+              <a:t>&lt;String&gt;();</a:t>
+            </a:r>
+          </a:p>
+          <a:p>
+            <a:pPr marL="0" indent="0">
+              <a:buNone/>
+            </a:pPr>
+            <a:r>
+              <a:rPr lang="en-US" altLang="ko-KR" dirty="0"/>
+              <a:t>	</a:t>
+            </a:r>
+            <a:endParaRPr lang="ko-KR" altLang="en-US" dirty="0"/>
+          </a:p>
+        </p:txBody>
+      </p:sp>
+    </p:spTree>
+    <p:extLst>
+      <p:ext uri="{BB962C8B-B14F-4D97-AF65-F5344CB8AC3E}">
+        <p14:creationId xmlns:p14="http://schemas.microsoft.com/office/powerpoint/2010/main" val="2038413132"/>
+      </p:ext>
+    </p:extLst>
+  </p:cSld>
+  <p:clrMapOvr>
+    <a:masterClrMapping/>
+  </p:clrMapOvr>
+</p:sld>
+</file>
+
+<file path=ppt/slides/slide16.xml><?xml version="1.0" encoding="utf-8"?>
+<p:sld xmlns:a="http://schemas.openxmlformats.org/drawingml/2006/main" xmlns:r="http://schemas.openxmlformats.org/officeDocument/2006/relationships" xmlns:p="http://schemas.openxmlformats.org/presentationml/2006/main">
+  <p:cSld>
+    <p:spTree>
+      <p:nvGrpSpPr>
+        <p:cNvPr id="1" name=""/>
+        <p:cNvGrpSpPr/>
+        <p:nvPr/>
+      </p:nvGrpSpPr>
+      <p:grpSpPr>
+        <a:xfrm>
+          <a:off x="0" y="0"/>
+          <a:ext cx="0" cy="0"/>
+          <a:chOff x="0" y="0"/>
+          <a:chExt cx="0" cy="0"/>
+        </a:xfrm>
+      </p:grpSpPr>
+      <p:sp>
+        <p:nvSpPr>
+          <p:cNvPr id="2" name="제목 1">
+            <a:extLst>
+              <a:ext uri="{FF2B5EF4-FFF2-40B4-BE49-F238E27FC236}">
+                <a16:creationId xmlns:a16="http://schemas.microsoft.com/office/drawing/2014/main" id="{7428932D-C395-ED8D-C625-D8FFCFCD59B3}"/>
+              </a:ext>
+            </a:extLst>
+          </p:cNvPr>
+          <p:cNvSpPr>
+            <a:spLocks noGrp="1"/>
+          </p:cNvSpPr>
+          <p:nvPr>
+            <p:ph type="title"/>
+          </p:nvPr>
+        </p:nvSpPr>
+        <p:spPr/>
+        <p:txBody>
+          <a:bodyPr/>
+          <a:lstStyle/>
+          <a:p>
+            <a:endParaRPr lang="ko-KR" altLang="en-US"/>
+          </a:p>
+        </p:txBody>
+      </p:sp>
+      <p:sp>
+        <p:nvSpPr>
+          <p:cNvPr id="3" name="내용 개체 틀 2">
+            <a:extLst>
+              <a:ext uri="{FF2B5EF4-FFF2-40B4-BE49-F238E27FC236}">
+                <a16:creationId xmlns:a16="http://schemas.microsoft.com/office/drawing/2014/main" id="{E06EB95F-D719-54DA-8995-03A5910E16F9}"/>
+              </a:ext>
+            </a:extLst>
+          </p:cNvPr>
+          <p:cNvSpPr>
+            <a:spLocks noGrp="1"/>
+          </p:cNvSpPr>
+          <p:nvPr>
+            <p:ph idx="1"/>
+          </p:nvPr>
+        </p:nvSpPr>
+        <p:spPr/>
+        <p:txBody>
+          <a:bodyPr/>
+          <a:lstStyle/>
+          <a:p>
+            <a:r>
+              <a:rPr lang="en-US" altLang="ko-KR" dirty="0" err="1"/>
+              <a:t>mutableMap</a:t>
+            </a:r>
+            <a:endParaRPr lang="en-US" altLang="ko-KR" dirty="0"/>
+          </a:p>
+          <a:p>
+            <a:pPr lvl="1"/>
+            <a:r>
+              <a:rPr lang="en-US" altLang="ko-KR" dirty="0"/>
+              <a:t>map</a:t>
+            </a:r>
+            <a:r>
+              <a:rPr lang="ko-KR" altLang="en-US" dirty="0"/>
+              <a:t>은 </a:t>
+            </a:r>
+            <a:r>
+              <a:rPr lang="en-US" altLang="ko-KR" dirty="0"/>
+              <a:t>key</a:t>
+            </a:r>
+            <a:r>
+              <a:rPr lang="ko-KR" altLang="en-US" dirty="0"/>
+              <a:t>와 </a:t>
+            </a:r>
+            <a:r>
+              <a:rPr lang="en-US" altLang="ko-KR" dirty="0"/>
+              <a:t>value</a:t>
+            </a:r>
+            <a:r>
+              <a:rPr lang="ko-KR" altLang="en-US" dirty="0"/>
+              <a:t>의</a:t>
+            </a:r>
+            <a:r>
+              <a:rPr lang="en-US" altLang="ko-KR" dirty="0"/>
+              <a:t> </a:t>
+            </a:r>
+            <a:r>
+              <a:rPr lang="ko-KR" altLang="en-US" dirty="0"/>
+              <a:t>쌍으로 데이터 관리 </a:t>
+            </a:r>
+            <a:endParaRPr lang="en-US" altLang="ko-KR" dirty="0"/>
+          </a:p>
+          <a:p>
+            <a:pPr lvl="1"/>
+            <a:r>
+              <a:rPr lang="ko-KR" altLang="en-US" dirty="0"/>
+              <a:t>예</a:t>
+            </a:r>
+            <a:r>
+              <a:rPr lang="en-US" altLang="ko-KR" dirty="0"/>
+              <a:t>: var </a:t>
+            </a:r>
+            <a:r>
+              <a:rPr lang="en-US" altLang="ko-KR" dirty="0" err="1"/>
+              <a:t>mutableMap</a:t>
+            </a:r>
+            <a:r>
+              <a:rPr lang="en-US" altLang="ko-KR" dirty="0"/>
+              <a:t> = </a:t>
+            </a:r>
+            <a:r>
+              <a:rPr lang="en-US" altLang="ko-KR" dirty="0" err="1"/>
+              <a:t>mutableMapOf</a:t>
+            </a:r>
+            <a:r>
+              <a:rPr lang="en-US" altLang="ko-KR" dirty="0"/>
+              <a:t>&lt;String, String&gt;()</a:t>
+            </a:r>
+          </a:p>
+          <a:p>
+            <a:pPr lvl="1"/>
+            <a:r>
+              <a:rPr lang="en-US" altLang="ko-KR" dirty="0"/>
+              <a:t>       </a:t>
+            </a:r>
+            <a:r>
+              <a:rPr lang="en-US" altLang="ko-KR" dirty="0" err="1"/>
+              <a:t>mutableMap.put</a:t>
+            </a:r>
+            <a:r>
+              <a:rPr lang="en-US" altLang="ko-KR" dirty="0"/>
+              <a:t>(“key1”, “value1”)</a:t>
+            </a:r>
+          </a:p>
+          <a:p>
+            <a:pPr lvl="1"/>
+            <a:r>
+              <a:rPr lang="en-US" altLang="ko-KR" dirty="0"/>
+              <a:t>       </a:t>
+            </a:r>
+            <a:r>
+              <a:rPr lang="en-US" altLang="ko-KR" dirty="0" err="1"/>
+              <a:t>mutableMap.put</a:t>
+            </a:r>
+            <a:r>
+              <a:rPr lang="en-US" altLang="ko-KR" dirty="0"/>
+              <a:t>(“key”, “value2”)</a:t>
+            </a:r>
+          </a:p>
+          <a:p>
+            <a:pPr lvl="1"/>
+            <a:r>
+              <a:rPr lang="en-US" altLang="ko-KR" dirty="0"/>
+              <a:t>       </a:t>
+            </a:r>
+            <a:r>
+              <a:rPr lang="en-US" altLang="ko-KR" dirty="0" err="1"/>
+              <a:t>mutableMap.get</a:t>
+            </a:r>
+            <a:r>
+              <a:rPr lang="en-US" altLang="ko-KR" dirty="0"/>
+              <a:t>(“key1”)   // map</a:t>
+            </a:r>
+            <a:r>
+              <a:rPr lang="ko-KR" altLang="en-US" dirty="0"/>
+              <a:t>에 해당 </a:t>
+            </a:r>
+            <a:r>
+              <a:rPr lang="en-US" altLang="ko-KR" dirty="0"/>
+              <a:t>‘key1’</a:t>
+            </a:r>
+            <a:r>
+              <a:rPr lang="ko-KR" altLang="en-US" dirty="0"/>
+              <a:t>이 없으면 </a:t>
+            </a:r>
+            <a:r>
+              <a:rPr lang="en-US" altLang="ko-KR" dirty="0"/>
+              <a:t>null</a:t>
+            </a:r>
+          </a:p>
+          <a:p>
+            <a:pPr lvl="1"/>
+            <a:r>
+              <a:rPr lang="en-US" altLang="ko-KR" dirty="0"/>
+              <a:t>       var mutableMap2 = </a:t>
+            </a:r>
+          </a:p>
+          <a:p>
+            <a:pPr lvl="1"/>
+            <a:r>
+              <a:rPr lang="en-US" altLang="ko-KR" dirty="0"/>
+              <a:t>              </a:t>
+            </a:r>
+            <a:r>
+              <a:rPr lang="en-US" altLang="ko-KR" dirty="0" err="1"/>
+              <a:t>mutableMapOf</a:t>
+            </a:r>
+            <a:r>
+              <a:rPr lang="en-US" altLang="ko-KR" dirty="0"/>
+              <a:t>(“</a:t>
+            </a:r>
+            <a:r>
+              <a:rPr lang="ko-KR" altLang="en-US" dirty="0"/>
+              <a:t>키</a:t>
+            </a:r>
+            <a:r>
+              <a:rPr lang="en-US" altLang="ko-KR" dirty="0"/>
+              <a:t>1” to</a:t>
+            </a:r>
+            <a:r>
+              <a:rPr lang="ko-KR" altLang="en-US" dirty="0"/>
+              <a:t> </a:t>
+            </a:r>
+            <a:r>
+              <a:rPr lang="en-US" altLang="ko-KR" dirty="0"/>
+              <a:t>“</a:t>
+            </a:r>
+            <a:r>
+              <a:rPr lang="ko-KR" altLang="en-US" dirty="0"/>
+              <a:t>값</a:t>
+            </a:r>
+            <a:r>
+              <a:rPr lang="en-US" altLang="ko-KR" dirty="0"/>
+              <a:t>1”, “</a:t>
+            </a:r>
+            <a:r>
+              <a:rPr lang="ko-KR" altLang="en-US" dirty="0"/>
+              <a:t>키</a:t>
+            </a:r>
+            <a:r>
+              <a:rPr lang="en-US" altLang="ko-KR" dirty="0"/>
+              <a:t>2” to “</a:t>
+            </a:r>
+            <a:r>
+              <a:rPr lang="ko-KR" altLang="en-US" dirty="0"/>
+              <a:t>값</a:t>
+            </a:r>
+            <a:r>
+              <a:rPr lang="en-US" altLang="ko-KR" dirty="0"/>
+              <a:t>2”)</a:t>
+            </a:r>
+            <a:endParaRPr lang="ko-KR" altLang="en-US" dirty="0"/>
+          </a:p>
+        </p:txBody>
+      </p:sp>
+    </p:spTree>
+    <p:extLst>
+      <p:ext uri="{BB962C8B-B14F-4D97-AF65-F5344CB8AC3E}">
+        <p14:creationId xmlns:p14="http://schemas.microsoft.com/office/powerpoint/2010/main" val="1148531922"/>
+      </p:ext>
+    </p:extLst>
+  </p:cSld>
+  <p:clrMapOvr>
+    <a:masterClrMapping/>
+  </p:clrMapOvr>
+</p:sld>
+</file>
+
+<file path=ppt/slides/slide17.xml><?xml version="1.0" encoding="utf-8"?>
+<p:sld xmlns:a="http://schemas.openxmlformats.org/drawingml/2006/main" xmlns:r="http://schemas.openxmlformats.org/officeDocument/2006/relationships" xmlns:p="http://schemas.openxmlformats.org/presentationml/2006/main">
+  <p:cSld>
+    <p:spTree>
+      <p:nvGrpSpPr>
+        <p:cNvPr id="1" name=""/>
+        <p:cNvGrpSpPr/>
+        <p:nvPr/>
+      </p:nvGrpSpPr>
+      <p:grpSpPr>
+        <a:xfrm>
+          <a:off x="0" y="0"/>
+          <a:ext cx="0" cy="0"/>
+          <a:chOff x="0" y="0"/>
+          <a:chExt cx="0" cy="0"/>
+        </a:xfrm>
+      </p:grpSpPr>
+      <p:sp>
+        <p:nvSpPr>
+          <p:cNvPr id="2" name="제목 1">
+            <a:extLst>
+              <a:ext uri="{FF2B5EF4-FFF2-40B4-BE49-F238E27FC236}">
+                <a16:creationId xmlns:a16="http://schemas.microsoft.com/office/drawing/2014/main" id="{F01BF239-110E-44AE-3766-1A4D21292C26}"/>
+              </a:ext>
+            </a:extLst>
+          </p:cNvPr>
+          <p:cNvSpPr>
+            <a:spLocks noGrp="1"/>
+          </p:cNvSpPr>
+          <p:nvPr>
+            <p:ph type="title"/>
+          </p:nvPr>
+        </p:nvSpPr>
+        <p:spPr/>
+        <p:txBody>
+          <a:bodyPr/>
+          <a:lstStyle/>
+          <a:p>
+            <a:endParaRPr lang="ko-KR" altLang="en-US"/>
+          </a:p>
+        </p:txBody>
+      </p:sp>
+      <p:sp>
+        <p:nvSpPr>
+          <p:cNvPr id="3" name="내용 개체 틀 2">
+            <a:extLst>
+              <a:ext uri="{FF2B5EF4-FFF2-40B4-BE49-F238E27FC236}">
+                <a16:creationId xmlns:a16="http://schemas.microsoft.com/office/drawing/2014/main" id="{CABC9637-6C20-973A-CC8A-7C9662D64186}"/>
+              </a:ext>
+            </a:extLst>
+          </p:cNvPr>
+          <p:cNvSpPr>
+            <a:spLocks noGrp="1"/>
+          </p:cNvSpPr>
+          <p:nvPr>
+            <p:ph idx="1"/>
+          </p:nvPr>
+        </p:nvSpPr>
+        <p:spPr/>
+        <p:txBody>
+          <a:bodyPr/>
+          <a:lstStyle/>
+          <a:p>
+            <a:r>
+              <a:rPr lang="en-US" altLang="ko-KR" dirty="0"/>
+              <a:t>Immutable </a:t>
+            </a:r>
+            <a:r>
+              <a:rPr lang="ko-KR" altLang="en-US" dirty="0"/>
+              <a:t>컬렉션</a:t>
+            </a:r>
+            <a:endParaRPr lang="en-US" altLang="ko-KR" dirty="0"/>
+          </a:p>
+          <a:p>
+            <a:pPr lvl="1"/>
+            <a:r>
+              <a:rPr lang="ko-KR" altLang="en-US" dirty="0"/>
+              <a:t>예</a:t>
+            </a:r>
+            <a:r>
+              <a:rPr lang="en-US" altLang="ko-KR" dirty="0"/>
+              <a:t>: var </a:t>
+            </a:r>
+            <a:r>
+              <a:rPr lang="en-US" altLang="ko-KR" dirty="0" err="1"/>
+              <a:t>imList</a:t>
+            </a:r>
+            <a:r>
+              <a:rPr lang="en-US" altLang="ko-KR" dirty="0"/>
+              <a:t> = </a:t>
+            </a:r>
+            <a:r>
+              <a:rPr lang="en-US" altLang="ko-KR" dirty="0" err="1"/>
+              <a:t>listOf</a:t>
+            </a:r>
+            <a:r>
+              <a:rPr lang="en-US" altLang="ko-KR" dirty="0"/>
+              <a:t>(“1”, “2”)</a:t>
+            </a:r>
+          </a:p>
+          <a:p>
+            <a:pPr lvl="1"/>
+            <a:r>
+              <a:rPr lang="en-US" altLang="ko-KR" dirty="0"/>
+              <a:t>      </a:t>
+            </a:r>
+            <a:r>
+              <a:rPr lang="en-US" altLang="ko-KR" dirty="0" err="1"/>
+              <a:t>Log.d</a:t>
+            </a:r>
+            <a:r>
+              <a:rPr lang="en-US" altLang="ko-KR" dirty="0"/>
+              <a:t>(“check”, </a:t>
+            </a:r>
+          </a:p>
+          <a:p>
+            <a:pPr lvl="1"/>
+            <a:r>
+              <a:rPr lang="en-US" altLang="ko-KR" dirty="0"/>
+              <a:t>                   “</a:t>
+            </a:r>
+            <a:r>
+              <a:rPr lang="en-US" altLang="ko-KR" dirty="0" err="1"/>
+              <a:t>imList</a:t>
+            </a:r>
+            <a:r>
+              <a:rPr lang="ko-KR" altLang="en-US" dirty="0"/>
+              <a:t>의 두 번째 값은 </a:t>
+            </a:r>
+            <a:r>
+              <a:rPr lang="en-US" altLang="ko-KR" dirty="0"/>
+              <a:t>${</a:t>
+            </a:r>
+            <a:r>
+              <a:rPr lang="en-US" altLang="ko-KR" dirty="0" err="1"/>
+              <a:t>imList.get</a:t>
+            </a:r>
+            <a:r>
+              <a:rPr lang="en-US" altLang="ko-KR" dirty="0"/>
+              <a:t>[1]}</a:t>
+            </a:r>
+            <a:r>
+              <a:rPr lang="ko-KR" altLang="en-US" dirty="0"/>
+              <a:t>이다</a:t>
+            </a:r>
+            <a:r>
+              <a:rPr lang="en-US" altLang="ko-KR" dirty="0"/>
+              <a:t>.)”;</a:t>
+            </a:r>
+            <a:endParaRPr lang="ko-KR" altLang="en-US" dirty="0"/>
+          </a:p>
+        </p:txBody>
+      </p:sp>
+    </p:spTree>
+    <p:extLst>
+      <p:ext uri="{BB962C8B-B14F-4D97-AF65-F5344CB8AC3E}">
+        <p14:creationId xmlns:p14="http://schemas.microsoft.com/office/powerpoint/2010/main" val="1370076550"/>
+      </p:ext>
+    </p:extLst>
+  </p:cSld>
+  <p:clrMapOvr>
+    <a:masterClrMapping/>
+  </p:clrMapOvr>
+</p:sld>
+</file>
+
+<file path=ppt/slides/slide18.xml><?xml version="1.0" encoding="utf-8"?>
+<p:sld xmlns:a="http://schemas.openxmlformats.org/drawingml/2006/main" xmlns:r="http://schemas.openxmlformats.org/officeDocument/2006/relationships" xmlns:p="http://schemas.openxmlformats.org/presentationml/2006/main">
+  <p:cSld>
+    <p:spTree>
+      <p:nvGrpSpPr>
+        <p:cNvPr id="1" name=""/>
+        <p:cNvGrpSpPr/>
+        <p:nvPr/>
+      </p:nvGrpSpPr>
+      <p:grpSpPr>
+        <a:xfrm>
+          <a:off x="0" y="0"/>
+          <a:ext cx="0" cy="0"/>
+          <a:chOff x="0" y="0"/>
+          <a:chExt cx="0" cy="0"/>
+        </a:xfrm>
+      </p:grpSpPr>
+      <p:sp>
+        <p:nvSpPr>
+          <p:cNvPr id="2" name="제목 1">
+            <a:extLst>
+              <a:ext uri="{FF2B5EF4-FFF2-40B4-BE49-F238E27FC236}">
                 <a16:creationId xmlns:a16="http://schemas.microsoft.com/office/drawing/2014/main" id="{7F2F6E1F-8C25-6813-B250-773F42C30917}"/>
               </a:ext>
             </a:extLst>
@@ -11632,7 +13819,7 @@
 </p:sld>
 </file>
 
-<file path=ppt/slides/slide13.xml><?xml version="1.0" encoding="utf-8"?>
+<file path=ppt/slides/slide19.xml><?xml version="1.0" encoding="utf-8"?>
 <p:sld xmlns:a="http://schemas.openxmlformats.org/drawingml/2006/main" xmlns:r="http://schemas.openxmlformats.org/officeDocument/2006/relationships" xmlns:p="http://schemas.openxmlformats.org/presentationml/2006/main">
   <p:cSld>
     <p:spTree>
@@ -11729,7 +13916,114 @@
             </a:r>
           </a:p>
           <a:p>
-            <a:endParaRPr lang="ko-KR" altLang="en-US" dirty="0"/>
+            <a:endParaRPr lang="en-US" altLang="ko-KR" dirty="0"/>
+          </a:p>
+          <a:p>
+            <a:r>
+              <a:rPr lang="en-US" altLang="ko-KR" dirty="0"/>
+              <a:t>while </a:t>
+            </a:r>
+          </a:p>
+          <a:p>
+            <a:pPr lvl="1"/>
+            <a:r>
+              <a:rPr lang="en-US" altLang="ko-KR" dirty="0"/>
+              <a:t>while(</a:t>
+            </a:r>
+            <a:r>
+              <a:rPr lang="ko-KR" altLang="en-US" dirty="0"/>
+              <a:t>조건식</a:t>
+            </a:r>
+            <a:r>
+              <a:rPr lang="en-US" altLang="ko-KR" dirty="0"/>
+              <a:t>) { </a:t>
+            </a:r>
+            <a:r>
+              <a:rPr lang="ko-KR" altLang="en-US" dirty="0"/>
+              <a:t>반복</a:t>
+            </a:r>
+            <a:r>
+              <a:rPr lang="en-US" altLang="ko-KR" dirty="0"/>
+              <a:t> </a:t>
+            </a:r>
+            <a:r>
+              <a:rPr lang="ko-KR" altLang="en-US" dirty="0"/>
+              <a:t>실행할 문장</a:t>
+            </a:r>
+            <a:r>
+              <a:rPr lang="en-US" altLang="ko-KR" dirty="0"/>
+              <a:t>}</a:t>
+            </a:r>
+          </a:p>
+          <a:p>
+            <a:pPr lvl="1"/>
+            <a:r>
+              <a:rPr lang="en-US" altLang="ko-KR" dirty="0"/>
+              <a:t>do {</a:t>
+            </a:r>
+            <a:r>
+              <a:rPr lang="ko-KR" altLang="en-US" dirty="0"/>
+              <a:t>반복 실행할 문장</a:t>
+            </a:r>
+            <a:r>
+              <a:rPr lang="en-US" altLang="ko-KR" dirty="0"/>
+              <a:t>} while(</a:t>
+            </a:r>
+            <a:r>
+              <a:rPr lang="ko-KR" altLang="en-US" dirty="0"/>
+              <a:t>조건</a:t>
+            </a:r>
+            <a:r>
+              <a:rPr lang="en-US" altLang="ko-KR" dirty="0"/>
+              <a:t>)</a:t>
+            </a:r>
+          </a:p>
+          <a:p>
+            <a:pPr lvl="1"/>
+            <a:r>
+              <a:rPr lang="en-US" altLang="ko-KR" dirty="0"/>
+              <a:t>while</a:t>
+            </a:r>
+            <a:r>
+              <a:rPr lang="ko-KR" altLang="en-US" dirty="0"/>
+              <a:t>과 </a:t>
+            </a:r>
+            <a:r>
+              <a:rPr lang="en-US" altLang="ko-KR" dirty="0"/>
+              <a:t>do ~ while</a:t>
+            </a:r>
+            <a:r>
+              <a:rPr lang="ko-KR" altLang="en-US" dirty="0"/>
+              <a:t>의 차이점</a:t>
+            </a:r>
+            <a:endParaRPr lang="en-US" altLang="ko-KR" dirty="0"/>
+          </a:p>
+          <a:p>
+            <a:pPr lvl="2"/>
+            <a:r>
+              <a:rPr lang="en-US" altLang="ko-KR" dirty="0"/>
+              <a:t>while</a:t>
+            </a:r>
+            <a:r>
+              <a:rPr lang="ko-KR" altLang="en-US" dirty="0"/>
+              <a:t>은 한 번도 실행하지 않을 수 있지만</a:t>
+            </a:r>
+            <a:r>
+              <a:rPr lang="en-US" altLang="ko-KR" dirty="0"/>
+              <a:t>, do ~ while</a:t>
+            </a:r>
+            <a:r>
+              <a:rPr lang="ko-KR" altLang="en-US" dirty="0"/>
+              <a:t>은 최소 </a:t>
+            </a:r>
+            <a:r>
+              <a:rPr lang="en-US" altLang="ko-KR" dirty="0"/>
+              <a:t>1</a:t>
+            </a:r>
+            <a:r>
+              <a:rPr lang="ko-KR" altLang="en-US" dirty="0"/>
+              <a:t>번 실행</a:t>
+            </a:r>
           </a:p>
         </p:txBody>
       </p:sp>
@@ -11911,7 +14205,1303 @@
 </p:sld>
 </file>
 
+<file path=ppt/slides/slide20.xml><?xml version="1.0" encoding="utf-8"?>
+<p:sld xmlns:a="http://schemas.openxmlformats.org/drawingml/2006/main" xmlns:r="http://schemas.openxmlformats.org/officeDocument/2006/relationships" xmlns:p="http://schemas.openxmlformats.org/presentationml/2006/main">
+  <p:cSld>
+    <p:spTree>
+      <p:nvGrpSpPr>
+        <p:cNvPr id="1" name=""/>
+        <p:cNvGrpSpPr/>
+        <p:nvPr/>
+      </p:nvGrpSpPr>
+      <p:grpSpPr>
+        <a:xfrm>
+          <a:off x="0" y="0"/>
+          <a:ext cx="0" cy="0"/>
+          <a:chOff x="0" y="0"/>
+          <a:chExt cx="0" cy="0"/>
+        </a:xfrm>
+      </p:grpSpPr>
+      <p:sp>
+        <p:nvSpPr>
+          <p:cNvPr id="2" name="제목 1">
+            <a:extLst>
+              <a:ext uri="{FF2B5EF4-FFF2-40B4-BE49-F238E27FC236}">
+                <a16:creationId xmlns:a16="http://schemas.microsoft.com/office/drawing/2014/main" id="{E1D17636-FDDA-34E8-D0F5-52A27984DE93}"/>
+              </a:ext>
+            </a:extLst>
+          </p:cNvPr>
+          <p:cNvSpPr>
+            <a:spLocks noGrp="1"/>
+          </p:cNvSpPr>
+          <p:nvPr>
+            <p:ph type="title"/>
+          </p:nvPr>
+        </p:nvSpPr>
+        <p:spPr/>
+        <p:txBody>
+          <a:bodyPr/>
+          <a:lstStyle/>
+          <a:p>
+            <a:endParaRPr lang="ko-KR" altLang="en-US"/>
+          </a:p>
+        </p:txBody>
+      </p:sp>
+      <p:sp>
+        <p:nvSpPr>
+          <p:cNvPr id="3" name="내용 개체 틀 2">
+            <a:extLst>
+              <a:ext uri="{FF2B5EF4-FFF2-40B4-BE49-F238E27FC236}">
+                <a16:creationId xmlns:a16="http://schemas.microsoft.com/office/drawing/2014/main" id="{D67B95D8-8019-9642-A043-1988033A2C00}"/>
+              </a:ext>
+            </a:extLst>
+          </p:cNvPr>
+          <p:cNvSpPr>
+            <a:spLocks noGrp="1"/>
+          </p:cNvSpPr>
+          <p:nvPr>
+            <p:ph idx="1"/>
+          </p:nvPr>
+        </p:nvSpPr>
+        <p:spPr/>
+        <p:txBody>
+          <a:bodyPr/>
+          <a:lstStyle/>
+          <a:p>
+            <a:r>
+              <a:rPr lang="en-US" altLang="ko-KR" dirty="0"/>
+              <a:t>break</a:t>
+            </a:r>
+          </a:p>
+          <a:p>
+            <a:pPr lvl="1"/>
+            <a:r>
+              <a:rPr lang="ko-KR" altLang="en-US" dirty="0"/>
+              <a:t>예</a:t>
+            </a:r>
+            <a:r>
+              <a:rPr lang="en-US" altLang="ko-KR" dirty="0"/>
+              <a:t>: for(index in 1..10) {</a:t>
+            </a:r>
+          </a:p>
+          <a:p>
+            <a:pPr lvl="1"/>
+            <a:r>
+              <a:rPr lang="en-US" altLang="ko-KR" dirty="0"/>
+              <a:t>           </a:t>
+            </a:r>
+            <a:r>
+              <a:rPr lang="en-US" altLang="ko-KR" dirty="0" err="1"/>
+              <a:t>Log.d</a:t>
+            </a:r>
+            <a:r>
+              <a:rPr lang="en-US" altLang="ko-KR" dirty="0"/>
+              <a:t>(“check”, “</a:t>
+            </a:r>
+            <a:r>
+              <a:rPr lang="ko-KR" altLang="en-US" dirty="0"/>
+              <a:t>현재 </a:t>
+            </a:r>
+            <a:r>
+              <a:rPr lang="en-US" altLang="ko-KR" dirty="0"/>
+              <a:t>index</a:t>
+            </a:r>
+            <a:r>
+              <a:rPr lang="ko-KR" altLang="en-US" dirty="0"/>
+              <a:t>는 </a:t>
+            </a:r>
+            <a:r>
+              <a:rPr lang="en-US" altLang="ko-KR" dirty="0"/>
+              <a:t>${index}</a:t>
+            </a:r>
+            <a:r>
+              <a:rPr lang="ko-KR" altLang="en-US" dirty="0"/>
+              <a:t>이다</a:t>
+            </a:r>
+            <a:r>
+              <a:rPr lang="en-US" altLang="ko-KR" dirty="0"/>
+              <a:t>.”)</a:t>
+            </a:r>
+          </a:p>
+          <a:p>
+            <a:pPr lvl="1"/>
+            <a:r>
+              <a:rPr lang="en-US" altLang="ko-KR" dirty="0"/>
+              <a:t>           if(index</a:t>
+            </a:r>
+            <a:r>
+              <a:rPr lang="ko-KR" altLang="en-US" dirty="0"/>
+              <a:t> </a:t>
+            </a:r>
+            <a:r>
+              <a:rPr lang="en-US" altLang="ko-KR" dirty="0"/>
+              <a:t>&gt;</a:t>
+            </a:r>
+            <a:r>
+              <a:rPr lang="ko-KR" altLang="en-US" dirty="0"/>
+              <a:t> </a:t>
+            </a:r>
+            <a:r>
+              <a:rPr lang="en-US" altLang="ko-KR" dirty="0"/>
+              <a:t>5)</a:t>
+            </a:r>
+            <a:r>
+              <a:rPr lang="ko-KR" altLang="en-US" dirty="0"/>
+              <a:t> </a:t>
+            </a:r>
+            <a:r>
+              <a:rPr lang="en-US" altLang="ko-KR" dirty="0"/>
+              <a:t>{</a:t>
+            </a:r>
+          </a:p>
+          <a:p>
+            <a:pPr lvl="1"/>
+            <a:r>
+              <a:rPr lang="en-US" altLang="ko-KR" dirty="0"/>
+              <a:t>               break;</a:t>
+            </a:r>
+          </a:p>
+          <a:p>
+            <a:pPr lvl="1"/>
+            <a:r>
+              <a:rPr lang="en-US" altLang="ko-KR" dirty="0"/>
+              <a:t>           }</a:t>
+            </a:r>
+          </a:p>
+          <a:p>
+            <a:pPr lvl="1"/>
+            <a:r>
+              <a:rPr lang="en-US" altLang="ko-KR" dirty="0"/>
+              <a:t>       }</a:t>
+            </a:r>
+            <a:endParaRPr lang="ko-KR" altLang="en-US" dirty="0"/>
+          </a:p>
+        </p:txBody>
+      </p:sp>
+    </p:spTree>
+    <p:extLst>
+      <p:ext uri="{BB962C8B-B14F-4D97-AF65-F5344CB8AC3E}">
+        <p14:creationId xmlns:p14="http://schemas.microsoft.com/office/powerpoint/2010/main" val="2388053706"/>
+      </p:ext>
+    </p:extLst>
+  </p:cSld>
+  <p:clrMapOvr>
+    <a:masterClrMapping/>
+  </p:clrMapOvr>
+</p:sld>
+</file>
+
+<file path=ppt/slides/slide21.xml><?xml version="1.0" encoding="utf-8"?>
+<p:sld xmlns:a="http://schemas.openxmlformats.org/drawingml/2006/main" xmlns:r="http://schemas.openxmlformats.org/officeDocument/2006/relationships" xmlns:p="http://schemas.openxmlformats.org/presentationml/2006/main">
+  <p:cSld>
+    <p:spTree>
+      <p:nvGrpSpPr>
+        <p:cNvPr id="1" name=""/>
+        <p:cNvGrpSpPr/>
+        <p:nvPr/>
+      </p:nvGrpSpPr>
+      <p:grpSpPr>
+        <a:xfrm>
+          <a:off x="0" y="0"/>
+          <a:ext cx="0" cy="0"/>
+          <a:chOff x="0" y="0"/>
+          <a:chExt cx="0" cy="0"/>
+        </a:xfrm>
+      </p:grpSpPr>
+      <p:sp>
+        <p:nvSpPr>
+          <p:cNvPr id="2" name="제목 1">
+            <a:extLst>
+              <a:ext uri="{FF2B5EF4-FFF2-40B4-BE49-F238E27FC236}">
+                <a16:creationId xmlns:a16="http://schemas.microsoft.com/office/drawing/2014/main" id="{5F3C1C7B-ACB1-A1C9-D45A-01F8C97A518D}"/>
+              </a:ext>
+            </a:extLst>
+          </p:cNvPr>
+          <p:cNvSpPr>
+            <a:spLocks noGrp="1"/>
+          </p:cNvSpPr>
+          <p:nvPr>
+            <p:ph type="title"/>
+          </p:nvPr>
+        </p:nvSpPr>
+        <p:spPr/>
+        <p:txBody>
+          <a:bodyPr/>
+          <a:lstStyle/>
+          <a:p>
+            <a:endParaRPr lang="ko-KR" altLang="en-US"/>
+          </a:p>
+        </p:txBody>
+      </p:sp>
+      <p:sp>
+        <p:nvSpPr>
+          <p:cNvPr id="3" name="내용 개체 틀 2">
+            <a:extLst>
+              <a:ext uri="{FF2B5EF4-FFF2-40B4-BE49-F238E27FC236}">
+                <a16:creationId xmlns:a16="http://schemas.microsoft.com/office/drawing/2014/main" id="{487C1A4F-3DB1-6F97-C088-E16E5A459F27}"/>
+              </a:ext>
+            </a:extLst>
+          </p:cNvPr>
+          <p:cNvSpPr>
+            <a:spLocks noGrp="1"/>
+          </p:cNvSpPr>
+          <p:nvPr>
+            <p:ph idx="1"/>
+          </p:nvPr>
+        </p:nvSpPr>
+        <p:spPr/>
+        <p:txBody>
+          <a:bodyPr>
+            <a:normAutofit/>
+          </a:bodyPr>
+          <a:lstStyle/>
+          <a:p>
+            <a:r>
+              <a:rPr lang="en-US" altLang="ko-KR" dirty="0"/>
+              <a:t>continue</a:t>
+            </a:r>
+          </a:p>
+          <a:p>
+            <a:pPr lvl="1"/>
+            <a:r>
+              <a:rPr lang="ko-KR" altLang="en-US" dirty="0"/>
+              <a:t>예</a:t>
+            </a:r>
+            <a:r>
+              <a:rPr lang="en-US" altLang="ko-KR" dirty="0"/>
+              <a:t>: for(except in 1..10) {</a:t>
+            </a:r>
+          </a:p>
+          <a:p>
+            <a:pPr lvl="1"/>
+            <a:r>
+              <a:rPr lang="en-US" altLang="ko-KR" dirty="0"/>
+              <a:t>           if(except &lt; 3 &amp;&amp; except &lt; 8) {</a:t>
+            </a:r>
+          </a:p>
+          <a:p>
+            <a:pPr lvl="1"/>
+            <a:r>
+              <a:rPr lang="en-US" altLang="ko-KR" dirty="0"/>
+              <a:t>               continue</a:t>
+            </a:r>
+          </a:p>
+          <a:p>
+            <a:pPr lvl="1"/>
+            <a:r>
+              <a:rPr lang="en-US" altLang="ko-KR" dirty="0"/>
+              <a:t>           }</a:t>
+            </a:r>
+          </a:p>
+          <a:p>
+            <a:pPr lvl="1"/>
+            <a:r>
+              <a:rPr lang="en-US" altLang="ko-KR" dirty="0"/>
+              <a:t>           </a:t>
+            </a:r>
+            <a:r>
+              <a:rPr lang="en-US" altLang="ko-KR" dirty="0" err="1"/>
+              <a:t>Log.d</a:t>
+            </a:r>
+            <a:r>
+              <a:rPr lang="en-US" altLang="ko-KR" dirty="0"/>
+              <a:t>(“check”, </a:t>
+            </a:r>
+          </a:p>
+          <a:p>
+            <a:pPr lvl="1"/>
+            <a:r>
+              <a:rPr lang="en-US" altLang="ko-KR" dirty="0"/>
+              <a:t>                       “</a:t>
+            </a:r>
+            <a:r>
+              <a:rPr lang="ko-KR" altLang="en-US" dirty="0"/>
+              <a:t>반복은 모두 </a:t>
+            </a:r>
+            <a:r>
+              <a:rPr lang="en-US" altLang="ko-KR" dirty="0"/>
+              <a:t>10</a:t>
+            </a:r>
+            <a:r>
+              <a:rPr lang="ko-KR" altLang="en-US" dirty="0"/>
+              <a:t>회</a:t>
+            </a:r>
+            <a:r>
+              <a:rPr lang="en-US" altLang="ko-KR" dirty="0"/>
+              <a:t>, </a:t>
+            </a:r>
+            <a:r>
+              <a:rPr lang="en-US" altLang="ko-KR" dirty="0" err="1"/>
+              <a:t>excep</a:t>
+            </a:r>
+            <a:r>
+              <a:rPr lang="ko-KR" altLang="en-US" dirty="0"/>
+              <a:t>의 값이 </a:t>
+            </a:r>
+            <a:r>
+              <a:rPr lang="en-US" altLang="ko-KR" dirty="0"/>
+              <a:t>4, 5, 6, 7</a:t>
+            </a:r>
+            <a:r>
+              <a:rPr lang="ko-KR" altLang="en-US" dirty="0"/>
+              <a:t>이면 생략</a:t>
+            </a:r>
+            <a:r>
+              <a:rPr lang="en-US" altLang="ko-KR" dirty="0"/>
+              <a:t>”)</a:t>
+            </a:r>
+          </a:p>
+          <a:p>
+            <a:pPr lvl="1"/>
+            <a:r>
+              <a:rPr lang="en-US" altLang="ko-KR" dirty="0"/>
+              <a:t>        }</a:t>
+            </a:r>
+            <a:endParaRPr lang="ko-KR" altLang="en-US" dirty="0"/>
+          </a:p>
+        </p:txBody>
+      </p:sp>
+    </p:spTree>
+    <p:extLst>
+      <p:ext uri="{BB962C8B-B14F-4D97-AF65-F5344CB8AC3E}">
+        <p14:creationId xmlns:p14="http://schemas.microsoft.com/office/powerpoint/2010/main" val="2974220597"/>
+      </p:ext>
+    </p:extLst>
+  </p:cSld>
+  <p:clrMapOvr>
+    <a:masterClrMapping/>
+  </p:clrMapOvr>
+</p:sld>
+</file>
+
+<file path=ppt/slides/slide22.xml><?xml version="1.0" encoding="utf-8"?>
+<p:sld xmlns:a="http://schemas.openxmlformats.org/drawingml/2006/main" xmlns:r="http://schemas.openxmlformats.org/officeDocument/2006/relationships" xmlns:p="http://schemas.openxmlformats.org/presentationml/2006/main">
+  <p:cSld>
+    <p:spTree>
+      <p:nvGrpSpPr>
+        <p:cNvPr id="1" name=""/>
+        <p:cNvGrpSpPr/>
+        <p:nvPr/>
+      </p:nvGrpSpPr>
+      <p:grpSpPr>
+        <a:xfrm>
+          <a:off x="0" y="0"/>
+          <a:ext cx="0" cy="0"/>
+          <a:chOff x="0" y="0"/>
+          <a:chExt cx="0" cy="0"/>
+        </a:xfrm>
+      </p:grpSpPr>
+      <p:sp>
+        <p:nvSpPr>
+          <p:cNvPr id="2" name="제목 1">
+            <a:extLst>
+              <a:ext uri="{FF2B5EF4-FFF2-40B4-BE49-F238E27FC236}">
+                <a16:creationId xmlns:a16="http://schemas.microsoft.com/office/drawing/2014/main" id="{58343654-2F27-D85B-6983-7C656C58B272}"/>
+              </a:ext>
+            </a:extLst>
+          </p:cNvPr>
+          <p:cNvSpPr>
+            <a:spLocks noGrp="1"/>
+          </p:cNvSpPr>
+          <p:nvPr>
+            <p:ph type="title"/>
+          </p:nvPr>
+        </p:nvSpPr>
+        <p:spPr/>
+        <p:txBody>
+          <a:bodyPr/>
+          <a:lstStyle/>
+          <a:p>
+            <a:r>
+              <a:rPr lang="ko-KR" altLang="en-US" dirty="0"/>
+              <a:t>함수</a:t>
+            </a:r>
+          </a:p>
+        </p:txBody>
+      </p:sp>
+      <p:sp>
+        <p:nvSpPr>
+          <p:cNvPr id="3" name="내용 개체 틀 2">
+            <a:extLst>
+              <a:ext uri="{FF2B5EF4-FFF2-40B4-BE49-F238E27FC236}">
+                <a16:creationId xmlns:a16="http://schemas.microsoft.com/office/drawing/2014/main" id="{C3D121D5-D787-0158-F9C5-B5B93ABBDFF4}"/>
+              </a:ext>
+            </a:extLst>
+          </p:cNvPr>
+          <p:cNvSpPr>
+            <a:spLocks noGrp="1"/>
+          </p:cNvSpPr>
+          <p:nvPr>
+            <p:ph idx="1"/>
+          </p:nvPr>
+        </p:nvSpPr>
+        <p:spPr/>
+        <p:txBody>
+          <a:bodyPr/>
+          <a:lstStyle/>
+          <a:p>
+            <a:r>
+              <a:rPr lang="ko-KR" altLang="en-US" dirty="0"/>
+              <a:t>함수</a:t>
+            </a:r>
+            <a:endParaRPr lang="en-US" altLang="ko-KR" dirty="0"/>
+          </a:p>
+          <a:p>
+            <a:pPr lvl="1"/>
+            <a:r>
+              <a:rPr lang="ko-KR" altLang="en-US" dirty="0"/>
+              <a:t>일련의 코드 블록을 모듈화 하는 방법</a:t>
+            </a:r>
+            <a:endParaRPr lang="en-US" altLang="ko-KR" dirty="0"/>
+          </a:p>
+          <a:p>
+            <a:pPr lvl="1"/>
+            <a:r>
+              <a:rPr lang="ko-KR" altLang="en-US" dirty="0"/>
+              <a:t>형식</a:t>
+            </a:r>
+            <a:r>
+              <a:rPr lang="en-US" altLang="ko-KR" dirty="0"/>
+              <a:t>: </a:t>
+            </a:r>
+          </a:p>
+          <a:p>
+            <a:pPr lvl="2"/>
+            <a:r>
+              <a:rPr lang="en-US" altLang="ko-KR" dirty="0"/>
+              <a:t>fun </a:t>
+            </a:r>
+            <a:r>
+              <a:rPr lang="ko-KR" altLang="en-US" dirty="0" err="1"/>
+              <a:t>함수명</a:t>
+            </a:r>
+            <a:r>
+              <a:rPr lang="en-US" altLang="ko-KR" dirty="0"/>
+              <a:t>(</a:t>
+            </a:r>
+            <a:r>
+              <a:rPr lang="ko-KR" altLang="en-US" dirty="0"/>
+              <a:t>파라미터 이름</a:t>
+            </a:r>
+            <a:r>
+              <a:rPr lang="en-US" altLang="ko-KR" dirty="0"/>
+              <a:t>: </a:t>
+            </a:r>
+            <a:r>
+              <a:rPr lang="ko-KR" altLang="en-US" dirty="0"/>
+              <a:t>타입</a:t>
+            </a:r>
+            <a:r>
+              <a:rPr lang="en-US" altLang="ko-KR" dirty="0"/>
+              <a:t>): </a:t>
+            </a:r>
+            <a:r>
+              <a:rPr lang="ko-KR" altLang="en-US" dirty="0"/>
+              <a:t>반환타입 </a:t>
+            </a:r>
+            <a:r>
+              <a:rPr lang="en-US" altLang="ko-KR" dirty="0"/>
+              <a:t>{</a:t>
+            </a:r>
+          </a:p>
+          <a:p>
+            <a:pPr lvl="2"/>
+            <a:r>
+              <a:rPr lang="en-US" altLang="ko-KR" dirty="0"/>
+              <a:t>    </a:t>
+            </a:r>
+            <a:r>
+              <a:rPr lang="ko-KR" altLang="en-US" dirty="0"/>
+              <a:t>실행할</a:t>
+            </a:r>
+            <a:r>
+              <a:rPr lang="en-US" altLang="ko-KR" dirty="0"/>
+              <a:t> </a:t>
+            </a:r>
+            <a:r>
+              <a:rPr lang="ko-KR" altLang="en-US" dirty="0"/>
+              <a:t>문장</a:t>
+            </a:r>
+            <a:endParaRPr lang="en-US" altLang="ko-KR" dirty="0"/>
+          </a:p>
+          <a:p>
+            <a:pPr lvl="2"/>
+            <a:r>
+              <a:rPr lang="en-US" altLang="ko-KR" dirty="0"/>
+              <a:t>    return </a:t>
+            </a:r>
+            <a:r>
+              <a:rPr lang="ko-KR" altLang="en-US" dirty="0"/>
+              <a:t>값</a:t>
+            </a:r>
+            <a:endParaRPr lang="en-US" altLang="ko-KR" dirty="0"/>
+          </a:p>
+          <a:p>
+            <a:pPr lvl="2"/>
+            <a:r>
+              <a:rPr lang="en-US" altLang="ko-KR" dirty="0"/>
+              <a:t>}</a:t>
+            </a:r>
+            <a:endParaRPr lang="ko-KR" altLang="en-US" dirty="0"/>
+          </a:p>
+        </p:txBody>
+      </p:sp>
+    </p:spTree>
+    <p:extLst>
+      <p:ext uri="{BB962C8B-B14F-4D97-AF65-F5344CB8AC3E}">
+        <p14:creationId xmlns:p14="http://schemas.microsoft.com/office/powerpoint/2010/main" val="554156123"/>
+      </p:ext>
+    </p:extLst>
+  </p:cSld>
+  <p:clrMapOvr>
+    <a:masterClrMapping/>
+  </p:clrMapOvr>
+</p:sld>
+</file>
+
+<file path=ppt/slides/slide23.xml><?xml version="1.0" encoding="utf-8"?>
+<p:sld xmlns:a="http://schemas.openxmlformats.org/drawingml/2006/main" xmlns:r="http://schemas.openxmlformats.org/officeDocument/2006/relationships" xmlns:p="http://schemas.openxmlformats.org/presentationml/2006/main">
+  <p:cSld>
+    <p:spTree>
+      <p:nvGrpSpPr>
+        <p:cNvPr id="1" name=""/>
+        <p:cNvGrpSpPr/>
+        <p:nvPr/>
+      </p:nvGrpSpPr>
+      <p:grpSpPr>
+        <a:xfrm>
+          <a:off x="0" y="0"/>
+          <a:ext cx="0" cy="0"/>
+          <a:chOff x="0" y="0"/>
+          <a:chExt cx="0" cy="0"/>
+        </a:xfrm>
+      </p:grpSpPr>
+      <p:sp>
+        <p:nvSpPr>
+          <p:cNvPr id="2" name="제목 1">
+            <a:extLst>
+              <a:ext uri="{FF2B5EF4-FFF2-40B4-BE49-F238E27FC236}">
+                <a16:creationId xmlns:a16="http://schemas.microsoft.com/office/drawing/2014/main" id="{9CF7A9F2-2B93-B2E0-EA5F-76801816FE98}"/>
+              </a:ext>
+            </a:extLst>
+          </p:cNvPr>
+          <p:cNvSpPr>
+            <a:spLocks noGrp="1"/>
+          </p:cNvSpPr>
+          <p:nvPr>
+            <p:ph type="title"/>
+          </p:nvPr>
+        </p:nvSpPr>
+        <p:spPr/>
+        <p:txBody>
+          <a:bodyPr/>
+          <a:lstStyle/>
+          <a:p>
+            <a:endParaRPr lang="ko-KR" altLang="en-US"/>
+          </a:p>
+        </p:txBody>
+      </p:sp>
+      <p:sp>
+        <p:nvSpPr>
+          <p:cNvPr id="3" name="내용 개체 틀 2">
+            <a:extLst>
+              <a:ext uri="{FF2B5EF4-FFF2-40B4-BE49-F238E27FC236}">
+                <a16:creationId xmlns:a16="http://schemas.microsoft.com/office/drawing/2014/main" id="{7A3F484A-62B0-682D-0CA2-69D8449BF0BE}"/>
+              </a:ext>
+            </a:extLst>
+          </p:cNvPr>
+          <p:cNvSpPr>
+            <a:spLocks noGrp="1"/>
+          </p:cNvSpPr>
+          <p:nvPr>
+            <p:ph idx="1"/>
+          </p:nvPr>
+        </p:nvSpPr>
+        <p:spPr/>
+        <p:txBody>
+          <a:bodyPr/>
+          <a:lstStyle/>
+          <a:p>
+            <a:r>
+              <a:rPr lang="ko-KR" altLang="en-US" dirty="0"/>
+              <a:t>함수 정의 예</a:t>
+            </a:r>
+            <a:endParaRPr lang="en-US" altLang="ko-KR" dirty="0"/>
+          </a:p>
+          <a:p>
+            <a:pPr lvl="1"/>
+            <a:r>
+              <a:rPr lang="ko-KR" altLang="en-US" dirty="0" err="1"/>
+              <a:t>반환값과</a:t>
+            </a:r>
+            <a:r>
+              <a:rPr lang="ko-KR" altLang="en-US" dirty="0"/>
+              <a:t> </a:t>
+            </a:r>
+            <a:r>
+              <a:rPr lang="ko-KR" altLang="en-US" dirty="0" err="1"/>
+              <a:t>입력값이</a:t>
+            </a:r>
+            <a:r>
+              <a:rPr lang="ko-KR" altLang="en-US" dirty="0"/>
+              <a:t> 있는 함수</a:t>
+            </a:r>
+            <a:endParaRPr lang="en-US" altLang="ko-KR" dirty="0"/>
+          </a:p>
+          <a:p>
+            <a:pPr lvl="2"/>
+            <a:r>
+              <a:rPr lang="ko-KR" altLang="en-US" dirty="0"/>
+              <a:t>예</a:t>
+            </a:r>
+            <a:r>
+              <a:rPr lang="en-US" altLang="ko-KR" dirty="0"/>
+              <a:t>: fun square(x: Int): Int {</a:t>
+            </a:r>
+          </a:p>
+          <a:p>
+            <a:pPr lvl="2"/>
+            <a:r>
+              <a:rPr lang="en-US" altLang="ko-KR" dirty="0"/>
+              <a:t>           return x * x</a:t>
+            </a:r>
+          </a:p>
+          <a:p>
+            <a:pPr lvl="2"/>
+            <a:r>
+              <a:rPr lang="en-US" altLang="ko-KR" dirty="0"/>
+              <a:t>        }</a:t>
+            </a:r>
+          </a:p>
+          <a:p>
+            <a:pPr lvl="1"/>
+            <a:r>
+              <a:rPr lang="ko-KR" altLang="en-US" dirty="0" err="1"/>
+              <a:t>반환값이</a:t>
+            </a:r>
+            <a:r>
+              <a:rPr lang="en-US" altLang="ko-KR" dirty="0"/>
+              <a:t> </a:t>
+            </a:r>
+            <a:r>
+              <a:rPr lang="ko-KR" altLang="en-US" dirty="0"/>
+              <a:t>없고 </a:t>
+            </a:r>
+            <a:r>
+              <a:rPr lang="ko-KR" altLang="en-US" dirty="0" err="1"/>
+              <a:t>입력값이</a:t>
+            </a:r>
+            <a:r>
+              <a:rPr lang="ko-KR" altLang="en-US" dirty="0"/>
+              <a:t> 있는 함수</a:t>
+            </a:r>
+            <a:endParaRPr lang="en-US" altLang="ko-KR" dirty="0"/>
+          </a:p>
+          <a:p>
+            <a:pPr lvl="2"/>
+            <a:r>
+              <a:rPr lang="ko-KR" altLang="en-US" dirty="0"/>
+              <a:t>예</a:t>
+            </a:r>
+            <a:r>
+              <a:rPr lang="en-US" altLang="ko-KR" dirty="0"/>
+              <a:t>: fun </a:t>
+            </a:r>
+            <a:r>
+              <a:rPr lang="en-US" altLang="ko-KR" dirty="0" err="1"/>
+              <a:t>printSum</a:t>
+            </a:r>
+            <a:r>
+              <a:rPr lang="en-US" altLang="ko-KR" dirty="0"/>
+              <a:t>(x: Int, y: Int) {</a:t>
+            </a:r>
+          </a:p>
+          <a:p>
+            <a:pPr lvl="2"/>
+            <a:r>
+              <a:rPr lang="en-US" altLang="ko-KR" dirty="0"/>
+              <a:t>           </a:t>
+            </a:r>
+            <a:r>
+              <a:rPr lang="en-US" altLang="ko-KR" dirty="0" err="1"/>
+              <a:t>Log.d</a:t>
+            </a:r>
+            <a:r>
+              <a:rPr lang="en-US" altLang="ko-KR" dirty="0"/>
+              <a:t>(“check”, “</a:t>
+            </a:r>
+            <a:r>
+              <a:rPr lang="ko-KR" altLang="en-US" dirty="0"/>
+              <a:t>입력된 두 값과 합계는 </a:t>
+            </a:r>
+            <a:r>
+              <a:rPr lang="en-US" altLang="ko-KR" dirty="0"/>
+              <a:t>${x} + ${y} = ${x + y}</a:t>
+            </a:r>
+            <a:r>
+              <a:rPr lang="ko-KR" altLang="en-US" dirty="0"/>
+              <a:t>이다</a:t>
+            </a:r>
+            <a:r>
+              <a:rPr lang="en-US" altLang="ko-KR" dirty="0"/>
+              <a:t>.”)</a:t>
+            </a:r>
+          </a:p>
+          <a:p>
+            <a:pPr lvl="2"/>
+            <a:r>
+              <a:rPr lang="en-US" altLang="ko-KR" dirty="0"/>
+              <a:t>       }</a:t>
+            </a:r>
+            <a:endParaRPr lang="ko-KR" altLang="en-US" dirty="0"/>
+          </a:p>
+        </p:txBody>
+      </p:sp>
+    </p:spTree>
+    <p:extLst>
+      <p:ext uri="{BB962C8B-B14F-4D97-AF65-F5344CB8AC3E}">
+        <p14:creationId xmlns:p14="http://schemas.microsoft.com/office/powerpoint/2010/main" val="2230933818"/>
+      </p:ext>
+    </p:extLst>
+  </p:cSld>
+  <p:clrMapOvr>
+    <a:masterClrMapping/>
+  </p:clrMapOvr>
+</p:sld>
+</file>
+
+<file path=ppt/slides/slide24.xml><?xml version="1.0" encoding="utf-8"?>
+<p:sld xmlns:a="http://schemas.openxmlformats.org/drawingml/2006/main" xmlns:r="http://schemas.openxmlformats.org/officeDocument/2006/relationships" xmlns:p="http://schemas.openxmlformats.org/presentationml/2006/main">
+  <p:cSld>
+    <p:spTree>
+      <p:nvGrpSpPr>
+        <p:cNvPr id="1" name=""/>
+        <p:cNvGrpSpPr/>
+        <p:nvPr/>
+      </p:nvGrpSpPr>
+      <p:grpSpPr>
+        <a:xfrm>
+          <a:off x="0" y="0"/>
+          <a:ext cx="0" cy="0"/>
+          <a:chOff x="0" y="0"/>
+          <a:chExt cx="0" cy="0"/>
+        </a:xfrm>
+      </p:grpSpPr>
+      <p:sp>
+        <p:nvSpPr>
+          <p:cNvPr id="2" name="제목 1">
+            <a:extLst>
+              <a:ext uri="{FF2B5EF4-FFF2-40B4-BE49-F238E27FC236}">
+                <a16:creationId xmlns:a16="http://schemas.microsoft.com/office/drawing/2014/main" id="{9FF5A5BE-BBA8-30E2-0D63-8202D2B61CCC}"/>
+              </a:ext>
+            </a:extLst>
+          </p:cNvPr>
+          <p:cNvSpPr>
+            <a:spLocks noGrp="1"/>
+          </p:cNvSpPr>
+          <p:nvPr>
+            <p:ph type="title"/>
+          </p:nvPr>
+        </p:nvSpPr>
+        <p:spPr/>
+        <p:txBody>
+          <a:bodyPr/>
+          <a:lstStyle/>
+          <a:p>
+            <a:endParaRPr lang="ko-KR" altLang="en-US"/>
+          </a:p>
+        </p:txBody>
+      </p:sp>
+      <p:sp>
+        <p:nvSpPr>
+          <p:cNvPr id="3" name="내용 개체 틀 2">
+            <a:extLst>
+              <a:ext uri="{FF2B5EF4-FFF2-40B4-BE49-F238E27FC236}">
+                <a16:creationId xmlns:a16="http://schemas.microsoft.com/office/drawing/2014/main" id="{6995FC17-3890-258C-45A7-8E9EA2ADF4D2}"/>
+              </a:ext>
+            </a:extLst>
+          </p:cNvPr>
+          <p:cNvSpPr>
+            <a:spLocks noGrp="1"/>
+          </p:cNvSpPr>
+          <p:nvPr>
+            <p:ph idx="1"/>
+          </p:nvPr>
+        </p:nvSpPr>
+        <p:spPr/>
+        <p:txBody>
+          <a:bodyPr/>
+          <a:lstStyle/>
+          <a:p>
+            <a:r>
+              <a:rPr lang="ko-KR" altLang="en-US" dirty="0"/>
+              <a:t>함수 정의 예</a:t>
+            </a:r>
+            <a:endParaRPr lang="en-US" altLang="ko-KR" dirty="0"/>
+          </a:p>
+          <a:p>
+            <a:pPr lvl="1"/>
+            <a:r>
+              <a:rPr lang="ko-KR" altLang="en-US" dirty="0" err="1"/>
+              <a:t>반환값만</a:t>
+            </a:r>
+            <a:r>
+              <a:rPr lang="ko-KR" altLang="en-US" dirty="0"/>
+              <a:t> 있는 함수</a:t>
+            </a:r>
+            <a:endParaRPr lang="en-US" altLang="ko-KR" dirty="0"/>
+          </a:p>
+          <a:p>
+            <a:pPr lvl="2"/>
+            <a:r>
+              <a:rPr lang="ko-KR" altLang="en-US" dirty="0"/>
+              <a:t>예</a:t>
+            </a:r>
+            <a:r>
+              <a:rPr lang="en-US" altLang="ko-KR" dirty="0"/>
+              <a:t>: fun </a:t>
+            </a:r>
+            <a:r>
+              <a:rPr lang="en-US" altLang="ko-KR" dirty="0" err="1"/>
+              <a:t>getPi</a:t>
+            </a:r>
+            <a:r>
+              <a:rPr lang="en-US" altLang="ko-KR" dirty="0"/>
+              <a:t>(): Double {</a:t>
+            </a:r>
+          </a:p>
+          <a:p>
+            <a:pPr lvl="2"/>
+            <a:r>
+              <a:rPr lang="en-US" altLang="ko-KR" dirty="0"/>
+              <a:t>           return 3.141592654</a:t>
+            </a:r>
+          </a:p>
+          <a:p>
+            <a:pPr lvl="2"/>
+            <a:r>
+              <a:rPr lang="en-US" altLang="ko-KR" dirty="0"/>
+              <a:t>       }</a:t>
+            </a:r>
+          </a:p>
+          <a:p>
+            <a:pPr lvl="2"/>
+            <a:endParaRPr lang="en-US" altLang="ko-KR" dirty="0"/>
+          </a:p>
+          <a:p>
+            <a:r>
+              <a:rPr lang="ko-KR" altLang="en-US" dirty="0"/>
+              <a:t>정의된 함수 호출</a:t>
+            </a:r>
+            <a:endParaRPr lang="en-US" altLang="ko-KR" dirty="0"/>
+          </a:p>
+          <a:p>
+            <a:pPr lvl="1"/>
+            <a:r>
+              <a:rPr lang="ko-KR" altLang="en-US" dirty="0"/>
+              <a:t>예</a:t>
+            </a:r>
+            <a:r>
+              <a:rPr lang="en-US" altLang="ko-KR" dirty="0"/>
+              <a:t>:  </a:t>
+            </a:r>
+            <a:r>
+              <a:rPr lang="ko-KR" altLang="en-US" dirty="0"/>
+              <a:t>변수 </a:t>
+            </a:r>
+            <a:r>
+              <a:rPr lang="en-US" altLang="ko-KR" dirty="0"/>
+              <a:t>= </a:t>
+            </a:r>
+            <a:r>
+              <a:rPr lang="ko-KR" altLang="en-US" dirty="0"/>
+              <a:t>함수</a:t>
+            </a:r>
+            <a:r>
+              <a:rPr lang="en-US" altLang="ko-KR" dirty="0"/>
+              <a:t>(</a:t>
+            </a:r>
+            <a:r>
+              <a:rPr lang="ko-KR" altLang="en-US" dirty="0"/>
+              <a:t>파라미터</a:t>
+            </a:r>
+            <a:r>
+              <a:rPr lang="en-US" altLang="ko-KR" dirty="0"/>
+              <a:t>)</a:t>
+            </a:r>
+          </a:p>
+          <a:p>
+            <a:pPr lvl="1"/>
+            <a:r>
+              <a:rPr lang="ko-KR" altLang="en-US" dirty="0"/>
+              <a:t>예</a:t>
+            </a:r>
+            <a:r>
+              <a:rPr lang="en-US" altLang="ko-KR" dirty="0"/>
+              <a:t>:  </a:t>
+            </a:r>
+            <a:r>
+              <a:rPr lang="ko-KR" altLang="en-US" dirty="0"/>
+              <a:t>앞서 정의된 함수를 호출하여 결과를 </a:t>
+            </a:r>
+            <a:r>
+              <a:rPr lang="en-US" altLang="ko-KR" dirty="0" err="1"/>
+              <a:t>Log.d</a:t>
+            </a:r>
+            <a:r>
+              <a:rPr lang="ko-KR" altLang="en-US" dirty="0"/>
+              <a:t>로 나타내면</a:t>
+            </a:r>
+            <a:r>
+              <a:rPr lang="en-US" altLang="ko-KR" dirty="0"/>
+              <a:t>?????</a:t>
+            </a:r>
+            <a:endParaRPr lang="ko-KR" altLang="en-US" dirty="0"/>
+          </a:p>
+        </p:txBody>
+      </p:sp>
+    </p:spTree>
+    <p:extLst>
+      <p:ext uri="{BB962C8B-B14F-4D97-AF65-F5344CB8AC3E}">
+        <p14:creationId xmlns:p14="http://schemas.microsoft.com/office/powerpoint/2010/main" val="11373481"/>
+      </p:ext>
+    </p:extLst>
+  </p:cSld>
+  <p:clrMapOvr>
+    <a:masterClrMapping/>
+  </p:clrMapOvr>
+</p:sld>
+</file>
+
+<file path=ppt/slides/slide25.xml><?xml version="1.0" encoding="utf-8"?>
+<p:sld xmlns:a="http://schemas.openxmlformats.org/drawingml/2006/main" xmlns:r="http://schemas.openxmlformats.org/officeDocument/2006/relationships" xmlns:p="http://schemas.openxmlformats.org/presentationml/2006/main">
+  <p:cSld>
+    <p:spTree>
+      <p:nvGrpSpPr>
+        <p:cNvPr id="1" name=""/>
+        <p:cNvGrpSpPr/>
+        <p:nvPr/>
+      </p:nvGrpSpPr>
+      <p:grpSpPr>
+        <a:xfrm>
+          <a:off x="0" y="0"/>
+          <a:ext cx="0" cy="0"/>
+          <a:chOff x="0" y="0"/>
+          <a:chExt cx="0" cy="0"/>
+        </a:xfrm>
+      </p:grpSpPr>
+      <p:sp>
+        <p:nvSpPr>
+          <p:cNvPr id="2" name="제목 1">
+            <a:extLst>
+              <a:ext uri="{FF2B5EF4-FFF2-40B4-BE49-F238E27FC236}">
+                <a16:creationId xmlns:a16="http://schemas.microsoft.com/office/drawing/2014/main" id="{256CF31B-C82D-C42F-E5F5-2FAAD4F2201B}"/>
+              </a:ext>
+            </a:extLst>
+          </p:cNvPr>
+          <p:cNvSpPr>
+            <a:spLocks noGrp="1"/>
+          </p:cNvSpPr>
+          <p:nvPr>
+            <p:ph type="title"/>
+          </p:nvPr>
+        </p:nvSpPr>
+        <p:spPr/>
+        <p:txBody>
+          <a:bodyPr/>
+          <a:lstStyle/>
+          <a:p>
+            <a:endParaRPr lang="ko-KR" altLang="en-US"/>
+          </a:p>
+        </p:txBody>
+      </p:sp>
+      <p:sp>
+        <p:nvSpPr>
+          <p:cNvPr id="3" name="내용 개체 틀 2">
+            <a:extLst>
+              <a:ext uri="{FF2B5EF4-FFF2-40B4-BE49-F238E27FC236}">
+                <a16:creationId xmlns:a16="http://schemas.microsoft.com/office/drawing/2014/main" id="{3A691181-BDF7-FEAC-D1DB-EACDA7866F77}"/>
+              </a:ext>
+            </a:extLst>
+          </p:cNvPr>
+          <p:cNvSpPr>
+            <a:spLocks noGrp="1"/>
+          </p:cNvSpPr>
+          <p:nvPr>
+            <p:ph idx="1"/>
+          </p:nvPr>
+        </p:nvSpPr>
+        <p:spPr/>
+        <p:txBody>
+          <a:bodyPr/>
+          <a:lstStyle/>
+          <a:p>
+            <a:r>
+              <a:rPr lang="ko-KR" altLang="en-US" dirty="0"/>
+              <a:t>함수에 전달되는 파라미터</a:t>
+            </a:r>
+            <a:endParaRPr lang="en-US" altLang="ko-KR" dirty="0"/>
+          </a:p>
+          <a:p>
+            <a:pPr lvl="1"/>
+            <a:r>
+              <a:rPr lang="ko-KR" altLang="en-US" dirty="0">
+                <a:solidFill>
+                  <a:srgbClr val="FF0000"/>
+                </a:solidFill>
+              </a:rPr>
+              <a:t>읽기 전용</a:t>
+            </a:r>
+            <a:r>
+              <a:rPr lang="en-US" altLang="ko-KR" dirty="0">
+                <a:solidFill>
+                  <a:srgbClr val="FF0000"/>
+                </a:solidFill>
+              </a:rPr>
+              <a:t>(read only)</a:t>
+            </a:r>
+          </a:p>
+          <a:p>
+            <a:endParaRPr lang="en-US" altLang="ko-KR" dirty="0"/>
+          </a:p>
+          <a:p>
+            <a:r>
+              <a:rPr lang="ko-KR" altLang="en-US" dirty="0"/>
+              <a:t>위치</a:t>
+            </a:r>
+            <a:r>
+              <a:rPr lang="en-US" altLang="ko-KR" dirty="0"/>
+              <a:t> </a:t>
+            </a:r>
+            <a:r>
+              <a:rPr lang="ko-KR" altLang="en-US" dirty="0"/>
+              <a:t>파라미터와 이름 파라미터</a:t>
+            </a:r>
+            <a:endParaRPr lang="en-US" altLang="ko-KR" dirty="0"/>
+          </a:p>
+          <a:p>
+            <a:pPr lvl="1"/>
+            <a:r>
+              <a:rPr lang="ko-KR" altLang="en-US" dirty="0"/>
+              <a:t>함수 정의에서 위치 파라미터를 먼저 기술해야 한다</a:t>
+            </a:r>
+            <a:r>
+              <a:rPr lang="en-US" altLang="ko-KR" dirty="0"/>
+              <a:t>. </a:t>
+            </a:r>
+          </a:p>
+          <a:p>
+            <a:pPr lvl="1"/>
+            <a:r>
+              <a:rPr lang="ko-KR" altLang="en-US" dirty="0"/>
+              <a:t>예</a:t>
+            </a:r>
+            <a:r>
+              <a:rPr lang="en-US" altLang="ko-KR" dirty="0"/>
+              <a:t>:  </a:t>
+            </a:r>
+          </a:p>
+          <a:p>
+            <a:pPr lvl="1"/>
+            <a:r>
+              <a:rPr lang="en-US" altLang="ko-KR" dirty="0"/>
+              <a:t> fun </a:t>
+            </a:r>
+            <a:r>
+              <a:rPr lang="en-US" altLang="ko-KR" dirty="0" err="1"/>
+              <a:t>newFunction</a:t>
+            </a:r>
+            <a:r>
+              <a:rPr lang="en-US" altLang="ko-KR" dirty="0"/>
+              <a:t>(</a:t>
+            </a:r>
+            <a:r>
+              <a:rPr lang="en-US" altLang="ko-KR" dirty="0">
+                <a:solidFill>
+                  <a:schemeClr val="tx2"/>
+                </a:solidFill>
+              </a:rPr>
+              <a:t>name: String</a:t>
+            </a:r>
+            <a:r>
+              <a:rPr lang="en-US" altLang="ko-KR" dirty="0">
+                <a:solidFill>
+                  <a:srgbClr val="FF0000"/>
+                </a:solidFill>
+              </a:rPr>
+              <a:t>, age: Int = 20, weight: Double = 60</a:t>
+            </a:r>
+            <a:r>
+              <a:rPr lang="en-US" altLang="ko-KR" dirty="0"/>
+              <a:t>)</a:t>
+            </a:r>
+          </a:p>
+          <a:p>
+            <a:pPr lvl="2"/>
+            <a:r>
+              <a:rPr lang="ko-KR" altLang="en-US" dirty="0"/>
+              <a:t>이름</a:t>
+            </a:r>
+            <a:r>
+              <a:rPr lang="en-US" altLang="ko-KR" dirty="0"/>
+              <a:t> </a:t>
+            </a:r>
+            <a:r>
+              <a:rPr lang="ko-KR" altLang="en-US" dirty="0"/>
+              <a:t>파라미터에 값이 전달되지 않으면 정의된 기본값 사용 </a:t>
+            </a:r>
+          </a:p>
+        </p:txBody>
+      </p:sp>
+    </p:spTree>
+    <p:extLst>
+      <p:ext uri="{BB962C8B-B14F-4D97-AF65-F5344CB8AC3E}">
+        <p14:creationId xmlns:p14="http://schemas.microsoft.com/office/powerpoint/2010/main" val="1091231729"/>
+      </p:ext>
+    </p:extLst>
+  </p:cSld>
+  <p:clrMapOvr>
+    <a:masterClrMapping/>
+  </p:clrMapOvr>
+</p:sld>
+</file>
+
 <file path=ppt/slides/slide3.xml><?xml version="1.0" encoding="utf-8"?>
+<p:sld xmlns:a="http://schemas.openxmlformats.org/drawingml/2006/main" xmlns:r="http://schemas.openxmlformats.org/officeDocument/2006/relationships" xmlns:p="http://schemas.openxmlformats.org/presentationml/2006/main">
+  <p:cSld>
+    <p:spTree>
+      <p:nvGrpSpPr>
+        <p:cNvPr id="1" name=""/>
+        <p:cNvGrpSpPr/>
+        <p:nvPr/>
+      </p:nvGrpSpPr>
+      <p:grpSpPr>
+        <a:xfrm>
+          <a:off x="0" y="0"/>
+          <a:ext cx="0" cy="0"/>
+          <a:chOff x="0" y="0"/>
+          <a:chExt cx="0" cy="0"/>
+        </a:xfrm>
+      </p:grpSpPr>
+      <p:sp>
+        <p:nvSpPr>
+          <p:cNvPr id="2" name="제목 1">
+            <a:extLst>
+              <a:ext uri="{FF2B5EF4-FFF2-40B4-BE49-F238E27FC236}">
+                <a16:creationId xmlns:a16="http://schemas.microsoft.com/office/drawing/2014/main" id="{D10414FE-9F90-1809-2322-3A55DEF0E82C}"/>
+              </a:ext>
+            </a:extLst>
+          </p:cNvPr>
+          <p:cNvSpPr>
+            <a:spLocks noGrp="1"/>
+          </p:cNvSpPr>
+          <p:nvPr>
+            <p:ph type="title"/>
+          </p:nvPr>
+        </p:nvSpPr>
+        <p:spPr/>
+        <p:txBody>
+          <a:bodyPr/>
+          <a:lstStyle/>
+          <a:p>
+            <a:endParaRPr lang="ko-KR" altLang="en-US"/>
+          </a:p>
+        </p:txBody>
+      </p:sp>
+      <p:sp>
+        <p:nvSpPr>
+          <p:cNvPr id="3" name="내용 개체 틀 2">
+            <a:extLst>
+              <a:ext uri="{FF2B5EF4-FFF2-40B4-BE49-F238E27FC236}">
+                <a16:creationId xmlns:a16="http://schemas.microsoft.com/office/drawing/2014/main" id="{CB3ED368-0633-F7D4-61D8-C378E842764C}"/>
+              </a:ext>
+            </a:extLst>
+          </p:cNvPr>
+          <p:cNvSpPr>
+            <a:spLocks noGrp="1"/>
+          </p:cNvSpPr>
+          <p:nvPr>
+            <p:ph idx="1"/>
+          </p:nvPr>
+        </p:nvSpPr>
+        <p:spPr/>
+        <p:txBody>
+          <a:bodyPr/>
+          <a:lstStyle/>
+          <a:p>
+            <a:r>
+              <a:rPr lang="ko-KR" altLang="en-US" dirty="0"/>
+              <a:t>문자열 템플릿</a:t>
+            </a:r>
+            <a:endParaRPr lang="en-US" altLang="ko-KR" dirty="0"/>
+          </a:p>
+          <a:p>
+            <a:pPr lvl="1"/>
+            <a:r>
+              <a:rPr lang="en-US" altLang="ko-KR" dirty="0"/>
+              <a:t>var name=“</a:t>
+            </a:r>
+            <a:r>
+              <a:rPr lang="ko-KR" altLang="en-US" dirty="0"/>
+              <a:t>홍길동</a:t>
+            </a:r>
+            <a:r>
+              <a:rPr lang="en-US" altLang="ko-KR" dirty="0"/>
+              <a:t>”</a:t>
+            </a:r>
+          </a:p>
+          <a:p>
+            <a:pPr lvl="1"/>
+            <a:r>
+              <a:rPr lang="en-US" altLang="ko-KR" dirty="0" err="1"/>
+              <a:t>Log.d</a:t>
+            </a:r>
+            <a:r>
+              <a:rPr lang="en-US" altLang="ko-KR" dirty="0"/>
+              <a:t>(“</a:t>
+            </a:r>
+            <a:r>
+              <a:rPr lang="ko-KR" altLang="en-US" dirty="0"/>
+              <a:t>태그</a:t>
+            </a:r>
+            <a:r>
+              <a:rPr lang="en-US" altLang="ko-KR" dirty="0"/>
+              <a:t>”, “</a:t>
+            </a:r>
+            <a:r>
+              <a:rPr lang="ko-KR" altLang="en-US" dirty="0"/>
+              <a:t>이름은 </a:t>
+            </a:r>
+            <a:r>
+              <a:rPr lang="en-US" altLang="ko-KR" dirty="0"/>
+              <a:t>${name}</a:t>
+            </a:r>
+            <a:r>
+              <a:rPr lang="ko-KR" altLang="en-US" dirty="0"/>
+              <a:t>입니다</a:t>
+            </a:r>
+            <a:r>
+              <a:rPr lang="en-US" altLang="ko-KR" dirty="0"/>
+              <a:t>.”)</a:t>
+            </a:r>
+            <a:endParaRPr lang="ko-KR" altLang="en-US" dirty="0"/>
+          </a:p>
+        </p:txBody>
+      </p:sp>
+    </p:spTree>
+    <p:extLst>
+      <p:ext uri="{BB962C8B-B14F-4D97-AF65-F5344CB8AC3E}">
+        <p14:creationId xmlns:p14="http://schemas.microsoft.com/office/powerpoint/2010/main" val="3985748852"/>
+      </p:ext>
+    </p:extLst>
+  </p:cSld>
+  <p:clrMapOvr>
+    <a:masterClrMapping/>
+  </p:clrMapOvr>
+</p:sld>
+</file>
+
+<file path=ppt/slides/slide4.xml><?xml version="1.0" encoding="utf-8"?>
 <p:sld xmlns:a="http://schemas.openxmlformats.org/drawingml/2006/main" xmlns:r="http://schemas.openxmlformats.org/officeDocument/2006/relationships" xmlns:p="http://schemas.openxmlformats.org/presentationml/2006/main">
   <p:cSld>
     <p:spTree>
@@ -12035,7 +15625,7 @@
             <a:pPr lvl="1"/>
             <a:r>
               <a:rPr lang="en-US" altLang="ko-KR" dirty="0"/>
-              <a:t>Var </a:t>
+              <a:t>var </a:t>
             </a:r>
             <a:r>
               <a:rPr lang="ko-KR" altLang="en-US" dirty="0"/>
@@ -12099,141 +15689,6 @@
     <p:extLst>
       <p:ext uri="{BB962C8B-B14F-4D97-AF65-F5344CB8AC3E}">
         <p14:creationId xmlns:p14="http://schemas.microsoft.com/office/powerpoint/2010/main" val="1424789905"/>
-      </p:ext>
-    </p:extLst>
-  </p:cSld>
-  <p:clrMapOvr>
-    <a:masterClrMapping/>
-  </p:clrMapOvr>
-</p:sld>
-</file>
-
-<file path=ppt/slides/slide4.xml><?xml version="1.0" encoding="utf-8"?>
-<p:sld xmlns:a="http://schemas.openxmlformats.org/drawingml/2006/main" xmlns:r="http://schemas.openxmlformats.org/officeDocument/2006/relationships" xmlns:p="http://schemas.openxmlformats.org/presentationml/2006/main">
-  <p:cSld>
-    <p:spTree>
-      <p:nvGrpSpPr>
-        <p:cNvPr id="1" name=""/>
-        <p:cNvGrpSpPr/>
-        <p:nvPr/>
-      </p:nvGrpSpPr>
-      <p:grpSpPr>
-        <a:xfrm>
-          <a:off x="0" y="0"/>
-          <a:ext cx="0" cy="0"/>
-          <a:chOff x="0" y="0"/>
-          <a:chExt cx="0" cy="0"/>
-        </a:xfrm>
-      </p:grpSpPr>
-      <p:sp>
-        <p:nvSpPr>
-          <p:cNvPr id="2" name="제목 1">
-            <a:extLst>
-              <a:ext uri="{FF2B5EF4-FFF2-40B4-BE49-F238E27FC236}">
-                <a16:creationId xmlns:a16="http://schemas.microsoft.com/office/drawing/2014/main" id="{D10414FE-9F90-1809-2322-3A55DEF0E82C}"/>
-              </a:ext>
-            </a:extLst>
-          </p:cNvPr>
-          <p:cNvSpPr>
-            <a:spLocks noGrp="1"/>
-          </p:cNvSpPr>
-          <p:nvPr>
-            <p:ph type="title"/>
-          </p:nvPr>
-        </p:nvSpPr>
-        <p:spPr/>
-        <p:txBody>
-          <a:bodyPr/>
-          <a:lstStyle/>
-          <a:p>
-            <a:endParaRPr lang="ko-KR" altLang="en-US"/>
-          </a:p>
-        </p:txBody>
-      </p:sp>
-      <p:sp>
-        <p:nvSpPr>
-          <p:cNvPr id="3" name="내용 개체 틀 2">
-            <a:extLst>
-              <a:ext uri="{FF2B5EF4-FFF2-40B4-BE49-F238E27FC236}">
-                <a16:creationId xmlns:a16="http://schemas.microsoft.com/office/drawing/2014/main" id="{CB3ED368-0633-F7D4-61D8-C378E842764C}"/>
-              </a:ext>
-            </a:extLst>
-          </p:cNvPr>
-          <p:cNvSpPr>
-            <a:spLocks noGrp="1"/>
-          </p:cNvSpPr>
-          <p:nvPr>
-            <p:ph idx="1"/>
-          </p:nvPr>
-        </p:nvSpPr>
-        <p:spPr/>
-        <p:txBody>
-          <a:bodyPr/>
-          <a:lstStyle/>
-          <a:p>
-            <a:r>
-              <a:rPr lang="ko-KR" altLang="en-US" dirty="0"/>
-              <a:t>문자열 템플릿</a:t>
-            </a:r>
-            <a:endParaRPr lang="en-US" altLang="ko-KR" dirty="0"/>
-          </a:p>
-          <a:p>
-            <a:pPr lvl="1"/>
-            <a:r>
-              <a:rPr lang="en-US" altLang="ko-KR" dirty="0"/>
-              <a:t>var name=“</a:t>
-            </a:r>
-            <a:r>
-              <a:rPr lang="ko-KR" altLang="en-US" dirty="0"/>
-              <a:t>홍길동</a:t>
-            </a:r>
-            <a:r>
-              <a:rPr lang="en-US" altLang="ko-KR" dirty="0"/>
-              <a:t>”</a:t>
-            </a:r>
-          </a:p>
-          <a:p>
-            <a:pPr lvl="1"/>
-            <a:r>
-              <a:rPr lang="en-US" altLang="ko-KR" dirty="0" err="1"/>
-              <a:t>Log.d</a:t>
-            </a:r>
-            <a:r>
-              <a:rPr lang="en-US" altLang="ko-KR" dirty="0"/>
-              <a:t>(“</a:t>
-            </a:r>
-            <a:r>
-              <a:rPr lang="ko-KR" altLang="en-US" dirty="0"/>
-              <a:t>태그</a:t>
-            </a:r>
-            <a:r>
-              <a:rPr lang="en-US" altLang="ko-KR" dirty="0"/>
-              <a:t>”, “</a:t>
-            </a:r>
-            <a:r>
-              <a:rPr lang="ko-KR" altLang="en-US" dirty="0"/>
-              <a:t>이름은 </a:t>
-            </a:r>
-            <a:r>
-              <a:rPr lang="en-US" altLang="ko-KR" dirty="0"/>
-              <a:t>${name}</a:t>
-            </a:r>
-            <a:r>
-              <a:rPr lang="ko-KR" altLang="en-US" dirty="0"/>
-              <a:t>입니다</a:t>
-            </a:r>
-            <a:r>
-              <a:rPr lang="en-US" altLang="ko-KR" dirty="0"/>
-              <a:t>.”)</a:t>
-            </a:r>
-            <a:endParaRPr lang="ko-KR" altLang="en-US" dirty="0"/>
-          </a:p>
-        </p:txBody>
-      </p:sp>
-    </p:spTree>
-    <p:extLst>
-      <p:ext uri="{BB962C8B-B14F-4D97-AF65-F5344CB8AC3E}">
-        <p14:creationId xmlns:p14="http://schemas.microsoft.com/office/powerpoint/2010/main" val="3985748852"/>
       </p:ext>
     </p:extLst>
   </p:cSld>
@@ -12383,19 +15838,31 @@
             <a:pPr lvl="1"/>
             <a:r>
               <a:rPr lang="ko-KR" altLang="en-US" dirty="0"/>
-              <a:t>변수 이름</a:t>
+              <a:t>변수 이름과</a:t>
+            </a:r>
+            <a:r>
+              <a:rPr lang="en-US" altLang="ko-KR" dirty="0"/>
+              <a:t> </a:t>
+            </a:r>
+            <a:r>
+              <a:rPr lang="ko-KR" altLang="en-US" dirty="0"/>
+              <a:t>함수 이름은 소문자로 시작</a:t>
             </a:r>
             <a:r>
               <a:rPr lang="en-US" altLang="ko-KR" dirty="0"/>
               <a:t>, </a:t>
             </a:r>
             <a:r>
-              <a:rPr lang="ko-KR" altLang="en-US" dirty="0"/>
-              <a:t>함수 이름은 소문자로 시작</a:t>
-            </a:r>
-            <a:r>
-              <a:rPr lang="en-US" altLang="ko-KR" dirty="0"/>
-              <a:t>, camelCase </a:t>
+              <a:rPr lang="en-US" altLang="ko-KR" dirty="0">
+                <a:solidFill>
+                  <a:srgbClr val="FF0000"/>
+                </a:solidFill>
+              </a:rPr>
+              <a:t>c</a:t>
+            </a:r>
+            <a:r>
+              <a:rPr lang="en-US" altLang="ko-KR" dirty="0"/>
+              <a:t>amelCase </a:t>
             </a:r>
             <a:r>
               <a:rPr lang="ko-KR" altLang="en-US" dirty="0"/>
@@ -12427,7 +15894,19 @@
             </a:r>
             <a:r>
               <a:rPr lang="en-US" altLang="ko-KR" dirty="0"/>
-              <a:t>, CamelCase </a:t>
+              <a:t>, </a:t>
+            </a:r>
+            <a:r>
+              <a:rPr lang="en-US" altLang="ko-KR" dirty="0">
+                <a:solidFill>
+                  <a:srgbClr val="FF0000"/>
+                </a:solidFill>
+              </a:rPr>
+              <a:t>C</a:t>
+            </a:r>
+            <a:r>
+              <a:rPr lang="en-US" altLang="ko-KR" dirty="0"/>
+              <a:t>amelCase </a:t>
             </a:r>
             <a:r>
               <a:rPr lang="ko-KR" altLang="en-US" dirty="0"/>
@@ -12447,7 +15926,19 @@
             </a:r>
             <a:r>
               <a:rPr lang="en-US" altLang="ko-KR" dirty="0" err="1"/>
-              <a:t>snake_case</a:t>
+              <a:t>snake</a:t>
+            </a:r>
+            <a:r>
+              <a:rPr lang="en-US" altLang="ko-KR" dirty="0" err="1">
+                <a:solidFill>
+                  <a:srgbClr val="FF0000"/>
+                </a:solidFill>
+              </a:rPr>
+              <a:t>_</a:t>
+            </a:r>
+            <a:r>
+              <a:rPr lang="en-US" altLang="ko-KR" dirty="0" err="1"/>
+              <a:t>case</a:t>
             </a:r>
             <a:r>
               <a:rPr lang="en-US" altLang="ko-KR" dirty="0"/>

--- a/03 코틀린 기본 문법.pptx
+++ b/03 코틀린 기본 문법.pptx
@@ -30,6 +30,41 @@
     <p:sldId id="278" r:id="rId24"/>
     <p:sldId id="279" r:id="rId25"/>
     <p:sldId id="280" r:id="rId26"/>
+    <p:sldId id="281" r:id="rId27"/>
+    <p:sldId id="282" r:id="rId28"/>
+    <p:sldId id="283" r:id="rId29"/>
+    <p:sldId id="284" r:id="rId30"/>
+    <p:sldId id="285" r:id="rId31"/>
+    <p:sldId id="286" r:id="rId32"/>
+    <p:sldId id="287" r:id="rId33"/>
+    <p:sldId id="288" r:id="rId34"/>
+    <p:sldId id="289" r:id="rId35"/>
+    <p:sldId id="290" r:id="rId36"/>
+    <p:sldId id="291" r:id="rId37"/>
+    <p:sldId id="292" r:id="rId38"/>
+    <p:sldId id="293" r:id="rId39"/>
+    <p:sldId id="294" r:id="rId40"/>
+    <p:sldId id="295" r:id="rId41"/>
+    <p:sldId id="296" r:id="rId42"/>
+    <p:sldId id="297" r:id="rId43"/>
+    <p:sldId id="298" r:id="rId44"/>
+    <p:sldId id="299" r:id="rId45"/>
+    <p:sldId id="300" r:id="rId46"/>
+    <p:sldId id="301" r:id="rId47"/>
+    <p:sldId id="302" r:id="rId48"/>
+    <p:sldId id="303" r:id="rId49"/>
+    <p:sldId id="304" r:id="rId50"/>
+    <p:sldId id="305" r:id="rId51"/>
+    <p:sldId id="306" r:id="rId52"/>
+    <p:sldId id="307" r:id="rId53"/>
+    <p:sldId id="308" r:id="rId54"/>
+    <p:sldId id="309" r:id="rId55"/>
+    <p:sldId id="310" r:id="rId56"/>
+    <p:sldId id="311" r:id="rId57"/>
+    <p:sldId id="312" r:id="rId58"/>
+    <p:sldId id="313" r:id="rId59"/>
+    <p:sldId id="314" r:id="rId60"/>
+    <p:sldId id="315" r:id="rId61"/>
   </p:sldIdLst>
   <p:sldSz cx="12192000" cy="6858000"/>
   <p:notesSz cx="6858000" cy="9144000"/>
@@ -890,7 +925,7 @@
           <a:p>
             <a:fld id="{05C222FE-6AC4-4895-A0F9-3ECEE8BEB2A2}" type="datetimeFigureOut">
               <a:rPr lang="ko-KR" altLang="en-US" smtClean="0"/>
-              <a:t>2024-04-04</a:t>
+              <a:t>2024-04-17</a:t>
             </a:fld>
             <a:endParaRPr lang="ko-KR" altLang="en-US"/>
           </a:p>
@@ -1327,7 +1362,7 @@
           <a:p>
             <a:fld id="{05C222FE-6AC4-4895-A0F9-3ECEE8BEB2A2}" type="datetimeFigureOut">
               <a:rPr lang="ko-KR" altLang="en-US" smtClean="0"/>
-              <a:t>2024-04-04</a:t>
+              <a:t>2024-04-17</a:t>
             </a:fld>
             <a:endParaRPr lang="ko-KR" altLang="en-US"/>
           </a:p>
@@ -2378,7 +2413,7 @@
           <a:p>
             <a:fld id="{05C222FE-6AC4-4895-A0F9-3ECEE8BEB2A2}" type="datetimeFigureOut">
               <a:rPr lang="ko-KR" altLang="en-US" smtClean="0"/>
-              <a:t>2024-04-04</a:t>
+              <a:t>2024-04-17</a:t>
             </a:fld>
             <a:endParaRPr lang="ko-KR" altLang="en-US"/>
           </a:p>
@@ -2568,7 +2603,7 @@
           <a:p>
             <a:fld id="{05C222FE-6AC4-4895-A0F9-3ECEE8BEB2A2}" type="datetimeFigureOut">
               <a:rPr lang="ko-KR" altLang="en-US" smtClean="0"/>
-              <a:t>2024-04-04</a:t>
+              <a:t>2024-04-17</a:t>
             </a:fld>
             <a:endParaRPr lang="ko-KR" altLang="en-US"/>
           </a:p>
@@ -3090,7 +3125,7 @@
           <a:p>
             <a:fld id="{05C222FE-6AC4-4895-A0F9-3ECEE8BEB2A2}" type="datetimeFigureOut">
               <a:rPr lang="ko-KR" altLang="en-US" smtClean="0"/>
-              <a:t>2024-04-04</a:t>
+              <a:t>2024-04-17</a:t>
             </a:fld>
             <a:endParaRPr lang="ko-KR" altLang="en-US"/>
           </a:p>
@@ -3527,7 +3562,7 @@
           <a:p>
             <a:fld id="{05C222FE-6AC4-4895-A0F9-3ECEE8BEB2A2}" type="datetimeFigureOut">
               <a:rPr lang="ko-KR" altLang="en-US" smtClean="0"/>
-              <a:t>2024-04-04</a:t>
+              <a:t>2024-04-17</a:t>
             </a:fld>
             <a:endParaRPr lang="ko-KR" altLang="en-US"/>
           </a:p>
@@ -4221,7 +4256,7 @@
           <a:p>
             <a:fld id="{05C222FE-6AC4-4895-A0F9-3ECEE8BEB2A2}" type="datetimeFigureOut">
               <a:rPr lang="ko-KR" altLang="en-US" smtClean="0"/>
-              <a:t>2024-04-04</a:t>
+              <a:t>2024-04-17</a:t>
             </a:fld>
             <a:endParaRPr lang="ko-KR" altLang="en-US"/>
           </a:p>
@@ -4560,7 +4595,7 @@
           <a:p>
             <a:fld id="{05C222FE-6AC4-4895-A0F9-3ECEE8BEB2A2}" type="datetimeFigureOut">
               <a:rPr lang="ko-KR" altLang="en-US" smtClean="0"/>
-              <a:t>2024-04-04</a:t>
+              <a:t>2024-04-17</a:t>
             </a:fld>
             <a:endParaRPr lang="ko-KR" altLang="en-US"/>
           </a:p>
@@ -4839,7 +4874,7 @@
           <a:p>
             <a:fld id="{05C222FE-6AC4-4895-A0F9-3ECEE8BEB2A2}" type="datetimeFigureOut">
               <a:rPr lang="ko-KR" altLang="en-US" smtClean="0"/>
-              <a:t>2024-04-04</a:t>
+              <a:t>2024-04-17</a:t>
             </a:fld>
             <a:endParaRPr lang="ko-KR" altLang="en-US"/>
           </a:p>
@@ -5491,7 +5526,7 @@
           <a:p>
             <a:fld id="{05C222FE-6AC4-4895-A0F9-3ECEE8BEB2A2}" type="datetimeFigureOut">
               <a:rPr lang="ko-KR" altLang="en-US" smtClean="0"/>
-              <a:t>2024-04-04</a:t>
+              <a:t>2024-04-17</a:t>
             </a:fld>
             <a:endParaRPr lang="ko-KR" altLang="en-US"/>
           </a:p>
@@ -5916,7 +5951,7 @@
           <a:p>
             <a:fld id="{05C222FE-6AC4-4895-A0F9-3ECEE8BEB2A2}" type="datetimeFigureOut">
               <a:rPr lang="ko-KR" altLang="en-US" smtClean="0"/>
-              <a:t>2024-04-04</a:t>
+              <a:t>2024-04-17</a:t>
             </a:fld>
             <a:endParaRPr lang="ko-KR" altLang="en-US"/>
           </a:p>
@@ -10210,7 +10245,7 @@
           <a:p>
             <a:fld id="{05C222FE-6AC4-4895-A0F9-3ECEE8BEB2A2}" type="datetimeFigureOut">
               <a:rPr lang="ko-KR" altLang="en-US" smtClean="0"/>
-              <a:t>2024-04-04</a:t>
+              <a:t>2024-04-17</a:t>
             </a:fld>
             <a:endParaRPr lang="ko-KR" altLang="en-US"/>
           </a:p>
@@ -13300,7 +13335,7 @@
               <a:t>..</a:t>
             </a:r>
             <a:r>
-              <a:rPr lang="ko-KR" altLang="en-US" dirty="0" err="1"/>
+              <a:rPr lang="ko-KR" altLang="en-US" dirty="0"/>
               <a:t>종료값</a:t>
             </a:r>
             <a:r>
@@ -13402,7 +13437,7 @@
               <a:t>  </a:t>
             </a:r>
             <a:r>
-              <a:rPr lang="ko-KR" altLang="en-US" dirty="0" err="1"/>
+              <a:rPr lang="ko-KR" altLang="en-US" dirty="0"/>
               <a:t>종료값</a:t>
             </a:r>
             <a:r>
@@ -13512,12 +13547,8 @@
               <a:t>..</a:t>
             </a:r>
             <a:r>
-              <a:rPr lang="ko-KR" altLang="en-US" dirty="0" err="1"/>
-              <a:t>종료값</a:t>
-            </a:r>
-            <a:r>
-              <a:rPr lang="ko-KR" altLang="en-US" dirty="0"/>
-              <a:t> </a:t>
+              <a:rPr lang="ko-KR" altLang="en-US" dirty="0"/>
+              <a:t>종료값 </a:t>
             </a:r>
             <a:r>
               <a:rPr lang="en-US" altLang="ko-KR" dirty="0">
@@ -13733,43 +13764,47 @@
                   <a:srgbClr val="FF0000"/>
                 </a:solidFill>
               </a:rPr>
-              <a:t>..</a:t>
-            </a:r>
-            <a:r>
-              <a:rPr lang="ko-KR" altLang="en-US" dirty="0" err="1"/>
+              <a:t> </a:t>
+            </a:r>
+            <a:r>
+              <a:rPr lang="en-US" altLang="ko-KR" dirty="0" err="1">
+                <a:solidFill>
+                  <a:srgbClr val="FF0000"/>
+                </a:solidFill>
+              </a:rPr>
+              <a:t>downTo</a:t>
+            </a:r>
+            <a:r>
+              <a:rPr lang="en-US" altLang="ko-KR" dirty="0">
+                <a:solidFill>
+                  <a:srgbClr val="FF0000"/>
+                </a:solidFill>
+              </a:rPr>
+              <a:t> </a:t>
+            </a:r>
+            <a:r>
+              <a:rPr lang="ko-KR" altLang="en-US" dirty="0">
+                <a:solidFill>
+                  <a:srgbClr val="002060"/>
+                </a:solidFill>
+              </a:rPr>
               <a:t>종료값</a:t>
             </a:r>
             <a:r>
-              <a:rPr lang="ko-KR" altLang="en-US" dirty="0"/>
+              <a:rPr lang="ko-KR" altLang="en-US" dirty="0">
+                <a:solidFill>
+                  <a:srgbClr val="FF0000"/>
+                </a:solidFill>
+              </a:rPr>
               <a:t> </a:t>
             </a:r>
             <a:r>
-              <a:rPr lang="en-US" altLang="ko-KR" dirty="0" err="1">
-                <a:solidFill>
-                  <a:srgbClr val="FF0000"/>
-                </a:solidFill>
-              </a:rPr>
-              <a:t>downTo</a:t>
-            </a:r>
-            <a:r>
-              <a:rPr lang="ko-KR" altLang="en-US" dirty="0">
-                <a:solidFill>
-                  <a:srgbClr val="FF0000"/>
-                </a:solidFill>
-              </a:rPr>
-              <a:t> </a:t>
-            </a:r>
-            <a:r>
-              <a:rPr lang="en-US" altLang="ko-KR" dirty="0"/>
-              <a:t>3</a:t>
-            </a:r>
-            <a:r>
               <a:rPr lang="en-US" altLang="ko-KR" dirty="0">
                 <a:solidFill>
                   <a:srgbClr val="0070C0"/>
                 </a:solidFill>
               </a:rPr>
-              <a:t> [step 3]</a:t>
+              <a:t>[step 3]</a:t>
             </a:r>
             <a:r>
               <a:rPr lang="en-US" altLang="ko-KR" dirty="0"/>
@@ -13896,7 +13931,7 @@
             <a:pPr lvl="1"/>
             <a:r>
               <a:rPr lang="en-US" altLang="ko-KR" dirty="0"/>
-              <a:t>for(index in </a:t>
+              <a:t>for(index  in  </a:t>
             </a:r>
             <a:r>
               <a:rPr lang="ko-KR" altLang="en-US" dirty="0"/>
@@ -14124,7 +14159,7 @@
             <a:pPr lvl="1"/>
             <a:r>
               <a:rPr lang="en-US" altLang="ko-KR" dirty="0" err="1"/>
-              <a:t>log.d</a:t>
+              <a:t>Log.d</a:t>
             </a:r>
             <a:r>
               <a:rPr lang="en-US" altLang="ko-KR" dirty="0"/>
@@ -14476,7 +14511,7 @@
             <a:pPr lvl="1"/>
             <a:r>
               <a:rPr lang="en-US" altLang="ko-KR" dirty="0"/>
-              <a:t>           if(except &lt; 3 &amp;&amp; except &lt; 8) {</a:t>
+              <a:t>           if(except &lt;= 3 &amp;&amp; except &gt;= 8) {</a:t>
             </a:r>
           </a:p>
           <a:p>
@@ -14543,8 +14578,8 @@
               <a:t>4, 5, 6, 7</a:t>
             </a:r>
             <a:r>
-              <a:rPr lang="ko-KR" altLang="en-US" dirty="0"/>
-              <a:t>이면 생략</a:t>
+              <a:rPr lang="ko-KR" altLang="en-US" dirty="0" err="1"/>
+              <a:t>일때</a:t>
             </a:r>
             <a:r>
               <a:rPr lang="en-US" altLang="ko-KR" dirty="0"/>
@@ -15321,7 +15356,7 @@
                   <a:schemeClr val="tx2"/>
                 </a:solidFill>
               </a:rPr>
-              <a:t>name: String</a:t>
+              <a:t>name: String,</a:t>
             </a:r>
             <a:r>
               <a:rPr lang="en-US" altLang="ko-KR" dirty="0">
@@ -15329,7 +15364,7 @@
                   <a:srgbClr val="FF0000"/>
                 </a:solidFill>
               </a:rPr>
-              <a:t>, age: Int = 20, weight: Double = 60</a:t>
+              <a:t> age: Int = 20, weight: Double = 60</a:t>
             </a:r>
             <a:r>
               <a:rPr lang="en-US" altLang="ko-KR" dirty="0"/>
@@ -15357,6 +15392,803 @@
     <p:extLst>
       <p:ext uri="{BB962C8B-B14F-4D97-AF65-F5344CB8AC3E}">
         <p14:creationId xmlns:p14="http://schemas.microsoft.com/office/powerpoint/2010/main" val="1091231729"/>
+      </p:ext>
+    </p:extLst>
+  </p:cSld>
+  <p:clrMapOvr>
+    <a:masterClrMapping/>
+  </p:clrMapOvr>
+</p:sld>
+</file>
+
+<file path=ppt/slides/slide26.xml><?xml version="1.0" encoding="utf-8"?>
+<p:sld xmlns:a="http://schemas.openxmlformats.org/drawingml/2006/main" xmlns:r="http://schemas.openxmlformats.org/officeDocument/2006/relationships" xmlns:p="http://schemas.openxmlformats.org/presentationml/2006/main">
+  <p:cSld>
+    <p:spTree>
+      <p:nvGrpSpPr>
+        <p:cNvPr id="1" name=""/>
+        <p:cNvGrpSpPr/>
+        <p:nvPr/>
+      </p:nvGrpSpPr>
+      <p:grpSpPr>
+        <a:xfrm>
+          <a:off x="0" y="0"/>
+          <a:ext cx="0" cy="0"/>
+          <a:chOff x="0" y="0"/>
+          <a:chExt cx="0" cy="0"/>
+        </a:xfrm>
+      </p:grpSpPr>
+      <p:sp>
+        <p:nvSpPr>
+          <p:cNvPr id="2" name="제목 1">
+            <a:extLst>
+              <a:ext uri="{FF2B5EF4-FFF2-40B4-BE49-F238E27FC236}">
+                <a16:creationId xmlns:a16="http://schemas.microsoft.com/office/drawing/2014/main" id="{8E2001C9-7398-FC34-1933-F89E1B6EBDE7}"/>
+              </a:ext>
+            </a:extLst>
+          </p:cNvPr>
+          <p:cNvSpPr>
+            <a:spLocks noGrp="1"/>
+          </p:cNvSpPr>
+          <p:nvPr>
+            <p:ph type="title"/>
+          </p:nvPr>
+        </p:nvSpPr>
+        <p:spPr/>
+        <p:txBody>
+          <a:bodyPr/>
+          <a:lstStyle/>
+          <a:p>
+            <a:endParaRPr lang="ko-KR" altLang="en-US"/>
+          </a:p>
+        </p:txBody>
+      </p:sp>
+      <p:sp>
+        <p:nvSpPr>
+          <p:cNvPr id="3" name="내용 개체 틀 2">
+            <a:extLst>
+              <a:ext uri="{FF2B5EF4-FFF2-40B4-BE49-F238E27FC236}">
+                <a16:creationId xmlns:a16="http://schemas.microsoft.com/office/drawing/2014/main" id="{2E08E552-3DF1-3DA8-91E2-C44100AE4311}"/>
+              </a:ext>
+            </a:extLst>
+          </p:cNvPr>
+          <p:cNvSpPr>
+            <a:spLocks noGrp="1"/>
+          </p:cNvSpPr>
+          <p:nvPr>
+            <p:ph idx="1"/>
+          </p:nvPr>
+        </p:nvSpPr>
+        <p:spPr/>
+        <p:txBody>
+          <a:bodyPr/>
+          <a:lstStyle/>
+          <a:p>
+            <a:r>
+              <a:rPr lang="ko-KR" altLang="en-US" dirty="0"/>
+              <a:t>클래스</a:t>
+            </a:r>
+            <a:endParaRPr lang="en-US" altLang="ko-KR" dirty="0"/>
+          </a:p>
+          <a:p>
+            <a:pPr lvl="1"/>
+            <a:r>
+              <a:rPr lang="ko-KR" altLang="en-US" dirty="0"/>
+              <a:t>클래스의 기본 구조</a:t>
+            </a:r>
+            <a:endParaRPr lang="en-US" altLang="ko-KR" dirty="0"/>
+          </a:p>
+          <a:p>
+            <a:pPr lvl="2"/>
+            <a:r>
+              <a:rPr lang="en-US" altLang="ko-KR" dirty="0"/>
+              <a:t>class  </a:t>
+            </a:r>
+            <a:r>
+              <a:rPr lang="ko-KR" altLang="en-US" dirty="0"/>
+              <a:t>클래스이름 </a:t>
+            </a:r>
+            <a:r>
+              <a:rPr lang="en-US" altLang="ko-KR" dirty="0"/>
+              <a:t>{</a:t>
+            </a:r>
+          </a:p>
+          <a:p>
+            <a:pPr lvl="2"/>
+            <a:r>
+              <a:rPr lang="en-US" altLang="ko-KR" dirty="0"/>
+              <a:t>     var  </a:t>
+            </a:r>
+            <a:r>
+              <a:rPr lang="ko-KR" altLang="en-US" dirty="0"/>
+              <a:t>변수          </a:t>
+            </a:r>
+            <a:r>
+              <a:rPr lang="en-US" altLang="ko-KR" dirty="0"/>
+              <a:t>// </a:t>
+            </a:r>
+            <a:r>
+              <a:rPr lang="ko-KR" altLang="en-US" dirty="0"/>
+              <a:t>멤버 변수</a:t>
+            </a:r>
+            <a:r>
+              <a:rPr lang="en-US" altLang="ko-KR" dirty="0"/>
+              <a:t>: </a:t>
+            </a:r>
+            <a:r>
+              <a:rPr lang="ko-KR" altLang="en-US" dirty="0"/>
+              <a:t>속성 </a:t>
+            </a:r>
+            <a:endParaRPr lang="en-US" altLang="ko-KR" dirty="0"/>
+          </a:p>
+          <a:p>
+            <a:pPr lvl="2"/>
+            <a:r>
+              <a:rPr lang="en-US" altLang="ko-KR" dirty="0"/>
+              <a:t>     fun  </a:t>
+            </a:r>
+            <a:r>
+              <a:rPr lang="ko-KR" altLang="en-US" dirty="0"/>
+              <a:t>함수 </a:t>
+            </a:r>
+            <a:r>
+              <a:rPr lang="en-US" altLang="ko-KR" dirty="0"/>
+              <a:t>{       // </a:t>
+            </a:r>
+            <a:r>
+              <a:rPr lang="ko-KR" altLang="en-US" dirty="0"/>
+              <a:t>멤버 함수</a:t>
+            </a:r>
+            <a:r>
+              <a:rPr lang="en-US" altLang="ko-KR" dirty="0"/>
+              <a:t>: </a:t>
+            </a:r>
+            <a:r>
+              <a:rPr lang="ko-KR" altLang="en-US" dirty="0"/>
+              <a:t>메서드</a:t>
+            </a:r>
+            <a:endParaRPr lang="en-US" altLang="ko-KR" dirty="0"/>
+          </a:p>
+          <a:p>
+            <a:pPr lvl="2"/>
+            <a:r>
+              <a:rPr lang="en-US" altLang="ko-KR" dirty="0"/>
+              <a:t>          </a:t>
+            </a:r>
+            <a:r>
+              <a:rPr lang="ko-KR" altLang="en-US" dirty="0"/>
+              <a:t>함수에서 실행할 코드 </a:t>
+            </a:r>
+            <a:endParaRPr lang="en-US" altLang="ko-KR" dirty="0"/>
+          </a:p>
+          <a:p>
+            <a:pPr lvl="2"/>
+            <a:r>
+              <a:rPr lang="en-US" altLang="ko-KR" dirty="0"/>
+              <a:t>     }</a:t>
+            </a:r>
+          </a:p>
+          <a:p>
+            <a:pPr lvl="2"/>
+            <a:r>
+              <a:rPr lang="en-US" altLang="ko-KR" dirty="0"/>
+              <a:t>}</a:t>
+            </a:r>
+            <a:endParaRPr lang="ko-KR" altLang="en-US" dirty="0"/>
+          </a:p>
+        </p:txBody>
+      </p:sp>
+    </p:spTree>
+    <p:extLst>
+      <p:ext uri="{BB962C8B-B14F-4D97-AF65-F5344CB8AC3E}">
+        <p14:creationId xmlns:p14="http://schemas.microsoft.com/office/powerpoint/2010/main" val="1885192726"/>
+      </p:ext>
+    </p:extLst>
+  </p:cSld>
+  <p:clrMapOvr>
+    <a:masterClrMapping/>
+  </p:clrMapOvr>
+</p:sld>
+</file>
+
+<file path=ppt/slides/slide27.xml><?xml version="1.0" encoding="utf-8"?>
+<p:sld xmlns:a="http://schemas.openxmlformats.org/drawingml/2006/main" xmlns:r="http://schemas.openxmlformats.org/officeDocument/2006/relationships" xmlns:p="http://schemas.openxmlformats.org/presentationml/2006/main">
+  <p:cSld>
+    <p:spTree>
+      <p:nvGrpSpPr>
+        <p:cNvPr id="1" name=""/>
+        <p:cNvGrpSpPr/>
+        <p:nvPr/>
+      </p:nvGrpSpPr>
+      <p:grpSpPr>
+        <a:xfrm>
+          <a:off x="0" y="0"/>
+          <a:ext cx="0" cy="0"/>
+          <a:chOff x="0" y="0"/>
+          <a:chExt cx="0" cy="0"/>
+        </a:xfrm>
+      </p:grpSpPr>
+      <p:sp>
+        <p:nvSpPr>
+          <p:cNvPr id="2" name="제목 1">
+            <a:extLst>
+              <a:ext uri="{FF2B5EF4-FFF2-40B4-BE49-F238E27FC236}">
+                <a16:creationId xmlns:a16="http://schemas.microsoft.com/office/drawing/2014/main" id="{6CE7C7FC-3887-BC1F-9F45-28BFC84D72D3}"/>
+              </a:ext>
+            </a:extLst>
+          </p:cNvPr>
+          <p:cNvSpPr>
+            <a:spLocks noGrp="1"/>
+          </p:cNvSpPr>
+          <p:nvPr>
+            <p:ph type="title"/>
+          </p:nvPr>
+        </p:nvSpPr>
+        <p:spPr/>
+        <p:txBody>
+          <a:bodyPr/>
+          <a:lstStyle/>
+          <a:p>
+            <a:endParaRPr lang="ko-KR" altLang="en-US"/>
+          </a:p>
+        </p:txBody>
+      </p:sp>
+      <p:sp>
+        <p:nvSpPr>
+          <p:cNvPr id="3" name="내용 개체 틀 2">
+            <a:extLst>
+              <a:ext uri="{FF2B5EF4-FFF2-40B4-BE49-F238E27FC236}">
+                <a16:creationId xmlns:a16="http://schemas.microsoft.com/office/drawing/2014/main" id="{54920DB4-AE99-D3CD-9F24-C3251DF881FF}"/>
+              </a:ext>
+            </a:extLst>
+          </p:cNvPr>
+          <p:cNvSpPr>
+            <a:spLocks noGrp="1"/>
+          </p:cNvSpPr>
+          <p:nvPr>
+            <p:ph idx="1"/>
+          </p:nvPr>
+        </p:nvSpPr>
+        <p:spPr/>
+        <p:txBody>
+          <a:bodyPr>
+            <a:normAutofit fontScale="92500" lnSpcReduction="10000"/>
+          </a:bodyPr>
+          <a:lstStyle/>
+          <a:p>
+            <a:r>
+              <a:rPr lang="ko-KR" altLang="en-US" dirty="0"/>
+              <a:t>클래스 정의 예</a:t>
+            </a:r>
+            <a:endParaRPr lang="en-US" altLang="ko-KR" dirty="0"/>
+          </a:p>
+          <a:p>
+            <a:pPr lvl="1"/>
+            <a:r>
+              <a:rPr lang="en-US" altLang="ko-KR" dirty="0"/>
+              <a:t>class </a:t>
+            </a:r>
+            <a:r>
+              <a:rPr lang="en-US" altLang="ko-KR" dirty="0" err="1"/>
+              <a:t>MyString</a:t>
+            </a:r>
+            <a:r>
+              <a:rPr lang="en-US" altLang="ko-KR" dirty="0"/>
+              <a:t> {</a:t>
+            </a:r>
+          </a:p>
+          <a:p>
+            <a:pPr lvl="1"/>
+            <a:r>
+              <a:rPr lang="en-US" altLang="ko-KR" dirty="0"/>
+              <a:t>     var length: Int</a:t>
+            </a:r>
+          </a:p>
+          <a:p>
+            <a:pPr lvl="1"/>
+            <a:r>
+              <a:rPr lang="en-US" altLang="ko-KR" dirty="0"/>
+              <a:t>     fun plus(other: Any) {</a:t>
+            </a:r>
+          </a:p>
+          <a:p>
+            <a:pPr lvl="1"/>
+            <a:r>
+              <a:rPr lang="en-US" altLang="ko-KR" dirty="0"/>
+              <a:t>          // </a:t>
+            </a:r>
+            <a:r>
+              <a:rPr lang="ko-KR" altLang="en-US" dirty="0"/>
+              <a:t>코드</a:t>
+            </a:r>
+            <a:endParaRPr lang="en-US" altLang="ko-KR" dirty="0"/>
+          </a:p>
+          <a:p>
+            <a:pPr lvl="1"/>
+            <a:r>
+              <a:rPr lang="en-US" altLang="ko-KR" dirty="0"/>
+              <a:t>     }</a:t>
+            </a:r>
+          </a:p>
+          <a:p>
+            <a:pPr lvl="1"/>
+            <a:r>
+              <a:rPr lang="en-US" altLang="ko-KR" dirty="0"/>
+              <a:t>     fun </a:t>
+            </a:r>
+            <a:r>
+              <a:rPr lang="en-US" altLang="ko-KR" dirty="0" err="1"/>
+              <a:t>compareTo</a:t>
+            </a:r>
+            <a:r>
+              <a:rPr lang="en-US" altLang="ko-KR" dirty="0"/>
+              <a:t>(other: String) {</a:t>
+            </a:r>
+          </a:p>
+          <a:p>
+            <a:pPr lvl="1"/>
+            <a:r>
+              <a:rPr lang="en-US" altLang="ko-KR" dirty="0"/>
+              <a:t>          // </a:t>
+            </a:r>
+            <a:r>
+              <a:rPr lang="ko-KR" altLang="en-US" dirty="0"/>
+              <a:t>코드 </a:t>
+            </a:r>
+            <a:endParaRPr lang="en-US" altLang="ko-KR" dirty="0"/>
+          </a:p>
+          <a:p>
+            <a:pPr lvl="1"/>
+            <a:r>
+              <a:rPr lang="en-US" altLang="ko-KR" dirty="0"/>
+              <a:t>     }</a:t>
+            </a:r>
+          </a:p>
+          <a:p>
+            <a:pPr lvl="1"/>
+            <a:r>
+              <a:rPr lang="en-US" altLang="ko-KR" dirty="0"/>
+              <a:t>}</a:t>
+            </a:r>
+            <a:endParaRPr lang="ko-KR" altLang="en-US" dirty="0"/>
+          </a:p>
+        </p:txBody>
+      </p:sp>
+    </p:spTree>
+    <p:extLst>
+      <p:ext uri="{BB962C8B-B14F-4D97-AF65-F5344CB8AC3E}">
+        <p14:creationId xmlns:p14="http://schemas.microsoft.com/office/powerpoint/2010/main" val="479857807"/>
+      </p:ext>
+    </p:extLst>
+  </p:cSld>
+  <p:clrMapOvr>
+    <a:masterClrMapping/>
+  </p:clrMapOvr>
+</p:sld>
+</file>
+
+<file path=ppt/slides/slide28.xml><?xml version="1.0" encoding="utf-8"?>
+<p:sld xmlns:a="http://schemas.openxmlformats.org/drawingml/2006/main" xmlns:r="http://schemas.openxmlformats.org/officeDocument/2006/relationships" xmlns:p="http://schemas.openxmlformats.org/presentationml/2006/main">
+  <p:cSld>
+    <p:spTree>
+      <p:nvGrpSpPr>
+        <p:cNvPr id="1" name=""/>
+        <p:cNvGrpSpPr/>
+        <p:nvPr/>
+      </p:nvGrpSpPr>
+      <p:grpSpPr>
+        <a:xfrm>
+          <a:off x="0" y="0"/>
+          <a:ext cx="0" cy="0"/>
+          <a:chOff x="0" y="0"/>
+          <a:chExt cx="0" cy="0"/>
+        </a:xfrm>
+      </p:grpSpPr>
+      <p:sp>
+        <p:nvSpPr>
+          <p:cNvPr id="2" name="제목 1">
+            <a:extLst>
+              <a:ext uri="{FF2B5EF4-FFF2-40B4-BE49-F238E27FC236}">
+                <a16:creationId xmlns:a16="http://schemas.microsoft.com/office/drawing/2014/main" id="{B3DCBA7A-A844-7585-EE8D-D855BB32C3CA}"/>
+              </a:ext>
+            </a:extLst>
+          </p:cNvPr>
+          <p:cNvSpPr>
+            <a:spLocks noGrp="1"/>
+          </p:cNvSpPr>
+          <p:nvPr>
+            <p:ph type="title"/>
+          </p:nvPr>
+        </p:nvSpPr>
+        <p:spPr/>
+        <p:txBody>
+          <a:bodyPr/>
+          <a:lstStyle/>
+          <a:p>
+            <a:endParaRPr lang="ko-KR" altLang="en-US"/>
+          </a:p>
+        </p:txBody>
+      </p:sp>
+      <p:sp>
+        <p:nvSpPr>
+          <p:cNvPr id="3" name="내용 개체 틀 2">
+            <a:extLst>
+              <a:ext uri="{FF2B5EF4-FFF2-40B4-BE49-F238E27FC236}">
+                <a16:creationId xmlns:a16="http://schemas.microsoft.com/office/drawing/2014/main" id="{400FBA24-2039-1FC1-E59A-16358C643792}"/>
+              </a:ext>
+            </a:extLst>
+          </p:cNvPr>
+          <p:cNvSpPr>
+            <a:spLocks noGrp="1"/>
+          </p:cNvSpPr>
+          <p:nvPr>
+            <p:ph idx="1"/>
+          </p:nvPr>
+        </p:nvSpPr>
+        <p:spPr/>
+        <p:txBody>
+          <a:bodyPr>
+            <a:normAutofit fontScale="92500" lnSpcReduction="10000"/>
+          </a:bodyPr>
+          <a:lstStyle/>
+          <a:p>
+            <a:r>
+              <a:rPr lang="en-US" altLang="ko-KR" dirty="0"/>
+              <a:t>Primary Constructor </a:t>
+            </a:r>
+            <a:r>
+              <a:rPr lang="ko-KR" altLang="en-US" dirty="0"/>
+              <a:t>주 생성자</a:t>
+            </a:r>
+            <a:endParaRPr lang="en-US" altLang="ko-KR" dirty="0"/>
+          </a:p>
+          <a:p>
+            <a:pPr lvl="1"/>
+            <a:r>
+              <a:rPr lang="en-US" altLang="ko-KR" dirty="0"/>
+              <a:t>class Person constructor(value: String) {</a:t>
+            </a:r>
+          </a:p>
+          <a:p>
+            <a:pPr lvl="1"/>
+            <a:r>
+              <a:rPr lang="en-US" altLang="ko-KR" dirty="0"/>
+              <a:t>       …</a:t>
+            </a:r>
+          </a:p>
+          <a:p>
+            <a:pPr lvl="1"/>
+            <a:r>
+              <a:rPr lang="en-US" altLang="ko-KR" dirty="0"/>
+              <a:t>}</a:t>
+            </a:r>
+          </a:p>
+          <a:p>
+            <a:pPr lvl="1"/>
+            <a:endParaRPr lang="en-US" altLang="ko-KR" dirty="0"/>
+          </a:p>
+          <a:p>
+            <a:pPr lvl="1"/>
+            <a:r>
+              <a:rPr lang="en-US" altLang="ko-KR" dirty="0"/>
+              <a:t>class Person(value: String) {  // constructor </a:t>
+            </a:r>
+            <a:r>
+              <a:rPr lang="ko-KR" altLang="en-US" dirty="0"/>
+              <a:t>키워드 생략</a:t>
+            </a:r>
+            <a:endParaRPr lang="en-US" altLang="ko-KR" dirty="0"/>
+          </a:p>
+          <a:p>
+            <a:pPr lvl="1"/>
+            <a:r>
+              <a:rPr lang="ko-KR" altLang="en-US" dirty="0"/>
+              <a:t>     </a:t>
+            </a:r>
+            <a:r>
+              <a:rPr lang="en-US" altLang="ko-KR" dirty="0"/>
+              <a:t>init { // </a:t>
+            </a:r>
+            <a:r>
+              <a:rPr lang="ko-KR" altLang="en-US" dirty="0"/>
+              <a:t>프라이머리 생성자 또는 기본 생성자 사용할 때 적용</a:t>
+            </a:r>
+            <a:endParaRPr lang="en-US" altLang="ko-KR" dirty="0"/>
+          </a:p>
+          <a:p>
+            <a:pPr lvl="1"/>
+            <a:r>
+              <a:rPr lang="en-US" altLang="ko-KR" dirty="0"/>
+              <a:t>          </a:t>
+            </a:r>
+            <a:r>
+              <a:rPr lang="en-US" altLang="ko-KR" dirty="0" err="1"/>
+              <a:t>Log.d</a:t>
+            </a:r>
+            <a:r>
+              <a:rPr lang="en-US" altLang="ko-KR" dirty="0"/>
+              <a:t>(“check”, “</a:t>
+            </a:r>
+            <a:r>
+              <a:rPr lang="ko-KR" altLang="en-US" dirty="0"/>
+              <a:t>생성자에서 전달 받은 값 확인</a:t>
+            </a:r>
+            <a:r>
+              <a:rPr lang="en-US" altLang="ko-KR" dirty="0"/>
+              <a:t>: ${value}”)</a:t>
+            </a:r>
+          </a:p>
+          <a:p>
+            <a:pPr lvl="1"/>
+            <a:r>
+              <a:rPr lang="en-US" altLang="ko-KR" dirty="0"/>
+              <a:t>     }</a:t>
+            </a:r>
+          </a:p>
+          <a:p>
+            <a:pPr lvl="1"/>
+            <a:r>
+              <a:rPr lang="en-US" altLang="ko-KR" dirty="0"/>
+              <a:t>}</a:t>
+            </a:r>
+            <a:endParaRPr lang="ko-KR" altLang="en-US" dirty="0"/>
+          </a:p>
+        </p:txBody>
+      </p:sp>
+    </p:spTree>
+    <p:extLst>
+      <p:ext uri="{BB962C8B-B14F-4D97-AF65-F5344CB8AC3E}">
+        <p14:creationId xmlns:p14="http://schemas.microsoft.com/office/powerpoint/2010/main" val="24911277"/>
+      </p:ext>
+    </p:extLst>
+  </p:cSld>
+  <p:clrMapOvr>
+    <a:masterClrMapping/>
+  </p:clrMapOvr>
+</p:sld>
+</file>
+
+<file path=ppt/slides/slide29.xml><?xml version="1.0" encoding="utf-8"?>
+<p:sld xmlns:a="http://schemas.openxmlformats.org/drawingml/2006/main" xmlns:r="http://schemas.openxmlformats.org/officeDocument/2006/relationships" xmlns:p="http://schemas.openxmlformats.org/presentationml/2006/main">
+  <p:cSld>
+    <p:spTree>
+      <p:nvGrpSpPr>
+        <p:cNvPr id="1" name=""/>
+        <p:cNvGrpSpPr/>
+        <p:nvPr/>
+      </p:nvGrpSpPr>
+      <p:grpSpPr>
+        <a:xfrm>
+          <a:off x="0" y="0"/>
+          <a:ext cx="0" cy="0"/>
+          <a:chOff x="0" y="0"/>
+          <a:chExt cx="0" cy="0"/>
+        </a:xfrm>
+      </p:grpSpPr>
+      <p:sp>
+        <p:nvSpPr>
+          <p:cNvPr id="2" name="제목 1">
+            <a:extLst>
+              <a:ext uri="{FF2B5EF4-FFF2-40B4-BE49-F238E27FC236}">
+                <a16:creationId xmlns:a16="http://schemas.microsoft.com/office/drawing/2014/main" id="{B589315C-2871-1E03-B7A2-69EC1779143D}"/>
+              </a:ext>
+            </a:extLst>
+          </p:cNvPr>
+          <p:cNvSpPr>
+            <a:spLocks noGrp="1"/>
+          </p:cNvSpPr>
+          <p:nvPr>
+            <p:ph type="title"/>
+          </p:nvPr>
+        </p:nvSpPr>
+        <p:spPr/>
+        <p:txBody>
+          <a:bodyPr/>
+          <a:lstStyle/>
+          <a:p>
+            <a:endParaRPr lang="ko-KR" altLang="en-US"/>
+          </a:p>
+        </p:txBody>
+      </p:sp>
+      <p:sp>
+        <p:nvSpPr>
+          <p:cNvPr id="3" name="내용 개체 틀 2">
+            <a:extLst>
+              <a:ext uri="{FF2B5EF4-FFF2-40B4-BE49-F238E27FC236}">
+                <a16:creationId xmlns:a16="http://schemas.microsoft.com/office/drawing/2014/main" id="{73BC4A12-CC00-1FE1-92D2-AE88F93B99CB}"/>
+              </a:ext>
+            </a:extLst>
+          </p:cNvPr>
+          <p:cNvSpPr>
+            <a:spLocks noGrp="1"/>
+          </p:cNvSpPr>
+          <p:nvPr>
+            <p:ph idx="1"/>
+          </p:nvPr>
+        </p:nvSpPr>
+        <p:spPr/>
+        <p:txBody>
+          <a:bodyPr/>
+          <a:lstStyle/>
+          <a:p>
+            <a:pPr lvl="1"/>
+            <a:r>
+              <a:rPr lang="en-US" altLang="ko-KR" dirty="0"/>
+              <a:t>class Person(</a:t>
+            </a:r>
+            <a:r>
+              <a:rPr lang="en-US" altLang="ko-KR" dirty="0">
+                <a:solidFill>
+                  <a:srgbClr val="FF0000"/>
+                </a:solidFill>
+              </a:rPr>
+              <a:t>val</a:t>
+            </a:r>
+            <a:r>
+              <a:rPr lang="en-US" altLang="ko-KR" dirty="0"/>
+              <a:t> value: String) {  // constructor </a:t>
+            </a:r>
+            <a:r>
+              <a:rPr lang="ko-KR" altLang="en-US" dirty="0"/>
+              <a:t>키워드 생략</a:t>
+            </a:r>
+            <a:endParaRPr lang="en-US" altLang="ko-KR" dirty="0"/>
+          </a:p>
+          <a:p>
+            <a:pPr lvl="1"/>
+            <a:r>
+              <a:rPr lang="ko-KR" altLang="en-US" dirty="0"/>
+              <a:t>     </a:t>
+            </a:r>
+            <a:r>
+              <a:rPr lang="en-US" altLang="ko-KR" i="1" dirty="0">
+                <a:solidFill>
+                  <a:schemeClr val="bg1">
+                    <a:lumMod val="75000"/>
+                  </a:schemeClr>
+                </a:solidFill>
+              </a:rPr>
+              <a:t>init { // </a:t>
+            </a:r>
+            <a:r>
+              <a:rPr lang="ko-KR" altLang="en-US" i="1" dirty="0">
+                <a:solidFill>
+                  <a:schemeClr val="bg1">
+                    <a:lumMod val="75000"/>
+                  </a:schemeClr>
+                </a:solidFill>
+              </a:rPr>
+              <a:t>프라이머리 생성자 또는 기본 생성자 사용할 때 적용</a:t>
+            </a:r>
+            <a:endParaRPr lang="en-US" altLang="ko-KR" i="1" dirty="0">
+              <a:solidFill>
+                <a:schemeClr val="bg1">
+                  <a:lumMod val="75000"/>
+                </a:schemeClr>
+              </a:solidFill>
+            </a:endParaRPr>
+          </a:p>
+          <a:p>
+            <a:pPr lvl="1"/>
+            <a:r>
+              <a:rPr lang="en-US" altLang="ko-KR" i="1" dirty="0">
+                <a:solidFill>
+                  <a:schemeClr val="bg1">
+                    <a:lumMod val="75000"/>
+                  </a:schemeClr>
+                </a:solidFill>
+              </a:rPr>
+              <a:t>          </a:t>
+            </a:r>
+            <a:r>
+              <a:rPr lang="en-US" altLang="ko-KR" i="1" dirty="0" err="1">
+                <a:solidFill>
+                  <a:schemeClr val="bg1">
+                    <a:lumMod val="75000"/>
+                  </a:schemeClr>
+                </a:solidFill>
+              </a:rPr>
+              <a:t>Log.d</a:t>
+            </a:r>
+            <a:r>
+              <a:rPr lang="en-US" altLang="ko-KR" i="1" dirty="0">
+                <a:solidFill>
+                  <a:schemeClr val="bg1">
+                    <a:lumMod val="75000"/>
+                  </a:schemeClr>
+                </a:solidFill>
+              </a:rPr>
+              <a:t>(“check”, “</a:t>
+            </a:r>
+            <a:r>
+              <a:rPr lang="ko-KR" altLang="en-US" i="1" dirty="0">
+                <a:solidFill>
+                  <a:schemeClr val="bg1">
+                    <a:lumMod val="75000"/>
+                  </a:schemeClr>
+                </a:solidFill>
+              </a:rPr>
+              <a:t>생성자에서 전달 받은 값 확인</a:t>
+            </a:r>
+            <a:r>
+              <a:rPr lang="en-US" altLang="ko-KR" i="1" dirty="0">
+                <a:solidFill>
+                  <a:schemeClr val="bg1">
+                    <a:lumMod val="75000"/>
+                  </a:schemeClr>
+                </a:solidFill>
+              </a:rPr>
+              <a:t>: ${value}”)</a:t>
+            </a:r>
+          </a:p>
+          <a:p>
+            <a:pPr lvl="1"/>
+            <a:r>
+              <a:rPr lang="en-US" altLang="ko-KR" i="1" dirty="0">
+                <a:solidFill>
+                  <a:schemeClr val="bg1">
+                    <a:lumMod val="75000"/>
+                  </a:schemeClr>
+                </a:solidFill>
+              </a:rPr>
+              <a:t>     }</a:t>
+            </a:r>
+          </a:p>
+          <a:p>
+            <a:pPr lvl="1"/>
+            <a:r>
+              <a:rPr lang="en-US" altLang="ko-KR" dirty="0"/>
+              <a:t>     fun process() {</a:t>
+            </a:r>
+          </a:p>
+          <a:p>
+            <a:pPr lvl="1"/>
+            <a:r>
+              <a:rPr lang="en-US" altLang="ko-KR" dirty="0"/>
+              <a:t>          </a:t>
+            </a:r>
+            <a:r>
+              <a:rPr lang="en-US" altLang="ko-KR" dirty="0" err="1"/>
+              <a:t>Log.d</a:t>
+            </a:r>
+            <a:r>
+              <a:rPr lang="en-US" altLang="ko-KR" dirty="0"/>
+              <a:t>(“check”, “</a:t>
+            </a:r>
+            <a:r>
+              <a:rPr lang="ko-KR" altLang="en-US" dirty="0"/>
+              <a:t>생성자에서 전달 받은 값 확인</a:t>
+            </a:r>
+            <a:r>
+              <a:rPr lang="en-US" altLang="ko-KR" dirty="0"/>
+              <a:t>: ${value})</a:t>
+            </a:r>
+          </a:p>
+          <a:p>
+            <a:pPr lvl="1"/>
+            <a:r>
+              <a:rPr lang="en-US" altLang="ko-KR" dirty="0"/>
+              <a:t>     }</a:t>
+            </a:r>
+          </a:p>
+          <a:p>
+            <a:pPr lvl="1"/>
+            <a:r>
+              <a:rPr lang="en-US" altLang="ko-KR" dirty="0"/>
+              <a:t>}</a:t>
+            </a:r>
+            <a:endParaRPr lang="ko-KR" altLang="en-US" dirty="0"/>
+          </a:p>
+          <a:p>
+            <a:pPr lvl="1"/>
+            <a:endParaRPr lang="ko-KR" altLang="en-US" dirty="0"/>
+          </a:p>
+        </p:txBody>
+      </p:sp>
+    </p:spTree>
+    <p:extLst>
+      <p:ext uri="{BB962C8B-B14F-4D97-AF65-F5344CB8AC3E}">
+        <p14:creationId xmlns:p14="http://schemas.microsoft.com/office/powerpoint/2010/main" val="2661191079"/>
       </p:ext>
     </p:extLst>
   </p:cSld>
@@ -15501,6 +16333,1962 @@
 </p:sld>
 </file>
 
+<file path=ppt/slides/slide30.xml><?xml version="1.0" encoding="utf-8"?>
+<p:sld xmlns:a="http://schemas.openxmlformats.org/drawingml/2006/main" xmlns:r="http://schemas.openxmlformats.org/officeDocument/2006/relationships" xmlns:p="http://schemas.openxmlformats.org/presentationml/2006/main">
+  <p:cSld>
+    <p:spTree>
+      <p:nvGrpSpPr>
+        <p:cNvPr id="1" name=""/>
+        <p:cNvGrpSpPr/>
+        <p:nvPr/>
+      </p:nvGrpSpPr>
+      <p:grpSpPr>
+        <a:xfrm>
+          <a:off x="0" y="0"/>
+          <a:ext cx="0" cy="0"/>
+          <a:chOff x="0" y="0"/>
+          <a:chExt cx="0" cy="0"/>
+        </a:xfrm>
+      </p:grpSpPr>
+      <p:sp>
+        <p:nvSpPr>
+          <p:cNvPr id="2" name="제목 1">
+            <a:extLst>
+              <a:ext uri="{FF2B5EF4-FFF2-40B4-BE49-F238E27FC236}">
+                <a16:creationId xmlns:a16="http://schemas.microsoft.com/office/drawing/2014/main" id="{5FB9B75F-BFF1-95B8-9C2A-4D1A84C35B01}"/>
+              </a:ext>
+            </a:extLst>
+          </p:cNvPr>
+          <p:cNvSpPr>
+            <a:spLocks noGrp="1"/>
+          </p:cNvSpPr>
+          <p:nvPr>
+            <p:ph type="title"/>
+          </p:nvPr>
+        </p:nvSpPr>
+        <p:spPr/>
+        <p:txBody>
+          <a:bodyPr/>
+          <a:lstStyle/>
+          <a:p>
+            <a:endParaRPr lang="ko-KR" altLang="en-US"/>
+          </a:p>
+        </p:txBody>
+      </p:sp>
+      <p:sp>
+        <p:nvSpPr>
+          <p:cNvPr id="3" name="내용 개체 틀 2">
+            <a:extLst>
+              <a:ext uri="{FF2B5EF4-FFF2-40B4-BE49-F238E27FC236}">
+                <a16:creationId xmlns:a16="http://schemas.microsoft.com/office/drawing/2014/main" id="{0864F601-712E-0A07-CB59-4E672D158223}"/>
+              </a:ext>
+            </a:extLst>
+          </p:cNvPr>
+          <p:cNvSpPr>
+            <a:spLocks noGrp="1"/>
+          </p:cNvSpPr>
+          <p:nvPr>
+            <p:ph idx="1"/>
+          </p:nvPr>
+        </p:nvSpPr>
+        <p:spPr/>
+        <p:txBody>
+          <a:bodyPr/>
+          <a:lstStyle/>
+          <a:p>
+            <a:r>
+              <a:rPr lang="en-US" altLang="ko-KR" dirty="0"/>
+              <a:t>Secondary Constructor </a:t>
+            </a:r>
+            <a:r>
+              <a:rPr lang="ko-KR" altLang="en-US" dirty="0"/>
+              <a:t>보조 생성자</a:t>
+            </a:r>
+            <a:endParaRPr lang="en-US" altLang="ko-KR" dirty="0"/>
+          </a:p>
+          <a:p>
+            <a:pPr lvl="1"/>
+            <a:r>
+              <a:rPr lang="en-US" altLang="ko-KR" dirty="0"/>
+              <a:t>class Person {</a:t>
+            </a:r>
+          </a:p>
+          <a:p>
+            <a:pPr lvl="1"/>
+            <a:r>
+              <a:rPr lang="en-US" altLang="ko-KR" dirty="0"/>
+              <a:t>     constructor(value: String) {</a:t>
+            </a:r>
+          </a:p>
+          <a:p>
+            <a:pPr lvl="1"/>
+            <a:r>
+              <a:rPr lang="en-US" altLang="ko-KR" dirty="0"/>
+              <a:t>           </a:t>
+            </a:r>
+            <a:r>
+              <a:rPr lang="en-US" altLang="ko-KR" dirty="0" err="1"/>
+              <a:t>Log.d</a:t>
+            </a:r>
+            <a:r>
+              <a:rPr lang="en-US" altLang="ko-KR" dirty="0"/>
+              <a:t>(“check”, “</a:t>
+            </a:r>
+            <a:r>
+              <a:rPr lang="ko-KR" altLang="en-US" dirty="0"/>
+              <a:t>생성자에서 받은 값 확인 </a:t>
+            </a:r>
+            <a:r>
+              <a:rPr lang="en-US" altLang="ko-KR" dirty="0"/>
+              <a:t>${value})</a:t>
+            </a:r>
+          </a:p>
+          <a:p>
+            <a:pPr lvl="1"/>
+            <a:r>
+              <a:rPr lang="en-US" altLang="ko-KR" dirty="0"/>
+              <a:t>      }</a:t>
+            </a:r>
+          </a:p>
+          <a:p>
+            <a:pPr lvl="1"/>
+            <a:r>
+              <a:rPr lang="en-US" altLang="ko-KR" dirty="0"/>
+              <a:t>}</a:t>
+            </a:r>
+          </a:p>
+          <a:p>
+            <a:pPr lvl="1"/>
+            <a:r>
+              <a:rPr lang="en-US" altLang="ko-KR" dirty="0">
+                <a:solidFill>
+                  <a:srgbClr val="002060"/>
+                </a:solidFill>
+              </a:rPr>
+              <a:t>Secondary</a:t>
+            </a:r>
+            <a:r>
+              <a:rPr lang="ko-KR" altLang="en-US" dirty="0">
+                <a:solidFill>
+                  <a:srgbClr val="002060"/>
+                </a:solidFill>
+              </a:rPr>
+              <a:t> </a:t>
+            </a:r>
+            <a:r>
+              <a:rPr lang="en-US" altLang="ko-KR" dirty="0">
+                <a:solidFill>
+                  <a:srgbClr val="002060"/>
+                </a:solidFill>
+              </a:rPr>
+              <a:t>Constructor</a:t>
+            </a:r>
+            <a:r>
+              <a:rPr lang="ko-KR" altLang="en-US" dirty="0">
+                <a:solidFill>
+                  <a:srgbClr val="002060"/>
+                </a:solidFill>
+              </a:rPr>
+              <a:t>는 여러 개 정의 가능</a:t>
+            </a:r>
+          </a:p>
+        </p:txBody>
+      </p:sp>
+    </p:spTree>
+    <p:extLst>
+      <p:ext uri="{BB962C8B-B14F-4D97-AF65-F5344CB8AC3E}">
+        <p14:creationId xmlns:p14="http://schemas.microsoft.com/office/powerpoint/2010/main" val="1806220879"/>
+      </p:ext>
+    </p:extLst>
+  </p:cSld>
+  <p:clrMapOvr>
+    <a:masterClrMapping/>
+  </p:clrMapOvr>
+</p:sld>
+</file>
+
+<file path=ppt/slides/slide31.xml><?xml version="1.0" encoding="utf-8"?>
+<p:sld xmlns:a="http://schemas.openxmlformats.org/drawingml/2006/main" xmlns:r="http://schemas.openxmlformats.org/officeDocument/2006/relationships" xmlns:p="http://schemas.openxmlformats.org/presentationml/2006/main">
+  <p:cSld>
+    <p:spTree>
+      <p:nvGrpSpPr>
+        <p:cNvPr id="1" name=""/>
+        <p:cNvGrpSpPr/>
+        <p:nvPr/>
+      </p:nvGrpSpPr>
+      <p:grpSpPr>
+        <a:xfrm>
+          <a:off x="0" y="0"/>
+          <a:ext cx="0" cy="0"/>
+          <a:chOff x="0" y="0"/>
+          <a:chExt cx="0" cy="0"/>
+        </a:xfrm>
+      </p:grpSpPr>
+      <p:sp>
+        <p:nvSpPr>
+          <p:cNvPr id="2" name="제목 1">
+            <a:extLst>
+              <a:ext uri="{FF2B5EF4-FFF2-40B4-BE49-F238E27FC236}">
+                <a16:creationId xmlns:a16="http://schemas.microsoft.com/office/drawing/2014/main" id="{77D11F41-D401-923D-AD83-545B200FAF73}"/>
+              </a:ext>
+            </a:extLst>
+          </p:cNvPr>
+          <p:cNvSpPr>
+            <a:spLocks noGrp="1"/>
+          </p:cNvSpPr>
+          <p:nvPr>
+            <p:ph type="title"/>
+          </p:nvPr>
+        </p:nvSpPr>
+        <p:spPr/>
+        <p:txBody>
+          <a:bodyPr/>
+          <a:lstStyle/>
+          <a:p>
+            <a:endParaRPr lang="ko-KR" altLang="en-US"/>
+          </a:p>
+        </p:txBody>
+      </p:sp>
+      <p:sp>
+        <p:nvSpPr>
+          <p:cNvPr id="3" name="내용 개체 틀 2">
+            <a:extLst>
+              <a:ext uri="{FF2B5EF4-FFF2-40B4-BE49-F238E27FC236}">
+                <a16:creationId xmlns:a16="http://schemas.microsoft.com/office/drawing/2014/main" id="{72C6AF1C-E80C-0640-1C32-D0E306B8074E}"/>
+              </a:ext>
+            </a:extLst>
+          </p:cNvPr>
+          <p:cNvSpPr>
+            <a:spLocks noGrp="1"/>
+          </p:cNvSpPr>
+          <p:nvPr>
+            <p:ph idx="1"/>
+          </p:nvPr>
+        </p:nvSpPr>
+        <p:spPr/>
+        <p:txBody>
+          <a:bodyPr/>
+          <a:lstStyle/>
+          <a:p>
+            <a:r>
+              <a:rPr lang="ko-KR" altLang="en-US" dirty="0"/>
+              <a:t>기본 생성자</a:t>
+            </a:r>
+            <a:endParaRPr lang="en-US" altLang="ko-KR" dirty="0"/>
+          </a:p>
+          <a:p>
+            <a:pPr lvl="1"/>
+            <a:r>
+              <a:rPr lang="en-US" altLang="ko-KR" dirty="0"/>
+              <a:t>Primary constructor</a:t>
+            </a:r>
+            <a:r>
+              <a:rPr lang="ko-KR" altLang="en-US" dirty="0"/>
+              <a:t>를 생략하면 기본 생성자 적용</a:t>
+            </a:r>
+            <a:endParaRPr lang="en-US" altLang="ko-KR" dirty="0"/>
+          </a:p>
+          <a:p>
+            <a:pPr lvl="1"/>
+            <a:r>
+              <a:rPr lang="en-US" altLang="ko-KR" dirty="0"/>
+              <a:t>class Student {</a:t>
+            </a:r>
+          </a:p>
+          <a:p>
+            <a:pPr lvl="1"/>
+            <a:r>
+              <a:rPr lang="en-US" altLang="ko-KR" dirty="0"/>
+              <a:t>     init {</a:t>
+            </a:r>
+          </a:p>
+          <a:p>
+            <a:pPr lvl="1"/>
+            <a:r>
+              <a:rPr lang="en-US" altLang="ko-KR" dirty="0"/>
+              <a:t>         // </a:t>
+            </a:r>
+            <a:r>
+              <a:rPr lang="ko-KR" altLang="en-US" dirty="0"/>
+              <a:t>클래스의 변수</a:t>
+            </a:r>
+            <a:r>
+              <a:rPr lang="en-US" altLang="ko-KR" dirty="0"/>
+              <a:t>(</a:t>
+            </a:r>
+            <a:r>
+              <a:rPr lang="ko-KR" altLang="en-US" dirty="0"/>
+              <a:t>속성</a:t>
+            </a:r>
+            <a:r>
+              <a:rPr lang="en-US" altLang="ko-KR" dirty="0"/>
+              <a:t>)</a:t>
+            </a:r>
+            <a:r>
+              <a:rPr lang="ko-KR" altLang="en-US" dirty="0"/>
+              <a:t> 초기화 </a:t>
+            </a:r>
+            <a:endParaRPr lang="en-US" altLang="ko-KR" dirty="0"/>
+          </a:p>
+          <a:p>
+            <a:pPr lvl="1"/>
+            <a:r>
+              <a:rPr lang="en-US" altLang="ko-KR" dirty="0"/>
+              <a:t>     }</a:t>
+            </a:r>
+          </a:p>
+          <a:p>
+            <a:pPr lvl="1"/>
+            <a:r>
+              <a:rPr lang="en-US" altLang="ko-KR" dirty="0"/>
+              <a:t>}</a:t>
+            </a:r>
+            <a:endParaRPr lang="ko-KR" altLang="en-US" dirty="0"/>
+          </a:p>
+        </p:txBody>
+      </p:sp>
+    </p:spTree>
+    <p:extLst>
+      <p:ext uri="{BB962C8B-B14F-4D97-AF65-F5344CB8AC3E}">
+        <p14:creationId xmlns:p14="http://schemas.microsoft.com/office/powerpoint/2010/main" val="74866514"/>
+      </p:ext>
+    </p:extLst>
+  </p:cSld>
+  <p:clrMapOvr>
+    <a:masterClrMapping/>
+  </p:clrMapOvr>
+</p:sld>
+</file>
+
+<file path=ppt/slides/slide32.xml><?xml version="1.0" encoding="utf-8"?>
+<p:sld xmlns:a="http://schemas.openxmlformats.org/drawingml/2006/main" xmlns:r="http://schemas.openxmlformats.org/officeDocument/2006/relationships" xmlns:p="http://schemas.openxmlformats.org/presentationml/2006/main">
+  <p:cSld>
+    <p:spTree>
+      <p:nvGrpSpPr>
+        <p:cNvPr id="1" name=""/>
+        <p:cNvGrpSpPr/>
+        <p:nvPr/>
+      </p:nvGrpSpPr>
+      <p:grpSpPr>
+        <a:xfrm>
+          <a:off x="0" y="0"/>
+          <a:ext cx="0" cy="0"/>
+          <a:chOff x="0" y="0"/>
+          <a:chExt cx="0" cy="0"/>
+        </a:xfrm>
+      </p:grpSpPr>
+      <p:sp>
+        <p:nvSpPr>
+          <p:cNvPr id="2" name="제목 1">
+            <a:extLst>
+              <a:ext uri="{FF2B5EF4-FFF2-40B4-BE49-F238E27FC236}">
+                <a16:creationId xmlns:a16="http://schemas.microsoft.com/office/drawing/2014/main" id="{DF118994-8971-F199-4EA9-F7F8D9DAE197}"/>
+              </a:ext>
+            </a:extLst>
+          </p:cNvPr>
+          <p:cNvSpPr>
+            <a:spLocks noGrp="1"/>
+          </p:cNvSpPr>
+          <p:nvPr>
+            <p:ph type="title"/>
+          </p:nvPr>
+        </p:nvSpPr>
+        <p:spPr/>
+        <p:txBody>
+          <a:bodyPr/>
+          <a:lstStyle/>
+          <a:p>
+            <a:endParaRPr lang="ko-KR" altLang="en-US"/>
+          </a:p>
+        </p:txBody>
+      </p:sp>
+      <p:sp>
+        <p:nvSpPr>
+          <p:cNvPr id="3" name="내용 개체 틀 2">
+            <a:extLst>
+              <a:ext uri="{FF2B5EF4-FFF2-40B4-BE49-F238E27FC236}">
+                <a16:creationId xmlns:a16="http://schemas.microsoft.com/office/drawing/2014/main" id="{8ECCF022-6377-8649-CB8C-D06618A5E692}"/>
+              </a:ext>
+            </a:extLst>
+          </p:cNvPr>
+          <p:cNvSpPr>
+            <a:spLocks noGrp="1"/>
+          </p:cNvSpPr>
+          <p:nvPr>
+            <p:ph idx="1"/>
+          </p:nvPr>
+        </p:nvSpPr>
+        <p:spPr/>
+        <p:txBody>
+          <a:bodyPr>
+            <a:normAutofit lnSpcReduction="10000"/>
+          </a:bodyPr>
+          <a:lstStyle/>
+          <a:p>
+            <a:r>
+              <a:rPr lang="en-US" altLang="ko-KR" dirty="0"/>
+              <a:t>class </a:t>
+            </a:r>
+            <a:r>
+              <a:rPr lang="ko-KR" altLang="en-US" dirty="0"/>
+              <a:t>사용</a:t>
+            </a:r>
+            <a:endParaRPr lang="en-US" altLang="ko-KR" dirty="0"/>
+          </a:p>
+          <a:p>
+            <a:pPr lvl="1"/>
+            <a:r>
+              <a:rPr lang="en-US" altLang="ko-KR" dirty="0"/>
+              <a:t>val  </a:t>
+            </a:r>
+            <a:r>
+              <a:rPr lang="en-US" altLang="ko-KR" dirty="0" err="1"/>
+              <a:t>useClass</a:t>
+            </a:r>
+            <a:r>
+              <a:rPr lang="en-US" altLang="ko-KR" dirty="0"/>
+              <a:t> = </a:t>
+            </a:r>
+            <a:r>
+              <a:rPr lang="en-US" altLang="ko-KR" dirty="0" err="1"/>
+              <a:t>MyString</a:t>
+            </a:r>
+            <a:r>
+              <a:rPr lang="en-US" altLang="ko-KR" dirty="0"/>
+              <a:t>()    // </a:t>
+            </a:r>
+            <a:r>
+              <a:rPr lang="ko-KR" altLang="en-US" dirty="0"/>
+              <a:t>기본 생성자를 이용한 객체 생성</a:t>
+            </a:r>
+            <a:endParaRPr lang="en-US" altLang="ko-KR" dirty="0"/>
+          </a:p>
+          <a:p>
+            <a:pPr lvl="1"/>
+            <a:endParaRPr lang="en-US" altLang="ko-KR" dirty="0"/>
+          </a:p>
+          <a:p>
+            <a:r>
+              <a:rPr lang="en-US" altLang="ko-KR" dirty="0"/>
+              <a:t>object</a:t>
+            </a:r>
+            <a:r>
+              <a:rPr lang="ko-KR" altLang="en-US" dirty="0"/>
+              <a:t> 클래스 </a:t>
+            </a:r>
+            <a:endParaRPr lang="en-US" altLang="ko-KR" dirty="0"/>
+          </a:p>
+          <a:p>
+            <a:pPr lvl="1"/>
+            <a:r>
+              <a:rPr lang="en-US" altLang="ko-KR" dirty="0"/>
+              <a:t>object  </a:t>
+            </a:r>
+            <a:r>
+              <a:rPr lang="ko-KR" altLang="en-US" dirty="0"/>
+              <a:t>이름 </a:t>
+            </a:r>
+            <a:r>
+              <a:rPr lang="en-US" altLang="ko-KR" dirty="0"/>
+              <a:t>{    // </a:t>
+            </a:r>
+            <a:r>
+              <a:rPr lang="ko-KR" altLang="en-US" dirty="0"/>
+              <a:t>키워드 </a:t>
+            </a:r>
+            <a:r>
+              <a:rPr lang="en-US" altLang="ko-KR" dirty="0"/>
+              <a:t>class</a:t>
+            </a:r>
+            <a:r>
+              <a:rPr lang="ko-KR" altLang="en-US" dirty="0"/>
+              <a:t>를 </a:t>
+            </a:r>
+            <a:r>
+              <a:rPr lang="en-US" altLang="ko-KR" dirty="0"/>
+              <a:t>object</a:t>
+            </a:r>
+            <a:r>
+              <a:rPr lang="ko-KR" altLang="en-US" dirty="0"/>
+              <a:t>로 </a:t>
+            </a:r>
+            <a:endParaRPr lang="en-US" altLang="ko-KR" dirty="0"/>
+          </a:p>
+          <a:p>
+            <a:pPr lvl="1"/>
+            <a:r>
+              <a:rPr lang="ko-KR" altLang="en-US" dirty="0"/>
+              <a:t>   </a:t>
+            </a:r>
+            <a:r>
+              <a:rPr lang="en-US" altLang="ko-KR" dirty="0"/>
+              <a:t>…</a:t>
+            </a:r>
+          </a:p>
+          <a:p>
+            <a:pPr lvl="1"/>
+            <a:r>
+              <a:rPr lang="en-US" altLang="ko-KR" dirty="0"/>
+              <a:t>}</a:t>
+            </a:r>
+          </a:p>
+          <a:p>
+            <a:pPr lvl="1"/>
+            <a:r>
+              <a:rPr lang="en-US" altLang="ko-KR" dirty="0"/>
+              <a:t>Java</a:t>
+            </a:r>
+            <a:r>
+              <a:rPr lang="ko-KR" altLang="en-US" dirty="0"/>
+              <a:t>에서 </a:t>
+            </a:r>
+            <a:r>
+              <a:rPr lang="en-US" altLang="ko-KR" dirty="0"/>
+              <a:t>static </a:t>
+            </a:r>
+            <a:r>
+              <a:rPr lang="ko-KR" altLang="en-US" dirty="0"/>
+              <a:t>개념으로 </a:t>
+            </a:r>
+            <a:r>
+              <a:rPr lang="en-US" altLang="ko-KR" dirty="0"/>
+              <a:t>instance </a:t>
+            </a:r>
+            <a:r>
+              <a:rPr lang="ko-KR" altLang="en-US" dirty="0"/>
+              <a:t>생성 없이 바로 사용 가능</a:t>
+            </a:r>
+            <a:endParaRPr lang="en-US" altLang="ko-KR" dirty="0"/>
+          </a:p>
+          <a:p>
+            <a:pPr lvl="1"/>
+            <a:r>
+              <a:rPr lang="ko-KR" altLang="en-US" dirty="0">
+                <a:solidFill>
+                  <a:srgbClr val="FF0000"/>
+                </a:solidFill>
+              </a:rPr>
+              <a:t>앱 내에서 </a:t>
+            </a:r>
+            <a:r>
+              <a:rPr lang="en-US" altLang="ko-KR" dirty="0">
+                <a:solidFill>
+                  <a:srgbClr val="FF0000"/>
+                </a:solidFill>
+              </a:rPr>
+              <a:t>1</a:t>
+            </a:r>
+            <a:r>
+              <a:rPr lang="ko-KR" altLang="en-US" dirty="0">
+                <a:solidFill>
+                  <a:srgbClr val="FF0000"/>
+                </a:solidFill>
+              </a:rPr>
+              <a:t>개의 </a:t>
+            </a:r>
+            <a:r>
+              <a:rPr lang="en-US" altLang="ko-KR" dirty="0">
+                <a:solidFill>
+                  <a:srgbClr val="FF0000"/>
+                </a:solidFill>
+              </a:rPr>
+              <a:t>object</a:t>
+            </a:r>
+            <a:r>
+              <a:rPr lang="ko-KR" altLang="en-US" dirty="0">
+                <a:solidFill>
+                  <a:srgbClr val="FF0000"/>
+                </a:solidFill>
+              </a:rPr>
+              <a:t>만 선언 가능</a:t>
+            </a:r>
+          </a:p>
+        </p:txBody>
+      </p:sp>
+    </p:spTree>
+    <p:extLst>
+      <p:ext uri="{BB962C8B-B14F-4D97-AF65-F5344CB8AC3E}">
+        <p14:creationId xmlns:p14="http://schemas.microsoft.com/office/powerpoint/2010/main" val="128111139"/>
+      </p:ext>
+    </p:extLst>
+  </p:cSld>
+  <p:clrMapOvr>
+    <a:masterClrMapping/>
+  </p:clrMapOvr>
+</p:sld>
+</file>
+
+<file path=ppt/slides/slide33.xml><?xml version="1.0" encoding="utf-8"?>
+<p:sld xmlns:a="http://schemas.openxmlformats.org/drawingml/2006/main" xmlns:r="http://schemas.openxmlformats.org/officeDocument/2006/relationships" xmlns:p="http://schemas.openxmlformats.org/presentationml/2006/main">
+  <p:cSld>
+    <p:spTree>
+      <p:nvGrpSpPr>
+        <p:cNvPr id="1" name=""/>
+        <p:cNvGrpSpPr/>
+        <p:nvPr/>
+      </p:nvGrpSpPr>
+      <p:grpSpPr>
+        <a:xfrm>
+          <a:off x="0" y="0"/>
+          <a:ext cx="0" cy="0"/>
+          <a:chOff x="0" y="0"/>
+          <a:chExt cx="0" cy="0"/>
+        </a:xfrm>
+      </p:grpSpPr>
+      <p:sp>
+        <p:nvSpPr>
+          <p:cNvPr id="2" name="제목 1">
+            <a:extLst>
+              <a:ext uri="{FF2B5EF4-FFF2-40B4-BE49-F238E27FC236}">
+                <a16:creationId xmlns:a16="http://schemas.microsoft.com/office/drawing/2014/main" id="{48F903FB-C364-7E71-C18D-1B7EAEB7ADF0}"/>
+              </a:ext>
+            </a:extLst>
+          </p:cNvPr>
+          <p:cNvSpPr>
+            <a:spLocks noGrp="1"/>
+          </p:cNvSpPr>
+          <p:nvPr>
+            <p:ph type="title"/>
+          </p:nvPr>
+        </p:nvSpPr>
+        <p:spPr/>
+        <p:txBody>
+          <a:bodyPr/>
+          <a:lstStyle/>
+          <a:p>
+            <a:endParaRPr lang="ko-KR" altLang="en-US"/>
+          </a:p>
+        </p:txBody>
+      </p:sp>
+      <p:sp>
+        <p:nvSpPr>
+          <p:cNvPr id="3" name="내용 개체 틀 2">
+            <a:extLst>
+              <a:ext uri="{FF2B5EF4-FFF2-40B4-BE49-F238E27FC236}">
+                <a16:creationId xmlns:a16="http://schemas.microsoft.com/office/drawing/2014/main" id="{26BDB412-313E-5FF8-E861-4A2F12FEBCA3}"/>
+              </a:ext>
+            </a:extLst>
+          </p:cNvPr>
+          <p:cNvSpPr>
+            <a:spLocks noGrp="1"/>
+          </p:cNvSpPr>
+          <p:nvPr>
+            <p:ph idx="1"/>
+          </p:nvPr>
+        </p:nvSpPr>
+        <p:spPr/>
+        <p:txBody>
+          <a:bodyPr/>
+          <a:lstStyle/>
+          <a:p>
+            <a:r>
+              <a:rPr lang="en-US" altLang="ko-KR" dirty="0"/>
+              <a:t>companion object</a:t>
+            </a:r>
+          </a:p>
+          <a:p>
+            <a:pPr lvl="1"/>
+            <a:r>
+              <a:rPr lang="ko-KR" altLang="en-US" dirty="0"/>
+              <a:t>클래스</a:t>
+            </a:r>
+            <a:r>
+              <a:rPr lang="en-US" altLang="ko-KR" dirty="0"/>
+              <a:t> </a:t>
+            </a:r>
+            <a:r>
+              <a:rPr lang="ko-KR" altLang="en-US" dirty="0"/>
+              <a:t>내부에서 </a:t>
+            </a:r>
+            <a:r>
+              <a:rPr lang="en-US" altLang="ko-KR" dirty="0"/>
+              <a:t>object </a:t>
+            </a:r>
+            <a:r>
+              <a:rPr lang="ko-KR" altLang="en-US" dirty="0"/>
+              <a:t>사용</a:t>
+            </a:r>
+            <a:endParaRPr lang="en-US" altLang="ko-KR" dirty="0"/>
+          </a:p>
+          <a:p>
+            <a:pPr lvl="1"/>
+            <a:r>
+              <a:rPr lang="en-US" altLang="ko-KR" dirty="0"/>
+              <a:t>object</a:t>
+            </a:r>
+            <a:r>
+              <a:rPr lang="ko-KR" altLang="en-US" dirty="0"/>
+              <a:t>의 멤버는 바로 사용 가능</a:t>
+            </a:r>
+            <a:endParaRPr lang="en-US" altLang="ko-KR" dirty="0"/>
+          </a:p>
+          <a:p>
+            <a:pPr lvl="1"/>
+            <a:r>
+              <a:rPr lang="en-US" altLang="ko-KR" dirty="0"/>
+              <a:t>class</a:t>
+            </a:r>
+            <a:r>
+              <a:rPr lang="ko-KR" altLang="en-US" dirty="0"/>
+              <a:t>의</a:t>
+            </a:r>
+            <a:r>
+              <a:rPr lang="en-US" altLang="ko-KR" dirty="0"/>
+              <a:t> </a:t>
+            </a:r>
+            <a:r>
+              <a:rPr lang="ko-KR" altLang="en-US" dirty="0"/>
+              <a:t>멤버는 인스턴스 </a:t>
+            </a:r>
+            <a:r>
+              <a:rPr lang="ko-KR" altLang="en-US" dirty="0" err="1"/>
+              <a:t>생성후</a:t>
+            </a:r>
+            <a:r>
+              <a:rPr lang="ko-KR" altLang="en-US" dirty="0"/>
+              <a:t> </a:t>
+            </a:r>
+            <a:r>
+              <a:rPr lang="ko-KR" altLang="en-US" dirty="0" err="1"/>
+              <a:t>사용후</a:t>
+            </a:r>
+            <a:r>
+              <a:rPr lang="ko-KR" altLang="en-US" dirty="0"/>
+              <a:t> 인스턴스를 통해 </a:t>
+            </a:r>
+            <a:br>
+              <a:rPr lang="en-US" altLang="ko-KR" dirty="0"/>
+            </a:br>
+            <a:r>
+              <a:rPr lang="ko-KR" altLang="en-US" dirty="0"/>
+              <a:t>사용 가능</a:t>
+            </a:r>
+            <a:endParaRPr lang="en-US" altLang="ko-KR" dirty="0"/>
+          </a:p>
+          <a:p>
+            <a:pPr lvl="1"/>
+            <a:endParaRPr lang="ko-KR" altLang="en-US" dirty="0"/>
+          </a:p>
+        </p:txBody>
+      </p:sp>
+    </p:spTree>
+    <p:extLst>
+      <p:ext uri="{BB962C8B-B14F-4D97-AF65-F5344CB8AC3E}">
+        <p14:creationId xmlns:p14="http://schemas.microsoft.com/office/powerpoint/2010/main" val="1049537229"/>
+      </p:ext>
+    </p:extLst>
+  </p:cSld>
+  <p:clrMapOvr>
+    <a:masterClrMapping/>
+  </p:clrMapOvr>
+</p:sld>
+</file>
+
+<file path=ppt/slides/slide34.xml><?xml version="1.0" encoding="utf-8"?>
+<p:sld xmlns:a="http://schemas.openxmlformats.org/drawingml/2006/main" xmlns:r="http://schemas.openxmlformats.org/officeDocument/2006/relationships" xmlns:p="http://schemas.openxmlformats.org/presentationml/2006/main">
+  <p:cSld>
+    <p:spTree>
+      <p:nvGrpSpPr>
+        <p:cNvPr id="1" name=""/>
+        <p:cNvGrpSpPr/>
+        <p:nvPr/>
+      </p:nvGrpSpPr>
+      <p:grpSpPr>
+        <a:xfrm>
+          <a:off x="0" y="0"/>
+          <a:ext cx="0" cy="0"/>
+          <a:chOff x="0" y="0"/>
+          <a:chExt cx="0" cy="0"/>
+        </a:xfrm>
+      </p:grpSpPr>
+      <p:sp>
+        <p:nvSpPr>
+          <p:cNvPr id="2" name="제목 1">
+            <a:extLst>
+              <a:ext uri="{FF2B5EF4-FFF2-40B4-BE49-F238E27FC236}">
+                <a16:creationId xmlns:a16="http://schemas.microsoft.com/office/drawing/2014/main" id="{6466761E-AEC7-13F2-B350-788723DC6390}"/>
+              </a:ext>
+            </a:extLst>
+          </p:cNvPr>
+          <p:cNvSpPr>
+            <a:spLocks noGrp="1"/>
+          </p:cNvSpPr>
+          <p:nvPr>
+            <p:ph type="title"/>
+          </p:nvPr>
+        </p:nvSpPr>
+        <p:spPr/>
+        <p:txBody>
+          <a:bodyPr/>
+          <a:lstStyle/>
+          <a:p>
+            <a:endParaRPr lang="ko-KR" altLang="en-US"/>
+          </a:p>
+        </p:txBody>
+      </p:sp>
+      <p:sp>
+        <p:nvSpPr>
+          <p:cNvPr id="3" name="내용 개체 틀 2">
+            <a:extLst>
+              <a:ext uri="{FF2B5EF4-FFF2-40B4-BE49-F238E27FC236}">
+                <a16:creationId xmlns:a16="http://schemas.microsoft.com/office/drawing/2014/main" id="{7B03FDBB-7811-1955-D162-96E012D47193}"/>
+              </a:ext>
+            </a:extLst>
+          </p:cNvPr>
+          <p:cNvSpPr>
+            <a:spLocks noGrp="1"/>
+          </p:cNvSpPr>
+          <p:nvPr>
+            <p:ph idx="1"/>
+          </p:nvPr>
+        </p:nvSpPr>
+        <p:spPr/>
+        <p:txBody>
+          <a:bodyPr>
+            <a:normAutofit/>
+          </a:bodyPr>
+          <a:lstStyle/>
+          <a:p>
+            <a:pPr lvl="1"/>
+            <a:r>
+              <a:rPr lang="en-US" altLang="ko-KR" dirty="0"/>
+              <a:t>Companion </a:t>
+            </a:r>
+            <a:r>
+              <a:rPr lang="ko-KR" altLang="en-US" dirty="0"/>
+              <a:t>사용 예</a:t>
+            </a:r>
+            <a:endParaRPr lang="en-US" altLang="ko-KR" dirty="0"/>
+          </a:p>
+          <a:p>
+            <a:pPr lvl="2"/>
+            <a:r>
+              <a:rPr lang="en-US" altLang="ko-KR" dirty="0"/>
+              <a:t>class</a:t>
+            </a:r>
+            <a:r>
+              <a:rPr lang="ko-KR" altLang="en-US" dirty="0"/>
+              <a:t> </a:t>
+            </a:r>
+            <a:r>
+              <a:rPr lang="en-US" altLang="ko-KR" dirty="0"/>
+              <a:t>Pig {</a:t>
+            </a:r>
+          </a:p>
+          <a:p>
+            <a:pPr lvl="2"/>
+            <a:r>
+              <a:rPr lang="en-US" altLang="ko-KR" dirty="0"/>
+              <a:t>    companion object {</a:t>
+            </a:r>
+          </a:p>
+          <a:p>
+            <a:pPr lvl="2"/>
+            <a:r>
+              <a:rPr lang="en-US" altLang="ko-KR" dirty="0"/>
+              <a:t>        var name: String = “Pinky”</a:t>
+            </a:r>
+          </a:p>
+          <a:p>
+            <a:pPr lvl="2"/>
+            <a:r>
+              <a:rPr lang="en-US" altLang="ko-KR" dirty="0"/>
+              <a:t>        fun </a:t>
+            </a:r>
+            <a:r>
+              <a:rPr lang="en-US" altLang="ko-KR" dirty="0" err="1"/>
+              <a:t>printName</a:t>
+            </a:r>
+            <a:r>
+              <a:rPr lang="en-US" altLang="ko-KR" dirty="0"/>
+              <a:t>() { </a:t>
+            </a:r>
+            <a:r>
+              <a:rPr lang="en-US" altLang="ko-KR" dirty="0" err="1"/>
+              <a:t>Log.d</a:t>
+            </a:r>
+            <a:r>
+              <a:rPr lang="en-US" altLang="ko-KR" dirty="0"/>
+              <a:t>(“class”,</a:t>
+            </a:r>
+            <a:r>
+              <a:rPr lang="ko-KR" altLang="en-US" dirty="0"/>
+              <a:t> </a:t>
+            </a:r>
+            <a:r>
+              <a:rPr lang="en-US" altLang="ko-KR" dirty="0"/>
+              <a:t>“Pig</a:t>
+            </a:r>
+            <a:r>
+              <a:rPr lang="ko-KR" altLang="en-US" dirty="0"/>
+              <a:t>의 이름은 </a:t>
+            </a:r>
+            <a:r>
+              <a:rPr lang="en-US" altLang="ko-KR" dirty="0"/>
+              <a:t>${name)”}</a:t>
+            </a:r>
+          </a:p>
+          <a:p>
+            <a:pPr lvl="2"/>
+            <a:r>
+              <a:rPr lang="en-US" altLang="ko-KR" dirty="0"/>
+              <a:t>    }</a:t>
+            </a:r>
+          </a:p>
+          <a:p>
+            <a:pPr lvl="2"/>
+            <a:r>
+              <a:rPr lang="en-US" altLang="ko-KR" dirty="0"/>
+              <a:t>    fun walk() {</a:t>
+            </a:r>
+          </a:p>
+          <a:p>
+            <a:pPr lvl="2"/>
+            <a:r>
+              <a:rPr lang="en-US" altLang="ko-KR" dirty="0"/>
+              <a:t>        </a:t>
+            </a:r>
+            <a:r>
+              <a:rPr lang="en-US" altLang="ko-KR" dirty="0" err="1"/>
+              <a:t>Log.d</a:t>
+            </a:r>
+            <a:r>
+              <a:rPr lang="en-US" altLang="ko-KR" dirty="0"/>
+              <a:t>(“class”, “Pig </a:t>
+            </a:r>
+            <a:r>
+              <a:rPr lang="ko-KR" altLang="en-US" dirty="0"/>
+              <a:t>클래스의 </a:t>
+            </a:r>
+            <a:r>
+              <a:rPr lang="en-US" altLang="ko-KR" dirty="0"/>
+              <a:t>walk </a:t>
+            </a:r>
+            <a:r>
+              <a:rPr lang="ko-KR" altLang="en-US" dirty="0"/>
+              <a:t>함수 호출</a:t>
+            </a:r>
+            <a:r>
+              <a:rPr lang="en-US" altLang="ko-KR" dirty="0"/>
+              <a:t>”)</a:t>
+            </a:r>
+          </a:p>
+          <a:p>
+            <a:pPr lvl="2"/>
+            <a:r>
+              <a:rPr lang="en-US" altLang="ko-KR" dirty="0"/>
+              <a:t>    }</a:t>
+            </a:r>
+          </a:p>
+        </p:txBody>
+      </p:sp>
+    </p:spTree>
+    <p:extLst>
+      <p:ext uri="{BB962C8B-B14F-4D97-AF65-F5344CB8AC3E}">
+        <p14:creationId xmlns:p14="http://schemas.microsoft.com/office/powerpoint/2010/main" val="2228323998"/>
+      </p:ext>
+    </p:extLst>
+  </p:cSld>
+  <p:clrMapOvr>
+    <a:masterClrMapping/>
+  </p:clrMapOvr>
+</p:sld>
+</file>
+
+<file path=ppt/slides/slide35.xml><?xml version="1.0" encoding="utf-8"?>
+<p:sld xmlns:a="http://schemas.openxmlformats.org/drawingml/2006/main" xmlns:r="http://schemas.openxmlformats.org/officeDocument/2006/relationships" xmlns:p="http://schemas.openxmlformats.org/presentationml/2006/main">
+  <p:cSld>
+    <p:spTree>
+      <p:nvGrpSpPr>
+        <p:cNvPr id="1" name=""/>
+        <p:cNvGrpSpPr/>
+        <p:nvPr/>
+      </p:nvGrpSpPr>
+      <p:grpSpPr>
+        <a:xfrm>
+          <a:off x="0" y="0"/>
+          <a:ext cx="0" cy="0"/>
+          <a:chOff x="0" y="0"/>
+          <a:chExt cx="0" cy="0"/>
+        </a:xfrm>
+      </p:grpSpPr>
+      <p:sp>
+        <p:nvSpPr>
+          <p:cNvPr id="2" name="제목 1">
+            <a:extLst>
+              <a:ext uri="{FF2B5EF4-FFF2-40B4-BE49-F238E27FC236}">
+                <a16:creationId xmlns:a16="http://schemas.microsoft.com/office/drawing/2014/main" id="{7B8C3615-87FE-ED4C-EEAC-90BD2A743848}"/>
+              </a:ext>
+            </a:extLst>
+          </p:cNvPr>
+          <p:cNvSpPr>
+            <a:spLocks noGrp="1"/>
+          </p:cNvSpPr>
+          <p:nvPr>
+            <p:ph type="title"/>
+          </p:nvPr>
+        </p:nvSpPr>
+        <p:spPr/>
+        <p:txBody>
+          <a:bodyPr/>
+          <a:lstStyle/>
+          <a:p>
+            <a:endParaRPr lang="ko-KR" altLang="en-US"/>
+          </a:p>
+        </p:txBody>
+      </p:sp>
+      <p:sp>
+        <p:nvSpPr>
+          <p:cNvPr id="3" name="내용 개체 틀 2">
+            <a:extLst>
+              <a:ext uri="{FF2B5EF4-FFF2-40B4-BE49-F238E27FC236}">
+                <a16:creationId xmlns:a16="http://schemas.microsoft.com/office/drawing/2014/main" id="{E4946B0E-9D66-FAA5-1560-293112718415}"/>
+              </a:ext>
+            </a:extLst>
+          </p:cNvPr>
+          <p:cNvSpPr>
+            <a:spLocks noGrp="1"/>
+          </p:cNvSpPr>
+          <p:nvPr>
+            <p:ph idx="1"/>
+          </p:nvPr>
+        </p:nvSpPr>
+        <p:spPr/>
+        <p:txBody>
+          <a:bodyPr/>
+          <a:lstStyle/>
+          <a:p>
+            <a:pPr lvl="2"/>
+            <a:r>
+              <a:rPr lang="en-US" altLang="ko-KR" dirty="0"/>
+              <a:t>// Pig</a:t>
+            </a:r>
+            <a:r>
+              <a:rPr lang="ko-KR" altLang="en-US" dirty="0"/>
+              <a:t>의 인스턴스 생성</a:t>
+            </a:r>
+            <a:endParaRPr lang="en-US" altLang="ko-KR" dirty="0"/>
+          </a:p>
+          <a:p>
+            <a:pPr lvl="2"/>
+            <a:r>
+              <a:rPr lang="en-US" altLang="ko-KR" dirty="0"/>
+              <a:t>var </a:t>
+            </a:r>
+            <a:r>
+              <a:rPr lang="en-US" altLang="ko-KR" dirty="0" err="1"/>
+              <a:t>myPig</a:t>
+            </a:r>
+            <a:r>
+              <a:rPr lang="en-US" altLang="ko-KR" dirty="0"/>
+              <a:t> = Pig()</a:t>
+            </a:r>
+          </a:p>
+          <a:p>
+            <a:pPr lvl="2"/>
+            <a:r>
+              <a:rPr lang="en-US" altLang="ko-KR" dirty="0" err="1"/>
+              <a:t>Log.d</a:t>
+            </a:r>
+            <a:r>
+              <a:rPr lang="en-US" altLang="ko-KR" dirty="0"/>
+              <a:t>(“class”, “companion object</a:t>
+            </a:r>
+            <a:r>
+              <a:rPr lang="ko-KR" altLang="en-US" dirty="0"/>
+              <a:t>의 변수 </a:t>
+            </a:r>
+            <a:r>
+              <a:rPr lang="en-US" altLang="ko-KR" dirty="0"/>
+              <a:t>name</a:t>
+            </a:r>
+            <a:r>
+              <a:rPr lang="ko-KR" altLang="en-US" dirty="0"/>
+              <a:t>의</a:t>
+            </a:r>
+            <a:r>
+              <a:rPr lang="en-US" altLang="ko-KR" dirty="0"/>
+              <a:t> </a:t>
+            </a:r>
+            <a:r>
+              <a:rPr lang="ko-KR" altLang="en-US" dirty="0"/>
+              <a:t>값은 </a:t>
+            </a:r>
+            <a:r>
+              <a:rPr lang="en-US" altLang="ko-KR" dirty="0"/>
+              <a:t>${Pig.name})</a:t>
+            </a:r>
+          </a:p>
+          <a:p>
+            <a:pPr lvl="2"/>
+            <a:r>
+              <a:rPr lang="en-US" altLang="ko-KR" dirty="0" err="1"/>
+              <a:t>Log.d</a:t>
+            </a:r>
+            <a:r>
+              <a:rPr lang="en-US" altLang="ko-KR" dirty="0"/>
+              <a:t>(“class”, “companion</a:t>
+            </a:r>
+            <a:r>
+              <a:rPr lang="ko-KR" altLang="en-US" dirty="0"/>
+              <a:t> </a:t>
+            </a:r>
+            <a:r>
+              <a:rPr lang="en-US" altLang="ko-KR" dirty="0" err="1"/>
+              <a:t>objec</a:t>
+            </a:r>
+            <a:r>
+              <a:rPr lang="ko-KR" altLang="en-US" dirty="0"/>
+              <a:t>의 함수 호출 </a:t>
+            </a:r>
+            <a:r>
+              <a:rPr lang="en-US" altLang="ko-KR" dirty="0"/>
+              <a:t>${</a:t>
+            </a:r>
+            <a:r>
+              <a:rPr lang="en-US" altLang="ko-KR" dirty="0" err="1"/>
+              <a:t>Pig.printName</a:t>
+            </a:r>
+            <a:r>
+              <a:rPr lang="en-US" altLang="ko-KR" dirty="0"/>
+              <a:t>()})</a:t>
+            </a:r>
+          </a:p>
+          <a:p>
+            <a:pPr lvl="2"/>
+            <a:r>
+              <a:rPr lang="en-US" altLang="ko-KR" dirty="0" err="1"/>
+              <a:t>Log.d</a:t>
+            </a:r>
+            <a:r>
+              <a:rPr lang="en-US" altLang="ko-KR" dirty="0"/>
+              <a:t>(“class”, “</a:t>
+            </a:r>
+            <a:r>
+              <a:rPr lang="en-US" altLang="ko-KR" dirty="0" err="1"/>
+              <a:t>myPig</a:t>
+            </a:r>
+            <a:r>
+              <a:rPr lang="ko-KR" altLang="en-US" dirty="0"/>
+              <a:t> 객체 인스턴스의 </a:t>
+            </a:r>
+            <a:r>
+              <a:rPr lang="en-US" altLang="ko-KR" dirty="0"/>
+              <a:t>walk</a:t>
+            </a:r>
+            <a:r>
+              <a:rPr lang="ko-KR" altLang="en-US" dirty="0"/>
+              <a:t>함수 호출 </a:t>
+            </a:r>
+            <a:r>
+              <a:rPr lang="en-US" altLang="ko-KR" dirty="0"/>
+              <a:t>${</a:t>
+            </a:r>
+            <a:r>
+              <a:rPr lang="en-US" altLang="ko-KR" dirty="0" err="1"/>
+              <a:t>myPig.walk</a:t>
+            </a:r>
+            <a:r>
+              <a:rPr lang="en-US" altLang="ko-KR" dirty="0"/>
+              <a:t>()})</a:t>
+            </a:r>
+          </a:p>
+          <a:p>
+            <a:pPr lvl="2"/>
+            <a:endParaRPr lang="ko-KR" altLang="en-US" dirty="0"/>
+          </a:p>
+        </p:txBody>
+      </p:sp>
+    </p:spTree>
+    <p:extLst>
+      <p:ext uri="{BB962C8B-B14F-4D97-AF65-F5344CB8AC3E}">
+        <p14:creationId xmlns:p14="http://schemas.microsoft.com/office/powerpoint/2010/main" val="244757918"/>
+      </p:ext>
+    </p:extLst>
+  </p:cSld>
+  <p:clrMapOvr>
+    <a:masterClrMapping/>
+  </p:clrMapOvr>
+</p:sld>
+</file>
+
+<file path=ppt/slides/slide36.xml><?xml version="1.0" encoding="utf-8"?>
+<p:sld xmlns:a="http://schemas.openxmlformats.org/drawingml/2006/main" xmlns:r="http://schemas.openxmlformats.org/officeDocument/2006/relationships" xmlns:p="http://schemas.openxmlformats.org/presentationml/2006/main">
+  <p:cSld>
+    <p:spTree>
+      <p:nvGrpSpPr>
+        <p:cNvPr id="1" name=""/>
+        <p:cNvGrpSpPr/>
+        <p:nvPr/>
+      </p:nvGrpSpPr>
+      <p:grpSpPr>
+        <a:xfrm>
+          <a:off x="0" y="0"/>
+          <a:ext cx="0" cy="0"/>
+          <a:chOff x="0" y="0"/>
+          <a:chExt cx="0" cy="0"/>
+        </a:xfrm>
+      </p:grpSpPr>
+      <p:sp>
+        <p:nvSpPr>
+          <p:cNvPr id="2" name="제목 1">
+            <a:extLst>
+              <a:ext uri="{FF2B5EF4-FFF2-40B4-BE49-F238E27FC236}">
+                <a16:creationId xmlns:a16="http://schemas.microsoft.com/office/drawing/2014/main" id="{28A3FEDF-3AFC-269A-B6B2-5781139999C3}"/>
+              </a:ext>
+            </a:extLst>
+          </p:cNvPr>
+          <p:cNvSpPr>
+            <a:spLocks noGrp="1"/>
+          </p:cNvSpPr>
+          <p:nvPr>
+            <p:ph type="title"/>
+          </p:nvPr>
+        </p:nvSpPr>
+        <p:spPr/>
+        <p:txBody>
+          <a:bodyPr/>
+          <a:lstStyle/>
+          <a:p>
+            <a:endParaRPr lang="ko-KR" altLang="en-US"/>
+          </a:p>
+        </p:txBody>
+      </p:sp>
+      <p:sp>
+        <p:nvSpPr>
+          <p:cNvPr id="3" name="내용 개체 틀 2">
+            <a:extLst>
+              <a:ext uri="{FF2B5EF4-FFF2-40B4-BE49-F238E27FC236}">
+                <a16:creationId xmlns:a16="http://schemas.microsoft.com/office/drawing/2014/main" id="{15AAB25B-5DE8-1DD6-2052-6F19E530D6D2}"/>
+              </a:ext>
+            </a:extLst>
+          </p:cNvPr>
+          <p:cNvSpPr>
+            <a:spLocks noGrp="1"/>
+          </p:cNvSpPr>
+          <p:nvPr>
+            <p:ph idx="1"/>
+          </p:nvPr>
+        </p:nvSpPr>
+        <p:spPr/>
+        <p:txBody>
+          <a:bodyPr>
+            <a:normAutofit fontScale="92500" lnSpcReduction="10000"/>
+          </a:bodyPr>
+          <a:lstStyle/>
+          <a:p>
+            <a:r>
+              <a:rPr lang="en-US" altLang="ko-KR" dirty="0"/>
+              <a:t>data class</a:t>
+            </a:r>
+          </a:p>
+          <a:p>
+            <a:pPr lvl="1"/>
+            <a:r>
+              <a:rPr lang="ko-KR" altLang="en-US" dirty="0"/>
+              <a:t>간단한 값의 저장 용도로 사용 </a:t>
+            </a:r>
+            <a:endParaRPr lang="en-US" altLang="ko-KR" dirty="0"/>
+          </a:p>
+          <a:p>
+            <a:pPr lvl="1"/>
+            <a:r>
+              <a:rPr lang="ko-KR" altLang="en-US" dirty="0"/>
+              <a:t>예</a:t>
+            </a:r>
+            <a:r>
+              <a:rPr lang="en-US" altLang="ko-KR" dirty="0"/>
+              <a:t>:</a:t>
+            </a:r>
+          </a:p>
+          <a:p>
+            <a:pPr lvl="2"/>
+            <a:r>
+              <a:rPr lang="en-US" altLang="ko-KR" dirty="0"/>
+              <a:t>data class </a:t>
+            </a:r>
+            <a:r>
+              <a:rPr lang="en-US" altLang="ko-KR" dirty="0" err="1"/>
+              <a:t>UserData</a:t>
+            </a:r>
+            <a:r>
+              <a:rPr lang="en-US" altLang="ko-KR" dirty="0"/>
+              <a:t>(</a:t>
+            </a:r>
+            <a:r>
+              <a:rPr lang="en-US" altLang="ko-KR" dirty="0" err="1"/>
+              <a:t>val</a:t>
+            </a:r>
+            <a:r>
+              <a:rPr lang="en-US" altLang="ko-KR" dirty="0"/>
+              <a:t> name: String, </a:t>
+            </a:r>
+            <a:r>
+              <a:rPr lang="en-US" altLang="ko-KR" dirty="0" err="1"/>
+              <a:t>val</a:t>
+            </a:r>
+            <a:r>
+              <a:rPr lang="en-US" altLang="ko-KR" dirty="0"/>
+              <a:t> age: Int)   // class</a:t>
+            </a:r>
+            <a:r>
+              <a:rPr lang="ko-KR" altLang="en-US" dirty="0"/>
+              <a:t> </a:t>
+            </a:r>
+            <a:r>
+              <a:rPr lang="en-US" altLang="ko-KR" dirty="0"/>
+              <a:t>body</a:t>
+            </a:r>
+            <a:r>
+              <a:rPr lang="ko-KR" altLang="en-US" dirty="0"/>
+              <a:t> 없음</a:t>
+            </a:r>
+            <a:endParaRPr lang="en-US" altLang="ko-KR" dirty="0"/>
+          </a:p>
+          <a:p>
+            <a:pPr lvl="2"/>
+            <a:r>
+              <a:rPr lang="en-US" altLang="ko-KR" dirty="0"/>
+              <a:t>data class UserData2(</a:t>
+            </a:r>
+            <a:r>
+              <a:rPr lang="en-US" altLang="ko-KR" dirty="0" err="1"/>
+              <a:t>val</a:t>
+            </a:r>
+            <a:r>
+              <a:rPr lang="en-US" altLang="ko-KR" dirty="0"/>
+              <a:t> value1: Int, </a:t>
+            </a:r>
+            <a:r>
+              <a:rPr lang="en-US" altLang="ko-KR" dirty="0" err="1"/>
+              <a:t>val</a:t>
+            </a:r>
+            <a:r>
+              <a:rPr lang="en-US" altLang="ko-KR" dirty="0"/>
+              <a:t> value2: Int) {</a:t>
+            </a:r>
+          </a:p>
+          <a:p>
+            <a:pPr lvl="2"/>
+            <a:r>
+              <a:rPr lang="en-US" altLang="ko-KR" dirty="0"/>
+              <a:t>    </a:t>
+            </a:r>
+            <a:r>
+              <a:rPr lang="en-US" altLang="ko-KR" dirty="0" err="1"/>
+              <a:t>init</a:t>
+            </a:r>
+            <a:r>
+              <a:rPr lang="en-US" altLang="ko-KR" dirty="0"/>
+              <a:t> {</a:t>
+            </a:r>
+          </a:p>
+          <a:p>
+            <a:pPr lvl="2"/>
+            <a:r>
+              <a:rPr lang="en-US" altLang="ko-KR" dirty="0"/>
+              <a:t>        </a:t>
+            </a:r>
+            <a:r>
+              <a:rPr lang="en-US" altLang="ko-KR" dirty="0" err="1"/>
+              <a:t>Log.d</a:t>
+            </a:r>
+            <a:r>
+              <a:rPr lang="en-US" altLang="ko-KR" dirty="0"/>
+              <a:t>(“check”, “data class</a:t>
+            </a:r>
+            <a:r>
+              <a:rPr lang="ko-KR" altLang="en-US" dirty="0"/>
+              <a:t>의 </a:t>
+            </a:r>
+            <a:r>
+              <a:rPr lang="en-US" altLang="ko-KR" dirty="0" err="1"/>
+              <a:t>init</a:t>
+            </a:r>
+            <a:r>
+              <a:rPr lang="en-US" altLang="ko-KR" dirty="0"/>
+              <a:t> </a:t>
+            </a:r>
+            <a:r>
+              <a:rPr lang="ko-KR" altLang="en-US" dirty="0"/>
+              <a:t>실행</a:t>
+            </a:r>
+            <a:r>
+              <a:rPr lang="en-US" altLang="ko-KR" dirty="0"/>
+              <a:t>”)</a:t>
+            </a:r>
+          </a:p>
+          <a:p>
+            <a:pPr lvl="2"/>
+            <a:r>
+              <a:rPr lang="en-US" altLang="ko-KR" dirty="0"/>
+              <a:t>    }</a:t>
+            </a:r>
+          </a:p>
+          <a:p>
+            <a:pPr lvl="2"/>
+            <a:r>
+              <a:rPr lang="en-US" altLang="ko-KR" dirty="0"/>
+              <a:t>    fun process() {</a:t>
+            </a:r>
+          </a:p>
+          <a:p>
+            <a:pPr lvl="2"/>
+            <a:r>
+              <a:rPr lang="en-US" altLang="ko-KR" dirty="0"/>
+              <a:t>        </a:t>
+            </a:r>
+            <a:r>
+              <a:rPr lang="en-US" altLang="ko-KR" dirty="0" err="1"/>
+              <a:t>Log.d</a:t>
+            </a:r>
+            <a:r>
+              <a:rPr lang="en-US" altLang="ko-KR" dirty="0"/>
+              <a:t>(“check”,  “</a:t>
+            </a:r>
+            <a:r>
+              <a:rPr lang="ko-KR" altLang="en-US" dirty="0"/>
+              <a:t>두 값의 합은 </a:t>
+            </a:r>
+            <a:r>
+              <a:rPr lang="en-US" altLang="ko-KR" dirty="0"/>
+              <a:t>${value1 + value2})</a:t>
+            </a:r>
+          </a:p>
+          <a:p>
+            <a:pPr lvl="2"/>
+            <a:r>
+              <a:rPr lang="en-US" altLang="ko-KR" dirty="0"/>
+              <a:t>    }</a:t>
+            </a:r>
+            <a:endParaRPr lang="ko-KR" altLang="en-US" dirty="0"/>
+          </a:p>
+        </p:txBody>
+      </p:sp>
+    </p:spTree>
+    <p:extLst>
+      <p:ext uri="{BB962C8B-B14F-4D97-AF65-F5344CB8AC3E}">
+        <p14:creationId xmlns:p14="http://schemas.microsoft.com/office/powerpoint/2010/main" val="1685986434"/>
+      </p:ext>
+    </p:extLst>
+  </p:cSld>
+  <p:clrMapOvr>
+    <a:masterClrMapping/>
+  </p:clrMapOvr>
+</p:sld>
+</file>
+
+<file path=ppt/slides/slide37.xml><?xml version="1.0" encoding="utf-8"?>
+<p:sld xmlns:a="http://schemas.openxmlformats.org/drawingml/2006/main" xmlns:r="http://schemas.openxmlformats.org/officeDocument/2006/relationships" xmlns:p="http://schemas.openxmlformats.org/presentationml/2006/main">
+  <p:cSld>
+    <p:spTree>
+      <p:nvGrpSpPr>
+        <p:cNvPr id="1" name=""/>
+        <p:cNvGrpSpPr/>
+        <p:nvPr/>
+      </p:nvGrpSpPr>
+      <p:grpSpPr>
+        <a:xfrm>
+          <a:off x="0" y="0"/>
+          <a:ext cx="0" cy="0"/>
+          <a:chOff x="0" y="0"/>
+          <a:chExt cx="0" cy="0"/>
+        </a:xfrm>
+      </p:grpSpPr>
+      <p:sp>
+        <p:nvSpPr>
+          <p:cNvPr id="2" name="제목 1">
+            <a:extLst>
+              <a:ext uri="{FF2B5EF4-FFF2-40B4-BE49-F238E27FC236}">
+                <a16:creationId xmlns:a16="http://schemas.microsoft.com/office/drawing/2014/main" id="{988BCF38-05B9-C4C7-CF2B-E93B6342BC0C}"/>
+              </a:ext>
+            </a:extLst>
+          </p:cNvPr>
+          <p:cNvSpPr>
+            <a:spLocks noGrp="1"/>
+          </p:cNvSpPr>
+          <p:nvPr>
+            <p:ph type="title"/>
+          </p:nvPr>
+        </p:nvSpPr>
+        <p:spPr/>
+        <p:txBody>
+          <a:bodyPr/>
+          <a:lstStyle/>
+          <a:p>
+            <a:endParaRPr lang="ko-KR" altLang="en-US"/>
+          </a:p>
+        </p:txBody>
+      </p:sp>
+      <p:sp>
+        <p:nvSpPr>
+          <p:cNvPr id="3" name="내용 개체 틀 2">
+            <a:extLst>
+              <a:ext uri="{FF2B5EF4-FFF2-40B4-BE49-F238E27FC236}">
+                <a16:creationId xmlns:a16="http://schemas.microsoft.com/office/drawing/2014/main" id="{DA88F4F4-2C03-6B4B-751E-14965A097912}"/>
+              </a:ext>
+            </a:extLst>
+          </p:cNvPr>
+          <p:cNvSpPr>
+            <a:spLocks noGrp="1"/>
+          </p:cNvSpPr>
+          <p:nvPr>
+            <p:ph idx="1"/>
+          </p:nvPr>
+        </p:nvSpPr>
+        <p:spPr/>
+        <p:txBody>
+          <a:bodyPr/>
+          <a:lstStyle/>
+          <a:p>
+            <a:r>
+              <a:rPr lang="ko-KR" altLang="en-US" dirty="0"/>
+              <a:t>클래스 상속</a:t>
+            </a:r>
+            <a:endParaRPr lang="en-US" altLang="ko-KR" dirty="0"/>
+          </a:p>
+          <a:p>
+            <a:pPr lvl="1"/>
+            <a:r>
+              <a:rPr lang="en-US" altLang="ko-KR" dirty="0">
+                <a:solidFill>
+                  <a:srgbClr val="FF0000"/>
+                </a:solidFill>
+              </a:rPr>
+              <a:t>open</a:t>
+            </a:r>
+            <a:r>
+              <a:rPr lang="ko-KR" altLang="en-US" dirty="0"/>
+              <a:t> </a:t>
+            </a:r>
+            <a:r>
+              <a:rPr lang="en-US" altLang="ko-KR" dirty="0"/>
+              <a:t>class</a:t>
+            </a:r>
+            <a:r>
+              <a:rPr lang="ko-KR" altLang="en-US" dirty="0"/>
+              <a:t> </a:t>
+            </a:r>
+            <a:r>
+              <a:rPr lang="en-US" altLang="ko-KR" dirty="0"/>
+              <a:t>Parent</a:t>
+            </a:r>
+            <a:r>
+              <a:rPr lang="ko-KR" altLang="en-US" dirty="0"/>
+              <a:t> </a:t>
+            </a:r>
+            <a:r>
+              <a:rPr lang="en-US" altLang="ko-KR" dirty="0"/>
+              <a:t>{</a:t>
+            </a:r>
+          </a:p>
+          <a:p>
+            <a:pPr lvl="1"/>
+            <a:r>
+              <a:rPr lang="en-US" altLang="ko-KR" dirty="0"/>
+              <a:t>    // </a:t>
+            </a:r>
+            <a:r>
+              <a:rPr lang="ko-KR" altLang="en-US" dirty="0"/>
+              <a:t>코드 </a:t>
+            </a:r>
+            <a:endParaRPr lang="en-US" altLang="ko-KR" dirty="0"/>
+          </a:p>
+          <a:p>
+            <a:pPr lvl="1"/>
+            <a:r>
+              <a:rPr lang="en-US" altLang="ko-KR" dirty="0"/>
+              <a:t>}</a:t>
+            </a:r>
+          </a:p>
+          <a:p>
+            <a:pPr lvl="1"/>
+            <a:endParaRPr lang="en-US" altLang="ko-KR" dirty="0"/>
+          </a:p>
+          <a:p>
+            <a:pPr lvl="1"/>
+            <a:r>
+              <a:rPr lang="en-US" altLang="ko-KR" dirty="0"/>
+              <a:t>class Child </a:t>
+            </a:r>
+            <a:r>
+              <a:rPr lang="en-US" altLang="ko-KR" dirty="0">
+                <a:solidFill>
+                  <a:srgbClr val="FF0000"/>
+                </a:solidFill>
+              </a:rPr>
+              <a:t>: Parent </a:t>
+            </a:r>
+            <a:r>
+              <a:rPr lang="en-US" altLang="ko-KR" dirty="0"/>
+              <a:t>{   // </a:t>
+            </a:r>
+            <a:r>
+              <a:rPr lang="ko-KR" altLang="en-US" dirty="0"/>
+              <a:t>상속 </a:t>
+            </a:r>
+            <a:r>
+              <a:rPr lang="en-US" altLang="ko-KR" dirty="0"/>
+              <a:t>– Parent</a:t>
+            </a:r>
+            <a:r>
+              <a:rPr lang="ko-KR" altLang="en-US" dirty="0"/>
+              <a:t>의 내용을 사용할 수 있다</a:t>
+            </a:r>
+            <a:r>
+              <a:rPr lang="en-US" altLang="ko-KR" dirty="0"/>
+              <a:t>.</a:t>
+            </a:r>
+          </a:p>
+          <a:p>
+            <a:pPr lvl="1"/>
+            <a:r>
+              <a:rPr lang="en-US" altLang="ko-KR" dirty="0"/>
+              <a:t>    // </a:t>
+            </a:r>
+            <a:r>
+              <a:rPr lang="ko-KR" altLang="en-US" dirty="0"/>
+              <a:t>코드 </a:t>
+            </a:r>
+            <a:endParaRPr lang="en-US" altLang="ko-KR" dirty="0"/>
+          </a:p>
+          <a:p>
+            <a:pPr lvl="1"/>
+            <a:r>
+              <a:rPr lang="en-US" altLang="ko-KR" dirty="0"/>
+              <a:t>}</a:t>
+            </a:r>
+            <a:endParaRPr lang="ko-KR" altLang="en-US" dirty="0"/>
+          </a:p>
+        </p:txBody>
+      </p:sp>
+    </p:spTree>
+    <p:extLst>
+      <p:ext uri="{BB962C8B-B14F-4D97-AF65-F5344CB8AC3E}">
+        <p14:creationId xmlns:p14="http://schemas.microsoft.com/office/powerpoint/2010/main" val="3284339129"/>
+      </p:ext>
+    </p:extLst>
+  </p:cSld>
+  <p:clrMapOvr>
+    <a:masterClrMapping/>
+  </p:clrMapOvr>
+</p:sld>
+</file>
+
+<file path=ppt/slides/slide38.xml><?xml version="1.0" encoding="utf-8"?>
+<p:sld xmlns:a="http://schemas.openxmlformats.org/drawingml/2006/main" xmlns:r="http://schemas.openxmlformats.org/officeDocument/2006/relationships" xmlns:p="http://schemas.openxmlformats.org/presentationml/2006/main">
+  <p:cSld>
+    <p:spTree>
+      <p:nvGrpSpPr>
+        <p:cNvPr id="1" name=""/>
+        <p:cNvGrpSpPr/>
+        <p:nvPr/>
+      </p:nvGrpSpPr>
+      <p:grpSpPr>
+        <a:xfrm>
+          <a:off x="0" y="0"/>
+          <a:ext cx="0" cy="0"/>
+          <a:chOff x="0" y="0"/>
+          <a:chExt cx="0" cy="0"/>
+        </a:xfrm>
+      </p:grpSpPr>
+      <p:sp>
+        <p:nvSpPr>
+          <p:cNvPr id="2" name="제목 1">
+            <a:extLst>
+              <a:ext uri="{FF2B5EF4-FFF2-40B4-BE49-F238E27FC236}">
+                <a16:creationId xmlns:a16="http://schemas.microsoft.com/office/drawing/2014/main" id="{15DA70E8-8441-90E8-DE92-DB4959C96D49}"/>
+              </a:ext>
+            </a:extLst>
+          </p:cNvPr>
+          <p:cNvSpPr>
+            <a:spLocks noGrp="1"/>
+          </p:cNvSpPr>
+          <p:nvPr>
+            <p:ph type="title"/>
+          </p:nvPr>
+        </p:nvSpPr>
+        <p:spPr/>
+        <p:txBody>
+          <a:bodyPr/>
+          <a:lstStyle/>
+          <a:p>
+            <a:endParaRPr lang="ko-KR" altLang="en-US" dirty="0"/>
+          </a:p>
+        </p:txBody>
+      </p:sp>
+      <p:sp>
+        <p:nvSpPr>
+          <p:cNvPr id="3" name="내용 개체 틀 2">
+            <a:extLst>
+              <a:ext uri="{FF2B5EF4-FFF2-40B4-BE49-F238E27FC236}">
+                <a16:creationId xmlns:a16="http://schemas.microsoft.com/office/drawing/2014/main" id="{F4661EE4-425A-6EE5-34AF-09AF39003353}"/>
+              </a:ext>
+            </a:extLst>
+          </p:cNvPr>
+          <p:cNvSpPr>
+            <a:spLocks noGrp="1"/>
+          </p:cNvSpPr>
+          <p:nvPr>
+            <p:ph idx="1"/>
+          </p:nvPr>
+        </p:nvSpPr>
+        <p:spPr/>
+        <p:txBody>
+          <a:bodyPr/>
+          <a:lstStyle/>
+          <a:p>
+            <a:r>
+              <a:rPr lang="ko-KR" altLang="en-US" dirty="0"/>
+              <a:t>클래스 상속 예</a:t>
+            </a:r>
+            <a:endParaRPr lang="en-US" altLang="ko-KR" dirty="0"/>
+          </a:p>
+          <a:p>
+            <a:pPr lvl="1"/>
+            <a:r>
+              <a:rPr lang="en-US" altLang="ko-KR" dirty="0"/>
+              <a:t>open class Parent(value: String) {</a:t>
+            </a:r>
+          </a:p>
+          <a:p>
+            <a:pPr lvl="1"/>
+            <a:r>
+              <a:rPr lang="ko-KR" altLang="en-US" dirty="0"/>
+              <a:t>    </a:t>
+            </a:r>
+            <a:r>
+              <a:rPr lang="en-US" altLang="ko-KR" dirty="0"/>
+              <a:t>var value: String</a:t>
+            </a:r>
+          </a:p>
+          <a:p>
+            <a:pPr lvl="1"/>
+            <a:r>
+              <a:rPr lang="en-US" altLang="ko-KR" dirty="0"/>
+              <a:t>    </a:t>
+            </a:r>
+            <a:r>
+              <a:rPr lang="en-US" altLang="ko-KR" dirty="0" err="1"/>
+              <a:t>init</a:t>
+            </a:r>
+            <a:r>
+              <a:rPr lang="en-US" altLang="ko-KR" dirty="0"/>
+              <a:t> { </a:t>
+            </a:r>
+          </a:p>
+          <a:p>
+            <a:pPr lvl="1"/>
+            <a:r>
+              <a:rPr lang="en-US" altLang="ko-KR" dirty="0"/>
+              <a:t>        </a:t>
+            </a:r>
+            <a:r>
+              <a:rPr lang="en-US" altLang="ko-KR" dirty="0" err="1"/>
+              <a:t>this.value</a:t>
+            </a:r>
+            <a:r>
+              <a:rPr lang="en-US" altLang="ko-KR" dirty="0"/>
+              <a:t> = value </a:t>
+            </a:r>
+          </a:p>
+          <a:p>
+            <a:pPr lvl="1"/>
+            <a:r>
+              <a:rPr lang="en-US" altLang="ko-KR" dirty="0"/>
+              <a:t>    }</a:t>
+            </a:r>
+          </a:p>
+          <a:p>
+            <a:pPr lvl="1"/>
+            <a:r>
+              <a:rPr lang="en-US" altLang="ko-KR" dirty="0"/>
+              <a:t>    </a:t>
+            </a:r>
+            <a:endParaRPr lang="ko-KR" altLang="en-US" dirty="0"/>
+          </a:p>
+        </p:txBody>
+      </p:sp>
+    </p:spTree>
+    <p:extLst>
+      <p:ext uri="{BB962C8B-B14F-4D97-AF65-F5344CB8AC3E}">
+        <p14:creationId xmlns:p14="http://schemas.microsoft.com/office/powerpoint/2010/main" val="1146163644"/>
+      </p:ext>
+    </p:extLst>
+  </p:cSld>
+  <p:clrMapOvr>
+    <a:masterClrMapping/>
+  </p:clrMapOvr>
+</p:sld>
+</file>
+
+<file path=ppt/slides/slide39.xml><?xml version="1.0" encoding="utf-8"?>
+<p:sld xmlns:a="http://schemas.openxmlformats.org/drawingml/2006/main" xmlns:r="http://schemas.openxmlformats.org/officeDocument/2006/relationships" xmlns:p="http://schemas.openxmlformats.org/presentationml/2006/main">
+  <p:cSld>
+    <p:spTree>
+      <p:nvGrpSpPr>
+        <p:cNvPr id="1" name=""/>
+        <p:cNvGrpSpPr/>
+        <p:nvPr/>
+      </p:nvGrpSpPr>
+      <p:grpSpPr>
+        <a:xfrm>
+          <a:off x="0" y="0"/>
+          <a:ext cx="0" cy="0"/>
+          <a:chOff x="0" y="0"/>
+          <a:chExt cx="0" cy="0"/>
+        </a:xfrm>
+      </p:grpSpPr>
+      <p:sp>
+        <p:nvSpPr>
+          <p:cNvPr id="2" name="제목 1">
+            <a:extLst>
+              <a:ext uri="{FF2B5EF4-FFF2-40B4-BE49-F238E27FC236}">
+                <a16:creationId xmlns:a16="http://schemas.microsoft.com/office/drawing/2014/main" id="{3DD35596-8672-16DF-5CD5-F0E69E9D86EF}"/>
+              </a:ext>
+            </a:extLst>
+          </p:cNvPr>
+          <p:cNvSpPr>
+            <a:spLocks noGrp="1"/>
+          </p:cNvSpPr>
+          <p:nvPr>
+            <p:ph type="title"/>
+          </p:nvPr>
+        </p:nvSpPr>
+        <p:spPr/>
+        <p:txBody>
+          <a:bodyPr/>
+          <a:lstStyle/>
+          <a:p>
+            <a:endParaRPr lang="ko-KR" altLang="en-US" dirty="0"/>
+          </a:p>
+        </p:txBody>
+      </p:sp>
+      <p:sp>
+        <p:nvSpPr>
+          <p:cNvPr id="3" name="내용 개체 틀 2">
+            <a:extLst>
+              <a:ext uri="{FF2B5EF4-FFF2-40B4-BE49-F238E27FC236}">
+                <a16:creationId xmlns:a16="http://schemas.microsoft.com/office/drawing/2014/main" id="{90C1C67B-1A6B-FAD8-13D4-8976764289A3}"/>
+              </a:ext>
+            </a:extLst>
+          </p:cNvPr>
+          <p:cNvSpPr>
+            <a:spLocks noGrp="1"/>
+          </p:cNvSpPr>
+          <p:nvPr>
+            <p:ph idx="1"/>
+          </p:nvPr>
+        </p:nvSpPr>
+        <p:spPr/>
+        <p:txBody>
+          <a:bodyPr>
+            <a:normAutofit lnSpcReduction="10000"/>
+          </a:bodyPr>
+          <a:lstStyle/>
+          <a:p>
+            <a:pPr lvl="1"/>
+            <a:r>
+              <a:rPr lang="en-US" altLang="ko-KR" dirty="0"/>
+              <a:t>class </a:t>
+            </a:r>
+            <a:r>
+              <a:rPr lang="en-US" altLang="ko-KR" dirty="0" err="1"/>
+              <a:t>InheritChild</a:t>
+            </a:r>
+            <a:r>
+              <a:rPr lang="en-US" altLang="ko-KR" dirty="0"/>
+              <a:t>(value1: String, value2: String): </a:t>
+            </a:r>
+          </a:p>
+          <a:p>
+            <a:pPr lvl="1"/>
+            <a:r>
+              <a:rPr lang="en-US" altLang="ko-KR" dirty="0"/>
+              <a:t>                                                                 </a:t>
+            </a:r>
+            <a:r>
+              <a:rPr lang="en-US" altLang="ko-KR" dirty="0" err="1"/>
+              <a:t>InheritParent</a:t>
+            </a:r>
+            <a:r>
+              <a:rPr lang="en-US" altLang="ko-KR" dirty="0"/>
+              <a:t>(value1)</a:t>
+            </a:r>
+          </a:p>
+          <a:p>
+            <a:pPr lvl="1"/>
+            <a:r>
+              <a:rPr lang="en-US" altLang="ko-KR" dirty="0"/>
+              <a:t>    var value1: String</a:t>
+            </a:r>
+          </a:p>
+          <a:p>
+            <a:pPr lvl="1"/>
+            <a:r>
+              <a:rPr lang="en-US" altLang="ko-KR" dirty="0"/>
+              <a:t>    var value2: String</a:t>
+            </a:r>
+          </a:p>
+          <a:p>
+            <a:pPr lvl="1"/>
+            <a:r>
+              <a:rPr lang="en-US" altLang="ko-KR" dirty="0"/>
+              <a:t>    </a:t>
+            </a:r>
+            <a:r>
+              <a:rPr lang="en-US" altLang="ko-KR" dirty="0" err="1"/>
+              <a:t>init</a:t>
+            </a:r>
+            <a:r>
+              <a:rPr lang="en-US" altLang="ko-KR" dirty="0"/>
+              <a:t> {</a:t>
+            </a:r>
+          </a:p>
+          <a:p>
+            <a:pPr lvl="1"/>
+            <a:r>
+              <a:rPr lang="en-US" altLang="ko-KR" dirty="0"/>
+              <a:t>        this.value1 = value1</a:t>
+            </a:r>
+          </a:p>
+          <a:p>
+            <a:pPr lvl="1"/>
+            <a:r>
+              <a:rPr lang="en-US" altLang="ko-KR" dirty="0"/>
+              <a:t>        this.value2 = value2</a:t>
+            </a:r>
+          </a:p>
+          <a:p>
+            <a:pPr lvl="1"/>
+            <a:r>
+              <a:rPr lang="en-US" altLang="ko-KR" dirty="0"/>
+              <a:t>    }</a:t>
+            </a:r>
+          </a:p>
+          <a:p>
+            <a:pPr lvl="1"/>
+            <a:r>
+              <a:rPr lang="en-US" altLang="ko-KR" dirty="0"/>
+              <a:t>}</a:t>
+            </a:r>
+            <a:endParaRPr lang="ko-KR" altLang="en-US" dirty="0"/>
+          </a:p>
+        </p:txBody>
+      </p:sp>
+    </p:spTree>
+    <p:extLst>
+      <p:ext uri="{BB962C8B-B14F-4D97-AF65-F5344CB8AC3E}">
+        <p14:creationId xmlns:p14="http://schemas.microsoft.com/office/powerpoint/2010/main" val="594256214"/>
+      </p:ext>
+    </p:extLst>
+  </p:cSld>
+  <p:clrMapOvr>
+    <a:masterClrMapping/>
+  </p:clrMapOvr>
+</p:sld>
+</file>
+
 <file path=ppt/slides/slide4.xml><?xml version="1.0" encoding="utf-8"?>
 <p:sld xmlns:a="http://schemas.openxmlformats.org/drawingml/2006/main" xmlns:r="http://schemas.openxmlformats.org/officeDocument/2006/relationships" xmlns:p="http://schemas.openxmlformats.org/presentationml/2006/main">
   <p:cSld>
@@ -15689,6 +18477,2139 @@
     <p:extLst>
       <p:ext uri="{BB962C8B-B14F-4D97-AF65-F5344CB8AC3E}">
         <p14:creationId xmlns:p14="http://schemas.microsoft.com/office/powerpoint/2010/main" val="1424789905"/>
+      </p:ext>
+    </p:extLst>
+  </p:cSld>
+  <p:clrMapOvr>
+    <a:masterClrMapping/>
+  </p:clrMapOvr>
+</p:sld>
+</file>
+
+<file path=ppt/slides/slide40.xml><?xml version="1.0" encoding="utf-8"?>
+<p:sld xmlns:a="http://schemas.openxmlformats.org/drawingml/2006/main" xmlns:r="http://schemas.openxmlformats.org/officeDocument/2006/relationships" xmlns:p="http://schemas.openxmlformats.org/presentationml/2006/main">
+  <p:cSld>
+    <p:spTree>
+      <p:nvGrpSpPr>
+        <p:cNvPr id="1" name=""/>
+        <p:cNvGrpSpPr/>
+        <p:nvPr/>
+      </p:nvGrpSpPr>
+      <p:grpSpPr>
+        <a:xfrm>
+          <a:off x="0" y="0"/>
+          <a:ext cx="0" cy="0"/>
+          <a:chOff x="0" y="0"/>
+          <a:chExt cx="0" cy="0"/>
+        </a:xfrm>
+      </p:grpSpPr>
+      <p:sp>
+        <p:nvSpPr>
+          <p:cNvPr id="2" name="제목 1">
+            <a:extLst>
+              <a:ext uri="{FF2B5EF4-FFF2-40B4-BE49-F238E27FC236}">
+                <a16:creationId xmlns:a16="http://schemas.microsoft.com/office/drawing/2014/main" id="{AFBB42D2-ECF8-05DB-7451-20FC57127B6C}"/>
+              </a:ext>
+            </a:extLst>
+          </p:cNvPr>
+          <p:cNvSpPr>
+            <a:spLocks noGrp="1"/>
+          </p:cNvSpPr>
+          <p:nvPr>
+            <p:ph type="title"/>
+          </p:nvPr>
+        </p:nvSpPr>
+        <p:spPr/>
+        <p:txBody>
+          <a:bodyPr/>
+          <a:lstStyle/>
+          <a:p>
+            <a:endParaRPr lang="ko-KR" altLang="en-US"/>
+          </a:p>
+        </p:txBody>
+      </p:sp>
+      <p:sp>
+        <p:nvSpPr>
+          <p:cNvPr id="3" name="내용 개체 틀 2">
+            <a:extLst>
+              <a:ext uri="{FF2B5EF4-FFF2-40B4-BE49-F238E27FC236}">
+                <a16:creationId xmlns:a16="http://schemas.microsoft.com/office/drawing/2014/main" id="{6F90DBD8-3A61-E0E5-4248-8E1117B6920F}"/>
+              </a:ext>
+            </a:extLst>
+          </p:cNvPr>
+          <p:cNvSpPr>
+            <a:spLocks noGrp="1"/>
+          </p:cNvSpPr>
+          <p:nvPr>
+            <p:ph idx="1"/>
+          </p:nvPr>
+        </p:nvSpPr>
+        <p:spPr/>
+        <p:txBody>
+          <a:bodyPr>
+            <a:normAutofit lnSpcReduction="10000"/>
+          </a:bodyPr>
+          <a:lstStyle/>
+          <a:p>
+            <a:r>
+              <a:rPr lang="ko-KR" altLang="en-US" dirty="0"/>
+              <a:t>추상</a:t>
+            </a:r>
+            <a:r>
+              <a:rPr lang="en-US" altLang="ko-KR" dirty="0"/>
+              <a:t>(abstract) </a:t>
+            </a:r>
+            <a:r>
+              <a:rPr lang="ko-KR" altLang="en-US" dirty="0"/>
+              <a:t>클래스</a:t>
+            </a:r>
+            <a:endParaRPr lang="en-US" altLang="ko-KR" dirty="0"/>
+          </a:p>
+          <a:p>
+            <a:pPr lvl="1"/>
+            <a:r>
+              <a:rPr lang="en-US" altLang="ko-KR" dirty="0">
+                <a:solidFill>
+                  <a:srgbClr val="FF0000"/>
+                </a:solidFill>
+              </a:rPr>
+              <a:t>abstract</a:t>
+            </a:r>
+            <a:r>
+              <a:rPr lang="en-US" altLang="ko-KR" dirty="0"/>
+              <a:t> class Animal {</a:t>
+            </a:r>
+          </a:p>
+          <a:p>
+            <a:pPr lvl="1"/>
+            <a:r>
+              <a:rPr lang="en-US" altLang="ko-KR" dirty="0"/>
+              <a:t>    fun walk() {  // </a:t>
+            </a:r>
+            <a:r>
+              <a:rPr lang="ko-KR" altLang="en-US" dirty="0"/>
+              <a:t>확정된 동작 </a:t>
+            </a:r>
+            <a:endParaRPr lang="en-US" altLang="ko-KR" dirty="0"/>
+          </a:p>
+          <a:p>
+            <a:pPr lvl="1"/>
+            <a:r>
+              <a:rPr lang="en-US" altLang="ko-KR" dirty="0"/>
+              <a:t>        …</a:t>
+            </a:r>
+          </a:p>
+          <a:p>
+            <a:pPr lvl="1"/>
+            <a:r>
+              <a:rPr lang="en-US" altLang="ko-KR" dirty="0"/>
+              <a:t>    }</a:t>
+            </a:r>
+          </a:p>
+          <a:p>
+            <a:pPr lvl="1"/>
+            <a:r>
+              <a:rPr lang="en-US" altLang="ko-KR" dirty="0"/>
+              <a:t>    </a:t>
+            </a:r>
+            <a:r>
+              <a:rPr lang="en-US" altLang="ko-KR" dirty="0">
+                <a:solidFill>
+                  <a:srgbClr val="FF0000"/>
+                </a:solidFill>
+              </a:rPr>
+              <a:t>abstract</a:t>
+            </a:r>
+            <a:r>
+              <a:rPr lang="en-US" altLang="ko-KR" dirty="0"/>
+              <a:t> fun move() { // </a:t>
+            </a:r>
+            <a:r>
+              <a:rPr lang="ko-KR" altLang="en-US" dirty="0"/>
+              <a:t>확정되지 않은 동작 </a:t>
+            </a:r>
+            <a:endParaRPr lang="en-US" altLang="ko-KR" dirty="0"/>
+          </a:p>
+          <a:p>
+            <a:pPr lvl="1"/>
+            <a:r>
+              <a:rPr lang="en-US" altLang="ko-KR" dirty="0"/>
+              <a:t>        …</a:t>
+            </a:r>
+          </a:p>
+          <a:p>
+            <a:pPr lvl="1"/>
+            <a:r>
+              <a:rPr lang="en-US" altLang="ko-KR" dirty="0"/>
+              <a:t>    }</a:t>
+            </a:r>
+          </a:p>
+          <a:p>
+            <a:pPr lvl="1"/>
+            <a:r>
+              <a:rPr lang="en-US" altLang="ko-KR" dirty="0"/>
+              <a:t>}</a:t>
+            </a:r>
+            <a:endParaRPr lang="ko-KR" altLang="en-US" dirty="0"/>
+          </a:p>
+        </p:txBody>
+      </p:sp>
+    </p:spTree>
+    <p:extLst>
+      <p:ext uri="{BB962C8B-B14F-4D97-AF65-F5344CB8AC3E}">
+        <p14:creationId xmlns:p14="http://schemas.microsoft.com/office/powerpoint/2010/main" val="2570787210"/>
+      </p:ext>
+    </p:extLst>
+  </p:cSld>
+  <p:clrMapOvr>
+    <a:masterClrMapping/>
+  </p:clrMapOvr>
+</p:sld>
+</file>
+
+<file path=ppt/slides/slide41.xml><?xml version="1.0" encoding="utf-8"?>
+<p:sld xmlns:a="http://schemas.openxmlformats.org/drawingml/2006/main" xmlns:r="http://schemas.openxmlformats.org/officeDocument/2006/relationships" xmlns:p="http://schemas.openxmlformats.org/presentationml/2006/main">
+  <p:cSld>
+    <p:spTree>
+      <p:nvGrpSpPr>
+        <p:cNvPr id="1" name=""/>
+        <p:cNvGrpSpPr/>
+        <p:nvPr/>
+      </p:nvGrpSpPr>
+      <p:grpSpPr>
+        <a:xfrm>
+          <a:off x="0" y="0"/>
+          <a:ext cx="0" cy="0"/>
+          <a:chOff x="0" y="0"/>
+          <a:chExt cx="0" cy="0"/>
+        </a:xfrm>
+      </p:grpSpPr>
+      <p:sp>
+        <p:nvSpPr>
+          <p:cNvPr id="2" name="제목 1">
+            <a:extLst>
+              <a:ext uri="{FF2B5EF4-FFF2-40B4-BE49-F238E27FC236}">
+                <a16:creationId xmlns:a16="http://schemas.microsoft.com/office/drawing/2014/main" id="{6243846A-C3DA-CBC6-57CD-B74C3641CB6F}"/>
+              </a:ext>
+            </a:extLst>
+          </p:cNvPr>
+          <p:cNvSpPr>
+            <a:spLocks noGrp="1"/>
+          </p:cNvSpPr>
+          <p:nvPr>
+            <p:ph type="title"/>
+          </p:nvPr>
+        </p:nvSpPr>
+        <p:spPr/>
+        <p:txBody>
+          <a:bodyPr/>
+          <a:lstStyle/>
+          <a:p>
+            <a:endParaRPr lang="ko-KR" altLang="en-US" dirty="0"/>
+          </a:p>
+        </p:txBody>
+      </p:sp>
+      <p:sp>
+        <p:nvSpPr>
+          <p:cNvPr id="3" name="내용 개체 틀 2">
+            <a:extLst>
+              <a:ext uri="{FF2B5EF4-FFF2-40B4-BE49-F238E27FC236}">
+                <a16:creationId xmlns:a16="http://schemas.microsoft.com/office/drawing/2014/main" id="{105FA0CB-DC8F-A713-DF2F-3D84A273063D}"/>
+              </a:ext>
+            </a:extLst>
+          </p:cNvPr>
+          <p:cNvSpPr>
+            <a:spLocks noGrp="1"/>
+          </p:cNvSpPr>
+          <p:nvPr>
+            <p:ph idx="1"/>
+          </p:nvPr>
+        </p:nvSpPr>
+        <p:spPr/>
+        <p:txBody>
+          <a:bodyPr/>
+          <a:lstStyle/>
+          <a:p>
+            <a:r>
+              <a:rPr lang="en-US" altLang="ko-KR" dirty="0"/>
+              <a:t>interface </a:t>
+            </a:r>
+          </a:p>
+          <a:p>
+            <a:pPr lvl="1"/>
+            <a:r>
+              <a:rPr lang="ko-KR" altLang="en-US" dirty="0"/>
+              <a:t>모든</a:t>
+            </a:r>
+            <a:r>
+              <a:rPr lang="en-US" altLang="ko-KR" dirty="0"/>
+              <a:t> </a:t>
+            </a:r>
+            <a:r>
+              <a:rPr lang="ko-KR" altLang="en-US" dirty="0"/>
+              <a:t>메서드가 </a:t>
+            </a:r>
+            <a:r>
+              <a:rPr lang="en-US" altLang="ko-KR" dirty="0"/>
+              <a:t>abstract</a:t>
+            </a:r>
+          </a:p>
+          <a:p>
+            <a:pPr lvl="1"/>
+            <a:r>
+              <a:rPr lang="en-US" altLang="ko-KR" dirty="0"/>
+              <a:t>Interface </a:t>
+            </a:r>
+            <a:r>
+              <a:rPr lang="en-US" altLang="ko-KR" dirty="0" err="1"/>
+              <a:t>InterfaceKotlin</a:t>
+            </a:r>
+            <a:r>
+              <a:rPr lang="en-US" altLang="ko-KR" dirty="0"/>
+              <a:t> {</a:t>
+            </a:r>
+          </a:p>
+          <a:p>
+            <a:pPr lvl="1"/>
+            <a:r>
+              <a:rPr lang="en-US" altLang="ko-KR" dirty="0"/>
+              <a:t>    </a:t>
+            </a:r>
+            <a:r>
+              <a:rPr lang="en-US" altLang="ko-KR" i="1" dirty="0">
+                <a:solidFill>
+                  <a:schemeClr val="bg1">
+                    <a:lumMod val="85000"/>
+                  </a:schemeClr>
+                </a:solidFill>
+              </a:rPr>
+              <a:t>abstract</a:t>
+            </a:r>
+            <a:r>
+              <a:rPr lang="en-US" altLang="ko-KR" dirty="0"/>
+              <a:t> var variable: String</a:t>
+            </a:r>
+          </a:p>
+          <a:p>
+            <a:pPr lvl="1"/>
+            <a:r>
+              <a:rPr lang="en-US" altLang="ko-KR" dirty="0"/>
+              <a:t>    </a:t>
+            </a:r>
+            <a:r>
+              <a:rPr lang="en-US" altLang="ko-KR" i="1" dirty="0">
+                <a:solidFill>
+                  <a:schemeClr val="bg1">
+                    <a:lumMod val="85000"/>
+                  </a:schemeClr>
+                </a:solidFill>
+              </a:rPr>
+              <a:t>abstract</a:t>
+            </a:r>
+            <a:r>
+              <a:rPr lang="en-US" altLang="ko-KR" dirty="0"/>
+              <a:t> fun get()</a:t>
+            </a:r>
+          </a:p>
+          <a:p>
+            <a:pPr lvl="1"/>
+            <a:r>
+              <a:rPr lang="en-US" altLang="ko-KR" dirty="0"/>
+              <a:t>    </a:t>
+            </a:r>
+            <a:r>
+              <a:rPr lang="en-US" altLang="ko-KR" i="1" dirty="0">
+                <a:solidFill>
+                  <a:schemeClr val="bg1">
+                    <a:lumMod val="85000"/>
+                  </a:schemeClr>
+                </a:solidFill>
+              </a:rPr>
+              <a:t>abstract</a:t>
+            </a:r>
+            <a:r>
+              <a:rPr lang="en-US" altLang="ko-KR" dirty="0"/>
+              <a:t> fun set()</a:t>
+            </a:r>
+          </a:p>
+          <a:p>
+            <a:pPr lvl="1"/>
+            <a:r>
+              <a:rPr lang="en-US" altLang="ko-KR" dirty="0"/>
+              <a:t>}</a:t>
+            </a:r>
+          </a:p>
+          <a:p>
+            <a:r>
+              <a:rPr lang="ko-KR" altLang="en-US" dirty="0"/>
+              <a:t>상속을 통해 자식 클래스에서 </a:t>
+            </a:r>
+            <a:r>
+              <a:rPr lang="en-US" altLang="ko-KR" dirty="0"/>
+              <a:t>override </a:t>
+            </a:r>
+            <a:r>
+              <a:rPr lang="ko-KR" altLang="en-US" dirty="0"/>
+              <a:t>필요</a:t>
+            </a:r>
+          </a:p>
+        </p:txBody>
+      </p:sp>
+    </p:spTree>
+    <p:extLst>
+      <p:ext uri="{BB962C8B-B14F-4D97-AF65-F5344CB8AC3E}">
+        <p14:creationId xmlns:p14="http://schemas.microsoft.com/office/powerpoint/2010/main" val="773825310"/>
+      </p:ext>
+    </p:extLst>
+  </p:cSld>
+  <p:clrMapOvr>
+    <a:masterClrMapping/>
+  </p:clrMapOvr>
+</p:sld>
+</file>
+
+<file path=ppt/slides/slide42.xml><?xml version="1.0" encoding="utf-8"?>
+<p:sld xmlns:a="http://schemas.openxmlformats.org/drawingml/2006/main" xmlns:r="http://schemas.openxmlformats.org/officeDocument/2006/relationships" xmlns:p="http://schemas.openxmlformats.org/presentationml/2006/main">
+  <p:cSld>
+    <p:spTree>
+      <p:nvGrpSpPr>
+        <p:cNvPr id="1" name=""/>
+        <p:cNvGrpSpPr/>
+        <p:nvPr/>
+      </p:nvGrpSpPr>
+      <p:grpSpPr>
+        <a:xfrm>
+          <a:off x="0" y="0"/>
+          <a:ext cx="0" cy="0"/>
+          <a:chOff x="0" y="0"/>
+          <a:chExt cx="0" cy="0"/>
+        </a:xfrm>
+      </p:grpSpPr>
+      <p:sp>
+        <p:nvSpPr>
+          <p:cNvPr id="2" name="제목 1">
+            <a:extLst>
+              <a:ext uri="{FF2B5EF4-FFF2-40B4-BE49-F238E27FC236}">
+                <a16:creationId xmlns:a16="http://schemas.microsoft.com/office/drawing/2014/main" id="{92BED2BE-F51C-E17B-10FD-7D47B43CF497}"/>
+              </a:ext>
+            </a:extLst>
+          </p:cNvPr>
+          <p:cNvSpPr>
+            <a:spLocks noGrp="1"/>
+          </p:cNvSpPr>
+          <p:nvPr>
+            <p:ph type="title"/>
+          </p:nvPr>
+        </p:nvSpPr>
+        <p:spPr/>
+        <p:txBody>
+          <a:bodyPr/>
+          <a:lstStyle/>
+          <a:p>
+            <a:endParaRPr lang="ko-KR" altLang="en-US"/>
+          </a:p>
+        </p:txBody>
+      </p:sp>
+      <p:sp>
+        <p:nvSpPr>
+          <p:cNvPr id="3" name="내용 개체 틀 2">
+            <a:extLst>
+              <a:ext uri="{FF2B5EF4-FFF2-40B4-BE49-F238E27FC236}">
+                <a16:creationId xmlns:a16="http://schemas.microsoft.com/office/drawing/2014/main" id="{251C4352-AE5B-9A2F-7B24-F8130A91E74A}"/>
+              </a:ext>
+            </a:extLst>
+          </p:cNvPr>
+          <p:cNvSpPr>
+            <a:spLocks noGrp="1"/>
+          </p:cNvSpPr>
+          <p:nvPr>
+            <p:ph idx="1"/>
+          </p:nvPr>
+        </p:nvSpPr>
+        <p:spPr/>
+        <p:txBody>
+          <a:bodyPr/>
+          <a:lstStyle/>
+          <a:p>
+            <a:r>
+              <a:rPr lang="ko-KR" altLang="en-US" dirty="0"/>
+              <a:t>접근 </a:t>
+            </a:r>
+            <a:r>
+              <a:rPr lang="ko-KR" altLang="en-US" dirty="0" err="1"/>
+              <a:t>제한자</a:t>
+            </a:r>
+            <a:r>
+              <a:rPr lang="en-US" altLang="ko-KR" dirty="0"/>
+              <a:t>(access modifier)</a:t>
+            </a:r>
+          </a:p>
+          <a:p>
+            <a:pPr lvl="1"/>
+            <a:r>
+              <a:rPr lang="en-US" altLang="ko-KR" dirty="0"/>
+              <a:t>private		</a:t>
+            </a:r>
+            <a:r>
+              <a:rPr lang="ko-KR" altLang="en-US" dirty="0"/>
+              <a:t>다른 파일에서 접근할 수 없다</a:t>
+            </a:r>
+            <a:r>
+              <a:rPr lang="en-US" altLang="ko-KR" dirty="0"/>
+              <a:t>. </a:t>
+            </a:r>
+          </a:p>
+          <a:p>
+            <a:pPr lvl="1"/>
+            <a:r>
+              <a:rPr lang="en-US" altLang="ko-KR" dirty="0"/>
+              <a:t>internal	</a:t>
+            </a:r>
+            <a:r>
+              <a:rPr lang="ko-KR" altLang="en-US" dirty="0"/>
+              <a:t>같은 모듈에 있는 파일만 접근 가능</a:t>
+            </a:r>
+            <a:endParaRPr lang="en-US" altLang="ko-KR" dirty="0"/>
+          </a:p>
+          <a:p>
+            <a:pPr lvl="1"/>
+            <a:r>
+              <a:rPr lang="en-US" altLang="ko-KR" dirty="0"/>
+              <a:t>protected	private</a:t>
+            </a:r>
+            <a:r>
+              <a:rPr lang="ko-KR" altLang="en-US" dirty="0"/>
+              <a:t>와 같지만</a:t>
+            </a:r>
+            <a:r>
+              <a:rPr lang="en-US" altLang="ko-KR" dirty="0"/>
+              <a:t>, </a:t>
+            </a:r>
+            <a:r>
+              <a:rPr lang="ko-KR" altLang="en-US" dirty="0"/>
+              <a:t>자식 클래스에서 접근 가능</a:t>
+            </a:r>
+            <a:endParaRPr lang="en-US" altLang="ko-KR" dirty="0"/>
+          </a:p>
+          <a:p>
+            <a:pPr lvl="1"/>
+            <a:r>
+              <a:rPr lang="en-US" altLang="ko-KR" dirty="0"/>
+              <a:t>public 		</a:t>
+            </a:r>
+            <a:r>
+              <a:rPr lang="ko-KR" altLang="en-US" dirty="0"/>
+              <a:t>접근</a:t>
+            </a:r>
+            <a:r>
+              <a:rPr lang="en-US" altLang="ko-KR" dirty="0"/>
+              <a:t> </a:t>
+            </a:r>
+            <a:r>
+              <a:rPr lang="ko-KR" altLang="en-US" dirty="0"/>
+              <a:t>제한 없음</a:t>
+            </a:r>
+            <a:endParaRPr lang="en-US" altLang="ko-KR" dirty="0"/>
+          </a:p>
+          <a:p>
+            <a:pPr lvl="1"/>
+            <a:endParaRPr lang="ko-KR" altLang="en-US" dirty="0"/>
+          </a:p>
+        </p:txBody>
+      </p:sp>
+    </p:spTree>
+    <p:extLst>
+      <p:ext uri="{BB962C8B-B14F-4D97-AF65-F5344CB8AC3E}">
+        <p14:creationId xmlns:p14="http://schemas.microsoft.com/office/powerpoint/2010/main" val="3367824913"/>
+      </p:ext>
+    </p:extLst>
+  </p:cSld>
+  <p:clrMapOvr>
+    <a:masterClrMapping/>
+  </p:clrMapOvr>
+</p:sld>
+</file>
+
+<file path=ppt/slides/slide43.xml><?xml version="1.0" encoding="utf-8"?>
+<p:sld xmlns:a="http://schemas.openxmlformats.org/drawingml/2006/main" xmlns:r="http://schemas.openxmlformats.org/officeDocument/2006/relationships" xmlns:p="http://schemas.openxmlformats.org/presentationml/2006/main">
+  <p:cSld>
+    <p:spTree>
+      <p:nvGrpSpPr>
+        <p:cNvPr id="1" name=""/>
+        <p:cNvGrpSpPr/>
+        <p:nvPr/>
+      </p:nvGrpSpPr>
+      <p:grpSpPr>
+        <a:xfrm>
+          <a:off x="0" y="0"/>
+          <a:ext cx="0" cy="0"/>
+          <a:chOff x="0" y="0"/>
+          <a:chExt cx="0" cy="0"/>
+        </a:xfrm>
+      </p:grpSpPr>
+      <p:sp>
+        <p:nvSpPr>
+          <p:cNvPr id="2" name="제목 1">
+            <a:extLst>
+              <a:ext uri="{FF2B5EF4-FFF2-40B4-BE49-F238E27FC236}">
+                <a16:creationId xmlns:a16="http://schemas.microsoft.com/office/drawing/2014/main" id="{34C97C83-C975-4E99-71AA-D3B62DC69B66}"/>
+              </a:ext>
+            </a:extLst>
+          </p:cNvPr>
+          <p:cNvSpPr>
+            <a:spLocks noGrp="1"/>
+          </p:cNvSpPr>
+          <p:nvPr>
+            <p:ph type="title"/>
+          </p:nvPr>
+        </p:nvSpPr>
+        <p:spPr/>
+        <p:txBody>
+          <a:bodyPr/>
+          <a:lstStyle/>
+          <a:p>
+            <a:endParaRPr lang="ko-KR" altLang="en-US"/>
+          </a:p>
+        </p:txBody>
+      </p:sp>
+      <p:sp>
+        <p:nvSpPr>
+          <p:cNvPr id="3" name="내용 개체 틀 2">
+            <a:extLst>
+              <a:ext uri="{FF2B5EF4-FFF2-40B4-BE49-F238E27FC236}">
+                <a16:creationId xmlns:a16="http://schemas.microsoft.com/office/drawing/2014/main" id="{C4DBDC22-927E-E082-8C91-82553A087050}"/>
+              </a:ext>
+            </a:extLst>
+          </p:cNvPr>
+          <p:cNvSpPr>
+            <a:spLocks noGrp="1"/>
+          </p:cNvSpPr>
+          <p:nvPr>
+            <p:ph idx="1"/>
+          </p:nvPr>
+        </p:nvSpPr>
+        <p:spPr/>
+        <p:txBody>
+          <a:bodyPr/>
+          <a:lstStyle/>
+          <a:p>
+            <a:r>
+              <a:rPr lang="ko-KR" altLang="en-US" dirty="0"/>
+              <a:t>접근 </a:t>
+            </a:r>
+            <a:r>
+              <a:rPr lang="ko-KR" altLang="en-US" dirty="0" err="1"/>
+              <a:t>제한자</a:t>
+            </a:r>
+            <a:r>
+              <a:rPr lang="ko-KR" altLang="en-US" dirty="0"/>
+              <a:t> 사용 예</a:t>
+            </a:r>
+            <a:endParaRPr lang="en-US" altLang="ko-KR" dirty="0"/>
+          </a:p>
+          <a:p>
+            <a:pPr lvl="1"/>
+            <a:r>
+              <a:rPr lang="en-US" altLang="ko-KR" dirty="0"/>
+              <a:t>open class Parent {</a:t>
+            </a:r>
+          </a:p>
+          <a:p>
+            <a:pPr lvl="1"/>
+            <a:r>
+              <a:rPr lang="en-US" altLang="ko-KR" dirty="0"/>
+              <a:t>    private </a:t>
+            </a:r>
+            <a:r>
+              <a:rPr lang="en-US" altLang="ko-KR" dirty="0" err="1"/>
+              <a:t>val</a:t>
+            </a:r>
+            <a:r>
+              <a:rPr lang="en-US" altLang="ko-KR" dirty="0"/>
+              <a:t> </a:t>
+            </a:r>
+            <a:r>
+              <a:rPr lang="en-US" altLang="ko-KR" dirty="0" err="1"/>
+              <a:t>privateVal</a:t>
+            </a:r>
+            <a:r>
+              <a:rPr lang="en-US" altLang="ko-KR" dirty="0"/>
+              <a:t> = 1</a:t>
+            </a:r>
+          </a:p>
+          <a:p>
+            <a:pPr lvl="1"/>
+            <a:r>
+              <a:rPr lang="en-US" altLang="ko-KR" dirty="0"/>
+              <a:t>    protected open </a:t>
+            </a:r>
+            <a:r>
+              <a:rPr lang="en-US" altLang="ko-KR" dirty="0" err="1"/>
+              <a:t>val</a:t>
+            </a:r>
+            <a:r>
+              <a:rPr lang="en-US" altLang="ko-KR" dirty="0"/>
+              <a:t> </a:t>
+            </a:r>
+            <a:r>
+              <a:rPr lang="en-US" altLang="ko-KR" dirty="0" err="1"/>
+              <a:t>protedtedVal</a:t>
+            </a:r>
+            <a:r>
+              <a:rPr lang="en-US" altLang="ko-KR" dirty="0"/>
+              <a:t> = 2</a:t>
+            </a:r>
+          </a:p>
+          <a:p>
+            <a:pPr lvl="1"/>
+            <a:r>
+              <a:rPr lang="en-US" altLang="ko-KR" dirty="0"/>
+              <a:t>    internal </a:t>
+            </a:r>
+            <a:r>
+              <a:rPr lang="en-US" altLang="ko-KR" dirty="0" err="1"/>
+              <a:t>val</a:t>
+            </a:r>
+            <a:r>
+              <a:rPr lang="en-US" altLang="ko-KR" dirty="0"/>
+              <a:t> </a:t>
+            </a:r>
+            <a:r>
+              <a:rPr lang="en-US" altLang="ko-KR" dirty="0" err="1"/>
+              <a:t>internalVal</a:t>
+            </a:r>
+            <a:r>
+              <a:rPr lang="en-US" altLang="ko-KR" dirty="0"/>
+              <a:t> = 3</a:t>
+            </a:r>
+          </a:p>
+          <a:p>
+            <a:pPr lvl="1"/>
+            <a:r>
+              <a:rPr lang="en-US" altLang="ko-KR" dirty="0"/>
+              <a:t>    var </a:t>
+            </a:r>
+            <a:r>
+              <a:rPr lang="en-US" altLang="ko-KR" dirty="0" err="1"/>
+              <a:t>defaultVal</a:t>
+            </a:r>
+            <a:r>
+              <a:rPr lang="en-US" altLang="ko-KR" dirty="0"/>
+              <a:t> = 4</a:t>
+            </a:r>
+          </a:p>
+          <a:p>
+            <a:pPr lvl="1"/>
+            <a:r>
+              <a:rPr lang="en-US" altLang="ko-KR" dirty="0"/>
+              <a:t>}</a:t>
+            </a:r>
+            <a:endParaRPr lang="ko-KR" altLang="en-US" dirty="0"/>
+          </a:p>
+        </p:txBody>
+      </p:sp>
+    </p:spTree>
+    <p:extLst>
+      <p:ext uri="{BB962C8B-B14F-4D97-AF65-F5344CB8AC3E}">
+        <p14:creationId xmlns:p14="http://schemas.microsoft.com/office/powerpoint/2010/main" val="2828863689"/>
+      </p:ext>
+    </p:extLst>
+  </p:cSld>
+  <p:clrMapOvr>
+    <a:masterClrMapping/>
+  </p:clrMapOvr>
+</p:sld>
+</file>
+
+<file path=ppt/slides/slide44.xml><?xml version="1.0" encoding="utf-8"?>
+<p:sld xmlns:a="http://schemas.openxmlformats.org/drawingml/2006/main" xmlns:r="http://schemas.openxmlformats.org/officeDocument/2006/relationships" xmlns:p="http://schemas.openxmlformats.org/presentationml/2006/main">
+  <p:cSld>
+    <p:spTree>
+      <p:nvGrpSpPr>
+        <p:cNvPr id="1" name=""/>
+        <p:cNvGrpSpPr/>
+        <p:nvPr/>
+      </p:nvGrpSpPr>
+      <p:grpSpPr>
+        <a:xfrm>
+          <a:off x="0" y="0"/>
+          <a:ext cx="0" cy="0"/>
+          <a:chOff x="0" y="0"/>
+          <a:chExt cx="0" cy="0"/>
+        </a:xfrm>
+      </p:grpSpPr>
+      <p:sp>
+        <p:nvSpPr>
+          <p:cNvPr id="2" name="제목 1">
+            <a:extLst>
+              <a:ext uri="{FF2B5EF4-FFF2-40B4-BE49-F238E27FC236}">
+                <a16:creationId xmlns:a16="http://schemas.microsoft.com/office/drawing/2014/main" id="{34D3720C-B061-FEA5-8ED6-27442B99622C}"/>
+              </a:ext>
+            </a:extLst>
+          </p:cNvPr>
+          <p:cNvSpPr>
+            <a:spLocks noGrp="1"/>
+          </p:cNvSpPr>
+          <p:nvPr>
+            <p:ph type="title"/>
+          </p:nvPr>
+        </p:nvSpPr>
+        <p:spPr/>
+        <p:txBody>
+          <a:bodyPr/>
+          <a:lstStyle/>
+          <a:p>
+            <a:endParaRPr lang="ko-KR" altLang="en-US"/>
+          </a:p>
+        </p:txBody>
+      </p:sp>
+      <p:sp>
+        <p:nvSpPr>
+          <p:cNvPr id="3" name="내용 개체 틀 2">
+            <a:extLst>
+              <a:ext uri="{FF2B5EF4-FFF2-40B4-BE49-F238E27FC236}">
+                <a16:creationId xmlns:a16="http://schemas.microsoft.com/office/drawing/2014/main" id="{9F68A420-B53F-6C90-2C52-E9EEF9CF28AA}"/>
+              </a:ext>
+            </a:extLst>
+          </p:cNvPr>
+          <p:cNvSpPr>
+            <a:spLocks noGrp="1"/>
+          </p:cNvSpPr>
+          <p:nvPr>
+            <p:ph idx="1"/>
+          </p:nvPr>
+        </p:nvSpPr>
+        <p:spPr/>
+        <p:txBody>
+          <a:bodyPr/>
+          <a:lstStyle/>
+          <a:p>
+            <a:r>
+              <a:rPr lang="ko-KR" altLang="en-US" dirty="0"/>
+              <a:t>접근 </a:t>
+            </a:r>
+            <a:r>
+              <a:rPr lang="ko-KR" altLang="en-US" dirty="0" err="1"/>
+              <a:t>제한자</a:t>
+            </a:r>
+            <a:r>
+              <a:rPr lang="ko-KR" altLang="en-US" dirty="0"/>
+              <a:t> 사용 예</a:t>
+            </a:r>
+            <a:r>
+              <a:rPr lang="en-US" altLang="ko-KR" dirty="0"/>
+              <a:t>(</a:t>
+            </a:r>
+            <a:r>
+              <a:rPr lang="ko-KR" altLang="en-US" dirty="0"/>
+              <a:t>계속</a:t>
+            </a:r>
+            <a:r>
+              <a:rPr lang="en-US" altLang="ko-KR" dirty="0"/>
+              <a:t>) – </a:t>
+            </a:r>
+            <a:r>
+              <a:rPr lang="ko-KR" altLang="en-US" dirty="0"/>
+              <a:t>상속관계일 때</a:t>
+            </a:r>
+            <a:endParaRPr lang="en-US" altLang="ko-KR" dirty="0"/>
+          </a:p>
+          <a:p>
+            <a:pPr lvl="1"/>
+            <a:r>
+              <a:rPr lang="en-US" altLang="ko-KR" dirty="0"/>
+              <a:t>class child : Parent { </a:t>
+            </a:r>
+          </a:p>
+          <a:p>
+            <a:pPr lvl="1"/>
+            <a:r>
+              <a:rPr lang="en-US" altLang="ko-KR" dirty="0"/>
+              <a:t>    // </a:t>
+            </a:r>
+            <a:r>
+              <a:rPr lang="ko-KR" altLang="en-US" dirty="0"/>
+              <a:t>부모의 </a:t>
+            </a:r>
+            <a:r>
+              <a:rPr lang="en-US" altLang="ko-KR" dirty="0"/>
+              <a:t>private</a:t>
+            </a:r>
+            <a:r>
+              <a:rPr lang="ko-KR" altLang="en-US" dirty="0"/>
+              <a:t>는 접근 불가</a:t>
+            </a:r>
+            <a:endParaRPr lang="en-US" altLang="ko-KR" dirty="0"/>
+          </a:p>
+          <a:p>
+            <a:pPr lvl="1"/>
+            <a:r>
+              <a:rPr lang="en-US" altLang="ko-KR" dirty="0"/>
+              <a:t>    </a:t>
+            </a:r>
+            <a:r>
+              <a:rPr lang="en-US" altLang="ko-KR" dirty="0" err="1"/>
+              <a:t>Log.d</a:t>
+            </a:r>
+            <a:r>
+              <a:rPr lang="en-US" altLang="ko-KR" dirty="0"/>
+              <a:t>(“modifier”, “Parent</a:t>
+            </a:r>
+            <a:r>
+              <a:rPr lang="ko-KR" altLang="en-US" dirty="0"/>
+              <a:t>의 </a:t>
+            </a:r>
+            <a:r>
+              <a:rPr lang="en-US" altLang="ko-KR" dirty="0"/>
+              <a:t>protected </a:t>
+            </a:r>
+            <a:r>
+              <a:rPr lang="ko-KR" altLang="en-US" dirty="0"/>
+              <a:t>변수는 </a:t>
+            </a:r>
+            <a:r>
+              <a:rPr lang="en-US" altLang="ko-KR" dirty="0"/>
+              <a:t>${</a:t>
+            </a:r>
+            <a:r>
+              <a:rPr lang="en-US" altLang="ko-KR" dirty="0" err="1"/>
+              <a:t>protectedVal</a:t>
+            </a:r>
+            <a:r>
+              <a:rPr lang="en-US" altLang="ko-KR" dirty="0"/>
+              <a:t>})</a:t>
+            </a:r>
+          </a:p>
+          <a:p>
+            <a:pPr lvl="1"/>
+            <a:r>
+              <a:rPr lang="en-US" altLang="ko-KR" dirty="0"/>
+              <a:t>    </a:t>
+            </a:r>
+            <a:r>
+              <a:rPr lang="en-US" altLang="ko-KR" dirty="0" err="1"/>
+              <a:t>Log.d</a:t>
+            </a:r>
+            <a:r>
+              <a:rPr lang="en-US" altLang="ko-KR" dirty="0"/>
+              <a:t>(“modifier”, “Parent</a:t>
+            </a:r>
+            <a:r>
+              <a:rPr lang="ko-KR" altLang="en-US" dirty="0"/>
+              <a:t>의 </a:t>
+            </a:r>
+            <a:r>
+              <a:rPr lang="en-US" altLang="ko-KR" dirty="0"/>
+              <a:t>internal </a:t>
+            </a:r>
+            <a:r>
+              <a:rPr lang="ko-KR" altLang="en-US" dirty="0"/>
+              <a:t>변수는 </a:t>
+            </a:r>
+            <a:r>
+              <a:rPr lang="en-US" altLang="ko-KR" dirty="0"/>
+              <a:t>${</a:t>
+            </a:r>
+            <a:r>
+              <a:rPr lang="en-US" altLang="ko-KR" dirty="0" err="1"/>
+              <a:t>internalVal</a:t>
+            </a:r>
+            <a:r>
+              <a:rPr lang="en-US" altLang="ko-KR" dirty="0"/>
+              <a:t>})</a:t>
+            </a:r>
+          </a:p>
+          <a:p>
+            <a:pPr lvl="1"/>
+            <a:r>
+              <a:rPr lang="en-US" altLang="ko-KR" dirty="0"/>
+              <a:t>    </a:t>
+            </a:r>
+            <a:r>
+              <a:rPr lang="en-US" altLang="ko-KR" dirty="0" err="1"/>
+              <a:t>Log.d</a:t>
+            </a:r>
+            <a:r>
+              <a:rPr lang="en-US" altLang="ko-KR" dirty="0"/>
+              <a:t>(“modifier”, “Parent</a:t>
+            </a:r>
+            <a:r>
+              <a:rPr lang="ko-KR" altLang="en-US" dirty="0"/>
+              <a:t>의 </a:t>
+            </a:r>
+            <a:r>
+              <a:rPr lang="en-US" altLang="ko-KR" dirty="0"/>
+              <a:t>public </a:t>
+            </a:r>
+            <a:r>
+              <a:rPr lang="ko-KR" altLang="en-US" dirty="0"/>
+              <a:t>변수는 </a:t>
+            </a:r>
+            <a:r>
+              <a:rPr lang="en-US" altLang="ko-KR" dirty="0"/>
+              <a:t>${</a:t>
+            </a:r>
+            <a:r>
+              <a:rPr lang="en-US" altLang="ko-KR" dirty="0" err="1"/>
+              <a:t>defaultVal</a:t>
+            </a:r>
+            <a:r>
+              <a:rPr lang="en-US" altLang="ko-KR" dirty="0"/>
+              <a:t>})</a:t>
+            </a:r>
+          </a:p>
+          <a:p>
+            <a:pPr lvl="1"/>
+            <a:r>
+              <a:rPr lang="en-US" altLang="ko-KR" dirty="0"/>
+              <a:t>}</a:t>
+            </a:r>
+            <a:endParaRPr lang="ko-KR" altLang="en-US" dirty="0"/>
+          </a:p>
+        </p:txBody>
+      </p:sp>
+    </p:spTree>
+    <p:extLst>
+      <p:ext uri="{BB962C8B-B14F-4D97-AF65-F5344CB8AC3E}">
+        <p14:creationId xmlns:p14="http://schemas.microsoft.com/office/powerpoint/2010/main" val="916877530"/>
+      </p:ext>
+    </p:extLst>
+  </p:cSld>
+  <p:clrMapOvr>
+    <a:masterClrMapping/>
+  </p:clrMapOvr>
+</p:sld>
+</file>
+
+<file path=ppt/slides/slide45.xml><?xml version="1.0" encoding="utf-8"?>
+<p:sld xmlns:a="http://schemas.openxmlformats.org/drawingml/2006/main" xmlns:r="http://schemas.openxmlformats.org/officeDocument/2006/relationships" xmlns:p="http://schemas.openxmlformats.org/presentationml/2006/main">
+  <p:cSld>
+    <p:spTree>
+      <p:nvGrpSpPr>
+        <p:cNvPr id="1" name=""/>
+        <p:cNvGrpSpPr/>
+        <p:nvPr/>
+      </p:nvGrpSpPr>
+      <p:grpSpPr>
+        <a:xfrm>
+          <a:off x="0" y="0"/>
+          <a:ext cx="0" cy="0"/>
+          <a:chOff x="0" y="0"/>
+          <a:chExt cx="0" cy="0"/>
+        </a:xfrm>
+      </p:grpSpPr>
+      <p:sp>
+        <p:nvSpPr>
+          <p:cNvPr id="2" name="제목 1">
+            <a:extLst>
+              <a:ext uri="{FF2B5EF4-FFF2-40B4-BE49-F238E27FC236}">
+                <a16:creationId xmlns:a16="http://schemas.microsoft.com/office/drawing/2014/main" id="{B49234F4-559D-BE81-9E78-09C28E08EA29}"/>
+              </a:ext>
+            </a:extLst>
+          </p:cNvPr>
+          <p:cNvSpPr>
+            <a:spLocks noGrp="1"/>
+          </p:cNvSpPr>
+          <p:nvPr>
+            <p:ph type="title"/>
+          </p:nvPr>
+        </p:nvSpPr>
+        <p:spPr/>
+        <p:txBody>
+          <a:bodyPr/>
+          <a:lstStyle/>
+          <a:p>
+            <a:endParaRPr lang="ko-KR" altLang="en-US"/>
+          </a:p>
+        </p:txBody>
+      </p:sp>
+      <p:sp>
+        <p:nvSpPr>
+          <p:cNvPr id="3" name="내용 개체 틀 2">
+            <a:extLst>
+              <a:ext uri="{FF2B5EF4-FFF2-40B4-BE49-F238E27FC236}">
+                <a16:creationId xmlns:a16="http://schemas.microsoft.com/office/drawing/2014/main" id="{4EC2DA1A-B5B0-4BD8-538A-B4A125065C3C}"/>
+              </a:ext>
+            </a:extLst>
+          </p:cNvPr>
+          <p:cNvSpPr>
+            <a:spLocks noGrp="1"/>
+          </p:cNvSpPr>
+          <p:nvPr>
+            <p:ph idx="1"/>
+          </p:nvPr>
+        </p:nvSpPr>
+        <p:spPr/>
+        <p:txBody>
+          <a:bodyPr/>
+          <a:lstStyle/>
+          <a:p>
+            <a:r>
+              <a:rPr lang="ko-KR" altLang="en-US" dirty="0"/>
+              <a:t>접근 </a:t>
+            </a:r>
+            <a:r>
+              <a:rPr lang="ko-KR" altLang="en-US" dirty="0" err="1"/>
+              <a:t>제한자</a:t>
+            </a:r>
+            <a:r>
+              <a:rPr lang="ko-KR" altLang="en-US" dirty="0"/>
+              <a:t> 사용 예</a:t>
+            </a:r>
+            <a:r>
+              <a:rPr lang="en-US" altLang="ko-KR" dirty="0"/>
+              <a:t>(</a:t>
+            </a:r>
+            <a:r>
+              <a:rPr lang="ko-KR" altLang="en-US" dirty="0"/>
+              <a:t>계속</a:t>
+            </a:r>
+            <a:r>
+              <a:rPr lang="en-US" altLang="ko-KR" dirty="0"/>
+              <a:t>) – </a:t>
+            </a:r>
+            <a:r>
+              <a:rPr lang="ko-KR" altLang="en-US" dirty="0"/>
+              <a:t>상속관계가</a:t>
+            </a:r>
+            <a:r>
+              <a:rPr lang="en-US" altLang="ko-KR" dirty="0"/>
+              <a:t> </a:t>
+            </a:r>
+            <a:r>
+              <a:rPr lang="ko-KR" altLang="en-US" dirty="0"/>
+              <a:t>아닐 때</a:t>
+            </a:r>
+            <a:endParaRPr lang="en-US" altLang="ko-KR" dirty="0"/>
+          </a:p>
+          <a:p>
+            <a:pPr lvl="1"/>
+            <a:r>
+              <a:rPr lang="en-US" altLang="ko-KR" dirty="0"/>
+              <a:t>class</a:t>
+            </a:r>
+            <a:r>
+              <a:rPr lang="ko-KR" altLang="en-US" dirty="0"/>
+              <a:t> </a:t>
+            </a:r>
+            <a:r>
+              <a:rPr lang="en-US" altLang="ko-KR" dirty="0"/>
+              <a:t>Stranger</a:t>
+            </a:r>
+            <a:r>
+              <a:rPr lang="ko-KR" altLang="en-US" dirty="0"/>
+              <a:t> </a:t>
+            </a:r>
+            <a:r>
+              <a:rPr lang="en-US" altLang="ko-KR" dirty="0"/>
+              <a:t>{</a:t>
+            </a:r>
+          </a:p>
+          <a:p>
+            <a:pPr lvl="1"/>
+            <a:r>
+              <a:rPr lang="ko-KR" altLang="en-US" dirty="0"/>
+              <a:t>    </a:t>
+            </a:r>
+            <a:r>
+              <a:rPr lang="en-US" altLang="ko-KR" dirty="0"/>
+              <a:t>var parent = Parent()</a:t>
+            </a:r>
+          </a:p>
+          <a:p>
+            <a:pPr lvl="1"/>
+            <a:r>
+              <a:rPr lang="en-US" altLang="ko-KR" dirty="0"/>
+              <a:t>    // Parent</a:t>
+            </a:r>
+            <a:r>
+              <a:rPr lang="ko-KR" altLang="en-US" dirty="0"/>
+              <a:t>의 </a:t>
+            </a:r>
+            <a:r>
+              <a:rPr lang="en-US" altLang="ko-KR" dirty="0"/>
+              <a:t>private</a:t>
+            </a:r>
+            <a:r>
+              <a:rPr lang="ko-KR" altLang="en-US" dirty="0"/>
+              <a:t> 사용 불가 </a:t>
+            </a:r>
+            <a:endParaRPr lang="en-US" altLang="ko-KR" dirty="0"/>
+          </a:p>
+          <a:p>
+            <a:pPr lvl="1"/>
+            <a:r>
+              <a:rPr lang="en-US" altLang="ko-KR" dirty="0"/>
+              <a:t>    // Parent</a:t>
+            </a:r>
+            <a:r>
+              <a:rPr lang="ko-KR" altLang="en-US" dirty="0"/>
+              <a:t>의 </a:t>
+            </a:r>
+            <a:r>
+              <a:rPr lang="en-US" altLang="ko-KR" dirty="0"/>
+              <a:t>protected </a:t>
+            </a:r>
+            <a:r>
+              <a:rPr lang="ko-KR" altLang="en-US" dirty="0"/>
+              <a:t>사용 불가 </a:t>
+            </a:r>
+            <a:endParaRPr lang="en-US" altLang="ko-KR" dirty="0"/>
+          </a:p>
+          <a:p>
+            <a:pPr lvl="1"/>
+            <a:r>
+              <a:rPr lang="en-US" altLang="ko-KR" dirty="0"/>
+              <a:t>    </a:t>
+            </a:r>
+            <a:r>
+              <a:rPr lang="en-US" altLang="ko-KR" dirty="0" err="1"/>
+              <a:t>Log.d</a:t>
+            </a:r>
+            <a:r>
+              <a:rPr lang="en-US" altLang="ko-KR" dirty="0"/>
+              <a:t>(“modifier”, “Parent</a:t>
+            </a:r>
+            <a:r>
+              <a:rPr lang="ko-KR" altLang="en-US" dirty="0"/>
+              <a:t>의 </a:t>
+            </a:r>
+            <a:r>
+              <a:rPr lang="en-US" altLang="ko-KR" dirty="0"/>
+              <a:t>internal </a:t>
+            </a:r>
+            <a:r>
+              <a:rPr lang="ko-KR" altLang="en-US" dirty="0"/>
+              <a:t>변수는 </a:t>
+            </a:r>
+            <a:r>
+              <a:rPr lang="en-US" altLang="ko-KR" dirty="0"/>
+              <a:t>${</a:t>
+            </a:r>
+            <a:r>
+              <a:rPr lang="en-US" altLang="ko-KR" dirty="0" err="1"/>
+              <a:t>internalVal</a:t>
+            </a:r>
+            <a:r>
+              <a:rPr lang="en-US" altLang="ko-KR" dirty="0"/>
+              <a:t>})</a:t>
+            </a:r>
+          </a:p>
+          <a:p>
+            <a:pPr lvl="1"/>
+            <a:r>
+              <a:rPr lang="en-US" altLang="ko-KR" dirty="0"/>
+              <a:t>    </a:t>
+            </a:r>
+            <a:r>
+              <a:rPr lang="en-US" altLang="ko-KR" dirty="0" err="1"/>
+              <a:t>Log.d</a:t>
+            </a:r>
+            <a:r>
+              <a:rPr lang="en-US" altLang="ko-KR" dirty="0"/>
+              <a:t>(“modifier”, “Parent</a:t>
+            </a:r>
+            <a:r>
+              <a:rPr lang="ko-KR" altLang="en-US" dirty="0"/>
+              <a:t>의 </a:t>
+            </a:r>
+            <a:r>
+              <a:rPr lang="en-US" altLang="ko-KR" dirty="0"/>
+              <a:t>public </a:t>
+            </a:r>
+            <a:r>
+              <a:rPr lang="ko-KR" altLang="en-US" dirty="0"/>
+              <a:t>변수는 </a:t>
+            </a:r>
+            <a:r>
+              <a:rPr lang="en-US" altLang="ko-KR" dirty="0"/>
+              <a:t>${</a:t>
+            </a:r>
+            <a:r>
+              <a:rPr lang="en-US" altLang="ko-KR" dirty="0" err="1"/>
+              <a:t>defaultVal</a:t>
+            </a:r>
+            <a:r>
+              <a:rPr lang="en-US" altLang="ko-KR" dirty="0"/>
+              <a:t>})</a:t>
+            </a:r>
+          </a:p>
+          <a:p>
+            <a:pPr lvl="1"/>
+            <a:r>
+              <a:rPr lang="en-US" altLang="ko-KR" dirty="0"/>
+              <a:t>}</a:t>
+            </a:r>
+            <a:endParaRPr lang="ko-KR" altLang="en-US" dirty="0"/>
+          </a:p>
+        </p:txBody>
+      </p:sp>
+    </p:spTree>
+    <p:extLst>
+      <p:ext uri="{BB962C8B-B14F-4D97-AF65-F5344CB8AC3E}">
+        <p14:creationId xmlns:p14="http://schemas.microsoft.com/office/powerpoint/2010/main" val="2773216930"/>
+      </p:ext>
+    </p:extLst>
+  </p:cSld>
+  <p:clrMapOvr>
+    <a:masterClrMapping/>
+  </p:clrMapOvr>
+</p:sld>
+</file>
+
+<file path=ppt/slides/slide46.xml><?xml version="1.0" encoding="utf-8"?>
+<p:sld xmlns:a="http://schemas.openxmlformats.org/drawingml/2006/main" xmlns:r="http://schemas.openxmlformats.org/officeDocument/2006/relationships" xmlns:p="http://schemas.openxmlformats.org/presentationml/2006/main">
+  <p:cSld>
+    <p:spTree>
+      <p:nvGrpSpPr>
+        <p:cNvPr id="1" name=""/>
+        <p:cNvGrpSpPr/>
+        <p:nvPr/>
+      </p:nvGrpSpPr>
+      <p:grpSpPr>
+        <a:xfrm>
+          <a:off x="0" y="0"/>
+          <a:ext cx="0" cy="0"/>
+          <a:chOff x="0" y="0"/>
+          <a:chExt cx="0" cy="0"/>
+        </a:xfrm>
+      </p:grpSpPr>
+      <p:sp>
+        <p:nvSpPr>
+          <p:cNvPr id="2" name="제목 1">
+            <a:extLst>
+              <a:ext uri="{FF2B5EF4-FFF2-40B4-BE49-F238E27FC236}">
+                <a16:creationId xmlns:a16="http://schemas.microsoft.com/office/drawing/2014/main" id="{913A87C0-3373-3217-2245-CFA2B7A22EC0}"/>
+              </a:ext>
+            </a:extLst>
+          </p:cNvPr>
+          <p:cNvSpPr>
+            <a:spLocks noGrp="1"/>
+          </p:cNvSpPr>
+          <p:nvPr>
+            <p:ph type="title"/>
+          </p:nvPr>
+        </p:nvSpPr>
+        <p:spPr/>
+        <p:txBody>
+          <a:bodyPr/>
+          <a:lstStyle/>
+          <a:p>
+            <a:endParaRPr lang="ko-KR" altLang="en-US"/>
+          </a:p>
+        </p:txBody>
+      </p:sp>
+      <p:sp>
+        <p:nvSpPr>
+          <p:cNvPr id="3" name="내용 개체 틀 2">
+            <a:extLst>
+              <a:ext uri="{FF2B5EF4-FFF2-40B4-BE49-F238E27FC236}">
+                <a16:creationId xmlns:a16="http://schemas.microsoft.com/office/drawing/2014/main" id="{F971366A-8635-71A5-F7FA-3C5DCEB8895D}"/>
+              </a:ext>
+            </a:extLst>
+          </p:cNvPr>
+          <p:cNvSpPr>
+            <a:spLocks noGrp="1"/>
+          </p:cNvSpPr>
+          <p:nvPr>
+            <p:ph idx="1"/>
+          </p:nvPr>
+        </p:nvSpPr>
+        <p:spPr/>
+        <p:txBody>
+          <a:bodyPr/>
+          <a:lstStyle/>
+          <a:p>
+            <a:r>
+              <a:rPr lang="ko-KR" altLang="en-US" dirty="0"/>
+              <a:t>제네릭</a:t>
+            </a:r>
+            <a:endParaRPr lang="en-US" altLang="ko-KR" dirty="0"/>
+          </a:p>
+          <a:p>
+            <a:pPr lvl="1"/>
+            <a:r>
+              <a:rPr lang="ko-KR" altLang="en-US" dirty="0"/>
+              <a:t>값의</a:t>
+            </a:r>
+            <a:r>
+              <a:rPr lang="en-US" altLang="ko-KR" dirty="0"/>
+              <a:t> </a:t>
+            </a:r>
+            <a:r>
+              <a:rPr lang="ko-KR" altLang="en-US" dirty="0"/>
+              <a:t>타입을 자유롭게 사용하기 위함</a:t>
+            </a:r>
+            <a:endParaRPr lang="en-US" altLang="ko-KR" dirty="0"/>
+          </a:p>
+          <a:p>
+            <a:pPr lvl="1"/>
+            <a:r>
+              <a:rPr lang="en-US" altLang="ko-KR" dirty="0"/>
+              <a:t>interface </a:t>
+            </a:r>
+            <a:r>
+              <a:rPr lang="en-US" altLang="ko-KR" dirty="0" err="1"/>
+              <a:t>MutableList</a:t>
+            </a:r>
+            <a:r>
+              <a:rPr lang="en-US" altLang="ko-KR" dirty="0">
+                <a:solidFill>
+                  <a:schemeClr val="accent1"/>
+                </a:solidFill>
+              </a:rPr>
+              <a:t>&lt;E&gt;</a:t>
+            </a:r>
+            <a:r>
+              <a:rPr lang="en-US" altLang="ko-KR" dirty="0"/>
+              <a:t> {</a:t>
+            </a:r>
+          </a:p>
+          <a:p>
+            <a:pPr lvl="1"/>
+            <a:r>
+              <a:rPr lang="en-US" altLang="ko-KR" dirty="0"/>
+              <a:t>       ….</a:t>
+            </a:r>
+          </a:p>
+          <a:p>
+            <a:pPr lvl="1"/>
+            <a:r>
+              <a:rPr lang="en-US" altLang="ko-KR" dirty="0"/>
+              <a:t>}</a:t>
+            </a:r>
+          </a:p>
+          <a:p>
+            <a:pPr lvl="1"/>
+            <a:endParaRPr lang="en-US" altLang="ko-KR" dirty="0"/>
+          </a:p>
+          <a:p>
+            <a:pPr lvl="1"/>
+            <a:r>
+              <a:rPr lang="ko-KR" altLang="en-US" dirty="0"/>
+              <a:t>예</a:t>
+            </a:r>
+            <a:r>
+              <a:rPr lang="en-US" altLang="ko-KR" dirty="0"/>
+              <a:t>:</a:t>
+            </a:r>
+          </a:p>
+          <a:p>
+            <a:pPr lvl="2"/>
+            <a:r>
+              <a:rPr lang="en-US" altLang="ko-KR" dirty="0"/>
+              <a:t>var list: </a:t>
+            </a:r>
+            <a:r>
+              <a:rPr lang="en-US" altLang="ko-KR" dirty="0" err="1"/>
+              <a:t>MutableList</a:t>
+            </a:r>
+            <a:r>
+              <a:rPr lang="en-US" altLang="ko-KR" dirty="0"/>
+              <a:t>&lt;E&gt; = </a:t>
+            </a:r>
+            <a:r>
+              <a:rPr lang="en-US" altLang="ko-KR" dirty="0" err="1"/>
+              <a:t>mutableListOf</a:t>
+            </a:r>
+            <a:r>
+              <a:rPr lang="en-US" altLang="ko-KR" dirty="0"/>
+              <a:t>(“</a:t>
+            </a:r>
+            <a:r>
+              <a:rPr lang="ko-KR" altLang="en-US" dirty="0"/>
+              <a:t>월</a:t>
+            </a:r>
+            <a:r>
+              <a:rPr lang="en-US" altLang="ko-KR" dirty="0"/>
+              <a:t>”, “</a:t>
+            </a:r>
+            <a:r>
+              <a:rPr lang="ko-KR" altLang="en-US" dirty="0"/>
+              <a:t>화</a:t>
+            </a:r>
+            <a:r>
+              <a:rPr lang="en-US" altLang="ko-KR" dirty="0"/>
+              <a:t>”)    // E</a:t>
+            </a:r>
+            <a:r>
+              <a:rPr lang="ko-KR" altLang="en-US" dirty="0"/>
+              <a:t>는 </a:t>
+            </a:r>
+            <a:r>
+              <a:rPr lang="en-US" altLang="ko-KR" dirty="0"/>
+              <a:t>String</a:t>
+            </a:r>
+            <a:endParaRPr lang="ko-KR" altLang="en-US" dirty="0"/>
+          </a:p>
+        </p:txBody>
+      </p:sp>
+    </p:spTree>
+    <p:extLst>
+      <p:ext uri="{BB962C8B-B14F-4D97-AF65-F5344CB8AC3E}">
+        <p14:creationId xmlns:p14="http://schemas.microsoft.com/office/powerpoint/2010/main" val="1384766831"/>
+      </p:ext>
+    </p:extLst>
+  </p:cSld>
+  <p:clrMapOvr>
+    <a:masterClrMapping/>
+  </p:clrMapOvr>
+</p:sld>
+</file>
+
+<file path=ppt/slides/slide47.xml><?xml version="1.0" encoding="utf-8"?>
+<p:sld xmlns:a="http://schemas.openxmlformats.org/drawingml/2006/main" xmlns:r="http://schemas.openxmlformats.org/officeDocument/2006/relationships" xmlns:p="http://schemas.openxmlformats.org/presentationml/2006/main">
+  <p:cSld>
+    <p:spTree>
+      <p:nvGrpSpPr>
+        <p:cNvPr id="1" name=""/>
+        <p:cNvGrpSpPr/>
+        <p:nvPr/>
+      </p:nvGrpSpPr>
+      <p:grpSpPr>
+        <a:xfrm>
+          <a:off x="0" y="0"/>
+          <a:ext cx="0" cy="0"/>
+          <a:chOff x="0" y="0"/>
+          <a:chExt cx="0" cy="0"/>
+        </a:xfrm>
+      </p:grpSpPr>
+      <p:sp>
+        <p:nvSpPr>
+          <p:cNvPr id="2" name="제목 1">
+            <a:extLst>
+              <a:ext uri="{FF2B5EF4-FFF2-40B4-BE49-F238E27FC236}">
+                <a16:creationId xmlns:a16="http://schemas.microsoft.com/office/drawing/2014/main" id="{DE383C89-6AC3-204F-EB1A-B3D5C44B0519}"/>
+              </a:ext>
+            </a:extLst>
+          </p:cNvPr>
+          <p:cNvSpPr>
+            <a:spLocks noGrp="1"/>
+          </p:cNvSpPr>
+          <p:nvPr>
+            <p:ph type="title"/>
+          </p:nvPr>
+        </p:nvSpPr>
+        <p:spPr/>
+        <p:txBody>
+          <a:bodyPr/>
+          <a:lstStyle/>
+          <a:p>
+            <a:endParaRPr lang="ko-KR" altLang="en-US"/>
+          </a:p>
+        </p:txBody>
+      </p:sp>
+      <p:sp>
+        <p:nvSpPr>
+          <p:cNvPr id="3" name="내용 개체 틀 2">
+            <a:extLst>
+              <a:ext uri="{FF2B5EF4-FFF2-40B4-BE49-F238E27FC236}">
+                <a16:creationId xmlns:a16="http://schemas.microsoft.com/office/drawing/2014/main" id="{C1ACDDF5-63FE-0966-381E-85D42809416E}"/>
+              </a:ext>
+            </a:extLst>
+          </p:cNvPr>
+          <p:cNvSpPr>
+            <a:spLocks noGrp="1"/>
+          </p:cNvSpPr>
+          <p:nvPr>
+            <p:ph idx="1"/>
+          </p:nvPr>
+        </p:nvSpPr>
+        <p:spPr/>
+        <p:txBody>
+          <a:bodyPr>
+            <a:normAutofit fontScale="92500" lnSpcReduction="10000"/>
+          </a:bodyPr>
+          <a:lstStyle/>
+          <a:p>
+            <a:r>
+              <a:rPr lang="en-US" altLang="ko-KR" dirty="0"/>
+              <a:t>Null </a:t>
+            </a:r>
+            <a:r>
+              <a:rPr lang="ko-KR" altLang="en-US" dirty="0"/>
+              <a:t>값에 대한 안정적인 처리</a:t>
+            </a:r>
+            <a:r>
+              <a:rPr lang="en-US" altLang="ko-KR" dirty="0"/>
+              <a:t>: Null Safety</a:t>
+            </a:r>
+          </a:p>
+          <a:p>
+            <a:pPr lvl="1"/>
+            <a:r>
+              <a:rPr lang="en-US" altLang="ko-KR" dirty="0"/>
+              <a:t>Class One {</a:t>
+            </a:r>
+          </a:p>
+          <a:p>
+            <a:pPr lvl="1"/>
+            <a:r>
+              <a:rPr lang="en-US" altLang="ko-KR" dirty="0"/>
+              <a:t>    fun print() { </a:t>
+            </a:r>
+            <a:r>
+              <a:rPr lang="en-US" altLang="ko-KR" dirty="0" err="1"/>
+              <a:t>Log.d</a:t>
+            </a:r>
+            <a:r>
+              <a:rPr lang="en-US" altLang="ko-KR" dirty="0"/>
+              <a:t>(“check”, “can you call me”)}</a:t>
+            </a:r>
+          </a:p>
+          <a:p>
+            <a:pPr lvl="1"/>
+            <a:r>
+              <a:rPr lang="en-US" altLang="ko-KR" dirty="0"/>
+              <a:t>}</a:t>
+            </a:r>
+          </a:p>
+          <a:p>
+            <a:pPr lvl="1"/>
+            <a:endParaRPr lang="en-US" altLang="ko-KR" dirty="0"/>
+          </a:p>
+          <a:p>
+            <a:pPr lvl="1"/>
+            <a:r>
+              <a:rPr lang="en-US" altLang="ko-KR" dirty="0"/>
+              <a:t>var one: One</a:t>
+            </a:r>
+          </a:p>
+          <a:p>
+            <a:pPr lvl="1"/>
+            <a:r>
+              <a:rPr lang="en-US" altLang="ko-KR" dirty="0"/>
+              <a:t>if( 1 &gt; 2) {</a:t>
+            </a:r>
+          </a:p>
+          <a:p>
+            <a:pPr lvl="1"/>
+            <a:r>
+              <a:rPr lang="en-US" altLang="ko-KR" dirty="0"/>
+              <a:t>    one = One()      // One </a:t>
+            </a:r>
+            <a:r>
+              <a:rPr lang="ko-KR" altLang="en-US" dirty="0"/>
+              <a:t>객체 생성</a:t>
+            </a:r>
+            <a:endParaRPr lang="en-US" altLang="ko-KR" dirty="0"/>
+          </a:p>
+          <a:p>
+            <a:pPr lvl="1"/>
+            <a:r>
+              <a:rPr lang="en-US" altLang="ko-KR" dirty="0"/>
+              <a:t>}</a:t>
+            </a:r>
+          </a:p>
+          <a:p>
+            <a:pPr lvl="1"/>
+            <a:r>
+              <a:rPr lang="en-US" altLang="ko-KR" dirty="0" err="1"/>
+              <a:t>one.print</a:t>
+            </a:r>
+            <a:r>
+              <a:rPr lang="en-US" altLang="ko-KR" dirty="0"/>
+              <a:t>()           // one</a:t>
+            </a:r>
+            <a:r>
+              <a:rPr lang="ko-KR" altLang="en-US" dirty="0"/>
+              <a:t> 객체가 생성되지 않아 실행 불가능</a:t>
+            </a:r>
+            <a:endParaRPr lang="en-US" altLang="ko-KR" dirty="0"/>
+          </a:p>
+          <a:p>
+            <a:endParaRPr lang="en-US" altLang="ko-KR" dirty="0"/>
+          </a:p>
+          <a:p>
+            <a:endParaRPr lang="en-US" altLang="ko-KR" dirty="0"/>
+          </a:p>
+          <a:p>
+            <a:endParaRPr lang="ko-KR" altLang="en-US" dirty="0"/>
+          </a:p>
+        </p:txBody>
+      </p:sp>
+    </p:spTree>
+    <p:extLst>
+      <p:ext uri="{BB962C8B-B14F-4D97-AF65-F5344CB8AC3E}">
+        <p14:creationId xmlns:p14="http://schemas.microsoft.com/office/powerpoint/2010/main" val="2749904840"/>
+      </p:ext>
+    </p:extLst>
+  </p:cSld>
+  <p:clrMapOvr>
+    <a:masterClrMapping/>
+  </p:clrMapOvr>
+</p:sld>
+</file>
+
+<file path=ppt/slides/slide48.xml><?xml version="1.0" encoding="utf-8"?>
+<p:sld xmlns:a="http://schemas.openxmlformats.org/drawingml/2006/main" xmlns:r="http://schemas.openxmlformats.org/officeDocument/2006/relationships" xmlns:p="http://schemas.openxmlformats.org/presentationml/2006/main">
+  <p:cSld>
+    <p:spTree>
+      <p:nvGrpSpPr>
+        <p:cNvPr id="1" name=""/>
+        <p:cNvGrpSpPr/>
+        <p:nvPr/>
+      </p:nvGrpSpPr>
+      <p:grpSpPr>
+        <a:xfrm>
+          <a:off x="0" y="0"/>
+          <a:ext cx="0" cy="0"/>
+          <a:chOff x="0" y="0"/>
+          <a:chExt cx="0" cy="0"/>
+        </a:xfrm>
+      </p:grpSpPr>
+      <p:sp>
+        <p:nvSpPr>
+          <p:cNvPr id="2" name="제목 1">
+            <a:extLst>
+              <a:ext uri="{FF2B5EF4-FFF2-40B4-BE49-F238E27FC236}">
+                <a16:creationId xmlns:a16="http://schemas.microsoft.com/office/drawing/2014/main" id="{CE2D5449-CE33-06EB-9830-46E4ECE2DE06}"/>
+              </a:ext>
+            </a:extLst>
+          </p:cNvPr>
+          <p:cNvSpPr>
+            <a:spLocks noGrp="1"/>
+          </p:cNvSpPr>
+          <p:nvPr>
+            <p:ph type="title"/>
+          </p:nvPr>
+        </p:nvSpPr>
+        <p:spPr/>
+        <p:txBody>
+          <a:bodyPr/>
+          <a:lstStyle/>
+          <a:p>
+            <a:endParaRPr lang="ko-KR" altLang="en-US"/>
+          </a:p>
+        </p:txBody>
+      </p:sp>
+      <p:sp>
+        <p:nvSpPr>
+          <p:cNvPr id="3" name="내용 개체 틀 2">
+            <a:extLst>
+              <a:ext uri="{FF2B5EF4-FFF2-40B4-BE49-F238E27FC236}">
+                <a16:creationId xmlns:a16="http://schemas.microsoft.com/office/drawing/2014/main" id="{9351B4E2-DB34-39E0-363C-D3667985FFA0}"/>
+              </a:ext>
+            </a:extLst>
+          </p:cNvPr>
+          <p:cNvSpPr>
+            <a:spLocks noGrp="1"/>
+          </p:cNvSpPr>
+          <p:nvPr>
+            <p:ph idx="1"/>
+          </p:nvPr>
+        </p:nvSpPr>
+        <p:spPr/>
+        <p:txBody>
+          <a:bodyPr/>
+          <a:lstStyle/>
+          <a:p>
+            <a:r>
+              <a:rPr lang="en-US" altLang="ko-KR" dirty="0"/>
+              <a:t>null</a:t>
+            </a:r>
+            <a:r>
+              <a:rPr lang="ko-KR" altLang="en-US" dirty="0"/>
+              <a:t> 허용하려면</a:t>
+            </a:r>
+            <a:endParaRPr lang="en-US" altLang="ko-KR" dirty="0"/>
+          </a:p>
+          <a:p>
+            <a:pPr lvl="1"/>
+            <a:r>
+              <a:rPr lang="en-US" altLang="ko-KR" dirty="0"/>
+              <a:t>var variable: String</a:t>
+            </a:r>
+            <a:r>
+              <a:rPr lang="en-US" altLang="ko-KR" dirty="0">
+                <a:solidFill>
+                  <a:schemeClr val="accent1"/>
+                </a:solidFill>
+              </a:rPr>
+              <a:t>?   // null</a:t>
+            </a:r>
+            <a:r>
+              <a:rPr lang="ko-KR" altLang="en-US" dirty="0">
+                <a:solidFill>
+                  <a:schemeClr val="accent1"/>
+                </a:solidFill>
+              </a:rPr>
+              <a:t>을 허용할 수 있다</a:t>
+            </a:r>
+            <a:r>
+              <a:rPr lang="en-US" altLang="ko-KR" dirty="0">
+                <a:solidFill>
+                  <a:schemeClr val="accent1"/>
+                </a:solidFill>
+              </a:rPr>
+              <a:t>.</a:t>
+            </a:r>
+          </a:p>
+          <a:p>
+            <a:pPr lvl="1"/>
+            <a:r>
+              <a:rPr lang="en-US" altLang="ko-KR" dirty="0"/>
+              <a:t>variable =</a:t>
+            </a:r>
+            <a:r>
+              <a:rPr lang="en-US" altLang="ko-KR" dirty="0">
+                <a:solidFill>
+                  <a:schemeClr val="accent1"/>
+                </a:solidFill>
+              </a:rPr>
+              <a:t> null </a:t>
+            </a:r>
+          </a:p>
+          <a:p>
+            <a:pPr lvl="1"/>
+            <a:r>
+              <a:rPr lang="en-US" altLang="ko-KR" dirty="0"/>
+              <a:t>var notNullVar: String</a:t>
+            </a:r>
+          </a:p>
+          <a:p>
+            <a:pPr lvl="1"/>
+            <a:r>
+              <a:rPr lang="en-US" altLang="ko-KR" dirty="0"/>
+              <a:t>notNullVar =</a:t>
+            </a:r>
+            <a:r>
+              <a:rPr lang="en-US" altLang="ko-KR" dirty="0">
+                <a:solidFill>
+                  <a:schemeClr val="accent1"/>
+                </a:solidFill>
+              </a:rPr>
+              <a:t> null      // Null can not be a value of non-null type String</a:t>
+            </a:r>
+          </a:p>
+          <a:p>
+            <a:pPr lvl="1"/>
+            <a:endParaRPr lang="ko-KR" altLang="en-US" dirty="0"/>
+          </a:p>
+        </p:txBody>
+      </p:sp>
+    </p:spTree>
+    <p:extLst>
+      <p:ext uri="{BB962C8B-B14F-4D97-AF65-F5344CB8AC3E}">
+        <p14:creationId xmlns:p14="http://schemas.microsoft.com/office/powerpoint/2010/main" val="2211009087"/>
+      </p:ext>
+    </p:extLst>
+  </p:cSld>
+  <p:clrMapOvr>
+    <a:masterClrMapping/>
+  </p:clrMapOvr>
+</p:sld>
+</file>
+
+<file path=ppt/slides/slide49.xml><?xml version="1.0" encoding="utf-8"?>
+<p:sld xmlns:a="http://schemas.openxmlformats.org/drawingml/2006/main" xmlns:r="http://schemas.openxmlformats.org/officeDocument/2006/relationships" xmlns:p="http://schemas.openxmlformats.org/presentationml/2006/main">
+  <p:cSld>
+    <p:spTree>
+      <p:nvGrpSpPr>
+        <p:cNvPr id="1" name=""/>
+        <p:cNvGrpSpPr/>
+        <p:nvPr/>
+      </p:nvGrpSpPr>
+      <p:grpSpPr>
+        <a:xfrm>
+          <a:off x="0" y="0"/>
+          <a:ext cx="0" cy="0"/>
+          <a:chOff x="0" y="0"/>
+          <a:chExt cx="0" cy="0"/>
+        </a:xfrm>
+      </p:grpSpPr>
+      <p:sp>
+        <p:nvSpPr>
+          <p:cNvPr id="2" name="제목 1">
+            <a:extLst>
+              <a:ext uri="{FF2B5EF4-FFF2-40B4-BE49-F238E27FC236}">
+                <a16:creationId xmlns:a16="http://schemas.microsoft.com/office/drawing/2014/main" id="{29A6E07F-30B3-45E3-28FE-E5CD89E9FFBE}"/>
+              </a:ext>
+            </a:extLst>
+          </p:cNvPr>
+          <p:cNvSpPr>
+            <a:spLocks noGrp="1"/>
+          </p:cNvSpPr>
+          <p:nvPr>
+            <p:ph type="title"/>
+          </p:nvPr>
+        </p:nvSpPr>
+        <p:spPr/>
+        <p:txBody>
+          <a:bodyPr/>
+          <a:lstStyle/>
+          <a:p>
+            <a:endParaRPr lang="ko-KR" altLang="en-US"/>
+          </a:p>
+        </p:txBody>
+      </p:sp>
+      <p:sp>
+        <p:nvSpPr>
+          <p:cNvPr id="3" name="내용 개체 틀 2">
+            <a:extLst>
+              <a:ext uri="{FF2B5EF4-FFF2-40B4-BE49-F238E27FC236}">
+                <a16:creationId xmlns:a16="http://schemas.microsoft.com/office/drawing/2014/main" id="{66E426ED-60B0-7164-CF8A-1B9B2A307460}"/>
+              </a:ext>
+            </a:extLst>
+          </p:cNvPr>
+          <p:cNvSpPr>
+            <a:spLocks noGrp="1"/>
+          </p:cNvSpPr>
+          <p:nvPr>
+            <p:ph idx="1"/>
+          </p:nvPr>
+        </p:nvSpPr>
+        <p:spPr/>
+        <p:txBody>
+          <a:bodyPr>
+            <a:normAutofit fontScale="92500" lnSpcReduction="10000"/>
+          </a:bodyPr>
+          <a:lstStyle/>
+          <a:p>
+            <a:r>
+              <a:rPr lang="ko-KR" altLang="en-US" dirty="0"/>
+              <a:t>함수</a:t>
+            </a:r>
+            <a:r>
+              <a:rPr lang="en-US" altLang="ko-KR" dirty="0"/>
+              <a:t> </a:t>
+            </a:r>
+            <a:r>
+              <a:rPr lang="ko-KR" altLang="en-US" dirty="0"/>
+              <a:t>파라미터에서 </a:t>
+            </a:r>
+            <a:r>
+              <a:rPr lang="en-US" altLang="ko-KR" dirty="0">
+                <a:solidFill>
+                  <a:schemeClr val="accent1"/>
+                </a:solidFill>
+              </a:rPr>
+              <a:t>?</a:t>
+            </a:r>
+            <a:r>
+              <a:rPr lang="en-US" altLang="ko-KR" dirty="0"/>
+              <a:t> </a:t>
+            </a:r>
+            <a:r>
+              <a:rPr lang="ko-KR" altLang="en-US" dirty="0"/>
+              <a:t>사용</a:t>
+            </a:r>
+            <a:endParaRPr lang="en-US" altLang="ko-KR" dirty="0"/>
+          </a:p>
+          <a:p>
+            <a:pPr lvl="1"/>
+            <a:r>
+              <a:rPr lang="en-US" altLang="ko-KR" dirty="0"/>
+              <a:t>fun </a:t>
+            </a:r>
+            <a:r>
+              <a:rPr lang="en-US" altLang="ko-KR" dirty="0" err="1"/>
+              <a:t>useNullParam</a:t>
+            </a:r>
+            <a:r>
+              <a:rPr lang="en-US" altLang="ko-KR" dirty="0"/>
+              <a:t>(str: String</a:t>
+            </a:r>
+            <a:r>
+              <a:rPr lang="en-US" altLang="ko-KR" dirty="0">
+                <a:solidFill>
+                  <a:schemeClr val="accent1"/>
+                </a:solidFill>
+              </a:rPr>
+              <a:t>?</a:t>
+            </a:r>
+            <a:r>
+              <a:rPr lang="en-US" altLang="ko-KR" dirty="0"/>
+              <a:t>) {</a:t>
+            </a:r>
+          </a:p>
+          <a:p>
+            <a:pPr lvl="1"/>
+            <a:r>
+              <a:rPr lang="en-US" altLang="ko-KR" dirty="0"/>
+              <a:t>    </a:t>
+            </a:r>
+            <a:r>
+              <a:rPr lang="en-US" altLang="ko-KR" dirty="0">
+                <a:solidFill>
+                  <a:schemeClr val="accent1"/>
+                </a:solidFill>
+              </a:rPr>
+              <a:t>if(str != null) {  // </a:t>
+            </a:r>
+            <a:r>
+              <a:rPr lang="ko-KR" altLang="en-US" dirty="0">
+                <a:solidFill>
+                  <a:schemeClr val="accent1"/>
+                </a:solidFill>
+              </a:rPr>
+              <a:t>반드시 파라미터가 </a:t>
+            </a:r>
+            <a:r>
+              <a:rPr lang="en-US" altLang="ko-KR" dirty="0">
+                <a:solidFill>
+                  <a:schemeClr val="accent1"/>
+                </a:solidFill>
+              </a:rPr>
+              <a:t>null</a:t>
+            </a:r>
+            <a:r>
+              <a:rPr lang="ko-KR" altLang="en-US" dirty="0">
+                <a:solidFill>
+                  <a:schemeClr val="accent1"/>
+                </a:solidFill>
+              </a:rPr>
+              <a:t>인지 체크해야 함</a:t>
+            </a:r>
+            <a:r>
+              <a:rPr lang="en-US" altLang="ko-KR" dirty="0">
+                <a:solidFill>
+                  <a:schemeClr val="accent1"/>
+                </a:solidFill>
+              </a:rPr>
+              <a:t>.</a:t>
+            </a:r>
+          </a:p>
+          <a:p>
+            <a:pPr lvl="1"/>
+            <a:r>
+              <a:rPr lang="en-US" altLang="ko-KR" dirty="0"/>
+              <a:t>        var length2 = </a:t>
+            </a:r>
+            <a:r>
+              <a:rPr lang="en-US" altLang="ko-KR" dirty="0" err="1"/>
+              <a:t>str.length</a:t>
+            </a:r>
+            <a:endParaRPr lang="en-US" altLang="ko-KR" dirty="0"/>
+          </a:p>
+          <a:p>
+            <a:pPr lvl="1"/>
+            <a:r>
+              <a:rPr lang="en-US" altLang="ko-KR" dirty="0"/>
+              <a:t>    </a:t>
+            </a:r>
+            <a:r>
+              <a:rPr lang="en-US" altLang="ko-KR" dirty="0">
+                <a:solidFill>
+                  <a:schemeClr val="accent1"/>
+                </a:solidFill>
+              </a:rPr>
+              <a:t>}</a:t>
+            </a:r>
+          </a:p>
+          <a:p>
+            <a:pPr lvl="1"/>
+            <a:r>
+              <a:rPr lang="en-US" altLang="ko-KR" dirty="0"/>
+              <a:t>}</a:t>
+            </a:r>
+          </a:p>
+          <a:p>
+            <a:r>
+              <a:rPr lang="ko-KR" altLang="en-US" dirty="0"/>
+              <a:t>함수 </a:t>
+            </a:r>
+            <a:r>
+              <a:rPr lang="ko-KR" altLang="en-US" dirty="0" err="1"/>
+              <a:t>반환값에서</a:t>
+            </a:r>
+            <a:r>
+              <a:rPr lang="ko-KR" altLang="en-US" dirty="0"/>
+              <a:t> </a:t>
+            </a:r>
+            <a:r>
+              <a:rPr lang="en-US" altLang="ko-KR" dirty="0">
+                <a:solidFill>
+                  <a:schemeClr val="accent1"/>
+                </a:solidFill>
+              </a:rPr>
+              <a:t>?</a:t>
+            </a:r>
+            <a:r>
+              <a:rPr lang="en-US" altLang="ko-KR" dirty="0"/>
+              <a:t> </a:t>
+            </a:r>
+            <a:r>
+              <a:rPr lang="ko-KR" altLang="en-US" dirty="0"/>
+              <a:t>사용</a:t>
+            </a:r>
+            <a:endParaRPr lang="en-US" altLang="ko-KR" dirty="0"/>
+          </a:p>
+          <a:p>
+            <a:pPr lvl="1"/>
+            <a:r>
+              <a:rPr lang="en-US" altLang="ko-KR" dirty="0"/>
+              <a:t>fun</a:t>
+            </a:r>
+            <a:r>
+              <a:rPr lang="ko-KR" altLang="en-US" dirty="0"/>
+              <a:t> </a:t>
+            </a:r>
+            <a:r>
+              <a:rPr lang="en-US" altLang="ko-KR" dirty="0" err="1"/>
+              <a:t>testSafeCall</a:t>
+            </a:r>
+            <a:r>
+              <a:rPr lang="en-US" altLang="ko-KR" dirty="0"/>
+              <a:t>(): Int</a:t>
+            </a:r>
+            <a:r>
+              <a:rPr lang="en-US" altLang="ko-KR" dirty="0">
+                <a:solidFill>
+                  <a:schemeClr val="accent1"/>
+                </a:solidFill>
+              </a:rPr>
+              <a:t>?</a:t>
+            </a:r>
+            <a:r>
+              <a:rPr lang="en-US" altLang="ko-KR" dirty="0"/>
+              <a:t> {</a:t>
+            </a:r>
+          </a:p>
+          <a:p>
+            <a:pPr lvl="1"/>
+            <a:r>
+              <a:rPr lang="en-US" altLang="ko-KR" dirty="0"/>
+              <a:t>    return null    </a:t>
+            </a:r>
+            <a:r>
+              <a:rPr lang="en-US" altLang="ko-KR" dirty="0">
+                <a:solidFill>
+                  <a:schemeClr val="accent1"/>
+                </a:solidFill>
+              </a:rPr>
+              <a:t>// null return </a:t>
+            </a:r>
+            <a:r>
+              <a:rPr lang="ko-KR" altLang="en-US" dirty="0">
+                <a:solidFill>
+                  <a:schemeClr val="accent1"/>
+                </a:solidFill>
+              </a:rPr>
+              <a:t>가능</a:t>
+            </a:r>
+            <a:endParaRPr lang="en-US" altLang="ko-KR" dirty="0">
+              <a:solidFill>
+                <a:schemeClr val="accent1"/>
+              </a:solidFill>
+            </a:endParaRPr>
+          </a:p>
+          <a:p>
+            <a:pPr lvl="1"/>
+            <a:r>
+              <a:rPr lang="en-US" altLang="ko-KR" dirty="0"/>
+              <a:t>}</a:t>
+            </a:r>
+          </a:p>
+          <a:p>
+            <a:endParaRPr lang="ko-KR" altLang="en-US" dirty="0"/>
+          </a:p>
+        </p:txBody>
+      </p:sp>
+    </p:spTree>
+    <p:extLst>
+      <p:ext uri="{BB962C8B-B14F-4D97-AF65-F5344CB8AC3E}">
+        <p14:creationId xmlns:p14="http://schemas.microsoft.com/office/powerpoint/2010/main" val="467049424"/>
       </p:ext>
     </p:extLst>
   </p:cSld>
@@ -15780,12 +20701,8 @@
           <a:p>
             <a:pPr lvl="1"/>
             <a:r>
-              <a:rPr lang="en-US" altLang="ko-KR" dirty="0" err="1"/>
-              <a:t>val</a:t>
-            </a:r>
-            <a:r>
-              <a:rPr lang="en-US" altLang="ko-KR" dirty="0"/>
-              <a:t> </a:t>
+              <a:rPr lang="en-US" altLang="ko-KR" dirty="0"/>
+              <a:t>val </a:t>
             </a:r>
             <a:r>
               <a:rPr lang="ko-KR" altLang="en-US" dirty="0"/>
@@ -15955,6 +20872,2955 @@
     <p:extLst>
       <p:ext uri="{BB962C8B-B14F-4D97-AF65-F5344CB8AC3E}">
         <p14:creationId xmlns:p14="http://schemas.microsoft.com/office/powerpoint/2010/main" val="946455543"/>
+      </p:ext>
+    </p:extLst>
+  </p:cSld>
+  <p:clrMapOvr>
+    <a:masterClrMapping/>
+  </p:clrMapOvr>
+</p:sld>
+</file>
+
+<file path=ppt/slides/slide50.xml><?xml version="1.0" encoding="utf-8"?>
+<p:sld xmlns:a="http://schemas.openxmlformats.org/drawingml/2006/main" xmlns:r="http://schemas.openxmlformats.org/officeDocument/2006/relationships" xmlns:p="http://schemas.openxmlformats.org/presentationml/2006/main">
+  <p:cSld>
+    <p:spTree>
+      <p:nvGrpSpPr>
+        <p:cNvPr id="1" name=""/>
+        <p:cNvGrpSpPr/>
+        <p:nvPr/>
+      </p:nvGrpSpPr>
+      <p:grpSpPr>
+        <a:xfrm>
+          <a:off x="0" y="0"/>
+          <a:ext cx="0" cy="0"/>
+          <a:chOff x="0" y="0"/>
+          <a:chExt cx="0" cy="0"/>
+        </a:xfrm>
+      </p:grpSpPr>
+      <p:sp>
+        <p:nvSpPr>
+          <p:cNvPr id="2" name="제목 1">
+            <a:extLst>
+              <a:ext uri="{FF2B5EF4-FFF2-40B4-BE49-F238E27FC236}">
+                <a16:creationId xmlns:a16="http://schemas.microsoft.com/office/drawing/2014/main" id="{375C4B5D-BD33-2864-BDEF-DEEB64BB46B6}"/>
+              </a:ext>
+            </a:extLst>
+          </p:cNvPr>
+          <p:cNvSpPr>
+            <a:spLocks noGrp="1"/>
+          </p:cNvSpPr>
+          <p:nvPr>
+            <p:ph type="title"/>
+          </p:nvPr>
+        </p:nvSpPr>
+        <p:spPr/>
+        <p:txBody>
+          <a:bodyPr/>
+          <a:lstStyle/>
+          <a:p>
+            <a:endParaRPr lang="ko-KR" altLang="en-US"/>
+          </a:p>
+        </p:txBody>
+      </p:sp>
+      <p:sp>
+        <p:nvSpPr>
+          <p:cNvPr id="3" name="내용 개체 틀 2">
+            <a:extLst>
+              <a:ext uri="{FF2B5EF4-FFF2-40B4-BE49-F238E27FC236}">
+                <a16:creationId xmlns:a16="http://schemas.microsoft.com/office/drawing/2014/main" id="{7DCA20D5-F7FF-CA40-3116-4AA87F7E7A4A}"/>
+              </a:ext>
+            </a:extLst>
+          </p:cNvPr>
+          <p:cNvSpPr>
+            <a:spLocks noGrp="1"/>
+          </p:cNvSpPr>
+          <p:nvPr>
+            <p:ph idx="1"/>
+          </p:nvPr>
+        </p:nvSpPr>
+        <p:spPr/>
+        <p:txBody>
+          <a:bodyPr/>
+          <a:lstStyle/>
+          <a:p>
+            <a:r>
+              <a:rPr lang="ko-KR" altLang="en-US" dirty="0"/>
+              <a:t>안전한 호출  </a:t>
+            </a:r>
+            <a:r>
+              <a:rPr lang="en-US" altLang="ko-KR" dirty="0">
+                <a:solidFill>
+                  <a:schemeClr val="accent1"/>
+                </a:solidFill>
+              </a:rPr>
+              <a:t>?.</a:t>
+            </a:r>
+          </a:p>
+          <a:p>
+            <a:pPr lvl="1"/>
+            <a:r>
+              <a:rPr lang="en-US" altLang="ko-KR" dirty="0"/>
+              <a:t>fun </a:t>
+            </a:r>
+            <a:r>
+              <a:rPr lang="en-US" altLang="ko-KR" dirty="0" err="1"/>
+              <a:t>testSafeCall</a:t>
+            </a:r>
+            <a:r>
+              <a:rPr lang="en-US" altLang="ko-KR" dirty="0"/>
+              <a:t>(str: String?): Int? {</a:t>
+            </a:r>
+          </a:p>
+          <a:p>
+            <a:pPr lvl="1"/>
+            <a:r>
+              <a:rPr lang="en-US" altLang="ko-KR" dirty="0"/>
+              <a:t>    var result: Int? = str</a:t>
+            </a:r>
+            <a:r>
+              <a:rPr lang="en-US" altLang="ko-KR" dirty="0">
+                <a:solidFill>
+                  <a:srgbClr val="FF0000"/>
+                </a:solidFill>
+              </a:rPr>
+              <a:t>?.</a:t>
+            </a:r>
+            <a:r>
+              <a:rPr lang="en-US" altLang="ko-KR" dirty="0"/>
+              <a:t>length   </a:t>
+            </a:r>
+          </a:p>
+          <a:p>
+            <a:pPr lvl="1"/>
+            <a:r>
+              <a:rPr lang="en-US" altLang="ko-KR" dirty="0"/>
+              <a:t>    	</a:t>
+            </a:r>
+            <a:r>
+              <a:rPr lang="en-US" altLang="ko-KR" dirty="0">
+                <a:solidFill>
+                  <a:srgbClr val="FF0000"/>
+                </a:solidFill>
+              </a:rPr>
+              <a:t>// </a:t>
+            </a:r>
+            <a:r>
+              <a:rPr lang="en-US" altLang="ko-KR" dirty="0">
+                <a:solidFill>
+                  <a:schemeClr val="accent1">
+                    <a:lumMod val="50000"/>
+                  </a:schemeClr>
+                </a:solidFill>
+              </a:rPr>
+              <a:t>?.</a:t>
+            </a:r>
+            <a:r>
+              <a:rPr lang="ko-KR" altLang="en-US" dirty="0">
+                <a:solidFill>
+                  <a:srgbClr val="FF0000"/>
+                </a:solidFill>
+              </a:rPr>
+              <a:t>의</a:t>
+            </a:r>
+            <a:r>
+              <a:rPr lang="en-US" altLang="ko-KR" dirty="0">
+                <a:solidFill>
+                  <a:srgbClr val="FF0000"/>
+                </a:solidFill>
+              </a:rPr>
+              <a:t> </a:t>
+            </a:r>
+            <a:r>
+              <a:rPr lang="ko-KR" altLang="en-US" dirty="0">
+                <a:solidFill>
+                  <a:srgbClr val="FF0000"/>
+                </a:solidFill>
+              </a:rPr>
+              <a:t>의미는 </a:t>
+            </a:r>
+            <a:r>
+              <a:rPr lang="en-US" altLang="ko-KR" dirty="0">
+                <a:solidFill>
+                  <a:srgbClr val="FF0000"/>
+                </a:solidFill>
+              </a:rPr>
+              <a:t>str</a:t>
+            </a:r>
+            <a:r>
+              <a:rPr lang="ko-KR" altLang="en-US" dirty="0">
+                <a:solidFill>
+                  <a:srgbClr val="FF0000"/>
+                </a:solidFill>
+              </a:rPr>
+              <a:t>이 </a:t>
+            </a:r>
+            <a:r>
+              <a:rPr lang="en-US" altLang="ko-KR" dirty="0">
+                <a:solidFill>
+                  <a:srgbClr val="FF0000"/>
+                </a:solidFill>
+              </a:rPr>
+              <a:t>null</a:t>
+            </a:r>
+            <a:r>
+              <a:rPr lang="ko-KR" altLang="en-US" dirty="0">
+                <a:solidFill>
+                  <a:srgbClr val="FF0000"/>
+                </a:solidFill>
+              </a:rPr>
+              <a:t>이면 </a:t>
+            </a:r>
+            <a:r>
+              <a:rPr lang="en-US" altLang="ko-KR" dirty="0">
+                <a:solidFill>
+                  <a:srgbClr val="FF0000"/>
+                </a:solidFill>
+              </a:rPr>
+              <a:t>length </a:t>
+            </a:r>
+            <a:r>
+              <a:rPr lang="ko-KR" altLang="en-US" dirty="0">
+                <a:solidFill>
+                  <a:srgbClr val="FF0000"/>
+                </a:solidFill>
+              </a:rPr>
+              <a:t>실행 안함</a:t>
+            </a:r>
+            <a:endParaRPr lang="en-US" altLang="ko-KR" dirty="0">
+              <a:solidFill>
+                <a:srgbClr val="FF0000"/>
+              </a:solidFill>
+            </a:endParaRPr>
+          </a:p>
+          <a:p>
+            <a:pPr lvl="1"/>
+            <a:r>
+              <a:rPr lang="en-US" altLang="ko-KR" dirty="0"/>
+              <a:t> var </a:t>
+            </a:r>
+            <a:r>
+              <a:rPr lang="en-US" altLang="ko-KR" dirty="0" err="1"/>
+              <a:t>resultNull</a:t>
+            </a:r>
+            <a:r>
+              <a:rPr lang="en-US" altLang="ko-KR" dirty="0"/>
+              <a:t>: Int? = str</a:t>
+            </a:r>
+            <a:r>
+              <a:rPr lang="en-US" altLang="ko-KR" dirty="0">
+                <a:solidFill>
+                  <a:srgbClr val="FF0000"/>
+                </a:solidFill>
+              </a:rPr>
+              <a:t>?.</a:t>
+            </a:r>
+            <a:r>
+              <a:rPr lang="en-US" altLang="ko-KR" dirty="0"/>
+              <a:t>length</a:t>
+            </a:r>
+            <a:r>
+              <a:rPr lang="en-US" altLang="ko-KR" dirty="0">
+                <a:solidFill>
+                  <a:srgbClr val="FF0000"/>
+                </a:solidFill>
+              </a:rPr>
+              <a:t>:</a:t>
+            </a:r>
+            <a:r>
+              <a:rPr lang="en-US" altLang="ko-KR" dirty="0"/>
+              <a:t> 0</a:t>
+            </a:r>
+          </a:p>
+          <a:p>
+            <a:pPr lvl="1"/>
+            <a:r>
+              <a:rPr lang="en-US" altLang="ko-KR" dirty="0"/>
+              <a:t>    	</a:t>
+            </a:r>
+            <a:r>
+              <a:rPr lang="en-US" altLang="ko-KR" dirty="0">
+                <a:solidFill>
+                  <a:srgbClr val="FF0000"/>
+                </a:solidFill>
+              </a:rPr>
+              <a:t>// </a:t>
+            </a:r>
+            <a:r>
+              <a:rPr lang="en-US" altLang="ko-KR" dirty="0">
+                <a:solidFill>
+                  <a:schemeClr val="accent1">
+                    <a:lumMod val="50000"/>
+                  </a:schemeClr>
+                </a:solidFill>
+              </a:rPr>
+              <a:t>?.</a:t>
+            </a:r>
+            <a:r>
+              <a:rPr lang="en-US" altLang="ko-KR" dirty="0">
+                <a:solidFill>
+                  <a:srgbClr val="FF0000"/>
+                </a:solidFill>
+              </a:rPr>
+              <a:t> ~ </a:t>
+            </a:r>
+            <a:r>
+              <a:rPr lang="en-US" altLang="ko-KR" dirty="0">
+                <a:solidFill>
+                  <a:schemeClr val="accent1">
+                    <a:lumMod val="50000"/>
+                  </a:schemeClr>
+                </a:solidFill>
+              </a:rPr>
+              <a:t> :</a:t>
+            </a:r>
+            <a:r>
+              <a:rPr lang="en-US" altLang="ko-KR" dirty="0">
+                <a:solidFill>
+                  <a:srgbClr val="FF0000"/>
+                </a:solidFill>
+              </a:rPr>
+              <a:t> </a:t>
+            </a:r>
+            <a:r>
+              <a:rPr lang="ko-KR" altLang="en-US" dirty="0">
+                <a:solidFill>
+                  <a:srgbClr val="FF0000"/>
+                </a:solidFill>
+              </a:rPr>
+              <a:t>의</a:t>
+            </a:r>
+            <a:r>
+              <a:rPr lang="en-US" altLang="ko-KR" dirty="0">
+                <a:solidFill>
+                  <a:srgbClr val="FF0000"/>
+                </a:solidFill>
+              </a:rPr>
+              <a:t> </a:t>
+            </a:r>
+            <a:r>
+              <a:rPr lang="ko-KR" altLang="en-US" dirty="0">
+                <a:solidFill>
+                  <a:srgbClr val="FF0000"/>
+                </a:solidFill>
+              </a:rPr>
+              <a:t>의미는 </a:t>
+            </a:r>
+            <a:r>
+              <a:rPr lang="en-US" altLang="ko-KR" dirty="0">
+                <a:solidFill>
+                  <a:srgbClr val="FF0000"/>
+                </a:solidFill>
+              </a:rPr>
+              <a:t>str</a:t>
+            </a:r>
+            <a:r>
+              <a:rPr lang="ko-KR" altLang="en-US" dirty="0">
+                <a:solidFill>
+                  <a:srgbClr val="FF0000"/>
+                </a:solidFill>
+              </a:rPr>
+              <a:t>이 </a:t>
+            </a:r>
+            <a:r>
+              <a:rPr lang="en-US" altLang="ko-KR" dirty="0">
+                <a:solidFill>
+                  <a:srgbClr val="FF0000"/>
+                </a:solidFill>
+              </a:rPr>
+              <a:t>null</a:t>
+            </a:r>
+            <a:r>
+              <a:rPr lang="ko-KR" altLang="en-US" dirty="0">
+                <a:solidFill>
+                  <a:srgbClr val="FF0000"/>
+                </a:solidFill>
+              </a:rPr>
+              <a:t>이면 </a:t>
+            </a:r>
+            <a:r>
+              <a:rPr lang="en-US" altLang="ko-KR" dirty="0">
+                <a:solidFill>
+                  <a:srgbClr val="FF0000"/>
+                </a:solidFill>
+              </a:rPr>
+              <a:t>0</a:t>
+            </a:r>
+            <a:r>
+              <a:rPr lang="ko-KR" altLang="en-US" dirty="0">
+                <a:solidFill>
+                  <a:srgbClr val="FF0000"/>
+                </a:solidFill>
+              </a:rPr>
+              <a:t>으로 처리</a:t>
+            </a:r>
+            <a:endParaRPr lang="en-US" altLang="ko-KR" dirty="0"/>
+          </a:p>
+          <a:p>
+            <a:pPr lvl="1"/>
+            <a:r>
+              <a:rPr lang="en-US" altLang="ko-KR" dirty="0"/>
+              <a:t>    return result</a:t>
+            </a:r>
+          </a:p>
+          <a:p>
+            <a:pPr lvl="1"/>
+            <a:r>
+              <a:rPr lang="en-US" altLang="ko-KR" dirty="0"/>
+              <a:t>}    </a:t>
+            </a:r>
+          </a:p>
+        </p:txBody>
+      </p:sp>
+    </p:spTree>
+    <p:extLst>
+      <p:ext uri="{BB962C8B-B14F-4D97-AF65-F5344CB8AC3E}">
+        <p14:creationId xmlns:p14="http://schemas.microsoft.com/office/powerpoint/2010/main" val="2240048934"/>
+      </p:ext>
+    </p:extLst>
+  </p:cSld>
+  <p:clrMapOvr>
+    <a:masterClrMapping/>
+  </p:clrMapOvr>
+</p:sld>
+</file>
+
+<file path=ppt/slides/slide51.xml><?xml version="1.0" encoding="utf-8"?>
+<p:sld xmlns:a="http://schemas.openxmlformats.org/drawingml/2006/main" xmlns:r="http://schemas.openxmlformats.org/officeDocument/2006/relationships" xmlns:p="http://schemas.openxmlformats.org/presentationml/2006/main">
+  <p:cSld>
+    <p:spTree>
+      <p:nvGrpSpPr>
+        <p:cNvPr id="1" name=""/>
+        <p:cNvGrpSpPr/>
+        <p:nvPr/>
+      </p:nvGrpSpPr>
+      <p:grpSpPr>
+        <a:xfrm>
+          <a:off x="0" y="0"/>
+          <a:ext cx="0" cy="0"/>
+          <a:chOff x="0" y="0"/>
+          <a:chExt cx="0" cy="0"/>
+        </a:xfrm>
+      </p:grpSpPr>
+      <p:sp>
+        <p:nvSpPr>
+          <p:cNvPr id="2" name="제목 1">
+            <a:extLst>
+              <a:ext uri="{FF2B5EF4-FFF2-40B4-BE49-F238E27FC236}">
+                <a16:creationId xmlns:a16="http://schemas.microsoft.com/office/drawing/2014/main" id="{1CA381AA-6C72-682A-32FE-1AFD1AF681D9}"/>
+              </a:ext>
+            </a:extLst>
+          </p:cNvPr>
+          <p:cNvSpPr>
+            <a:spLocks noGrp="1"/>
+          </p:cNvSpPr>
+          <p:nvPr>
+            <p:ph type="title"/>
+          </p:nvPr>
+        </p:nvSpPr>
+        <p:spPr/>
+        <p:txBody>
+          <a:bodyPr/>
+          <a:lstStyle/>
+          <a:p>
+            <a:endParaRPr lang="ko-KR" altLang="en-US"/>
+          </a:p>
+        </p:txBody>
+      </p:sp>
+      <p:sp>
+        <p:nvSpPr>
+          <p:cNvPr id="3" name="내용 개체 틀 2">
+            <a:extLst>
+              <a:ext uri="{FF2B5EF4-FFF2-40B4-BE49-F238E27FC236}">
+                <a16:creationId xmlns:a16="http://schemas.microsoft.com/office/drawing/2014/main" id="{4B4A6C10-3129-86C8-BB28-2791E5529989}"/>
+              </a:ext>
+            </a:extLst>
+          </p:cNvPr>
+          <p:cNvSpPr>
+            <a:spLocks noGrp="1"/>
+          </p:cNvSpPr>
+          <p:nvPr>
+            <p:ph idx="1"/>
+          </p:nvPr>
+        </p:nvSpPr>
+        <p:spPr/>
+        <p:txBody>
+          <a:bodyPr/>
+          <a:lstStyle/>
+          <a:p>
+            <a:r>
+              <a:rPr lang="ko-KR" altLang="en-US" dirty="0"/>
+              <a:t>지연</a:t>
+            </a:r>
+            <a:r>
+              <a:rPr lang="en-US" altLang="ko-KR" dirty="0"/>
+              <a:t> </a:t>
+            </a:r>
+            <a:r>
+              <a:rPr lang="ko-KR" altLang="en-US" dirty="0"/>
+              <a:t>초기화  </a:t>
+            </a:r>
+            <a:r>
+              <a:rPr lang="en-US" altLang="ko-KR" dirty="0" err="1">
+                <a:solidFill>
+                  <a:schemeClr val="accent1"/>
+                </a:solidFill>
+              </a:rPr>
+              <a:t>lateinit</a:t>
+            </a:r>
+            <a:endParaRPr lang="en-US" altLang="ko-KR" dirty="0">
+              <a:solidFill>
+                <a:schemeClr val="accent1"/>
+              </a:solidFill>
+            </a:endParaRPr>
+          </a:p>
+          <a:p>
+            <a:pPr lvl="1"/>
+            <a:r>
+              <a:rPr lang="ko-KR" altLang="en-US" dirty="0"/>
+              <a:t>데이터 초기화가 늦게 이루어질 것임을 알려준다</a:t>
+            </a:r>
+            <a:r>
+              <a:rPr lang="en-US" altLang="ko-KR" dirty="0"/>
+              <a:t>.</a:t>
+            </a:r>
+          </a:p>
+          <a:p>
+            <a:pPr lvl="2"/>
+            <a:r>
+              <a:rPr lang="en-US" altLang="ko-KR" dirty="0"/>
+              <a:t>fun</a:t>
+            </a:r>
+            <a:r>
+              <a:rPr lang="ko-KR" altLang="en-US" dirty="0"/>
+              <a:t> </a:t>
+            </a:r>
+            <a:r>
+              <a:rPr lang="en-US" altLang="ko-KR" dirty="0"/>
+              <a:t>process() {</a:t>
+            </a:r>
+          </a:p>
+          <a:p>
+            <a:pPr lvl="2"/>
+            <a:r>
+              <a:rPr lang="ko-KR" altLang="en-US" dirty="0"/>
+              <a:t>    </a:t>
+            </a:r>
+            <a:r>
+              <a:rPr lang="en-US" altLang="ko-KR" dirty="0" err="1"/>
+              <a:t>lateinit</a:t>
+            </a:r>
+            <a:r>
+              <a:rPr lang="en-US" altLang="ko-KR" dirty="0"/>
+              <a:t> var </a:t>
+            </a:r>
+            <a:r>
+              <a:rPr lang="en-US" altLang="ko-KR" dirty="0" err="1"/>
+              <a:t>text:String</a:t>
+            </a:r>
+            <a:endParaRPr lang="en-US" altLang="ko-KR" dirty="0"/>
+          </a:p>
+          <a:p>
+            <a:pPr lvl="2"/>
+            <a:r>
+              <a:rPr lang="en-US" altLang="ko-KR" dirty="0"/>
+              <a:t>    // …</a:t>
+            </a:r>
+          </a:p>
+          <a:p>
+            <a:pPr lvl="2"/>
+            <a:r>
+              <a:rPr lang="en-US" altLang="ko-KR" dirty="0"/>
+              <a:t>    var result1 = 30</a:t>
+            </a:r>
+          </a:p>
+          <a:p>
+            <a:pPr lvl="2"/>
+            <a:r>
+              <a:rPr lang="en-US" altLang="ko-KR" dirty="0"/>
+              <a:t>    text = “Result : $result1”</a:t>
+            </a:r>
+          </a:p>
+          <a:p>
+            <a:pPr lvl="2"/>
+            <a:r>
+              <a:rPr lang="en-US" altLang="ko-KR" dirty="0"/>
+              <a:t>    </a:t>
+            </a:r>
+            <a:r>
+              <a:rPr lang="en-US" altLang="ko-KR" dirty="0" err="1"/>
+              <a:t>Log.d</a:t>
+            </a:r>
+            <a:r>
+              <a:rPr lang="en-US" altLang="ko-KR" dirty="0"/>
+              <a:t>(“check”,</a:t>
+            </a:r>
+            <a:r>
+              <a:rPr lang="ko-KR" altLang="en-US" dirty="0"/>
+              <a:t> </a:t>
+            </a:r>
+            <a:r>
+              <a:rPr lang="en-US" altLang="ko-KR" dirty="0"/>
+              <a:t>“</a:t>
+            </a:r>
+            <a:r>
+              <a:rPr lang="ko-KR" altLang="en-US" dirty="0"/>
+              <a:t>변수 </a:t>
+            </a:r>
+            <a:r>
+              <a:rPr lang="en-US" altLang="ko-KR" dirty="0"/>
+              <a:t>text</a:t>
+            </a:r>
+            <a:r>
+              <a:rPr lang="ko-KR" altLang="en-US" dirty="0" err="1"/>
+              <a:t>의값은</a:t>
+            </a:r>
+            <a:r>
+              <a:rPr lang="ko-KR" altLang="en-US" dirty="0"/>
+              <a:t> </a:t>
+            </a:r>
+            <a:r>
+              <a:rPr lang="en-US" altLang="ko-KR" dirty="0"/>
+              <a:t>${test}</a:t>
+            </a:r>
+            <a:r>
+              <a:rPr lang="ko-KR" altLang="en-US" dirty="0"/>
+              <a:t>이다</a:t>
+            </a:r>
+            <a:r>
+              <a:rPr lang="en-US" altLang="ko-KR" dirty="0"/>
+              <a:t>.”)</a:t>
+            </a:r>
+          </a:p>
+          <a:p>
+            <a:pPr lvl="2"/>
+            <a:r>
+              <a:rPr lang="en-US" altLang="ko-KR" dirty="0"/>
+              <a:t>}</a:t>
+            </a:r>
+            <a:endParaRPr lang="ko-KR" altLang="en-US" dirty="0"/>
+          </a:p>
+        </p:txBody>
+      </p:sp>
+    </p:spTree>
+    <p:extLst>
+      <p:ext uri="{BB962C8B-B14F-4D97-AF65-F5344CB8AC3E}">
+        <p14:creationId xmlns:p14="http://schemas.microsoft.com/office/powerpoint/2010/main" val="3235016360"/>
+      </p:ext>
+    </p:extLst>
+  </p:cSld>
+  <p:clrMapOvr>
+    <a:masterClrMapping/>
+  </p:clrMapOvr>
+</p:sld>
+</file>
+
+<file path=ppt/slides/slide52.xml><?xml version="1.0" encoding="utf-8"?>
+<p:sld xmlns:a="http://schemas.openxmlformats.org/drawingml/2006/main" xmlns:r="http://schemas.openxmlformats.org/officeDocument/2006/relationships" xmlns:p="http://schemas.openxmlformats.org/presentationml/2006/main">
+  <p:cSld>
+    <p:spTree>
+      <p:nvGrpSpPr>
+        <p:cNvPr id="1" name=""/>
+        <p:cNvGrpSpPr/>
+        <p:nvPr/>
+      </p:nvGrpSpPr>
+      <p:grpSpPr>
+        <a:xfrm>
+          <a:off x="0" y="0"/>
+          <a:ext cx="0" cy="0"/>
+          <a:chOff x="0" y="0"/>
+          <a:chExt cx="0" cy="0"/>
+        </a:xfrm>
+      </p:grpSpPr>
+      <p:sp>
+        <p:nvSpPr>
+          <p:cNvPr id="2" name="제목 1">
+            <a:extLst>
+              <a:ext uri="{FF2B5EF4-FFF2-40B4-BE49-F238E27FC236}">
+                <a16:creationId xmlns:a16="http://schemas.microsoft.com/office/drawing/2014/main" id="{C8EAD2E5-2619-F546-CE01-CDC9CF358BBA}"/>
+              </a:ext>
+            </a:extLst>
+          </p:cNvPr>
+          <p:cNvSpPr>
+            <a:spLocks noGrp="1"/>
+          </p:cNvSpPr>
+          <p:nvPr>
+            <p:ph type="title"/>
+          </p:nvPr>
+        </p:nvSpPr>
+        <p:spPr/>
+        <p:txBody>
+          <a:bodyPr/>
+          <a:lstStyle/>
+          <a:p>
+            <a:endParaRPr lang="ko-KR" altLang="en-US"/>
+          </a:p>
+        </p:txBody>
+      </p:sp>
+      <p:sp>
+        <p:nvSpPr>
+          <p:cNvPr id="3" name="내용 개체 틀 2">
+            <a:extLst>
+              <a:ext uri="{FF2B5EF4-FFF2-40B4-BE49-F238E27FC236}">
+                <a16:creationId xmlns:a16="http://schemas.microsoft.com/office/drawing/2014/main" id="{B5FC7CE5-4199-4C99-6138-0663AC6A67E7}"/>
+              </a:ext>
+            </a:extLst>
+          </p:cNvPr>
+          <p:cNvSpPr>
+            <a:spLocks noGrp="1"/>
+          </p:cNvSpPr>
+          <p:nvPr>
+            <p:ph idx="1"/>
+          </p:nvPr>
+        </p:nvSpPr>
+        <p:spPr/>
+        <p:txBody>
+          <a:bodyPr>
+            <a:normAutofit fontScale="92500" lnSpcReduction="10000"/>
+          </a:bodyPr>
+          <a:lstStyle/>
+          <a:p>
+            <a:r>
+              <a:rPr lang="ko-KR" altLang="en-US" dirty="0"/>
+              <a:t>지연 초기화 </a:t>
+            </a:r>
+            <a:r>
+              <a:rPr lang="en-US" altLang="ko-KR" dirty="0"/>
+              <a:t>  </a:t>
+            </a:r>
+            <a:r>
+              <a:rPr lang="en-US" altLang="ko-KR" dirty="0">
+                <a:solidFill>
+                  <a:schemeClr val="accent1"/>
+                </a:solidFill>
+              </a:rPr>
+              <a:t>by lazy</a:t>
+            </a:r>
+          </a:p>
+          <a:p>
+            <a:pPr lvl="1"/>
+            <a:r>
+              <a:rPr lang="en-US" altLang="ko-KR" dirty="0"/>
+              <a:t>fun</a:t>
+            </a:r>
+            <a:r>
+              <a:rPr lang="ko-KR" altLang="en-US" dirty="0"/>
+              <a:t> </a:t>
+            </a:r>
+            <a:r>
+              <a:rPr lang="en-US" altLang="ko-KR" dirty="0" err="1"/>
+              <a:t>lazyProcess</a:t>
+            </a:r>
+            <a:r>
+              <a:rPr lang="en-US" altLang="ko-KR" dirty="0"/>
+              <a:t>()</a:t>
+            </a:r>
+            <a:r>
+              <a:rPr lang="ko-KR" altLang="en-US" dirty="0"/>
+              <a:t> </a:t>
+            </a:r>
+            <a:r>
+              <a:rPr lang="en-US" altLang="ko-KR" dirty="0"/>
+              <a:t>{</a:t>
+            </a:r>
+          </a:p>
+          <a:p>
+            <a:pPr lvl="1"/>
+            <a:r>
+              <a:rPr lang="en-US" altLang="ko-KR" dirty="0"/>
+              <a:t>    </a:t>
+            </a:r>
+            <a:r>
+              <a:rPr lang="en-US" altLang="ko-KR" dirty="0" err="1"/>
+              <a:t>lateinit</a:t>
+            </a:r>
+            <a:r>
+              <a:rPr lang="en-US" altLang="ko-KR" dirty="0"/>
+              <a:t> var text: String</a:t>
+            </a:r>
+          </a:p>
+          <a:p>
+            <a:pPr lvl="1"/>
+            <a:r>
+              <a:rPr lang="en-US" altLang="ko-KR" dirty="0"/>
+              <a:t>    </a:t>
+            </a:r>
+            <a:r>
+              <a:rPr lang="en-US" altLang="ko-KR" dirty="0" err="1">
+                <a:solidFill>
+                  <a:schemeClr val="accent1"/>
+                </a:solidFill>
+              </a:rPr>
+              <a:t>val</a:t>
+            </a:r>
+            <a:r>
+              <a:rPr lang="en-US" altLang="ko-KR" dirty="0"/>
+              <a:t> textLength: Int </a:t>
+            </a:r>
+            <a:r>
+              <a:rPr lang="en-US" altLang="ko-KR" dirty="0">
+                <a:solidFill>
+                  <a:schemeClr val="accent1"/>
+                </a:solidFill>
+              </a:rPr>
+              <a:t>by lazy </a:t>
+            </a:r>
+            <a:r>
+              <a:rPr lang="en-US" altLang="ko-KR" dirty="0"/>
+              <a:t>{</a:t>
+            </a:r>
+          </a:p>
+          <a:p>
+            <a:pPr lvl="1"/>
+            <a:r>
+              <a:rPr lang="en-US" altLang="ko-KR" dirty="0"/>
+              <a:t>        </a:t>
+            </a:r>
+            <a:r>
+              <a:rPr lang="en-US" altLang="ko-KR" dirty="0" err="1"/>
+              <a:t>text.length</a:t>
+            </a:r>
+            <a:endParaRPr lang="en-US" altLang="ko-KR" dirty="0"/>
+          </a:p>
+          <a:p>
+            <a:pPr lvl="1"/>
+            <a:r>
+              <a:rPr lang="en-US" altLang="ko-KR" dirty="0"/>
+              <a:t>    }</a:t>
+            </a:r>
+          </a:p>
+          <a:p>
+            <a:pPr lvl="1"/>
+            <a:r>
+              <a:rPr lang="en-US" altLang="ko-KR" dirty="0"/>
+              <a:t>    // </a:t>
+            </a:r>
+          </a:p>
+          <a:p>
+            <a:pPr lvl="1"/>
+            <a:r>
+              <a:rPr lang="en-US" altLang="ko-KR" dirty="0"/>
+              <a:t>    text = “</a:t>
+            </a:r>
+            <a:r>
+              <a:rPr lang="ko-KR" altLang="en-US" dirty="0"/>
+              <a:t>임의의 문자열</a:t>
+            </a:r>
+            <a:r>
+              <a:rPr lang="en-US" altLang="ko-KR" dirty="0"/>
+              <a:t>”</a:t>
+            </a:r>
+          </a:p>
+          <a:p>
+            <a:pPr lvl="1"/>
+            <a:r>
+              <a:rPr lang="en-US" altLang="ko-KR" dirty="0"/>
+              <a:t>    </a:t>
+            </a:r>
+            <a:r>
+              <a:rPr lang="en-US" altLang="ko-KR" dirty="0" err="1"/>
+              <a:t>Log.d</a:t>
+            </a:r>
+            <a:r>
+              <a:rPr lang="en-US" altLang="ko-KR" dirty="0"/>
+              <a:t>(“check”, “</a:t>
+            </a:r>
+            <a:r>
+              <a:rPr lang="ko-KR" altLang="en-US" dirty="0"/>
+              <a:t>변수 </a:t>
+            </a:r>
+            <a:r>
+              <a:rPr lang="en-US" altLang="ko-KR" dirty="0"/>
+              <a:t>text</a:t>
+            </a:r>
+            <a:r>
+              <a:rPr lang="ko-KR" altLang="en-US" dirty="0"/>
+              <a:t>의 길이는 </a:t>
+            </a:r>
+            <a:r>
+              <a:rPr lang="en-US" altLang="ko-KR" dirty="0"/>
+              <a:t>${</a:t>
+            </a:r>
+            <a:r>
+              <a:rPr lang="en-US" altLang="ko-KR" dirty="0">
+                <a:solidFill>
+                  <a:schemeClr val="accent1"/>
+                </a:solidFill>
+              </a:rPr>
+              <a:t>textLength</a:t>
+            </a:r>
+            <a:r>
+              <a:rPr lang="en-US" altLang="ko-KR" dirty="0"/>
+              <a:t>}”)</a:t>
+            </a:r>
+          </a:p>
+          <a:p>
+            <a:pPr lvl="1"/>
+            <a:r>
+              <a:rPr lang="en-US" altLang="ko-KR" dirty="0"/>
+              <a:t>}</a:t>
+            </a:r>
+          </a:p>
+          <a:p>
+            <a:pPr lvl="1"/>
+            <a:endParaRPr lang="ko-KR" altLang="en-US" dirty="0"/>
+          </a:p>
+        </p:txBody>
+      </p:sp>
+    </p:spTree>
+    <p:extLst>
+      <p:ext uri="{BB962C8B-B14F-4D97-AF65-F5344CB8AC3E}">
+        <p14:creationId xmlns:p14="http://schemas.microsoft.com/office/powerpoint/2010/main" val="1684504795"/>
+      </p:ext>
+    </p:extLst>
+  </p:cSld>
+  <p:clrMapOvr>
+    <a:masterClrMapping/>
+  </p:clrMapOvr>
+</p:sld>
+</file>
+
+<file path=ppt/slides/slide53.xml><?xml version="1.0" encoding="utf-8"?>
+<p:sld xmlns:a="http://schemas.openxmlformats.org/drawingml/2006/main" xmlns:r="http://schemas.openxmlformats.org/officeDocument/2006/relationships" xmlns:p="http://schemas.openxmlformats.org/presentationml/2006/main">
+  <p:cSld>
+    <p:spTree>
+      <p:nvGrpSpPr>
+        <p:cNvPr id="1" name=""/>
+        <p:cNvGrpSpPr/>
+        <p:nvPr/>
+      </p:nvGrpSpPr>
+      <p:grpSpPr>
+        <a:xfrm>
+          <a:off x="0" y="0"/>
+          <a:ext cx="0" cy="0"/>
+          <a:chOff x="0" y="0"/>
+          <a:chExt cx="0" cy="0"/>
+        </a:xfrm>
+      </p:grpSpPr>
+      <p:sp>
+        <p:nvSpPr>
+          <p:cNvPr id="2" name="제목 1">
+            <a:extLst>
+              <a:ext uri="{FF2B5EF4-FFF2-40B4-BE49-F238E27FC236}">
+                <a16:creationId xmlns:a16="http://schemas.microsoft.com/office/drawing/2014/main" id="{28CE338A-2F15-7F8D-1422-82A1F36318C7}"/>
+              </a:ext>
+            </a:extLst>
+          </p:cNvPr>
+          <p:cNvSpPr>
+            <a:spLocks noGrp="1"/>
+          </p:cNvSpPr>
+          <p:nvPr>
+            <p:ph type="title"/>
+          </p:nvPr>
+        </p:nvSpPr>
+        <p:spPr/>
+        <p:txBody>
+          <a:bodyPr/>
+          <a:lstStyle/>
+          <a:p>
+            <a:endParaRPr lang="ko-KR" altLang="en-US"/>
+          </a:p>
+        </p:txBody>
+      </p:sp>
+      <p:sp>
+        <p:nvSpPr>
+          <p:cNvPr id="3" name="내용 개체 틀 2">
+            <a:extLst>
+              <a:ext uri="{FF2B5EF4-FFF2-40B4-BE49-F238E27FC236}">
+                <a16:creationId xmlns:a16="http://schemas.microsoft.com/office/drawing/2014/main" id="{41323606-C264-CFFD-8EB2-AA0429524747}"/>
+              </a:ext>
+            </a:extLst>
+          </p:cNvPr>
+          <p:cNvSpPr>
+            <a:spLocks noGrp="1"/>
+          </p:cNvSpPr>
+          <p:nvPr>
+            <p:ph idx="1"/>
+          </p:nvPr>
+        </p:nvSpPr>
+        <p:spPr/>
+        <p:txBody>
+          <a:bodyPr/>
+          <a:lstStyle/>
+          <a:p>
+            <a:r>
+              <a:rPr lang="en-US" altLang="ko-KR" dirty="0"/>
+              <a:t>scope</a:t>
+            </a:r>
+            <a:r>
+              <a:rPr lang="ko-KR" altLang="en-US" dirty="0"/>
+              <a:t> 함수</a:t>
+            </a:r>
+            <a:endParaRPr lang="en-US" altLang="ko-KR" dirty="0"/>
+          </a:p>
+          <a:p>
+            <a:pPr lvl="1"/>
+            <a:r>
+              <a:rPr lang="en-US" altLang="ko-KR" dirty="0"/>
+              <a:t>run</a:t>
+            </a:r>
+          </a:p>
+          <a:p>
+            <a:pPr lvl="2"/>
+            <a:r>
+              <a:rPr lang="en-US" altLang="ko-KR" dirty="0"/>
+              <a:t>var</a:t>
+            </a:r>
+            <a:r>
+              <a:rPr lang="ko-KR" altLang="en-US" dirty="0"/>
+              <a:t> </a:t>
+            </a:r>
+            <a:r>
+              <a:rPr lang="en-US" altLang="ko-KR" dirty="0"/>
+              <a:t>list1 = </a:t>
+            </a:r>
+            <a:r>
+              <a:rPr lang="en-US" altLang="ko-KR" dirty="0" err="1"/>
+              <a:t>mutableListOf</a:t>
+            </a:r>
+            <a:r>
+              <a:rPr lang="en-US" altLang="ko-KR" dirty="0"/>
+              <a:t>(“scope”, “function”)</a:t>
+            </a:r>
+          </a:p>
+          <a:p>
+            <a:pPr lvl="2"/>
+            <a:r>
+              <a:rPr lang="en-US" altLang="ko-KR" dirty="0"/>
+              <a:t>list1.run {</a:t>
+            </a:r>
+          </a:p>
+          <a:p>
+            <a:pPr lvl="2"/>
+            <a:r>
+              <a:rPr lang="en-US" altLang="ko-KR" dirty="0"/>
+              <a:t>    </a:t>
+            </a:r>
+            <a:r>
+              <a:rPr lang="en-US" altLang="ko-KR" dirty="0" err="1"/>
+              <a:t>val</a:t>
+            </a:r>
+            <a:r>
+              <a:rPr lang="en-US" altLang="ko-KR" dirty="0"/>
+              <a:t> </a:t>
+            </a:r>
+            <a:r>
+              <a:rPr lang="en-US" altLang="ko-KR" dirty="0" err="1"/>
+              <a:t>listSize</a:t>
+            </a:r>
+            <a:r>
+              <a:rPr lang="en-US" altLang="ko-KR" dirty="0"/>
+              <a:t> = </a:t>
+            </a:r>
+            <a:r>
+              <a:rPr lang="en-US" altLang="ko-KR" dirty="0">
+                <a:solidFill>
+                  <a:schemeClr val="accent1"/>
+                </a:solidFill>
+              </a:rPr>
+              <a:t>size</a:t>
+            </a:r>
+            <a:r>
+              <a:rPr lang="en-US" altLang="ko-KR" dirty="0"/>
+              <a:t>    // </a:t>
+            </a:r>
+            <a:r>
+              <a:rPr lang="en-US" altLang="ko-KR" dirty="0">
+                <a:solidFill>
+                  <a:schemeClr val="accent1"/>
+                </a:solidFill>
+              </a:rPr>
+              <a:t>this.size  	</a:t>
+            </a:r>
+            <a:r>
+              <a:rPr lang="en-US" altLang="ko-KR" dirty="0"/>
+              <a:t> list1</a:t>
+            </a:r>
+            <a:r>
+              <a:rPr lang="ko-KR" altLang="en-US" dirty="0"/>
+              <a:t>의 </a:t>
+            </a:r>
+            <a:r>
+              <a:rPr lang="en-US" altLang="ko-KR" dirty="0"/>
+              <a:t>size </a:t>
+            </a:r>
+            <a:r>
+              <a:rPr lang="ko-KR" altLang="en-US" dirty="0"/>
+              <a:t>속성 사용</a:t>
+            </a:r>
+            <a:endParaRPr lang="en-US" altLang="ko-KR" dirty="0"/>
+          </a:p>
+          <a:p>
+            <a:pPr lvl="2"/>
+            <a:r>
+              <a:rPr lang="ko-KR" altLang="en-US" dirty="0"/>
+              <a:t>    </a:t>
+            </a:r>
+            <a:r>
+              <a:rPr lang="en-US" altLang="ko-KR" dirty="0" err="1"/>
+              <a:t>Log.d</a:t>
+            </a:r>
+            <a:r>
+              <a:rPr lang="en-US" altLang="ko-KR" dirty="0"/>
+              <a:t>(“check”, “list1</a:t>
+            </a:r>
+            <a:r>
+              <a:rPr lang="ko-KR" altLang="en-US" dirty="0"/>
+              <a:t>의 길이는 </a:t>
+            </a:r>
+            <a:r>
+              <a:rPr lang="en-US" altLang="ko-KR" dirty="0"/>
+              <a:t>${</a:t>
+            </a:r>
+            <a:r>
+              <a:rPr lang="en-US" altLang="ko-KR" dirty="0" err="1"/>
+              <a:t>listSize</a:t>
+            </a:r>
+            <a:r>
+              <a:rPr lang="en-US" altLang="ko-KR" dirty="0"/>
+              <a:t>}</a:t>
+            </a:r>
+            <a:r>
+              <a:rPr lang="ko-KR" altLang="en-US" dirty="0"/>
+              <a:t>이다</a:t>
+            </a:r>
+            <a:r>
+              <a:rPr lang="en-US" altLang="ko-KR" dirty="0"/>
+              <a:t>.”)</a:t>
+            </a:r>
+          </a:p>
+          <a:p>
+            <a:pPr lvl="2"/>
+            <a:r>
+              <a:rPr lang="en-US" altLang="ko-KR" dirty="0"/>
+              <a:t>}</a:t>
+            </a:r>
+            <a:endParaRPr lang="ko-KR" altLang="en-US" dirty="0"/>
+          </a:p>
+        </p:txBody>
+      </p:sp>
+    </p:spTree>
+    <p:extLst>
+      <p:ext uri="{BB962C8B-B14F-4D97-AF65-F5344CB8AC3E}">
+        <p14:creationId xmlns:p14="http://schemas.microsoft.com/office/powerpoint/2010/main" val="2028205507"/>
+      </p:ext>
+    </p:extLst>
+  </p:cSld>
+  <p:clrMapOvr>
+    <a:masterClrMapping/>
+  </p:clrMapOvr>
+</p:sld>
+</file>
+
+<file path=ppt/slides/slide54.xml><?xml version="1.0" encoding="utf-8"?>
+<p:sld xmlns:a="http://schemas.openxmlformats.org/drawingml/2006/main" xmlns:r="http://schemas.openxmlformats.org/officeDocument/2006/relationships" xmlns:p="http://schemas.openxmlformats.org/presentationml/2006/main">
+  <p:cSld>
+    <p:spTree>
+      <p:nvGrpSpPr>
+        <p:cNvPr id="1" name=""/>
+        <p:cNvGrpSpPr/>
+        <p:nvPr/>
+      </p:nvGrpSpPr>
+      <p:grpSpPr>
+        <a:xfrm>
+          <a:off x="0" y="0"/>
+          <a:ext cx="0" cy="0"/>
+          <a:chOff x="0" y="0"/>
+          <a:chExt cx="0" cy="0"/>
+        </a:xfrm>
+      </p:grpSpPr>
+      <p:sp>
+        <p:nvSpPr>
+          <p:cNvPr id="2" name="제목 1">
+            <a:extLst>
+              <a:ext uri="{FF2B5EF4-FFF2-40B4-BE49-F238E27FC236}">
+                <a16:creationId xmlns:a16="http://schemas.microsoft.com/office/drawing/2014/main" id="{DF8F9E52-3D43-4E2E-2E1E-6E9FE5CB4CC8}"/>
+              </a:ext>
+            </a:extLst>
+          </p:cNvPr>
+          <p:cNvSpPr>
+            <a:spLocks noGrp="1"/>
+          </p:cNvSpPr>
+          <p:nvPr>
+            <p:ph type="title"/>
+          </p:nvPr>
+        </p:nvSpPr>
+        <p:spPr/>
+        <p:txBody>
+          <a:bodyPr/>
+          <a:lstStyle/>
+          <a:p>
+            <a:endParaRPr lang="ko-KR" altLang="en-US"/>
+          </a:p>
+        </p:txBody>
+      </p:sp>
+      <p:sp>
+        <p:nvSpPr>
+          <p:cNvPr id="3" name="내용 개체 틀 2">
+            <a:extLst>
+              <a:ext uri="{FF2B5EF4-FFF2-40B4-BE49-F238E27FC236}">
+                <a16:creationId xmlns:a16="http://schemas.microsoft.com/office/drawing/2014/main" id="{0E11C9D9-4A22-E83A-874F-80C148E105C2}"/>
+              </a:ext>
+            </a:extLst>
+          </p:cNvPr>
+          <p:cNvSpPr>
+            <a:spLocks noGrp="1"/>
+          </p:cNvSpPr>
+          <p:nvPr>
+            <p:ph idx="1"/>
+          </p:nvPr>
+        </p:nvSpPr>
+        <p:spPr/>
+        <p:txBody>
+          <a:bodyPr/>
+          <a:lstStyle/>
+          <a:p>
+            <a:pPr lvl="1"/>
+            <a:r>
+              <a:rPr lang="en-US" altLang="ko-KR" dirty="0"/>
+              <a:t>let</a:t>
+            </a:r>
+          </a:p>
+          <a:p>
+            <a:pPr lvl="2"/>
+            <a:r>
+              <a:rPr lang="en-US" altLang="ko-KR" dirty="0"/>
+              <a:t>var</a:t>
+            </a:r>
+            <a:r>
+              <a:rPr lang="ko-KR" altLang="en-US" dirty="0"/>
+              <a:t> </a:t>
+            </a:r>
+            <a:r>
+              <a:rPr lang="en-US" altLang="ko-KR" dirty="0"/>
+              <a:t>list1 = </a:t>
+            </a:r>
+            <a:r>
+              <a:rPr lang="en-US" altLang="ko-KR" dirty="0" err="1"/>
+              <a:t>mutableListOf</a:t>
+            </a:r>
+            <a:r>
+              <a:rPr lang="en-US" altLang="ko-KR" dirty="0"/>
+              <a:t>(“scope”, “function”)</a:t>
+            </a:r>
+          </a:p>
+          <a:p>
+            <a:pPr lvl="2"/>
+            <a:r>
+              <a:rPr lang="en-US" altLang="ko-KR" dirty="0"/>
+              <a:t>list1.let {</a:t>
+            </a:r>
+          </a:p>
+          <a:p>
+            <a:pPr lvl="2"/>
+            <a:r>
+              <a:rPr lang="en-US" altLang="ko-KR" dirty="0"/>
+              <a:t>    </a:t>
+            </a:r>
+            <a:r>
+              <a:rPr lang="en-US" altLang="ko-KR" dirty="0" err="1"/>
+              <a:t>val</a:t>
+            </a:r>
+            <a:r>
+              <a:rPr lang="en-US" altLang="ko-KR" dirty="0"/>
+              <a:t> </a:t>
+            </a:r>
+            <a:r>
+              <a:rPr lang="en-US" altLang="ko-KR" dirty="0" err="1"/>
+              <a:t>listSize</a:t>
+            </a:r>
+            <a:r>
+              <a:rPr lang="en-US" altLang="ko-KR" dirty="0"/>
+              <a:t> = </a:t>
+            </a:r>
+            <a:r>
+              <a:rPr lang="en-US" altLang="ko-KR" dirty="0">
+                <a:solidFill>
+                  <a:schemeClr val="accent1"/>
+                </a:solidFill>
+              </a:rPr>
+              <a:t>size</a:t>
+            </a:r>
+            <a:r>
+              <a:rPr lang="en-US" altLang="ko-KR" dirty="0"/>
+              <a:t>    // </a:t>
+            </a:r>
+            <a:r>
+              <a:rPr lang="en-US" altLang="ko-KR" dirty="0" err="1">
+                <a:solidFill>
+                  <a:schemeClr val="accent1"/>
+                </a:solidFill>
+              </a:rPr>
+              <a:t>it.size</a:t>
+            </a:r>
+            <a:r>
+              <a:rPr lang="en-US" altLang="ko-KR" dirty="0">
+                <a:solidFill>
+                  <a:schemeClr val="accent1"/>
+                </a:solidFill>
+              </a:rPr>
+              <a:t>  	</a:t>
+            </a:r>
+            <a:r>
+              <a:rPr lang="en-US" altLang="ko-KR" dirty="0"/>
+              <a:t> list1</a:t>
+            </a:r>
+            <a:r>
+              <a:rPr lang="ko-KR" altLang="en-US" dirty="0"/>
+              <a:t>의 </a:t>
+            </a:r>
+            <a:r>
+              <a:rPr lang="en-US" altLang="ko-KR" dirty="0"/>
+              <a:t>size </a:t>
+            </a:r>
+            <a:r>
+              <a:rPr lang="ko-KR" altLang="en-US" dirty="0"/>
+              <a:t>속성 사용</a:t>
+            </a:r>
+            <a:endParaRPr lang="en-US" altLang="ko-KR" dirty="0"/>
+          </a:p>
+          <a:p>
+            <a:pPr lvl="2"/>
+            <a:r>
+              <a:rPr lang="ko-KR" altLang="en-US" dirty="0"/>
+              <a:t>    </a:t>
+            </a:r>
+            <a:r>
+              <a:rPr lang="en-US" altLang="ko-KR" dirty="0" err="1"/>
+              <a:t>Log.d</a:t>
+            </a:r>
+            <a:r>
+              <a:rPr lang="en-US" altLang="ko-KR" dirty="0"/>
+              <a:t>(“check”, “list1</a:t>
+            </a:r>
+            <a:r>
+              <a:rPr lang="ko-KR" altLang="en-US" dirty="0"/>
+              <a:t>의 길이는 </a:t>
+            </a:r>
+            <a:r>
+              <a:rPr lang="en-US" altLang="ko-KR" dirty="0"/>
+              <a:t>${</a:t>
+            </a:r>
+            <a:r>
+              <a:rPr lang="en-US" altLang="ko-KR" dirty="0" err="1"/>
+              <a:t>listSize</a:t>
+            </a:r>
+            <a:r>
+              <a:rPr lang="en-US" altLang="ko-KR" dirty="0"/>
+              <a:t>}</a:t>
+            </a:r>
+            <a:r>
+              <a:rPr lang="ko-KR" altLang="en-US" dirty="0"/>
+              <a:t>이다</a:t>
+            </a:r>
+            <a:r>
+              <a:rPr lang="en-US" altLang="ko-KR" dirty="0"/>
+              <a:t>.”)</a:t>
+            </a:r>
+          </a:p>
+          <a:p>
+            <a:pPr lvl="2"/>
+            <a:r>
+              <a:rPr lang="en-US" altLang="ko-KR" dirty="0"/>
+              <a:t>}</a:t>
+            </a:r>
+          </a:p>
+          <a:p>
+            <a:pPr lvl="2"/>
+            <a:r>
+              <a:rPr lang="en-US" altLang="ko-KR" dirty="0"/>
+              <a:t>list1.let { </a:t>
+            </a:r>
+            <a:r>
+              <a:rPr lang="en-US" altLang="ko-KR" dirty="0">
+                <a:solidFill>
+                  <a:schemeClr val="accent1"/>
+                </a:solidFill>
+              </a:rPr>
+              <a:t>target-&gt;</a:t>
+            </a:r>
+          </a:p>
+          <a:p>
+            <a:pPr lvl="2"/>
+            <a:r>
+              <a:rPr lang="en-US" altLang="ko-KR" dirty="0"/>
+              <a:t>    </a:t>
+            </a:r>
+            <a:r>
+              <a:rPr lang="en-US" altLang="ko-KR" dirty="0" err="1"/>
+              <a:t>val</a:t>
+            </a:r>
+            <a:r>
+              <a:rPr lang="en-US" altLang="ko-KR" dirty="0"/>
+              <a:t> </a:t>
+            </a:r>
+            <a:r>
+              <a:rPr lang="en-US" altLang="ko-KR" dirty="0" err="1"/>
+              <a:t>listSize</a:t>
+            </a:r>
+            <a:r>
+              <a:rPr lang="en-US" altLang="ko-KR" dirty="0"/>
+              <a:t> = </a:t>
+            </a:r>
+            <a:r>
+              <a:rPr lang="en-US" altLang="ko-KR" dirty="0">
+                <a:solidFill>
+                  <a:schemeClr val="accent1"/>
+                </a:solidFill>
+              </a:rPr>
+              <a:t>size</a:t>
+            </a:r>
+            <a:r>
+              <a:rPr lang="en-US" altLang="ko-KR" dirty="0"/>
+              <a:t>    // </a:t>
+            </a:r>
+            <a:r>
+              <a:rPr lang="en-US" altLang="ko-KR" dirty="0" err="1">
+                <a:solidFill>
+                  <a:schemeClr val="accent1"/>
+                </a:solidFill>
+              </a:rPr>
+              <a:t>target.size</a:t>
+            </a:r>
+            <a:r>
+              <a:rPr lang="en-US" altLang="ko-KR" dirty="0">
+                <a:solidFill>
+                  <a:schemeClr val="accent1"/>
+                </a:solidFill>
+              </a:rPr>
+              <a:t> 		it </a:t>
+            </a:r>
+            <a:r>
+              <a:rPr lang="ko-KR" altLang="en-US" dirty="0">
+                <a:solidFill>
+                  <a:schemeClr val="accent1"/>
+                </a:solidFill>
+              </a:rPr>
+              <a:t>대신 </a:t>
+            </a:r>
+            <a:r>
+              <a:rPr lang="en-US" altLang="ko-KR" dirty="0">
+                <a:solidFill>
+                  <a:schemeClr val="accent1"/>
+                </a:solidFill>
+              </a:rPr>
+              <a:t>target </a:t>
+            </a:r>
+            <a:r>
+              <a:rPr lang="ko-KR" altLang="en-US" dirty="0">
+                <a:solidFill>
+                  <a:schemeClr val="accent1"/>
+                </a:solidFill>
+              </a:rPr>
+              <a:t>사용</a:t>
+            </a:r>
+            <a:r>
+              <a:rPr lang="en-US" altLang="ko-KR" dirty="0">
+                <a:solidFill>
+                  <a:schemeClr val="accent1"/>
+                </a:solidFill>
+              </a:rPr>
+              <a:t> 	</a:t>
+            </a:r>
+            <a:endParaRPr lang="en-US" altLang="ko-KR" dirty="0"/>
+          </a:p>
+          <a:p>
+            <a:pPr lvl="2"/>
+            <a:r>
+              <a:rPr lang="ko-KR" altLang="en-US" dirty="0"/>
+              <a:t>    </a:t>
+            </a:r>
+            <a:r>
+              <a:rPr lang="en-US" altLang="ko-KR" dirty="0" err="1"/>
+              <a:t>Log.d</a:t>
+            </a:r>
+            <a:r>
+              <a:rPr lang="en-US" altLang="ko-KR" dirty="0"/>
+              <a:t>(“check”, “list1</a:t>
+            </a:r>
+            <a:r>
+              <a:rPr lang="ko-KR" altLang="en-US" dirty="0"/>
+              <a:t>의 길이는 </a:t>
+            </a:r>
+            <a:r>
+              <a:rPr lang="en-US" altLang="ko-KR" dirty="0"/>
+              <a:t>${</a:t>
+            </a:r>
+            <a:r>
+              <a:rPr lang="en-US" altLang="ko-KR" dirty="0" err="1"/>
+              <a:t>listSize</a:t>
+            </a:r>
+            <a:r>
+              <a:rPr lang="en-US" altLang="ko-KR" dirty="0"/>
+              <a:t>}</a:t>
+            </a:r>
+            <a:r>
+              <a:rPr lang="ko-KR" altLang="en-US" dirty="0"/>
+              <a:t>이다</a:t>
+            </a:r>
+            <a:r>
+              <a:rPr lang="en-US" altLang="ko-KR" dirty="0"/>
+              <a:t>.”)</a:t>
+            </a:r>
+          </a:p>
+          <a:p>
+            <a:pPr lvl="2"/>
+            <a:r>
+              <a:rPr lang="en-US" altLang="ko-KR" dirty="0"/>
+              <a:t>}</a:t>
+            </a:r>
+            <a:endParaRPr lang="ko-KR" altLang="en-US" dirty="0"/>
+          </a:p>
+          <a:p>
+            <a:pPr lvl="2"/>
+            <a:endParaRPr lang="ko-KR" altLang="en-US" dirty="0"/>
+          </a:p>
+          <a:p>
+            <a:pPr lvl="1"/>
+            <a:endParaRPr lang="en-US" altLang="ko-KR" dirty="0"/>
+          </a:p>
+          <a:p>
+            <a:pPr lvl="1"/>
+            <a:endParaRPr lang="ko-KR" altLang="en-US" dirty="0"/>
+          </a:p>
+        </p:txBody>
+      </p:sp>
+    </p:spTree>
+    <p:extLst>
+      <p:ext uri="{BB962C8B-B14F-4D97-AF65-F5344CB8AC3E}">
+        <p14:creationId xmlns:p14="http://schemas.microsoft.com/office/powerpoint/2010/main" val="773710661"/>
+      </p:ext>
+    </p:extLst>
+  </p:cSld>
+  <p:clrMapOvr>
+    <a:masterClrMapping/>
+  </p:clrMapOvr>
+</p:sld>
+</file>
+
+<file path=ppt/slides/slide55.xml><?xml version="1.0" encoding="utf-8"?>
+<p:sld xmlns:a="http://schemas.openxmlformats.org/drawingml/2006/main" xmlns:r="http://schemas.openxmlformats.org/officeDocument/2006/relationships" xmlns:p="http://schemas.openxmlformats.org/presentationml/2006/main">
+  <p:cSld>
+    <p:spTree>
+      <p:nvGrpSpPr>
+        <p:cNvPr id="1" name=""/>
+        <p:cNvGrpSpPr/>
+        <p:nvPr/>
+      </p:nvGrpSpPr>
+      <p:grpSpPr>
+        <a:xfrm>
+          <a:off x="0" y="0"/>
+          <a:ext cx="0" cy="0"/>
+          <a:chOff x="0" y="0"/>
+          <a:chExt cx="0" cy="0"/>
+        </a:xfrm>
+      </p:grpSpPr>
+      <p:sp>
+        <p:nvSpPr>
+          <p:cNvPr id="2" name="제목 1">
+            <a:extLst>
+              <a:ext uri="{FF2B5EF4-FFF2-40B4-BE49-F238E27FC236}">
+                <a16:creationId xmlns:a16="http://schemas.microsoft.com/office/drawing/2014/main" id="{E60ABB47-0121-1B48-3056-40B4F2B8CA1E}"/>
+              </a:ext>
+            </a:extLst>
+          </p:cNvPr>
+          <p:cNvSpPr>
+            <a:spLocks noGrp="1"/>
+          </p:cNvSpPr>
+          <p:nvPr>
+            <p:ph type="title"/>
+          </p:nvPr>
+        </p:nvSpPr>
+        <p:spPr/>
+        <p:txBody>
+          <a:bodyPr/>
+          <a:lstStyle/>
+          <a:p>
+            <a:endParaRPr lang="ko-KR" altLang="en-US"/>
+          </a:p>
+        </p:txBody>
+      </p:sp>
+      <p:sp>
+        <p:nvSpPr>
+          <p:cNvPr id="3" name="내용 개체 틀 2">
+            <a:extLst>
+              <a:ext uri="{FF2B5EF4-FFF2-40B4-BE49-F238E27FC236}">
+                <a16:creationId xmlns:a16="http://schemas.microsoft.com/office/drawing/2014/main" id="{F57BB299-268C-8407-9E85-ABB332CFEF62}"/>
+              </a:ext>
+            </a:extLst>
+          </p:cNvPr>
+          <p:cNvSpPr>
+            <a:spLocks noGrp="1"/>
+          </p:cNvSpPr>
+          <p:nvPr>
+            <p:ph idx="1"/>
+          </p:nvPr>
+        </p:nvSpPr>
+        <p:spPr/>
+        <p:txBody>
+          <a:bodyPr/>
+          <a:lstStyle/>
+          <a:p>
+            <a:pPr lvl="1"/>
+            <a:r>
+              <a:rPr lang="en-US" altLang="ko-KR" dirty="0"/>
+              <a:t>apply</a:t>
+            </a:r>
+          </a:p>
+          <a:p>
+            <a:pPr lvl="2"/>
+            <a:r>
+              <a:rPr lang="en-US" altLang="ko-KR" dirty="0"/>
+              <a:t>var</a:t>
+            </a:r>
+            <a:r>
+              <a:rPr lang="ko-KR" altLang="en-US" dirty="0"/>
+              <a:t> </a:t>
+            </a:r>
+            <a:r>
+              <a:rPr lang="en-US" altLang="ko-KR" dirty="0"/>
+              <a:t>list1 = </a:t>
+            </a:r>
+            <a:r>
+              <a:rPr lang="en-US" altLang="ko-KR" dirty="0" err="1"/>
+              <a:t>mutableListOf</a:t>
+            </a:r>
+            <a:r>
+              <a:rPr lang="en-US" altLang="ko-KR" dirty="0"/>
+              <a:t>(“scope”, “function”)</a:t>
+            </a:r>
+          </a:p>
+          <a:p>
+            <a:pPr lvl="2"/>
+            <a:r>
+              <a:rPr lang="en-US" altLang="ko-KR" dirty="0"/>
+              <a:t>list1.apply {</a:t>
+            </a:r>
+          </a:p>
+          <a:p>
+            <a:pPr lvl="2"/>
+            <a:r>
+              <a:rPr lang="en-US" altLang="ko-KR" dirty="0"/>
+              <a:t>    </a:t>
+            </a:r>
+            <a:r>
+              <a:rPr lang="en-US" altLang="ko-KR" dirty="0" err="1"/>
+              <a:t>val</a:t>
+            </a:r>
+            <a:r>
+              <a:rPr lang="en-US" altLang="ko-KR" dirty="0"/>
+              <a:t> </a:t>
+            </a:r>
+            <a:r>
+              <a:rPr lang="en-US" altLang="ko-KR" dirty="0" err="1"/>
+              <a:t>listSize</a:t>
+            </a:r>
+            <a:r>
+              <a:rPr lang="en-US" altLang="ko-KR" dirty="0"/>
+              <a:t> = </a:t>
+            </a:r>
+            <a:r>
+              <a:rPr lang="en-US" altLang="ko-KR" dirty="0">
+                <a:solidFill>
+                  <a:schemeClr val="accent1"/>
+                </a:solidFill>
+              </a:rPr>
+              <a:t>size</a:t>
+            </a:r>
+            <a:r>
+              <a:rPr lang="en-US" altLang="ko-KR" dirty="0"/>
+              <a:t>    // </a:t>
+            </a:r>
+            <a:r>
+              <a:rPr lang="en-US" altLang="ko-KR" dirty="0">
+                <a:solidFill>
+                  <a:schemeClr val="accent1"/>
+                </a:solidFill>
+              </a:rPr>
+              <a:t>this.size  	</a:t>
+            </a:r>
+            <a:r>
+              <a:rPr lang="en-US" altLang="ko-KR" dirty="0"/>
+              <a:t> list1</a:t>
+            </a:r>
+            <a:r>
+              <a:rPr lang="ko-KR" altLang="en-US" dirty="0"/>
+              <a:t>의 </a:t>
+            </a:r>
+            <a:r>
+              <a:rPr lang="en-US" altLang="ko-KR" dirty="0"/>
+              <a:t>size </a:t>
+            </a:r>
+            <a:r>
+              <a:rPr lang="ko-KR" altLang="en-US" dirty="0"/>
+              <a:t>속성 사용</a:t>
+            </a:r>
+            <a:endParaRPr lang="en-US" altLang="ko-KR" dirty="0"/>
+          </a:p>
+          <a:p>
+            <a:pPr lvl="2"/>
+            <a:r>
+              <a:rPr lang="ko-KR" altLang="en-US" dirty="0"/>
+              <a:t>    </a:t>
+            </a:r>
+            <a:r>
+              <a:rPr lang="en-US" altLang="ko-KR" dirty="0" err="1"/>
+              <a:t>Log.d</a:t>
+            </a:r>
+            <a:r>
+              <a:rPr lang="en-US" altLang="ko-KR" dirty="0"/>
+              <a:t>(“check”, “list1</a:t>
+            </a:r>
+            <a:r>
+              <a:rPr lang="ko-KR" altLang="en-US" dirty="0"/>
+              <a:t>의 길이는 </a:t>
+            </a:r>
+            <a:r>
+              <a:rPr lang="en-US" altLang="ko-KR" dirty="0"/>
+              <a:t>${</a:t>
+            </a:r>
+            <a:r>
+              <a:rPr lang="en-US" altLang="ko-KR" dirty="0" err="1"/>
+              <a:t>listSize</a:t>
+            </a:r>
+            <a:r>
+              <a:rPr lang="en-US" altLang="ko-KR" dirty="0"/>
+              <a:t>}</a:t>
+            </a:r>
+            <a:r>
+              <a:rPr lang="ko-KR" altLang="en-US" dirty="0"/>
+              <a:t>이다</a:t>
+            </a:r>
+            <a:r>
+              <a:rPr lang="en-US" altLang="ko-KR" dirty="0"/>
+              <a:t>.”)</a:t>
+            </a:r>
+          </a:p>
+          <a:p>
+            <a:pPr lvl="2"/>
+            <a:r>
+              <a:rPr lang="ko-KR" altLang="en-US" dirty="0"/>
+              <a:t>    </a:t>
+            </a:r>
+            <a:r>
+              <a:rPr lang="en-US" altLang="ko-KR" dirty="0" err="1"/>
+              <a:t>Log.d</a:t>
+            </a:r>
+            <a:r>
+              <a:rPr lang="en-US" altLang="ko-KR" dirty="0"/>
+              <a:t>(“check”, “list1</a:t>
+            </a:r>
+            <a:r>
+              <a:rPr lang="ko-KR" altLang="en-US" dirty="0"/>
+              <a:t>의 첫 번째 항목은</a:t>
+            </a:r>
+            <a:r>
+              <a:rPr lang="en-US" altLang="ko-KR" dirty="0"/>
+              <a:t>${</a:t>
+            </a:r>
+            <a:r>
+              <a:rPr lang="en-US" altLang="ko-KR" dirty="0">
+                <a:solidFill>
+                  <a:schemeClr val="accent1"/>
+                </a:solidFill>
+              </a:rPr>
+              <a:t>this[0]</a:t>
+            </a:r>
+            <a:r>
+              <a:rPr lang="en-US" altLang="ko-KR" dirty="0"/>
+              <a:t>}</a:t>
+            </a:r>
+            <a:r>
+              <a:rPr lang="ko-KR" altLang="en-US" dirty="0"/>
+              <a:t>이다</a:t>
+            </a:r>
+            <a:r>
+              <a:rPr lang="en-US" altLang="ko-KR" dirty="0"/>
+              <a:t>.”)</a:t>
+            </a:r>
+          </a:p>
+          <a:p>
+            <a:pPr lvl="2"/>
+            <a:r>
+              <a:rPr lang="en-US" altLang="ko-KR" dirty="0"/>
+              <a:t>}</a:t>
+            </a:r>
+            <a:endParaRPr lang="ko-KR" altLang="en-US" dirty="0"/>
+          </a:p>
+          <a:p>
+            <a:pPr lvl="2"/>
+            <a:endParaRPr lang="ko-KR" altLang="en-US" dirty="0"/>
+          </a:p>
+        </p:txBody>
+      </p:sp>
+    </p:spTree>
+    <p:extLst>
+      <p:ext uri="{BB962C8B-B14F-4D97-AF65-F5344CB8AC3E}">
+        <p14:creationId xmlns:p14="http://schemas.microsoft.com/office/powerpoint/2010/main" val="976217321"/>
+      </p:ext>
+    </p:extLst>
+  </p:cSld>
+  <p:clrMapOvr>
+    <a:masterClrMapping/>
+  </p:clrMapOvr>
+</p:sld>
+</file>
+
+<file path=ppt/slides/slide56.xml><?xml version="1.0" encoding="utf-8"?>
+<p:sld xmlns:a="http://schemas.openxmlformats.org/drawingml/2006/main" xmlns:r="http://schemas.openxmlformats.org/officeDocument/2006/relationships" xmlns:p="http://schemas.openxmlformats.org/presentationml/2006/main">
+  <p:cSld>
+    <p:spTree>
+      <p:nvGrpSpPr>
+        <p:cNvPr id="1" name=""/>
+        <p:cNvGrpSpPr/>
+        <p:nvPr/>
+      </p:nvGrpSpPr>
+      <p:grpSpPr>
+        <a:xfrm>
+          <a:off x="0" y="0"/>
+          <a:ext cx="0" cy="0"/>
+          <a:chOff x="0" y="0"/>
+          <a:chExt cx="0" cy="0"/>
+        </a:xfrm>
+      </p:grpSpPr>
+      <p:sp>
+        <p:nvSpPr>
+          <p:cNvPr id="2" name="제목 1">
+            <a:extLst>
+              <a:ext uri="{FF2B5EF4-FFF2-40B4-BE49-F238E27FC236}">
+                <a16:creationId xmlns:a16="http://schemas.microsoft.com/office/drawing/2014/main" id="{34787092-156B-71B1-3F5B-04B3FFBB099D}"/>
+              </a:ext>
+            </a:extLst>
+          </p:cNvPr>
+          <p:cNvSpPr>
+            <a:spLocks noGrp="1"/>
+          </p:cNvSpPr>
+          <p:nvPr>
+            <p:ph type="title"/>
+          </p:nvPr>
+        </p:nvSpPr>
+        <p:spPr/>
+        <p:txBody>
+          <a:bodyPr/>
+          <a:lstStyle/>
+          <a:p>
+            <a:endParaRPr lang="ko-KR" altLang="en-US"/>
+          </a:p>
+        </p:txBody>
+      </p:sp>
+      <p:sp>
+        <p:nvSpPr>
+          <p:cNvPr id="3" name="내용 개체 틀 2">
+            <a:extLst>
+              <a:ext uri="{FF2B5EF4-FFF2-40B4-BE49-F238E27FC236}">
+                <a16:creationId xmlns:a16="http://schemas.microsoft.com/office/drawing/2014/main" id="{E004ABF7-20DA-A1E9-F4AF-A6B124B6052C}"/>
+              </a:ext>
+            </a:extLst>
+          </p:cNvPr>
+          <p:cNvSpPr>
+            <a:spLocks noGrp="1"/>
+          </p:cNvSpPr>
+          <p:nvPr>
+            <p:ph idx="1"/>
+          </p:nvPr>
+        </p:nvSpPr>
+        <p:spPr/>
+        <p:txBody>
+          <a:bodyPr/>
+          <a:lstStyle/>
+          <a:p>
+            <a:pPr lvl="1"/>
+            <a:r>
+              <a:rPr lang="en-US" altLang="ko-KR" dirty="0"/>
+              <a:t>with</a:t>
+            </a:r>
+          </a:p>
+          <a:p>
+            <a:pPr lvl="2"/>
+            <a:r>
+              <a:rPr lang="en-US" altLang="ko-KR" dirty="0"/>
+              <a:t>var</a:t>
+            </a:r>
+            <a:r>
+              <a:rPr lang="ko-KR" altLang="en-US" dirty="0"/>
+              <a:t> </a:t>
+            </a:r>
+            <a:r>
+              <a:rPr lang="en-US" altLang="ko-KR" dirty="0"/>
+              <a:t>list1 = </a:t>
+            </a:r>
+            <a:r>
+              <a:rPr lang="en-US" altLang="ko-KR" dirty="0" err="1"/>
+              <a:t>mutableListOf</a:t>
+            </a:r>
+            <a:r>
+              <a:rPr lang="en-US" altLang="ko-KR" dirty="0"/>
+              <a:t>(“scope”, “function”)</a:t>
+            </a:r>
+          </a:p>
+          <a:p>
+            <a:pPr lvl="2"/>
+            <a:r>
+              <a:rPr lang="en-US" altLang="ko-KR" dirty="0"/>
+              <a:t>with(list1) {</a:t>
+            </a:r>
+          </a:p>
+          <a:p>
+            <a:pPr lvl="2"/>
+            <a:r>
+              <a:rPr lang="en-US" altLang="ko-KR" dirty="0"/>
+              <a:t>    </a:t>
+            </a:r>
+            <a:r>
+              <a:rPr lang="en-US" altLang="ko-KR" dirty="0" err="1"/>
+              <a:t>val</a:t>
+            </a:r>
+            <a:r>
+              <a:rPr lang="en-US" altLang="ko-KR" dirty="0"/>
+              <a:t> </a:t>
+            </a:r>
+            <a:r>
+              <a:rPr lang="en-US" altLang="ko-KR" dirty="0" err="1"/>
+              <a:t>listSize</a:t>
+            </a:r>
+            <a:r>
+              <a:rPr lang="en-US" altLang="ko-KR" dirty="0"/>
+              <a:t> = </a:t>
+            </a:r>
+            <a:r>
+              <a:rPr lang="en-US" altLang="ko-KR" dirty="0">
+                <a:solidFill>
+                  <a:schemeClr val="accent1"/>
+                </a:solidFill>
+              </a:rPr>
+              <a:t>size</a:t>
+            </a:r>
+            <a:r>
+              <a:rPr lang="en-US" altLang="ko-KR" dirty="0"/>
+              <a:t>    // </a:t>
+            </a:r>
+            <a:r>
+              <a:rPr lang="en-US" altLang="ko-KR" dirty="0">
+                <a:solidFill>
+                  <a:schemeClr val="accent1"/>
+                </a:solidFill>
+              </a:rPr>
+              <a:t>this.size  	</a:t>
+            </a:r>
+            <a:r>
+              <a:rPr lang="en-US" altLang="ko-KR" dirty="0"/>
+              <a:t> list1</a:t>
+            </a:r>
+            <a:r>
+              <a:rPr lang="ko-KR" altLang="en-US" dirty="0"/>
+              <a:t>의 </a:t>
+            </a:r>
+            <a:r>
+              <a:rPr lang="en-US" altLang="ko-KR" dirty="0"/>
+              <a:t>size </a:t>
+            </a:r>
+            <a:r>
+              <a:rPr lang="ko-KR" altLang="en-US" dirty="0"/>
+              <a:t>속성 사용</a:t>
+            </a:r>
+            <a:endParaRPr lang="en-US" altLang="ko-KR" dirty="0"/>
+          </a:p>
+          <a:p>
+            <a:pPr lvl="2"/>
+            <a:r>
+              <a:rPr lang="ko-KR" altLang="en-US" dirty="0"/>
+              <a:t>    </a:t>
+            </a:r>
+            <a:r>
+              <a:rPr lang="en-US" altLang="ko-KR" dirty="0" err="1"/>
+              <a:t>Log.d</a:t>
+            </a:r>
+            <a:r>
+              <a:rPr lang="en-US" altLang="ko-KR" dirty="0"/>
+              <a:t>(“check”, “list1</a:t>
+            </a:r>
+            <a:r>
+              <a:rPr lang="ko-KR" altLang="en-US" dirty="0"/>
+              <a:t>의 길이는 </a:t>
+            </a:r>
+            <a:r>
+              <a:rPr lang="en-US" altLang="ko-KR" dirty="0"/>
+              <a:t>${</a:t>
+            </a:r>
+            <a:r>
+              <a:rPr lang="en-US" altLang="ko-KR" dirty="0" err="1"/>
+              <a:t>listSize</a:t>
+            </a:r>
+            <a:r>
+              <a:rPr lang="en-US" altLang="ko-KR" dirty="0"/>
+              <a:t>}</a:t>
+            </a:r>
+            <a:r>
+              <a:rPr lang="ko-KR" altLang="en-US" dirty="0"/>
+              <a:t>이다</a:t>
+            </a:r>
+            <a:r>
+              <a:rPr lang="en-US" altLang="ko-KR" dirty="0"/>
+              <a:t>.”)</a:t>
+            </a:r>
+          </a:p>
+          <a:p>
+            <a:pPr lvl="2"/>
+            <a:r>
+              <a:rPr lang="ko-KR" altLang="en-US" dirty="0"/>
+              <a:t>    </a:t>
+            </a:r>
+            <a:r>
+              <a:rPr lang="en-US" altLang="ko-KR" dirty="0" err="1"/>
+              <a:t>Log.d</a:t>
+            </a:r>
+            <a:r>
+              <a:rPr lang="en-US" altLang="ko-KR" dirty="0"/>
+              <a:t>(“check”, “list1</a:t>
+            </a:r>
+            <a:r>
+              <a:rPr lang="ko-KR" altLang="en-US" dirty="0"/>
+              <a:t>의 첫 번째 항목은</a:t>
+            </a:r>
+            <a:r>
+              <a:rPr lang="en-US" altLang="ko-KR" dirty="0"/>
+              <a:t>${</a:t>
+            </a:r>
+            <a:r>
+              <a:rPr lang="en-US" altLang="ko-KR" dirty="0">
+                <a:solidFill>
+                  <a:schemeClr val="accent1"/>
+                </a:solidFill>
+              </a:rPr>
+              <a:t>this[0]</a:t>
+            </a:r>
+            <a:r>
+              <a:rPr lang="en-US" altLang="ko-KR" dirty="0"/>
+              <a:t>}</a:t>
+            </a:r>
+            <a:r>
+              <a:rPr lang="ko-KR" altLang="en-US" dirty="0"/>
+              <a:t>이다</a:t>
+            </a:r>
+            <a:r>
+              <a:rPr lang="en-US" altLang="ko-KR" dirty="0"/>
+              <a:t>.”)</a:t>
+            </a:r>
+          </a:p>
+          <a:p>
+            <a:pPr lvl="2"/>
+            <a:r>
+              <a:rPr lang="en-US" altLang="ko-KR" dirty="0"/>
+              <a:t>}</a:t>
+            </a:r>
+            <a:endParaRPr lang="ko-KR" altLang="en-US" dirty="0"/>
+          </a:p>
+          <a:p>
+            <a:pPr lvl="1"/>
+            <a:endParaRPr lang="en-US" altLang="ko-KR" dirty="0"/>
+          </a:p>
+          <a:p>
+            <a:pPr lvl="1"/>
+            <a:r>
+              <a:rPr lang="ko-KR" altLang="en-US" dirty="0"/>
+              <a:t>호출 대상이 </a:t>
+            </a:r>
+            <a:r>
+              <a:rPr lang="en-US" altLang="ko-KR" dirty="0"/>
+              <a:t>null</a:t>
+            </a:r>
+            <a:r>
+              <a:rPr lang="ko-KR" altLang="en-US" dirty="0" err="1"/>
+              <a:t>일때는</a:t>
+            </a:r>
+            <a:r>
+              <a:rPr lang="en-US" altLang="ko-KR" dirty="0"/>
+              <a:t> with </a:t>
+            </a:r>
+            <a:r>
+              <a:rPr lang="ko-KR" altLang="en-US" dirty="0"/>
+              <a:t>보다는 </a:t>
+            </a:r>
+            <a:r>
+              <a:rPr lang="en-US" altLang="ko-KR" dirty="0"/>
+              <a:t>apply </a:t>
+            </a:r>
+            <a:r>
+              <a:rPr lang="ko-KR" altLang="en-US" dirty="0"/>
+              <a:t>또는 </a:t>
+            </a:r>
+            <a:r>
+              <a:rPr lang="en-US" altLang="ko-KR" dirty="0"/>
+              <a:t>run </a:t>
+            </a:r>
+            <a:r>
+              <a:rPr lang="ko-KR" altLang="en-US" dirty="0"/>
+              <a:t>사용</a:t>
+            </a:r>
+          </a:p>
+        </p:txBody>
+      </p:sp>
+    </p:spTree>
+    <p:extLst>
+      <p:ext uri="{BB962C8B-B14F-4D97-AF65-F5344CB8AC3E}">
+        <p14:creationId xmlns:p14="http://schemas.microsoft.com/office/powerpoint/2010/main" val="274144994"/>
+      </p:ext>
+    </p:extLst>
+  </p:cSld>
+  <p:clrMapOvr>
+    <a:masterClrMapping/>
+  </p:clrMapOvr>
+</p:sld>
+</file>
+
+<file path=ppt/slides/slide57.xml><?xml version="1.0" encoding="utf-8"?>
+<p:sld xmlns:a="http://schemas.openxmlformats.org/drawingml/2006/main" xmlns:r="http://schemas.openxmlformats.org/officeDocument/2006/relationships" xmlns:p="http://schemas.openxmlformats.org/presentationml/2006/main">
+  <p:cSld>
+    <p:spTree>
+      <p:nvGrpSpPr>
+        <p:cNvPr id="1" name=""/>
+        <p:cNvGrpSpPr/>
+        <p:nvPr/>
+      </p:nvGrpSpPr>
+      <p:grpSpPr>
+        <a:xfrm>
+          <a:off x="0" y="0"/>
+          <a:ext cx="0" cy="0"/>
+          <a:chOff x="0" y="0"/>
+          <a:chExt cx="0" cy="0"/>
+        </a:xfrm>
+      </p:grpSpPr>
+      <p:sp>
+        <p:nvSpPr>
+          <p:cNvPr id="2" name="제목 1">
+            <a:extLst>
+              <a:ext uri="{FF2B5EF4-FFF2-40B4-BE49-F238E27FC236}">
+                <a16:creationId xmlns:a16="http://schemas.microsoft.com/office/drawing/2014/main" id="{FF7AC713-0BA4-1D29-589E-B8587310C483}"/>
+              </a:ext>
+            </a:extLst>
+          </p:cNvPr>
+          <p:cNvSpPr>
+            <a:spLocks noGrp="1"/>
+          </p:cNvSpPr>
+          <p:nvPr>
+            <p:ph type="title"/>
+          </p:nvPr>
+        </p:nvSpPr>
+        <p:spPr/>
+        <p:txBody>
+          <a:bodyPr/>
+          <a:lstStyle/>
+          <a:p>
+            <a:endParaRPr lang="ko-KR" altLang="en-US"/>
+          </a:p>
+        </p:txBody>
+      </p:sp>
+      <p:sp>
+        <p:nvSpPr>
+          <p:cNvPr id="3" name="내용 개체 틀 2">
+            <a:extLst>
+              <a:ext uri="{FF2B5EF4-FFF2-40B4-BE49-F238E27FC236}">
+                <a16:creationId xmlns:a16="http://schemas.microsoft.com/office/drawing/2014/main" id="{3E23A6D2-9583-A5E0-6EE2-4634C8FED7B4}"/>
+              </a:ext>
+            </a:extLst>
+          </p:cNvPr>
+          <p:cNvSpPr>
+            <a:spLocks noGrp="1"/>
+          </p:cNvSpPr>
+          <p:nvPr>
+            <p:ph idx="1"/>
+          </p:nvPr>
+        </p:nvSpPr>
+        <p:spPr/>
+        <p:txBody>
+          <a:bodyPr/>
+          <a:lstStyle/>
+          <a:p>
+            <a:pPr lvl="1"/>
+            <a:r>
+              <a:rPr lang="en-US" altLang="ko-KR" dirty="0"/>
+              <a:t>also</a:t>
+            </a:r>
+          </a:p>
+          <a:p>
+            <a:pPr lvl="2"/>
+            <a:r>
+              <a:rPr lang="en-US" altLang="ko-KR" dirty="0"/>
+              <a:t>var</a:t>
+            </a:r>
+            <a:r>
+              <a:rPr lang="ko-KR" altLang="en-US" dirty="0"/>
+              <a:t> </a:t>
+            </a:r>
+            <a:r>
+              <a:rPr lang="en-US" altLang="ko-KR" dirty="0"/>
+              <a:t>list1 = </a:t>
+            </a:r>
+            <a:r>
+              <a:rPr lang="en-US" altLang="ko-KR" dirty="0" err="1"/>
+              <a:t>mutableListOf</a:t>
+            </a:r>
+            <a:r>
+              <a:rPr lang="en-US" altLang="ko-KR" dirty="0"/>
+              <a:t>(“scope”, “function”)</a:t>
+            </a:r>
+          </a:p>
+          <a:p>
+            <a:pPr lvl="2"/>
+            <a:r>
+              <a:rPr lang="en-US" altLang="ko-KR" dirty="0"/>
+              <a:t>list1.also {</a:t>
+            </a:r>
+          </a:p>
+          <a:p>
+            <a:pPr lvl="2"/>
+            <a:r>
+              <a:rPr lang="en-US" altLang="ko-KR" dirty="0"/>
+              <a:t>    </a:t>
+            </a:r>
+            <a:r>
+              <a:rPr lang="en-US" altLang="ko-KR" dirty="0" err="1"/>
+              <a:t>val</a:t>
+            </a:r>
+            <a:r>
+              <a:rPr lang="en-US" altLang="ko-KR" dirty="0"/>
+              <a:t> </a:t>
+            </a:r>
+            <a:r>
+              <a:rPr lang="en-US" altLang="ko-KR" dirty="0" err="1"/>
+              <a:t>listSize</a:t>
+            </a:r>
+            <a:r>
+              <a:rPr lang="en-US" altLang="ko-KR" dirty="0"/>
+              <a:t> = </a:t>
+            </a:r>
+            <a:r>
+              <a:rPr lang="en-US" altLang="ko-KR" dirty="0">
+                <a:solidFill>
+                  <a:schemeClr val="accent1"/>
+                </a:solidFill>
+              </a:rPr>
+              <a:t>size</a:t>
+            </a:r>
+            <a:r>
+              <a:rPr lang="en-US" altLang="ko-KR" dirty="0"/>
+              <a:t>    // </a:t>
+            </a:r>
+            <a:r>
+              <a:rPr lang="en-US" altLang="ko-KR" dirty="0" err="1">
+                <a:solidFill>
+                  <a:schemeClr val="accent1"/>
+                </a:solidFill>
+              </a:rPr>
+              <a:t>it.size</a:t>
+            </a:r>
+            <a:r>
+              <a:rPr lang="en-US" altLang="ko-KR" dirty="0">
+                <a:solidFill>
+                  <a:schemeClr val="accent1"/>
+                </a:solidFill>
+              </a:rPr>
+              <a:t>  	</a:t>
+            </a:r>
+            <a:r>
+              <a:rPr lang="en-US" altLang="ko-KR" dirty="0"/>
+              <a:t> list1</a:t>
+            </a:r>
+            <a:r>
+              <a:rPr lang="ko-KR" altLang="en-US" dirty="0"/>
+              <a:t>의 </a:t>
+            </a:r>
+            <a:r>
+              <a:rPr lang="en-US" altLang="ko-KR" dirty="0"/>
+              <a:t>size </a:t>
+            </a:r>
+            <a:r>
+              <a:rPr lang="ko-KR" altLang="en-US" dirty="0"/>
+              <a:t>속성 사용</a:t>
+            </a:r>
+            <a:endParaRPr lang="en-US" altLang="ko-KR" dirty="0"/>
+          </a:p>
+          <a:p>
+            <a:pPr lvl="2"/>
+            <a:r>
+              <a:rPr lang="ko-KR" altLang="en-US" dirty="0"/>
+              <a:t>    </a:t>
+            </a:r>
+            <a:r>
+              <a:rPr lang="en-US" altLang="ko-KR" dirty="0" err="1"/>
+              <a:t>Log.d</a:t>
+            </a:r>
+            <a:r>
+              <a:rPr lang="en-US" altLang="ko-KR" dirty="0"/>
+              <a:t>(“check”, “list1</a:t>
+            </a:r>
+            <a:r>
+              <a:rPr lang="ko-KR" altLang="en-US" dirty="0"/>
+              <a:t>의 길이는 </a:t>
+            </a:r>
+            <a:r>
+              <a:rPr lang="en-US" altLang="ko-KR" dirty="0"/>
+              <a:t>${</a:t>
+            </a:r>
+            <a:r>
+              <a:rPr lang="en-US" altLang="ko-KR" dirty="0" err="1"/>
+              <a:t>listSize</a:t>
+            </a:r>
+            <a:r>
+              <a:rPr lang="en-US" altLang="ko-KR" dirty="0"/>
+              <a:t>}</a:t>
+            </a:r>
+            <a:r>
+              <a:rPr lang="ko-KR" altLang="en-US" dirty="0"/>
+              <a:t>이다</a:t>
+            </a:r>
+            <a:r>
+              <a:rPr lang="en-US" altLang="ko-KR" dirty="0"/>
+              <a:t>.”)</a:t>
+            </a:r>
+          </a:p>
+          <a:p>
+            <a:pPr lvl="2"/>
+            <a:r>
+              <a:rPr lang="en-US" altLang="ko-KR" dirty="0"/>
+              <a:t>}</a:t>
+            </a:r>
+          </a:p>
+          <a:p>
+            <a:pPr lvl="1"/>
+            <a:endParaRPr lang="ko-KR" altLang="en-US" dirty="0"/>
+          </a:p>
+        </p:txBody>
+      </p:sp>
+    </p:spTree>
+    <p:extLst>
+      <p:ext uri="{BB962C8B-B14F-4D97-AF65-F5344CB8AC3E}">
+        <p14:creationId xmlns:p14="http://schemas.microsoft.com/office/powerpoint/2010/main" val="3450147941"/>
+      </p:ext>
+    </p:extLst>
+  </p:cSld>
+  <p:clrMapOvr>
+    <a:masterClrMapping/>
+  </p:clrMapOvr>
+</p:sld>
+</file>
+
+<file path=ppt/slides/slide58.xml><?xml version="1.0" encoding="utf-8"?>
+<p:sld xmlns:a="http://schemas.openxmlformats.org/drawingml/2006/main" xmlns:r="http://schemas.openxmlformats.org/officeDocument/2006/relationships" xmlns:p="http://schemas.openxmlformats.org/presentationml/2006/main">
+  <p:cSld>
+    <p:spTree>
+      <p:nvGrpSpPr>
+        <p:cNvPr id="1" name=""/>
+        <p:cNvGrpSpPr/>
+        <p:nvPr/>
+      </p:nvGrpSpPr>
+      <p:grpSpPr>
+        <a:xfrm>
+          <a:off x="0" y="0"/>
+          <a:ext cx="0" cy="0"/>
+          <a:chOff x="0" y="0"/>
+          <a:chExt cx="0" cy="0"/>
+        </a:xfrm>
+      </p:grpSpPr>
+      <p:sp>
+        <p:nvSpPr>
+          <p:cNvPr id="2" name="제목 1">
+            <a:extLst>
+              <a:ext uri="{FF2B5EF4-FFF2-40B4-BE49-F238E27FC236}">
+                <a16:creationId xmlns:a16="http://schemas.microsoft.com/office/drawing/2014/main" id="{B05BB1AF-9FD7-5B5C-A374-F257D052552B}"/>
+              </a:ext>
+            </a:extLst>
+          </p:cNvPr>
+          <p:cNvSpPr>
+            <a:spLocks noGrp="1"/>
+          </p:cNvSpPr>
+          <p:nvPr>
+            <p:ph type="title"/>
+          </p:nvPr>
+        </p:nvSpPr>
+        <p:spPr/>
+        <p:txBody>
+          <a:bodyPr/>
+          <a:lstStyle/>
+          <a:p>
+            <a:endParaRPr lang="ko-KR" altLang="en-US"/>
+          </a:p>
+        </p:txBody>
+      </p:sp>
+      <p:sp>
+        <p:nvSpPr>
+          <p:cNvPr id="3" name="내용 개체 틀 2">
+            <a:extLst>
+              <a:ext uri="{FF2B5EF4-FFF2-40B4-BE49-F238E27FC236}">
+                <a16:creationId xmlns:a16="http://schemas.microsoft.com/office/drawing/2014/main" id="{CF695384-3CD7-690C-90BA-02C2AC86FD8F}"/>
+              </a:ext>
+            </a:extLst>
+          </p:cNvPr>
+          <p:cNvSpPr>
+            <a:spLocks noGrp="1"/>
+          </p:cNvSpPr>
+          <p:nvPr>
+            <p:ph idx="1"/>
+          </p:nvPr>
+        </p:nvSpPr>
+        <p:spPr/>
+        <p:txBody>
+          <a:bodyPr>
+            <a:normAutofit fontScale="92500" lnSpcReduction="10000"/>
+          </a:bodyPr>
+          <a:lstStyle/>
+          <a:p>
+            <a:r>
+              <a:rPr lang="en-US" altLang="ko-KR" dirty="0"/>
+              <a:t>scope </a:t>
+            </a:r>
+            <a:r>
+              <a:rPr lang="ko-KR" altLang="en-US" dirty="0"/>
+              <a:t>함수의 </a:t>
+            </a:r>
+            <a:r>
+              <a:rPr lang="ko-KR" altLang="en-US" dirty="0" err="1"/>
+              <a:t>반환값</a:t>
+            </a:r>
+            <a:endParaRPr lang="en-US" altLang="ko-KR" dirty="0"/>
+          </a:p>
+          <a:p>
+            <a:pPr lvl="1"/>
+            <a:r>
+              <a:rPr lang="en-US" altLang="ko-KR" dirty="0"/>
+              <a:t>var list1 = </a:t>
+            </a:r>
+            <a:r>
+              <a:rPr lang="en-US" altLang="ko-KR" dirty="0" err="1"/>
+              <a:t>mutableListOf</a:t>
+            </a:r>
+            <a:r>
+              <a:rPr lang="en-US" altLang="ko-KR" dirty="0"/>
+              <a:t>(“scope”, “function”)</a:t>
+            </a:r>
+          </a:p>
+          <a:p>
+            <a:pPr lvl="1"/>
+            <a:r>
+              <a:rPr lang="en-US" altLang="ko-KR" dirty="0"/>
+              <a:t>var </a:t>
+            </a:r>
+            <a:r>
+              <a:rPr lang="en-US" altLang="ko-KR" dirty="0" err="1"/>
+              <a:t>afterApply</a:t>
+            </a:r>
+            <a:r>
+              <a:rPr lang="en-US" altLang="ko-KR" dirty="0"/>
+              <a:t> = list1.apply {</a:t>
+            </a:r>
+          </a:p>
+          <a:p>
+            <a:pPr lvl="1"/>
+            <a:r>
+              <a:rPr lang="en-US" altLang="ko-KR" dirty="0"/>
+              <a:t>    add(“apply”)   // list1.add()</a:t>
+            </a:r>
+          </a:p>
+          <a:p>
+            <a:pPr lvl="1"/>
+            <a:r>
+              <a:rPr lang="en-US" altLang="ko-KR" dirty="0"/>
+              <a:t>    count()              // list1.count()</a:t>
+            </a:r>
+          </a:p>
+          <a:p>
+            <a:pPr lvl="1"/>
+            <a:r>
+              <a:rPr lang="en-US" altLang="ko-KR" dirty="0"/>
+              <a:t>}  </a:t>
+            </a:r>
+            <a:r>
+              <a:rPr lang="en-US" altLang="ko-KR" dirty="0">
+                <a:solidFill>
+                  <a:schemeClr val="accent1"/>
+                </a:solidFill>
+              </a:rPr>
+              <a:t>// </a:t>
+            </a:r>
+            <a:r>
+              <a:rPr lang="en-US" altLang="ko-KR" dirty="0" err="1">
+                <a:solidFill>
+                  <a:schemeClr val="accent1"/>
+                </a:solidFill>
+              </a:rPr>
+              <a:t>afterApply</a:t>
+            </a:r>
+            <a:r>
+              <a:rPr lang="ko-KR" altLang="en-US" dirty="0">
+                <a:solidFill>
+                  <a:schemeClr val="accent1"/>
+                </a:solidFill>
+              </a:rPr>
+              <a:t>에 저장되는 값은 </a:t>
+            </a:r>
+            <a:r>
+              <a:rPr lang="en-US" altLang="ko-KR" dirty="0">
+                <a:solidFill>
+                  <a:schemeClr val="accent1"/>
+                </a:solidFill>
+              </a:rPr>
+              <a:t>this, </a:t>
+            </a:r>
+            <a:r>
+              <a:rPr lang="ko-KR" altLang="en-US" dirty="0">
+                <a:solidFill>
+                  <a:schemeClr val="accent1"/>
+                </a:solidFill>
+              </a:rPr>
+              <a:t>즉 </a:t>
+            </a:r>
+            <a:r>
+              <a:rPr lang="en-US" altLang="ko-KR" dirty="0">
+                <a:solidFill>
+                  <a:schemeClr val="accent1"/>
+                </a:solidFill>
+              </a:rPr>
+              <a:t>list1</a:t>
+            </a:r>
+            <a:r>
+              <a:rPr lang="ko-KR" altLang="en-US" dirty="0">
+                <a:solidFill>
+                  <a:schemeClr val="accent1"/>
+                </a:solidFill>
+              </a:rPr>
+              <a:t>이</a:t>
+            </a:r>
+            <a:r>
+              <a:rPr lang="en-US" altLang="ko-KR" dirty="0">
+                <a:solidFill>
+                  <a:schemeClr val="accent1"/>
+                </a:solidFill>
+              </a:rPr>
+              <a:t> </a:t>
+            </a:r>
+            <a:r>
+              <a:rPr lang="ko-KR" altLang="en-US" dirty="0">
+                <a:solidFill>
+                  <a:schemeClr val="accent1"/>
+                </a:solidFill>
+              </a:rPr>
+              <a:t>된다</a:t>
+            </a:r>
+            <a:r>
+              <a:rPr lang="en-US" altLang="ko-KR" dirty="0">
+                <a:solidFill>
+                  <a:schemeClr val="accent1"/>
+                </a:solidFill>
+              </a:rPr>
+              <a:t>.</a:t>
+            </a:r>
+          </a:p>
+          <a:p>
+            <a:pPr lvl="1"/>
+            <a:r>
+              <a:rPr lang="en-US" altLang="ko-KR" dirty="0"/>
+              <a:t>var </a:t>
+            </a:r>
+            <a:r>
+              <a:rPr lang="en-US" altLang="ko-KR" dirty="0" err="1"/>
+              <a:t>afterAlso</a:t>
+            </a:r>
+            <a:r>
+              <a:rPr lang="en-US" altLang="ko-KR" dirty="0"/>
+              <a:t> = list1.also {</a:t>
+            </a:r>
+          </a:p>
+          <a:p>
+            <a:pPr lvl="1"/>
+            <a:r>
+              <a:rPr lang="en-US" altLang="ko-KR" dirty="0"/>
+              <a:t>    </a:t>
+            </a:r>
+            <a:r>
+              <a:rPr lang="en-US" altLang="ko-KR" dirty="0" err="1"/>
+              <a:t>it.add</a:t>
+            </a:r>
+            <a:r>
+              <a:rPr lang="en-US" altLang="ko-KR" dirty="0"/>
+              <a:t>(“also”)</a:t>
+            </a:r>
+          </a:p>
+          <a:p>
+            <a:pPr lvl="1"/>
+            <a:r>
+              <a:rPr lang="en-US" altLang="ko-KR" dirty="0"/>
+              <a:t>    </a:t>
+            </a:r>
+            <a:r>
+              <a:rPr lang="en-US" altLang="ko-KR" dirty="0" err="1"/>
+              <a:t>it.count</a:t>
+            </a:r>
+            <a:r>
+              <a:rPr lang="en-US" altLang="ko-KR" dirty="0"/>
+              <a:t>()</a:t>
+            </a:r>
+          </a:p>
+          <a:p>
+            <a:pPr lvl="1"/>
+            <a:r>
+              <a:rPr lang="en-US" altLang="ko-KR" dirty="0"/>
+              <a:t>}  </a:t>
+            </a:r>
+            <a:r>
+              <a:rPr lang="en-US" altLang="ko-KR" dirty="0">
+                <a:solidFill>
+                  <a:schemeClr val="accent1"/>
+                </a:solidFill>
+              </a:rPr>
+              <a:t>// </a:t>
+            </a:r>
+            <a:r>
+              <a:rPr lang="en-US" altLang="ko-KR" dirty="0" err="1">
+                <a:solidFill>
+                  <a:schemeClr val="accent1"/>
+                </a:solidFill>
+              </a:rPr>
+              <a:t>afterAlso</a:t>
+            </a:r>
+            <a:r>
+              <a:rPr lang="ko-KR" altLang="en-US" dirty="0">
+                <a:solidFill>
+                  <a:schemeClr val="accent1"/>
+                </a:solidFill>
+              </a:rPr>
+              <a:t>에 저장되는 값은 </a:t>
+            </a:r>
+            <a:r>
+              <a:rPr lang="en-US" altLang="ko-KR" dirty="0">
+                <a:solidFill>
+                  <a:schemeClr val="accent1"/>
+                </a:solidFill>
+              </a:rPr>
+              <a:t>this, </a:t>
+            </a:r>
+            <a:r>
+              <a:rPr lang="ko-KR" altLang="en-US" dirty="0">
+                <a:solidFill>
+                  <a:schemeClr val="accent1"/>
+                </a:solidFill>
+              </a:rPr>
+              <a:t>즉 </a:t>
+            </a:r>
+            <a:r>
+              <a:rPr lang="en-US" altLang="ko-KR" dirty="0">
+                <a:solidFill>
+                  <a:schemeClr val="accent1"/>
+                </a:solidFill>
+              </a:rPr>
+              <a:t>list1</a:t>
+            </a:r>
+            <a:r>
+              <a:rPr lang="ko-KR" altLang="en-US" dirty="0">
+                <a:solidFill>
+                  <a:schemeClr val="accent1"/>
+                </a:solidFill>
+              </a:rPr>
+              <a:t>이 된다</a:t>
+            </a:r>
+            <a:r>
+              <a:rPr lang="en-US" altLang="ko-KR" dirty="0">
+                <a:solidFill>
+                  <a:schemeClr val="accent1"/>
+                </a:solidFill>
+              </a:rPr>
+              <a:t>. </a:t>
+            </a:r>
+          </a:p>
+          <a:p>
+            <a:pPr lvl="1"/>
+            <a:endParaRPr lang="ko-KR" altLang="en-US" dirty="0">
+              <a:solidFill>
+                <a:schemeClr val="accent1"/>
+              </a:solidFill>
+            </a:endParaRPr>
+          </a:p>
+        </p:txBody>
+      </p:sp>
+    </p:spTree>
+    <p:extLst>
+      <p:ext uri="{BB962C8B-B14F-4D97-AF65-F5344CB8AC3E}">
+        <p14:creationId xmlns:p14="http://schemas.microsoft.com/office/powerpoint/2010/main" val="320071880"/>
+      </p:ext>
+    </p:extLst>
+  </p:cSld>
+  <p:clrMapOvr>
+    <a:masterClrMapping/>
+  </p:clrMapOvr>
+</p:sld>
+</file>
+
+<file path=ppt/slides/slide59.xml><?xml version="1.0" encoding="utf-8"?>
+<p:sld xmlns:a="http://schemas.openxmlformats.org/drawingml/2006/main" xmlns:r="http://schemas.openxmlformats.org/officeDocument/2006/relationships" xmlns:p="http://schemas.openxmlformats.org/presentationml/2006/main">
+  <p:cSld>
+    <p:spTree>
+      <p:nvGrpSpPr>
+        <p:cNvPr id="1" name=""/>
+        <p:cNvGrpSpPr/>
+        <p:nvPr/>
+      </p:nvGrpSpPr>
+      <p:grpSpPr>
+        <a:xfrm>
+          <a:off x="0" y="0"/>
+          <a:ext cx="0" cy="0"/>
+          <a:chOff x="0" y="0"/>
+          <a:chExt cx="0" cy="0"/>
+        </a:xfrm>
+      </p:grpSpPr>
+      <p:sp>
+        <p:nvSpPr>
+          <p:cNvPr id="2" name="제목 1">
+            <a:extLst>
+              <a:ext uri="{FF2B5EF4-FFF2-40B4-BE49-F238E27FC236}">
+                <a16:creationId xmlns:a16="http://schemas.microsoft.com/office/drawing/2014/main" id="{9E6E96B6-3C1F-908E-25D2-924E85FDD39D}"/>
+              </a:ext>
+            </a:extLst>
+          </p:cNvPr>
+          <p:cNvSpPr>
+            <a:spLocks noGrp="1"/>
+          </p:cNvSpPr>
+          <p:nvPr>
+            <p:ph type="title"/>
+          </p:nvPr>
+        </p:nvSpPr>
+        <p:spPr/>
+        <p:txBody>
+          <a:bodyPr/>
+          <a:lstStyle/>
+          <a:p>
+            <a:endParaRPr lang="ko-KR" altLang="en-US"/>
+          </a:p>
+        </p:txBody>
+      </p:sp>
+      <p:sp>
+        <p:nvSpPr>
+          <p:cNvPr id="3" name="내용 개체 틀 2">
+            <a:extLst>
+              <a:ext uri="{FF2B5EF4-FFF2-40B4-BE49-F238E27FC236}">
+                <a16:creationId xmlns:a16="http://schemas.microsoft.com/office/drawing/2014/main" id="{BFC0C738-F6BD-D696-DF0F-80250A4AF2DB}"/>
+              </a:ext>
+            </a:extLst>
+          </p:cNvPr>
+          <p:cNvSpPr>
+            <a:spLocks noGrp="1"/>
+          </p:cNvSpPr>
+          <p:nvPr>
+            <p:ph idx="1"/>
+          </p:nvPr>
+        </p:nvSpPr>
+        <p:spPr/>
+        <p:txBody>
+          <a:bodyPr>
+            <a:normAutofit lnSpcReduction="10000"/>
+          </a:bodyPr>
+          <a:lstStyle/>
+          <a:p>
+            <a:pPr lvl="1"/>
+            <a:r>
+              <a:rPr lang="en-US" altLang="ko-KR" dirty="0"/>
+              <a:t>var list1 = </a:t>
+            </a:r>
+            <a:r>
+              <a:rPr lang="en-US" altLang="ko-KR" dirty="0" err="1"/>
+              <a:t>mutableListOf</a:t>
+            </a:r>
+            <a:r>
+              <a:rPr lang="en-US" altLang="ko-KR" dirty="0"/>
+              <a:t>(“scope”, “function”)</a:t>
+            </a:r>
+          </a:p>
+          <a:p>
+            <a:pPr lvl="1"/>
+            <a:r>
+              <a:rPr lang="en-US" altLang="ko-KR" dirty="0"/>
+              <a:t>var </a:t>
+            </a:r>
+            <a:r>
+              <a:rPr lang="en-US" altLang="ko-KR" dirty="0" err="1"/>
+              <a:t>afterLet</a:t>
+            </a:r>
+            <a:r>
+              <a:rPr lang="en-US" altLang="ko-KR" dirty="0"/>
+              <a:t> = list1.let {</a:t>
+            </a:r>
+          </a:p>
+          <a:p>
+            <a:pPr lvl="1"/>
+            <a:r>
+              <a:rPr lang="en-US" altLang="ko-KR" dirty="0"/>
+              <a:t>    </a:t>
+            </a:r>
+            <a:r>
+              <a:rPr lang="en-US" altLang="ko-KR" dirty="0" err="1"/>
+              <a:t>it.add</a:t>
+            </a:r>
+            <a:r>
+              <a:rPr lang="en-US" altLang="ko-KR" dirty="0"/>
+              <a:t>(“apply”)   // list1.add()</a:t>
+            </a:r>
+          </a:p>
+          <a:p>
+            <a:pPr lvl="1"/>
+            <a:r>
+              <a:rPr lang="en-US" altLang="ko-KR" dirty="0"/>
+              <a:t>    </a:t>
+            </a:r>
+            <a:r>
+              <a:rPr lang="en-US" altLang="ko-KR" dirty="0" err="1"/>
+              <a:t>it.count</a:t>
+            </a:r>
+            <a:r>
+              <a:rPr lang="en-US" altLang="ko-KR" dirty="0"/>
+              <a:t>()              // list1.count()</a:t>
+            </a:r>
+          </a:p>
+          <a:p>
+            <a:pPr lvl="1"/>
+            <a:r>
+              <a:rPr lang="en-US" altLang="ko-KR" dirty="0"/>
+              <a:t>}  </a:t>
+            </a:r>
+            <a:r>
+              <a:rPr lang="en-US" altLang="ko-KR" dirty="0">
+                <a:solidFill>
+                  <a:schemeClr val="accent1"/>
+                </a:solidFill>
+              </a:rPr>
+              <a:t>// </a:t>
+            </a:r>
+            <a:r>
+              <a:rPr lang="en-US" altLang="ko-KR" dirty="0" err="1">
+                <a:solidFill>
+                  <a:schemeClr val="accent1"/>
+                </a:solidFill>
+              </a:rPr>
+              <a:t>afterLet</a:t>
+            </a:r>
+            <a:r>
+              <a:rPr lang="ko-KR" altLang="en-US" dirty="0">
+                <a:solidFill>
+                  <a:schemeClr val="accent1"/>
+                </a:solidFill>
+              </a:rPr>
+              <a:t>에 저장되는 값은 마지막 실행한 </a:t>
+            </a:r>
+            <a:r>
+              <a:rPr lang="en-US" altLang="ko-KR" dirty="0" err="1">
+                <a:solidFill>
+                  <a:schemeClr val="accent1"/>
+                </a:solidFill>
+              </a:rPr>
+              <a:t>it.count</a:t>
+            </a:r>
+            <a:r>
+              <a:rPr lang="en-US" altLang="ko-KR" dirty="0">
+                <a:solidFill>
+                  <a:schemeClr val="accent1"/>
+                </a:solidFill>
+              </a:rPr>
+              <a:t>()</a:t>
+            </a:r>
+            <a:r>
+              <a:rPr lang="ko-KR" altLang="en-US" dirty="0">
+                <a:solidFill>
+                  <a:schemeClr val="accent1"/>
+                </a:solidFill>
+              </a:rPr>
+              <a:t>의 값</a:t>
+            </a:r>
+            <a:endParaRPr lang="en-US" altLang="ko-KR" dirty="0">
+              <a:solidFill>
+                <a:schemeClr val="accent1"/>
+              </a:solidFill>
+            </a:endParaRPr>
+          </a:p>
+          <a:p>
+            <a:pPr lvl="1"/>
+            <a:r>
+              <a:rPr lang="en-US" altLang="ko-KR" dirty="0"/>
+              <a:t>var </a:t>
+            </a:r>
+            <a:r>
+              <a:rPr lang="en-US" altLang="ko-KR" dirty="0" err="1"/>
+              <a:t>afterRun</a:t>
+            </a:r>
+            <a:r>
+              <a:rPr lang="en-US" altLang="ko-KR" dirty="0"/>
+              <a:t> = list1.run {</a:t>
+            </a:r>
+          </a:p>
+          <a:p>
+            <a:pPr lvl="1"/>
+            <a:r>
+              <a:rPr lang="en-US" altLang="ko-KR" dirty="0"/>
+              <a:t>    add(“apply”)   // list1.add()</a:t>
+            </a:r>
+          </a:p>
+          <a:p>
+            <a:pPr lvl="1"/>
+            <a:r>
+              <a:rPr lang="en-US" altLang="ko-KR" dirty="0"/>
+              <a:t>    get(size – 1)     // list1.get(), list1.size</a:t>
+            </a:r>
+          </a:p>
+          <a:p>
+            <a:pPr lvl="1"/>
+            <a:r>
+              <a:rPr lang="en-US" altLang="ko-KR" dirty="0"/>
+              <a:t>}  </a:t>
+            </a:r>
+            <a:r>
+              <a:rPr lang="en-US" altLang="ko-KR" dirty="0">
+                <a:solidFill>
+                  <a:schemeClr val="accent1"/>
+                </a:solidFill>
+              </a:rPr>
+              <a:t>// </a:t>
+            </a:r>
+            <a:r>
+              <a:rPr lang="en-US" altLang="ko-KR" dirty="0" err="1">
+                <a:solidFill>
+                  <a:schemeClr val="accent1"/>
+                </a:solidFill>
+              </a:rPr>
+              <a:t>afterRun</a:t>
+            </a:r>
+            <a:r>
+              <a:rPr lang="ko-KR" altLang="en-US" dirty="0">
+                <a:solidFill>
+                  <a:schemeClr val="accent1"/>
+                </a:solidFill>
+              </a:rPr>
+              <a:t>에 저장되는 값은 마지막 실행한 </a:t>
+            </a:r>
+            <a:r>
+              <a:rPr lang="en-US" altLang="ko-KR" dirty="0">
+                <a:solidFill>
+                  <a:schemeClr val="accent1"/>
+                </a:solidFill>
+              </a:rPr>
+              <a:t>get(size-1)</a:t>
+            </a:r>
+            <a:r>
+              <a:rPr lang="ko-KR" altLang="en-US" dirty="0">
+                <a:solidFill>
+                  <a:schemeClr val="accent1"/>
+                </a:solidFill>
+              </a:rPr>
+              <a:t>의 값</a:t>
+            </a:r>
+            <a:endParaRPr lang="ko-KR" altLang="en-US" dirty="0"/>
+          </a:p>
+        </p:txBody>
+      </p:sp>
+    </p:spTree>
+    <p:extLst>
+      <p:ext uri="{BB962C8B-B14F-4D97-AF65-F5344CB8AC3E}">
+        <p14:creationId xmlns:p14="http://schemas.microsoft.com/office/powerpoint/2010/main" val="1275997018"/>
       </p:ext>
     </p:extLst>
   </p:cSld>
@@ -16177,6 +24043,160 @@
     <p:extLst>
       <p:ext uri="{BB962C8B-B14F-4D97-AF65-F5344CB8AC3E}">
         <p14:creationId xmlns:p14="http://schemas.microsoft.com/office/powerpoint/2010/main" val="1207386400"/>
+      </p:ext>
+    </p:extLst>
+  </p:cSld>
+  <p:clrMapOvr>
+    <a:masterClrMapping/>
+  </p:clrMapOvr>
+</p:sld>
+</file>
+
+<file path=ppt/slides/slide60.xml><?xml version="1.0" encoding="utf-8"?>
+<p:sld xmlns:a="http://schemas.openxmlformats.org/drawingml/2006/main" xmlns:r="http://schemas.openxmlformats.org/officeDocument/2006/relationships" xmlns:p="http://schemas.openxmlformats.org/presentationml/2006/main">
+  <p:cSld>
+    <p:spTree>
+      <p:nvGrpSpPr>
+        <p:cNvPr id="1" name=""/>
+        <p:cNvGrpSpPr/>
+        <p:nvPr/>
+      </p:nvGrpSpPr>
+      <p:grpSpPr>
+        <a:xfrm>
+          <a:off x="0" y="0"/>
+          <a:ext cx="0" cy="0"/>
+          <a:chOff x="0" y="0"/>
+          <a:chExt cx="0" cy="0"/>
+        </a:xfrm>
+      </p:grpSpPr>
+      <p:sp>
+        <p:nvSpPr>
+          <p:cNvPr id="2" name="제목 1">
+            <a:extLst>
+              <a:ext uri="{FF2B5EF4-FFF2-40B4-BE49-F238E27FC236}">
+                <a16:creationId xmlns:a16="http://schemas.microsoft.com/office/drawing/2014/main" id="{B9E10CA3-075A-396F-A402-0B15FEAFF545}"/>
+              </a:ext>
+            </a:extLst>
+          </p:cNvPr>
+          <p:cNvSpPr>
+            <a:spLocks noGrp="1"/>
+          </p:cNvSpPr>
+          <p:nvPr>
+            <p:ph type="title"/>
+          </p:nvPr>
+        </p:nvSpPr>
+        <p:spPr/>
+        <p:txBody>
+          <a:bodyPr/>
+          <a:lstStyle/>
+          <a:p>
+            <a:endParaRPr lang="ko-KR" altLang="en-US"/>
+          </a:p>
+        </p:txBody>
+      </p:sp>
+      <p:sp>
+        <p:nvSpPr>
+          <p:cNvPr id="3" name="내용 개체 틀 2">
+            <a:extLst>
+              <a:ext uri="{FF2B5EF4-FFF2-40B4-BE49-F238E27FC236}">
+                <a16:creationId xmlns:a16="http://schemas.microsoft.com/office/drawing/2014/main" id="{755A131F-8FE1-DCC9-852F-D5C8D20F257E}"/>
+              </a:ext>
+            </a:extLst>
+          </p:cNvPr>
+          <p:cNvSpPr>
+            <a:spLocks noGrp="1"/>
+          </p:cNvSpPr>
+          <p:nvPr>
+            <p:ph idx="1"/>
+          </p:nvPr>
+        </p:nvSpPr>
+        <p:spPr/>
+        <p:txBody>
+          <a:bodyPr/>
+          <a:lstStyle/>
+          <a:p>
+            <a:pPr lvl="1"/>
+            <a:r>
+              <a:rPr lang="en-US" altLang="ko-KR" dirty="0"/>
+              <a:t>var </a:t>
+            </a:r>
+            <a:r>
+              <a:rPr lang="en-US" altLang="ko-KR" dirty="0" err="1"/>
+              <a:t>afterWith</a:t>
+            </a:r>
+            <a:r>
+              <a:rPr lang="en-US" altLang="ko-KR" dirty="0"/>
+              <a:t> = with(list1) {</a:t>
+            </a:r>
+          </a:p>
+          <a:p>
+            <a:pPr lvl="1"/>
+            <a:r>
+              <a:rPr lang="en-US" altLang="ko-KR" dirty="0"/>
+              <a:t>    add(“apply”)   // list1.add()</a:t>
+            </a:r>
+          </a:p>
+          <a:p>
+            <a:pPr lvl="1"/>
+            <a:r>
+              <a:rPr lang="en-US" altLang="ko-KR" dirty="0"/>
+              <a:t>    get(size – 1)     // list1.get(), list1.size</a:t>
+            </a:r>
+          </a:p>
+          <a:p>
+            <a:pPr lvl="1"/>
+            <a:r>
+              <a:rPr lang="en-US" altLang="ko-KR" dirty="0"/>
+              <a:t>}  </a:t>
+            </a:r>
+            <a:r>
+              <a:rPr lang="en-US" altLang="ko-KR" dirty="0">
+                <a:solidFill>
+                  <a:schemeClr val="accent1"/>
+                </a:solidFill>
+              </a:rPr>
+              <a:t>// </a:t>
+            </a:r>
+            <a:r>
+              <a:rPr lang="en-US" altLang="ko-KR" dirty="0" err="1">
+                <a:solidFill>
+                  <a:schemeClr val="accent1"/>
+                </a:solidFill>
+              </a:rPr>
+              <a:t>afterWith</a:t>
+            </a:r>
+            <a:r>
+              <a:rPr lang="ko-KR" altLang="en-US" dirty="0">
+                <a:solidFill>
+                  <a:schemeClr val="accent1"/>
+                </a:solidFill>
+              </a:rPr>
+              <a:t>에 저장되는 값은 마지막 실행한 </a:t>
+            </a:r>
+            <a:r>
+              <a:rPr lang="en-US" altLang="ko-KR" dirty="0">
+                <a:solidFill>
+                  <a:schemeClr val="accent1"/>
+                </a:solidFill>
+              </a:rPr>
+              <a:t>get(size-1)</a:t>
+            </a:r>
+            <a:r>
+              <a:rPr lang="ko-KR" altLang="en-US" dirty="0">
+                <a:solidFill>
+                  <a:schemeClr val="accent1"/>
+                </a:solidFill>
+              </a:rPr>
+              <a:t>의 값</a:t>
+            </a:r>
+            <a:endParaRPr lang="ko-KR" altLang="en-US" dirty="0"/>
+          </a:p>
+        </p:txBody>
+      </p:sp>
+    </p:spTree>
+    <p:extLst>
+      <p:ext uri="{BB962C8B-B14F-4D97-AF65-F5344CB8AC3E}">
+        <p14:creationId xmlns:p14="http://schemas.microsoft.com/office/powerpoint/2010/main" val="1320993232"/>
       </p:ext>
     </p:extLst>
   </p:cSld>
